--- a/evaluation/P7_Presentation.pptx
+++ b/evaluation/P7_Presentation.pptx
@@ -5935,7 +5935,7 @@
           <a:graphicData uri="http://schemas.openxmlformats.org/presentationml/2006/ole">
             <mc:AlternateContent xmlns:mc="http://schemas.openxmlformats.org/markup-compatibility/2006">
               <mc:Choice xmlns:v="urn:schemas-microsoft-com:vml" Requires="v">
-                <p:oleObj spid="_x0000_s1047" name="Diapositive think-cell" r:id="rId15" imgW="415" imgH="416" progId="TCLayout.ActiveDocument.1">
+                <p:oleObj spid="_x0000_s1049" name="Diapositive think-cell" r:id="rId15" imgW="415" imgH="416" progId="TCLayout.ActiveDocument.1">
                   <p:embed/>
                 </p:oleObj>
               </mc:Choice>
@@ -7217,7 +7217,7 @@
           <a:graphicData uri="http://schemas.openxmlformats.org/presentationml/2006/ole">
             <mc:AlternateContent xmlns:mc="http://schemas.openxmlformats.org/markup-compatibility/2006">
               <mc:Choice xmlns:v="urn:schemas-microsoft-com:vml" Requires="v">
-                <p:oleObj spid="_x0000_s33820" name="Diapositive think-cell" r:id="rId4" imgW="415" imgH="416" progId="TCLayout.ActiveDocument.1">
+                <p:oleObj spid="_x0000_s33822" name="Diapositive think-cell" r:id="rId4" imgW="415" imgH="416" progId="TCLayout.ActiveDocument.1">
                   <p:embed/>
                 </p:oleObj>
               </mc:Choice>
@@ -10225,7 +10225,7 @@
           <a:graphicData uri="http://schemas.openxmlformats.org/presentationml/2006/ole">
             <mc:AlternateContent xmlns:mc="http://schemas.openxmlformats.org/markup-compatibility/2006">
               <mc:Choice xmlns:v="urn:schemas-microsoft-com:vml" Requires="v">
-                <p:oleObj spid="_x0000_s34831" name="Diapositive think-cell" r:id="rId4" imgW="415" imgH="416" progId="TCLayout.ActiveDocument.1">
+                <p:oleObj spid="_x0000_s34833" name="Diapositive think-cell" r:id="rId4" imgW="415" imgH="416" progId="TCLayout.ActiveDocument.1">
                   <p:embed/>
                 </p:oleObj>
               </mc:Choice>
@@ -12690,7 +12690,7 @@
           <a:graphicData uri="http://schemas.openxmlformats.org/presentationml/2006/ole">
             <mc:AlternateContent xmlns:mc="http://schemas.openxmlformats.org/markup-compatibility/2006">
               <mc:Choice xmlns:v="urn:schemas-microsoft-com:vml" Requires="v">
-                <p:oleObj spid="_x0000_s36877" name="Diapositive think-cell" r:id="rId4" imgW="415" imgH="416" progId="TCLayout.ActiveDocument.1">
+                <p:oleObj spid="_x0000_s36879" name="Diapositive think-cell" r:id="rId4" imgW="415" imgH="416" progId="TCLayout.ActiveDocument.1">
                   <p:embed/>
                 </p:oleObj>
               </mc:Choice>
@@ -14910,7 +14910,7 @@
           <a:graphicData uri="http://schemas.openxmlformats.org/presentationml/2006/ole">
             <mc:AlternateContent xmlns:mc="http://schemas.openxmlformats.org/markup-compatibility/2006">
               <mc:Choice xmlns:v="urn:schemas-microsoft-com:vml" Requires="v">
-                <p:oleObj spid="_x0000_s35853" name="Diapositive think-cell" r:id="rId4" imgW="415" imgH="416" progId="TCLayout.ActiveDocument.1">
+                <p:oleObj spid="_x0000_s35855" name="Diapositive think-cell" r:id="rId4" imgW="415" imgH="416" progId="TCLayout.ActiveDocument.1">
                   <p:embed/>
                 </p:oleObj>
               </mc:Choice>
@@ -16073,7 +16073,7 @@
           <a:graphicData uri="http://schemas.openxmlformats.org/presentationml/2006/ole">
             <mc:AlternateContent xmlns:mc="http://schemas.openxmlformats.org/markup-compatibility/2006">
               <mc:Choice xmlns:v="urn:schemas-microsoft-com:vml" Requires="v">
-                <p:oleObj spid="_x0000_s37892" name="Diapositive think-cell" r:id="rId4" imgW="415" imgH="416" progId="TCLayout.ActiveDocument.1">
+                <p:oleObj spid="_x0000_s37898" name="Diapositive think-cell" r:id="rId4" imgW="415" imgH="416" progId="TCLayout.ActiveDocument.1">
                   <p:embed/>
                 </p:oleObj>
               </mc:Choice>
@@ -16882,7 +16882,7 @@
                   <a:srgbClr val="2A0068"/>
                 </a:solidFill>
               </a:rPr>
-              <a:t>Outils utilisés</a:t>
+              <a:t>Architecture réalisée</a:t>
             </a:r>
           </a:p>
         </p:txBody>
@@ -17196,7 +17196,7 @@
         </p:blipFill>
         <p:spPr bwMode="auto">
           <a:xfrm>
-            <a:off x="971951" y="2070926"/>
+            <a:off x="5898798" y="1649487"/>
             <a:ext cx="2857500" cy="1600200"/>
           </a:xfrm>
           <a:prstGeom prst="rect">
@@ -17235,7 +17235,7 @@
         </p:blipFill>
         <p:spPr>
           <a:xfrm>
-            <a:off x="1076143" y="3910093"/>
+            <a:off x="6970761" y="4488513"/>
             <a:ext cx="1546127" cy="720000"/>
           </a:xfrm>
           <a:prstGeom prst="rect">
@@ -17257,23 +17257,31 @@
           </p:cNvPicPr>
           <p:nvPr/>
         </p:nvPicPr>
-        <p:blipFill>
+        <p:blipFill rotWithShape="1">
           <a:blip r:embed="rId9">
+            <a:clrChange>
+              <a:clrFrom>
+                <a:srgbClr val="FFFFFF"/>
+              </a:clrFrom>
+              <a:clrTo>
+                <a:srgbClr val="FFFFFF">
+                  <a:alpha val="0"/>
+                </a:srgbClr>
+              </a:clrTo>
+            </a:clrChange>
             <a:extLst>
               <a:ext uri="{28A0092B-C50C-407E-A947-70E740481C1C}">
                 <a14:useLocalDpi xmlns:a14="http://schemas.microsoft.com/office/drawing/2010/main" val="0"/>
               </a:ext>
             </a:extLst>
           </a:blip>
-          <a:srcRect/>
-          <a:stretch>
-            <a:fillRect/>
-          </a:stretch>
+          <a:srcRect l="7539" t="20102" r="5756" b="18784"/>
+          <a:stretch/>
         </p:blipFill>
         <p:spPr bwMode="auto">
           <a:xfrm>
-            <a:off x="4448175" y="2733675"/>
-            <a:ext cx="3295650" cy="1390650"/>
+            <a:off x="3935472" y="2943687"/>
+            <a:ext cx="2057706" cy="612000"/>
           </a:xfrm>
           <a:prstGeom prst="rect">
             <a:avLst/>
@@ -17288,6 +17296,599 @@
               </a14:hiddenFill>
             </a:ext>
           </a:extLst>
+        </p:spPr>
+      </p:pic>
+      <p:sp>
+        <p:nvSpPr>
+          <p:cNvPr id="6" name="Rectangle 5">
+            <a:extLst>
+              <a:ext uri="{FF2B5EF4-FFF2-40B4-BE49-F238E27FC236}">
+                <a16:creationId xmlns:a16="http://schemas.microsoft.com/office/drawing/2014/main" id="{8E077105-4172-4363-AD97-983CE2204C0A}"/>
+              </a:ext>
+            </a:extLst>
+          </p:cNvPr>
+          <p:cNvSpPr/>
+          <p:nvPr/>
+        </p:nvSpPr>
+        <p:spPr>
+          <a:xfrm>
+            <a:off x="3050331" y="3606800"/>
+            <a:ext cx="3827989" cy="2570480"/>
+          </a:xfrm>
+          <a:prstGeom prst="rect">
+            <a:avLst/>
+          </a:prstGeom>
+          <a:noFill/>
+          <a:ln>
+            <a:solidFill>
+              <a:srgbClr val="2A0068"/>
+            </a:solidFill>
+          </a:ln>
+        </p:spPr>
+        <p:style>
+          <a:lnRef idx="2">
+            <a:schemeClr val="accent1">
+              <a:shade val="50000"/>
+            </a:schemeClr>
+          </a:lnRef>
+          <a:fillRef idx="1">
+            <a:schemeClr val="accent1"/>
+          </a:fillRef>
+          <a:effectRef idx="0">
+            <a:schemeClr val="accent1"/>
+          </a:effectRef>
+          <a:fontRef idx="minor">
+            <a:schemeClr val="lt1"/>
+          </a:fontRef>
+        </p:style>
+        <p:txBody>
+          <a:bodyPr lIns="36000" tIns="0" rIns="36000" bIns="0" rtlCol="0" anchor="ctr"/>
+          <a:lstStyle/>
+          <a:p>
+            <a:pPr algn="ctr"/>
+            <a:endParaRPr lang="fr-FR">
+              <a:solidFill>
+                <a:srgbClr val="2A0068"/>
+              </a:solidFill>
+            </a:endParaRPr>
+          </a:p>
+        </p:txBody>
+      </p:sp>
+      <p:pic>
+        <p:nvPicPr>
+          <p:cNvPr id="37894" name="Picture 6" descr="15' POUR COMPRENDRE : Git et GitHub">
+            <a:extLst>
+              <a:ext uri="{FF2B5EF4-FFF2-40B4-BE49-F238E27FC236}">
+                <a16:creationId xmlns:a16="http://schemas.microsoft.com/office/drawing/2014/main" id="{AA0ED2A2-B935-455C-BC1F-1E3C5CD881D7}"/>
+              </a:ext>
+            </a:extLst>
+          </p:cNvPr>
+          <p:cNvPicPr>
+            <a:picLocks noChangeAspect="1" noChangeArrowheads="1"/>
+          </p:cNvPicPr>
+          <p:nvPr/>
+        </p:nvPicPr>
+        <p:blipFill rotWithShape="1">
+          <a:blip r:embed="rId10">
+            <a:clrChange>
+              <a:clrFrom>
+                <a:srgbClr val="FFFFFF"/>
+              </a:clrFrom>
+              <a:clrTo>
+                <a:srgbClr val="FFFFFF">
+                  <a:alpha val="0"/>
+                </a:srgbClr>
+              </a:clrTo>
+            </a:clrChange>
+            <a:extLst>
+              <a:ext uri="{28A0092B-C50C-407E-A947-70E740481C1C}">
+                <a14:useLocalDpi xmlns:a14="http://schemas.microsoft.com/office/drawing/2010/main" val="0"/>
+              </a:ext>
+            </a:extLst>
+          </a:blip>
+          <a:srcRect l="47417" t="29094" r="10082" b="28463"/>
+          <a:stretch/>
+        </p:blipFill>
+        <p:spPr bwMode="auto">
+          <a:xfrm>
+            <a:off x="6549708" y="2589244"/>
+            <a:ext cx="2307066" cy="720000"/>
+          </a:xfrm>
+          <a:prstGeom prst="rect">
+            <a:avLst/>
+          </a:prstGeom>
+          <a:noFill/>
+          <a:extLst>
+            <a:ext uri="{909E8E84-426E-40DD-AFC4-6F175D3DCCD1}">
+              <a14:hiddenFill xmlns:a14="http://schemas.microsoft.com/office/drawing/2010/main">
+                <a:solidFill>
+                  <a:srgbClr val="FFFFFF"/>
+                </a:solidFill>
+              </a14:hiddenFill>
+            </a:ext>
+          </a:extLst>
+        </p:spPr>
+      </p:pic>
+      <p:pic>
+        <p:nvPicPr>
+          <p:cNvPr id="28" name="Picture 6" descr="15' POUR COMPRENDRE : Git et GitHub">
+            <a:extLst>
+              <a:ext uri="{FF2B5EF4-FFF2-40B4-BE49-F238E27FC236}">
+                <a16:creationId xmlns:a16="http://schemas.microsoft.com/office/drawing/2014/main" id="{7FD9E524-A9DD-4E58-8791-F9DA20504DA6}"/>
+              </a:ext>
+            </a:extLst>
+          </p:cNvPr>
+          <p:cNvPicPr>
+            <a:picLocks noChangeAspect="1" noChangeArrowheads="1"/>
+          </p:cNvPicPr>
+          <p:nvPr/>
+        </p:nvPicPr>
+        <p:blipFill rotWithShape="1">
+          <a:blip r:embed="rId10">
+            <a:clrChange>
+              <a:clrFrom>
+                <a:srgbClr val="FFFFFF"/>
+              </a:clrFrom>
+              <a:clrTo>
+                <a:srgbClr val="FFFFFF">
+                  <a:alpha val="0"/>
+                </a:srgbClr>
+              </a:clrTo>
+            </a:clrChange>
+            <a:extLst>
+              <a:ext uri="{28A0092B-C50C-407E-A947-70E740481C1C}">
+                <a14:useLocalDpi xmlns:a14="http://schemas.microsoft.com/office/drawing/2010/main" val="0"/>
+              </a:ext>
+            </a:extLst>
+          </a:blip>
+          <a:srcRect l="9916" t="29094" r="59451" b="28463"/>
+          <a:stretch/>
+        </p:blipFill>
+        <p:spPr bwMode="auto">
+          <a:xfrm>
+            <a:off x="3361227" y="1325305"/>
+            <a:ext cx="1662867" cy="720000"/>
+          </a:xfrm>
+          <a:prstGeom prst="rect">
+            <a:avLst/>
+          </a:prstGeom>
+          <a:noFill/>
+          <a:extLst>
+            <a:ext uri="{909E8E84-426E-40DD-AFC4-6F175D3DCCD1}">
+              <a14:hiddenFill xmlns:a14="http://schemas.microsoft.com/office/drawing/2010/main">
+                <a:solidFill>
+                  <a:srgbClr val="FFFFFF"/>
+                </a:solidFill>
+              </a14:hiddenFill>
+            </a:ext>
+          </a:extLst>
+        </p:spPr>
+      </p:pic>
+      <p:sp>
+        <p:nvSpPr>
+          <p:cNvPr id="29" name="Rectangle 28">
+            <a:extLst>
+              <a:ext uri="{FF2B5EF4-FFF2-40B4-BE49-F238E27FC236}">
+                <a16:creationId xmlns:a16="http://schemas.microsoft.com/office/drawing/2014/main" id="{293833CD-769F-4EED-9255-94262FD7DA52}"/>
+              </a:ext>
+            </a:extLst>
+          </p:cNvPr>
+          <p:cNvSpPr/>
+          <p:nvPr/>
+        </p:nvSpPr>
+        <p:spPr>
+          <a:xfrm>
+            <a:off x="3219192" y="3865958"/>
+            <a:ext cx="1992888" cy="746681"/>
+          </a:xfrm>
+          <a:prstGeom prst="rect">
+            <a:avLst/>
+          </a:prstGeom>
+          <a:noFill/>
+          <a:ln>
+            <a:solidFill>
+              <a:srgbClr val="2A0068"/>
+            </a:solidFill>
+          </a:ln>
+        </p:spPr>
+        <p:style>
+          <a:lnRef idx="2">
+            <a:schemeClr val="accent1">
+              <a:shade val="50000"/>
+            </a:schemeClr>
+          </a:lnRef>
+          <a:fillRef idx="1">
+            <a:schemeClr val="accent1"/>
+          </a:fillRef>
+          <a:effectRef idx="0">
+            <a:schemeClr val="accent1"/>
+          </a:effectRef>
+          <a:fontRef idx="minor">
+            <a:schemeClr val="lt1"/>
+          </a:fontRef>
+        </p:style>
+        <p:txBody>
+          <a:bodyPr lIns="36000" tIns="0" rIns="36000" bIns="0" rtlCol="0" anchor="ctr"/>
+          <a:lstStyle/>
+          <a:p>
+            <a:pPr algn="ctr"/>
+            <a:r>
+              <a:rPr lang="fr-FR" dirty="0">
+                <a:solidFill>
+                  <a:srgbClr val="2A0068"/>
+                </a:solidFill>
+              </a:rPr>
+              <a:t>Modèle ML</a:t>
+            </a:r>
+          </a:p>
+          <a:p>
+            <a:pPr algn="ctr"/>
+            <a:r>
+              <a:rPr lang="fr-FR" dirty="0">
+                <a:solidFill>
+                  <a:srgbClr val="2A0068"/>
+                </a:solidFill>
+              </a:rPr>
+              <a:t>Model</a:t>
+            </a:r>
+          </a:p>
+          <a:p>
+            <a:pPr algn="ctr"/>
+            <a:r>
+              <a:rPr lang="fr-FR" dirty="0">
+                <a:solidFill>
+                  <a:srgbClr val="2A0068"/>
+                </a:solidFill>
+              </a:rPr>
+              <a:t>Fichier pickle </a:t>
+            </a:r>
+            <a:r>
+              <a:rPr lang="fr-FR" dirty="0" err="1">
+                <a:solidFill>
+                  <a:srgbClr val="2A0068"/>
+                </a:solidFill>
+              </a:rPr>
+              <a:t>model.pkl</a:t>
+            </a:r>
+            <a:endParaRPr lang="fr-FR" dirty="0">
+              <a:solidFill>
+                <a:srgbClr val="2A0068"/>
+              </a:solidFill>
+            </a:endParaRPr>
+          </a:p>
+        </p:txBody>
+      </p:sp>
+      <p:pic>
+        <p:nvPicPr>
+          <p:cNvPr id="37896" name="Picture 8" descr="Jupyter — Wikipédia">
+            <a:extLst>
+              <a:ext uri="{FF2B5EF4-FFF2-40B4-BE49-F238E27FC236}">
+                <a16:creationId xmlns:a16="http://schemas.microsoft.com/office/drawing/2014/main" id="{7871F3C4-18B9-414F-8317-3811E973FBD2}"/>
+              </a:ext>
+            </a:extLst>
+          </p:cNvPr>
+          <p:cNvPicPr>
+            <a:picLocks noChangeAspect="1" noChangeArrowheads="1"/>
+          </p:cNvPicPr>
+          <p:nvPr/>
+        </p:nvPicPr>
+        <p:blipFill>
+          <a:blip r:embed="rId11">
+            <a:extLst>
+              <a:ext uri="{28A0092B-C50C-407E-A947-70E740481C1C}">
+                <a14:useLocalDpi xmlns:a14="http://schemas.microsoft.com/office/drawing/2010/main" val="0"/>
+              </a:ext>
+            </a:extLst>
+          </a:blip>
+          <a:srcRect/>
+          <a:stretch>
+            <a:fillRect/>
+          </a:stretch>
+        </p:blipFill>
+        <p:spPr bwMode="auto">
+          <a:xfrm>
+            <a:off x="1134345" y="3606800"/>
+            <a:ext cx="621167" cy="720000"/>
+          </a:xfrm>
+          <a:prstGeom prst="rect">
+            <a:avLst/>
+          </a:prstGeom>
+          <a:noFill/>
+          <a:extLst>
+            <a:ext uri="{909E8E84-426E-40DD-AFC4-6F175D3DCCD1}">
+              <a14:hiddenFill xmlns:a14="http://schemas.microsoft.com/office/drawing/2010/main">
+                <a:solidFill>
+                  <a:srgbClr val="FFFFFF"/>
+                </a:solidFill>
+              </a14:hiddenFill>
+            </a:ext>
+          </a:extLst>
+        </p:spPr>
+      </p:pic>
+      <p:sp>
+        <p:nvSpPr>
+          <p:cNvPr id="35" name="Rectangle 34">
+            <a:extLst>
+              <a:ext uri="{FF2B5EF4-FFF2-40B4-BE49-F238E27FC236}">
+                <a16:creationId xmlns:a16="http://schemas.microsoft.com/office/drawing/2014/main" id="{333D0210-2317-4BBD-AD59-087978B8AD5B}"/>
+              </a:ext>
+            </a:extLst>
+          </p:cNvPr>
+          <p:cNvSpPr/>
+          <p:nvPr/>
+        </p:nvSpPr>
+        <p:spPr>
+          <a:xfrm>
+            <a:off x="3219191" y="5176742"/>
+            <a:ext cx="1992887" cy="746681"/>
+          </a:xfrm>
+          <a:prstGeom prst="rect">
+            <a:avLst/>
+          </a:prstGeom>
+          <a:noFill/>
+          <a:ln>
+            <a:solidFill>
+              <a:srgbClr val="2A0068"/>
+            </a:solidFill>
+          </a:ln>
+        </p:spPr>
+        <p:style>
+          <a:lnRef idx="2">
+            <a:schemeClr val="accent1">
+              <a:shade val="50000"/>
+            </a:schemeClr>
+          </a:lnRef>
+          <a:fillRef idx="1">
+            <a:schemeClr val="accent1"/>
+          </a:fillRef>
+          <a:effectRef idx="0">
+            <a:schemeClr val="accent1"/>
+          </a:effectRef>
+          <a:fontRef idx="minor">
+            <a:schemeClr val="lt1"/>
+          </a:fontRef>
+        </p:style>
+        <p:txBody>
+          <a:bodyPr lIns="36000" tIns="0" rIns="36000" bIns="0" rtlCol="0" anchor="ctr"/>
+          <a:lstStyle/>
+          <a:p>
+            <a:pPr algn="ctr"/>
+            <a:r>
+              <a:rPr lang="fr-FR" sz="2000" b="1" dirty="0">
+                <a:solidFill>
+                  <a:srgbClr val="2A0068"/>
+                </a:solidFill>
+              </a:rPr>
+              <a:t>Data client</a:t>
+            </a:r>
+          </a:p>
+          <a:p>
+            <a:pPr algn="ctr"/>
+            <a:r>
+              <a:rPr lang="fr-FR" sz="1400" i="1" dirty="0">
+                <a:solidFill>
+                  <a:srgbClr val="2A0068"/>
+                </a:solidFill>
+              </a:rPr>
+              <a:t>Dataframe pandas df_test</a:t>
+            </a:r>
+          </a:p>
+        </p:txBody>
+      </p:sp>
+      <p:sp>
+        <p:nvSpPr>
+          <p:cNvPr id="36" name="Rectangle 35">
+            <a:extLst>
+              <a:ext uri="{FF2B5EF4-FFF2-40B4-BE49-F238E27FC236}">
+                <a16:creationId xmlns:a16="http://schemas.microsoft.com/office/drawing/2014/main" id="{F51E5D42-92D2-418D-BBB6-ECB1145D1B50}"/>
+              </a:ext>
+            </a:extLst>
+          </p:cNvPr>
+          <p:cNvSpPr/>
+          <p:nvPr/>
+        </p:nvSpPr>
+        <p:spPr>
+          <a:xfrm>
+            <a:off x="5526568" y="4130341"/>
+            <a:ext cx="1992887" cy="1610059"/>
+          </a:xfrm>
+          <a:prstGeom prst="rect">
+            <a:avLst/>
+          </a:prstGeom>
+          <a:noFill/>
+          <a:ln>
+            <a:solidFill>
+              <a:srgbClr val="2A0068"/>
+            </a:solidFill>
+          </a:ln>
+        </p:spPr>
+        <p:style>
+          <a:lnRef idx="2">
+            <a:schemeClr val="accent1">
+              <a:shade val="50000"/>
+            </a:schemeClr>
+          </a:lnRef>
+          <a:fillRef idx="1">
+            <a:schemeClr val="accent1"/>
+          </a:fillRef>
+          <a:effectRef idx="0">
+            <a:schemeClr val="accent1"/>
+          </a:effectRef>
+          <a:fontRef idx="minor">
+            <a:schemeClr val="lt1"/>
+          </a:fontRef>
+        </p:style>
+        <p:txBody>
+          <a:bodyPr lIns="36000" tIns="0" rIns="36000" bIns="0" rtlCol="0" anchor="ctr"/>
+          <a:lstStyle/>
+          <a:p>
+            <a:pPr algn="ctr"/>
+            <a:r>
+              <a:rPr lang="fr-FR" sz="2000" b="1" dirty="0">
+                <a:solidFill>
+                  <a:srgbClr val="2A0068"/>
+                </a:solidFill>
+              </a:rPr>
+              <a:t>App avec api </a:t>
+            </a:r>
+          </a:p>
+          <a:p>
+            <a:pPr algn="ctr"/>
+            <a:r>
+              <a:rPr lang="fr-FR" sz="2000" b="1" dirty="0">
+                <a:solidFill>
+                  <a:srgbClr val="2A0068"/>
+                </a:solidFill>
+              </a:rPr>
+              <a:t>Fichier python app.py</a:t>
+            </a:r>
+          </a:p>
+        </p:txBody>
+      </p:sp>
+      <p:sp>
+        <p:nvSpPr>
+          <p:cNvPr id="37" name="Rectangle 36">
+            <a:extLst>
+              <a:ext uri="{FF2B5EF4-FFF2-40B4-BE49-F238E27FC236}">
+                <a16:creationId xmlns:a16="http://schemas.microsoft.com/office/drawing/2014/main" id="{376962C6-34BC-4A17-B727-20BC7C3BE4F1}"/>
+              </a:ext>
+            </a:extLst>
+          </p:cNvPr>
+          <p:cNvSpPr/>
+          <p:nvPr/>
+        </p:nvSpPr>
+        <p:spPr>
+          <a:xfrm>
+            <a:off x="448486" y="3555687"/>
+            <a:ext cx="1992887" cy="1339888"/>
+          </a:xfrm>
+          <a:prstGeom prst="rect">
+            <a:avLst/>
+          </a:prstGeom>
+          <a:noFill/>
+          <a:ln>
+            <a:solidFill>
+              <a:srgbClr val="2A0068"/>
+            </a:solidFill>
+          </a:ln>
+        </p:spPr>
+        <p:style>
+          <a:lnRef idx="2">
+            <a:schemeClr val="accent1">
+              <a:shade val="50000"/>
+            </a:schemeClr>
+          </a:lnRef>
+          <a:fillRef idx="1">
+            <a:schemeClr val="accent1"/>
+          </a:fillRef>
+          <a:effectRef idx="0">
+            <a:schemeClr val="accent1"/>
+          </a:effectRef>
+          <a:fontRef idx="minor">
+            <a:schemeClr val="lt1"/>
+          </a:fontRef>
+        </p:style>
+        <p:txBody>
+          <a:bodyPr lIns="36000" tIns="0" rIns="36000" bIns="0" rtlCol="0" anchor="ctr"/>
+          <a:lstStyle/>
+          <a:p>
+            <a:pPr algn="ctr"/>
+            <a:endParaRPr lang="fr-FR" sz="2000" b="1" dirty="0">
+              <a:solidFill>
+                <a:srgbClr val="2A0068"/>
+              </a:solidFill>
+            </a:endParaRPr>
+          </a:p>
+        </p:txBody>
+      </p:sp>
+      <p:pic>
+        <p:nvPicPr>
+          <p:cNvPr id="8" name="Image 7">
+            <a:extLst>
+              <a:ext uri="{FF2B5EF4-FFF2-40B4-BE49-F238E27FC236}">
+                <a16:creationId xmlns:a16="http://schemas.microsoft.com/office/drawing/2014/main" id="{03738B37-5118-44E0-B806-04624B6CD692}"/>
+              </a:ext>
+            </a:extLst>
+          </p:cNvPr>
+          <p:cNvPicPr>
+            <a:picLocks noChangeAspect="1"/>
+          </p:cNvPicPr>
+          <p:nvPr/>
+        </p:nvPicPr>
+        <p:blipFill>
+          <a:blip r:embed="rId12"/>
+          <a:stretch>
+            <a:fillRect/>
+          </a:stretch>
+        </p:blipFill>
+        <p:spPr>
+          <a:xfrm>
+            <a:off x="555627" y="4475067"/>
+            <a:ext cx="1971675" cy="733425"/>
+          </a:xfrm>
+          <a:prstGeom prst="rect">
+            <a:avLst/>
+          </a:prstGeom>
+        </p:spPr>
+      </p:pic>
+      <p:pic>
+        <p:nvPicPr>
+          <p:cNvPr id="10" name="Image 9">
+            <a:extLst>
+              <a:ext uri="{FF2B5EF4-FFF2-40B4-BE49-F238E27FC236}">
+                <a16:creationId xmlns:a16="http://schemas.microsoft.com/office/drawing/2014/main" id="{5A46BB3A-B508-4C01-98EF-2226F34243A9}"/>
+              </a:ext>
+            </a:extLst>
+          </p:cNvPr>
+          <p:cNvPicPr>
+            <a:picLocks noChangeAspect="1"/>
+          </p:cNvPicPr>
+          <p:nvPr/>
+        </p:nvPicPr>
+        <p:blipFill>
+          <a:blip r:embed="rId13"/>
+          <a:stretch>
+            <a:fillRect/>
+          </a:stretch>
+        </p:blipFill>
+        <p:spPr>
+          <a:xfrm>
+            <a:off x="4192660" y="4155928"/>
+            <a:ext cx="1162050" cy="409575"/>
+          </a:xfrm>
+          <a:prstGeom prst="rect">
+            <a:avLst/>
+          </a:prstGeom>
+        </p:spPr>
+      </p:pic>
+      <p:pic>
+        <p:nvPicPr>
+          <p:cNvPr id="12" name="Image 11">
+            <a:extLst>
+              <a:ext uri="{FF2B5EF4-FFF2-40B4-BE49-F238E27FC236}">
+                <a16:creationId xmlns:a16="http://schemas.microsoft.com/office/drawing/2014/main" id="{58D58D66-3749-45C7-83B9-B428E4D15930}"/>
+              </a:ext>
+            </a:extLst>
+          </p:cNvPr>
+          <p:cNvPicPr>
+            <a:picLocks noChangeAspect="1"/>
+          </p:cNvPicPr>
+          <p:nvPr/>
+        </p:nvPicPr>
+        <p:blipFill>
+          <a:blip r:embed="rId14"/>
+          <a:stretch>
+            <a:fillRect/>
+          </a:stretch>
+        </p:blipFill>
+        <p:spPr>
+          <a:xfrm>
+            <a:off x="3892430" y="5268064"/>
+            <a:ext cx="1000125" cy="1028700"/>
+          </a:xfrm>
+          <a:prstGeom prst="rect">
+            <a:avLst/>
+          </a:prstGeom>
         </p:spPr>
       </p:pic>
     </p:spTree>
@@ -20352,7 +20953,7 @@
           <a:graphicData uri="http://schemas.openxmlformats.org/presentationml/2006/ole">
             <mc:AlternateContent xmlns:mc="http://schemas.openxmlformats.org/markup-compatibility/2006">
               <mc:Choice xmlns:v="urn:schemas-microsoft-com:vml" Requires="v">
-                <p:oleObj spid="_x0000_s2081" name="Diapositive think-cell" r:id="rId4" imgW="415" imgH="416" progId="TCLayout.ActiveDocument.1">
+                <p:oleObj spid="_x0000_s2083" name="Diapositive think-cell" r:id="rId4" imgW="415" imgH="416" progId="TCLayout.ActiveDocument.1">
                   <p:embed/>
                 </p:oleObj>
               </mc:Choice>
@@ -22448,7 +23049,7 @@
           <a:graphicData uri="http://schemas.openxmlformats.org/presentationml/2006/ole">
             <mc:AlternateContent xmlns:mc="http://schemas.openxmlformats.org/markup-compatibility/2006">
               <mc:Choice xmlns:v="urn:schemas-microsoft-com:vml" Requires="v">
-                <p:oleObj spid="_x0000_s29715" name="Diapositive think-cell" r:id="rId4" imgW="415" imgH="416" progId="TCLayout.ActiveDocument.1">
+                <p:oleObj spid="_x0000_s29717" name="Diapositive think-cell" r:id="rId4" imgW="415" imgH="416" progId="TCLayout.ActiveDocument.1">
                   <p:embed/>
                 </p:oleObj>
               </mc:Choice>
@@ -23726,7 +24327,7 @@
           <a:graphicData uri="http://schemas.openxmlformats.org/presentationml/2006/ole">
             <mc:AlternateContent xmlns:mc="http://schemas.openxmlformats.org/markup-compatibility/2006">
               <mc:Choice xmlns:v="urn:schemas-microsoft-com:vml" Requires="v">
-                <p:oleObj spid="_x0000_s30738" name="Diapositive think-cell" r:id="rId4" imgW="415" imgH="416" progId="TCLayout.ActiveDocument.1">
+                <p:oleObj spid="_x0000_s30740" name="Diapositive think-cell" r:id="rId4" imgW="415" imgH="416" progId="TCLayout.ActiveDocument.1">
                   <p:embed/>
                 </p:oleObj>
               </mc:Choice>
@@ -25979,7 +26580,7 @@
           <a:graphicData uri="http://schemas.openxmlformats.org/presentationml/2006/ole">
             <mc:AlternateContent xmlns:mc="http://schemas.openxmlformats.org/markup-compatibility/2006">
               <mc:Choice xmlns:v="urn:schemas-microsoft-com:vml" Requires="v">
-                <p:oleObj spid="_x0000_s31762" name="Diapositive think-cell" r:id="rId4" imgW="415" imgH="416" progId="TCLayout.ActiveDocument.1">
+                <p:oleObj spid="_x0000_s31764" name="Diapositive think-cell" r:id="rId4" imgW="415" imgH="416" progId="TCLayout.ActiveDocument.1">
                   <p:embed/>
                 </p:oleObj>
               </mc:Choice>
@@ -27825,7 +28426,7 @@
           <a:graphicData uri="http://schemas.openxmlformats.org/presentationml/2006/ole">
             <mc:AlternateContent xmlns:mc="http://schemas.openxmlformats.org/markup-compatibility/2006">
               <mc:Choice xmlns:v="urn:schemas-microsoft-com:vml" Requires="v">
-                <p:oleObj spid="_x0000_s32789" name="Diapositive think-cell" r:id="rId4" imgW="415" imgH="416" progId="TCLayout.ActiveDocument.1">
+                <p:oleObj spid="_x0000_s32791" name="Diapositive think-cell" r:id="rId4" imgW="415" imgH="416" progId="TCLayout.ActiveDocument.1">
                   <p:embed/>
                 </p:oleObj>
               </mc:Choice>
@@ -30767,12 +31368,6 @@
 </file>
 
 <file path=customXml/item1.xml><?xml version="1.0" encoding="utf-8"?>
-<p:properties xmlns:p="http://schemas.microsoft.com/office/2006/metadata/properties" xmlns:xsi="http://www.w3.org/2001/XMLSchema-instance" xmlns:pc="http://schemas.microsoft.com/office/infopath/2007/PartnerControls">
-  <documentManagement/>
-</p:properties>
-</file>
-
-<file path=customXml/item2.xml><?xml version="1.0" encoding="utf-8"?>
 <ct:contentTypeSchema xmlns:ct="http://schemas.microsoft.com/office/2006/metadata/contentType" xmlns:ma="http://schemas.microsoft.com/office/2006/metadata/properties/metaAttributes" ct:_="" ma:_="" ma:contentTypeName="Document" ma:contentTypeID="0x010100E08B85ABE125AF409A86B73326EFFAE5" ma:contentTypeVersion="13" ma:contentTypeDescription="Crée un document." ma:contentTypeScope="" ma:versionID="cfa2b84814ad0d4dc5902a099d18eada">
   <xsd:schema xmlns:xsd="http://www.w3.org/2001/XMLSchema" xmlns:xs="http://www.w3.org/2001/XMLSchema" xmlns:p="http://schemas.microsoft.com/office/2006/metadata/properties" xmlns:ns3="21c16e65-816f-4847-be88-731645291b21" xmlns:ns4="67c7d727-27e8-4526-a2a7-f89ba01a3409" targetNamespace="http://schemas.microsoft.com/office/2006/metadata/properties" ma:root="true" ma:fieldsID="1941e2dd5eb9c4a46146aa2eaafc37a7" ns3:_="" ns4:_="">
     <xsd:import namespace="21c16e65-816f-4847-be88-731645291b21"/>
@@ -30995,6 +31590,12 @@
 </ct:contentTypeSchema>
 </file>
 
+<file path=customXml/item2.xml><?xml version="1.0" encoding="utf-8"?>
+<p:properties xmlns:p="http://schemas.microsoft.com/office/2006/metadata/properties" xmlns:xsi="http://www.w3.org/2001/XMLSchema-instance" xmlns:pc="http://schemas.microsoft.com/office/infopath/2007/PartnerControls">
+  <documentManagement/>
+</p:properties>
+</file>
+
 <file path=customXml/item3.xml><?xml version="1.0" encoding="utf-8"?>
 <?mso-contentType ?>
 <FormTemplates xmlns="http://schemas.microsoft.com/sharepoint/v3/contenttype/forms">
@@ -31005,23 +31606,6 @@
 </file>
 
 <file path=customXml/itemProps1.xml><?xml version="1.0" encoding="utf-8"?>
-<ds:datastoreItem xmlns:ds="http://schemas.openxmlformats.org/officeDocument/2006/customXml" ds:itemID="{6DCF7537-AB6C-4566-9821-DCC4778AF944}">
-  <ds:schemaRefs>
-    <ds:schemaRef ds:uri="http://schemas.microsoft.com/office/2006/documentManagement/types"/>
-    <ds:schemaRef ds:uri="http://www.w3.org/XML/1998/namespace"/>
-    <ds:schemaRef ds:uri="http://purl.org/dc/dcmitype/"/>
-    <ds:schemaRef ds:uri="http://purl.org/dc/terms/"/>
-    <ds:schemaRef ds:uri="21c16e65-816f-4847-be88-731645291b21"/>
-    <ds:schemaRef ds:uri="http://purl.org/dc/elements/1.1/"/>
-    <ds:schemaRef ds:uri="http://schemas.microsoft.com/office/infopath/2007/PartnerControls"/>
-    <ds:schemaRef ds:uri="http://schemas.openxmlformats.org/package/2006/metadata/core-properties"/>
-    <ds:schemaRef ds:uri="67c7d727-27e8-4526-a2a7-f89ba01a3409"/>
-    <ds:schemaRef ds:uri="http://schemas.microsoft.com/office/2006/metadata/properties"/>
-  </ds:schemaRefs>
-</ds:datastoreItem>
-</file>
-
-<file path=customXml/itemProps2.xml><?xml version="1.0" encoding="utf-8"?>
 <ds:datastoreItem xmlns:ds="http://schemas.openxmlformats.org/officeDocument/2006/customXml" ds:itemID="{F4E0BA49-AB2A-4044-9F15-987E41C6A1BE}">
   <ds:schemaRefs>
     <ds:schemaRef ds:uri="http://schemas.microsoft.com/office/2006/metadata/contentType"/>
@@ -31040,6 +31624,23 @@
 </ds:datastoreItem>
 </file>
 
+<file path=customXml/itemProps2.xml><?xml version="1.0" encoding="utf-8"?>
+<ds:datastoreItem xmlns:ds="http://schemas.openxmlformats.org/officeDocument/2006/customXml" ds:itemID="{6DCF7537-AB6C-4566-9821-DCC4778AF944}">
+  <ds:schemaRefs>
+    <ds:schemaRef ds:uri="http://schemas.microsoft.com/office/2006/documentManagement/types"/>
+    <ds:schemaRef ds:uri="http://www.w3.org/XML/1998/namespace"/>
+    <ds:schemaRef ds:uri="http://purl.org/dc/dcmitype/"/>
+    <ds:schemaRef ds:uri="http://purl.org/dc/terms/"/>
+    <ds:schemaRef ds:uri="21c16e65-816f-4847-be88-731645291b21"/>
+    <ds:schemaRef ds:uri="http://purl.org/dc/elements/1.1/"/>
+    <ds:schemaRef ds:uri="http://schemas.microsoft.com/office/infopath/2007/PartnerControls"/>
+    <ds:schemaRef ds:uri="http://schemas.openxmlformats.org/package/2006/metadata/core-properties"/>
+    <ds:schemaRef ds:uri="67c7d727-27e8-4526-a2a7-f89ba01a3409"/>
+    <ds:schemaRef ds:uri="http://schemas.microsoft.com/office/2006/metadata/properties"/>
+  </ds:schemaRefs>
+</ds:datastoreItem>
+</file>
+
 <file path=customXml/itemProps3.xml><?xml version="1.0" encoding="utf-8"?>
 <ds:datastoreItem xmlns:ds="http://schemas.openxmlformats.org/officeDocument/2006/customXml" ds:itemID="{F8B2D13A-B571-47A0-B384-30EF6393E3B0}">
   <ds:schemaRefs>

--- a/evaluation/P7_Presentation.pptx
+++ b/evaluation/P7_Presentation.pptx
@@ -3400,7 +3400,7 @@
           <a:p>
             <a:fld id="{3C11A7EE-4CAD-4F70-BDC6-8C50D505E4EA}" type="datetimeFigureOut">
               <a:rPr lang="fr-FR" smtClean="0"/>
-              <a:t>19/03/2022</a:t>
+              <a:t>24/03/2022</a:t>
             </a:fld>
             <a:endParaRPr lang="fr-FR" dirty="0"/>
           </a:p>
@@ -3598,7 +3598,7 @@
           <a:p>
             <a:fld id="{3C11A7EE-4CAD-4F70-BDC6-8C50D505E4EA}" type="datetimeFigureOut">
               <a:rPr lang="fr-FR" smtClean="0"/>
-              <a:t>19/03/2022</a:t>
+              <a:t>24/03/2022</a:t>
             </a:fld>
             <a:endParaRPr lang="fr-FR" dirty="0"/>
           </a:p>
@@ -3806,7 +3806,7 @@
           <a:p>
             <a:fld id="{3C11A7EE-4CAD-4F70-BDC6-8C50D505E4EA}" type="datetimeFigureOut">
               <a:rPr lang="fr-FR" smtClean="0"/>
-              <a:t>19/03/2022</a:t>
+              <a:t>24/03/2022</a:t>
             </a:fld>
             <a:endParaRPr lang="fr-FR" dirty="0"/>
           </a:p>
@@ -4004,7 +4004,7 @@
           <a:p>
             <a:fld id="{3C11A7EE-4CAD-4F70-BDC6-8C50D505E4EA}" type="datetimeFigureOut">
               <a:rPr lang="fr-FR" smtClean="0"/>
-              <a:t>19/03/2022</a:t>
+              <a:t>24/03/2022</a:t>
             </a:fld>
             <a:endParaRPr lang="fr-FR" dirty="0"/>
           </a:p>
@@ -4279,7 +4279,7 @@
           <a:p>
             <a:fld id="{3C11A7EE-4CAD-4F70-BDC6-8C50D505E4EA}" type="datetimeFigureOut">
               <a:rPr lang="fr-FR" smtClean="0"/>
-              <a:t>19/03/2022</a:t>
+              <a:t>24/03/2022</a:t>
             </a:fld>
             <a:endParaRPr lang="fr-FR" dirty="0"/>
           </a:p>
@@ -4544,7 +4544,7 @@
           <a:p>
             <a:fld id="{3C11A7EE-4CAD-4F70-BDC6-8C50D505E4EA}" type="datetimeFigureOut">
               <a:rPr lang="fr-FR" smtClean="0"/>
-              <a:t>19/03/2022</a:t>
+              <a:t>24/03/2022</a:t>
             </a:fld>
             <a:endParaRPr lang="fr-FR" dirty="0"/>
           </a:p>
@@ -4956,7 +4956,7 @@
           <a:p>
             <a:fld id="{3C11A7EE-4CAD-4F70-BDC6-8C50D505E4EA}" type="datetimeFigureOut">
               <a:rPr lang="fr-FR" smtClean="0"/>
-              <a:t>19/03/2022</a:t>
+              <a:t>24/03/2022</a:t>
             </a:fld>
             <a:endParaRPr lang="fr-FR" dirty="0"/>
           </a:p>
@@ -5097,7 +5097,7 @@
           <a:p>
             <a:fld id="{3C11A7EE-4CAD-4F70-BDC6-8C50D505E4EA}" type="datetimeFigureOut">
               <a:rPr lang="fr-FR" smtClean="0"/>
-              <a:t>19/03/2022</a:t>
+              <a:t>24/03/2022</a:t>
             </a:fld>
             <a:endParaRPr lang="fr-FR" dirty="0"/>
           </a:p>
@@ -5210,7 +5210,7 @@
           <a:p>
             <a:fld id="{3C11A7EE-4CAD-4F70-BDC6-8C50D505E4EA}" type="datetimeFigureOut">
               <a:rPr lang="fr-FR" smtClean="0"/>
-              <a:t>19/03/2022</a:t>
+              <a:t>24/03/2022</a:t>
             </a:fld>
             <a:endParaRPr lang="fr-FR" dirty="0"/>
           </a:p>
@@ -5521,7 +5521,7 @@
           <a:p>
             <a:fld id="{3C11A7EE-4CAD-4F70-BDC6-8C50D505E4EA}" type="datetimeFigureOut">
               <a:rPr lang="fr-FR" smtClean="0"/>
-              <a:t>19/03/2022</a:t>
+              <a:t>24/03/2022</a:t>
             </a:fld>
             <a:endParaRPr lang="fr-FR" dirty="0"/>
           </a:p>
@@ -5809,7 +5809,7 @@
           <a:p>
             <a:fld id="{3C11A7EE-4CAD-4F70-BDC6-8C50D505E4EA}" type="datetimeFigureOut">
               <a:rPr lang="fr-FR" smtClean="0"/>
-              <a:t>19/03/2022</a:t>
+              <a:t>24/03/2022</a:t>
             </a:fld>
             <a:endParaRPr lang="fr-FR" dirty="0"/>
           </a:p>
@@ -5935,7 +5935,7 @@
           <a:graphicData uri="http://schemas.openxmlformats.org/presentationml/2006/ole">
             <mc:AlternateContent xmlns:mc="http://schemas.openxmlformats.org/markup-compatibility/2006">
               <mc:Choice xmlns:v="urn:schemas-microsoft-com:vml" Requires="v">
-                <p:oleObj spid="_x0000_s1049" name="Diapositive think-cell" r:id="rId15" imgW="415" imgH="416" progId="TCLayout.ActiveDocument.1">
+                <p:oleObj spid="_x0000_s1051" name="Diapositive think-cell" r:id="rId15" imgW="415" imgH="416" progId="TCLayout.ActiveDocument.1">
                   <p:embed/>
                 </p:oleObj>
               </mc:Choice>
@@ -6122,7 +6122,7 @@
           <a:p>
             <a:fld id="{3C11A7EE-4CAD-4F70-BDC6-8C50D505E4EA}" type="datetimeFigureOut">
               <a:rPr lang="fr-FR" smtClean="0"/>
-              <a:t>19/03/2022</a:t>
+              <a:t>24/03/2022</a:t>
             </a:fld>
             <a:endParaRPr lang="fr-FR" dirty="0"/>
           </a:p>
@@ -7217,7 +7217,7 @@
           <a:graphicData uri="http://schemas.openxmlformats.org/presentationml/2006/ole">
             <mc:AlternateContent xmlns:mc="http://schemas.openxmlformats.org/markup-compatibility/2006">
               <mc:Choice xmlns:v="urn:schemas-microsoft-com:vml" Requires="v">
-                <p:oleObj spid="_x0000_s33822" name="Diapositive think-cell" r:id="rId4" imgW="415" imgH="416" progId="TCLayout.ActiveDocument.1">
+                <p:oleObj spid="_x0000_s33824" name="Diapositive think-cell" r:id="rId4" imgW="415" imgH="416" progId="TCLayout.ActiveDocument.1">
                   <p:embed/>
                 </p:oleObj>
               </mc:Choice>
@@ -10225,7 +10225,7 @@
           <a:graphicData uri="http://schemas.openxmlformats.org/presentationml/2006/ole">
             <mc:AlternateContent xmlns:mc="http://schemas.openxmlformats.org/markup-compatibility/2006">
               <mc:Choice xmlns:v="urn:schemas-microsoft-com:vml" Requires="v">
-                <p:oleObj spid="_x0000_s34833" name="Diapositive think-cell" r:id="rId4" imgW="415" imgH="416" progId="TCLayout.ActiveDocument.1">
+                <p:oleObj spid="_x0000_s34835" name="Diapositive think-cell" r:id="rId4" imgW="415" imgH="416" progId="TCLayout.ActiveDocument.1">
                   <p:embed/>
                 </p:oleObj>
               </mc:Choice>
@@ -12690,7 +12690,7 @@
           <a:graphicData uri="http://schemas.openxmlformats.org/presentationml/2006/ole">
             <mc:AlternateContent xmlns:mc="http://schemas.openxmlformats.org/markup-compatibility/2006">
               <mc:Choice xmlns:v="urn:schemas-microsoft-com:vml" Requires="v">
-                <p:oleObj spid="_x0000_s36879" name="Diapositive think-cell" r:id="rId4" imgW="415" imgH="416" progId="TCLayout.ActiveDocument.1">
+                <p:oleObj spid="_x0000_s36881" name="Diapositive think-cell" r:id="rId4" imgW="415" imgH="416" progId="TCLayout.ActiveDocument.1">
                   <p:embed/>
                 </p:oleObj>
               </mc:Choice>
@@ -14910,7 +14910,7 @@
           <a:graphicData uri="http://schemas.openxmlformats.org/presentationml/2006/ole">
             <mc:AlternateContent xmlns:mc="http://schemas.openxmlformats.org/markup-compatibility/2006">
               <mc:Choice xmlns:v="urn:schemas-microsoft-com:vml" Requires="v">
-                <p:oleObj spid="_x0000_s35855" name="Diapositive think-cell" r:id="rId4" imgW="415" imgH="416" progId="TCLayout.ActiveDocument.1">
+                <p:oleObj spid="_x0000_s35857" name="Diapositive think-cell" r:id="rId4" imgW="415" imgH="416" progId="TCLayout.ActiveDocument.1">
                   <p:embed/>
                 </p:oleObj>
               </mc:Choice>
@@ -16017,6 +16017,96 @@
           </a:fontRef>
         </p:style>
       </p:cxnSp>
+      <p:pic>
+        <p:nvPicPr>
+          <p:cNvPr id="6" name="Image 5">
+            <a:extLst>
+              <a:ext uri="{FF2B5EF4-FFF2-40B4-BE49-F238E27FC236}">
+                <a16:creationId xmlns:a16="http://schemas.microsoft.com/office/drawing/2014/main" id="{EDBFD8E8-9BD9-4A8B-84C7-A6C0A9FFBEF6}"/>
+              </a:ext>
+            </a:extLst>
+          </p:cNvPr>
+          <p:cNvPicPr>
+            <a:picLocks noChangeAspect="1"/>
+          </p:cNvPicPr>
+          <p:nvPr/>
+        </p:nvPicPr>
+        <p:blipFill>
+          <a:blip r:embed="rId7"/>
+          <a:stretch>
+            <a:fillRect/>
+          </a:stretch>
+        </p:blipFill>
+        <p:spPr>
+          <a:xfrm>
+            <a:off x="0" y="607551"/>
+            <a:ext cx="12192000" cy="5642897"/>
+          </a:xfrm>
+          <a:prstGeom prst="rect">
+            <a:avLst/>
+          </a:prstGeom>
+        </p:spPr>
+      </p:pic>
+      <p:pic>
+        <p:nvPicPr>
+          <p:cNvPr id="8" name="Image 7">
+            <a:extLst>
+              <a:ext uri="{FF2B5EF4-FFF2-40B4-BE49-F238E27FC236}">
+                <a16:creationId xmlns:a16="http://schemas.microsoft.com/office/drawing/2014/main" id="{78417278-670D-43C6-BCCB-25A3733F9BC8}"/>
+              </a:ext>
+            </a:extLst>
+          </p:cNvPr>
+          <p:cNvPicPr>
+            <a:picLocks noChangeAspect="1"/>
+          </p:cNvPicPr>
+          <p:nvPr/>
+        </p:nvPicPr>
+        <p:blipFill>
+          <a:blip r:embed="rId8"/>
+          <a:stretch>
+            <a:fillRect/>
+          </a:stretch>
+        </p:blipFill>
+        <p:spPr>
+          <a:xfrm>
+            <a:off x="0" y="504719"/>
+            <a:ext cx="12192000" cy="5848561"/>
+          </a:xfrm>
+          <a:prstGeom prst="rect">
+            <a:avLst/>
+          </a:prstGeom>
+        </p:spPr>
+      </p:pic>
+      <p:pic>
+        <p:nvPicPr>
+          <p:cNvPr id="10" name="Image 9">
+            <a:extLst>
+              <a:ext uri="{FF2B5EF4-FFF2-40B4-BE49-F238E27FC236}">
+                <a16:creationId xmlns:a16="http://schemas.microsoft.com/office/drawing/2014/main" id="{C3B6D415-4EA5-415F-9831-96D92E93FFFD}"/>
+              </a:ext>
+            </a:extLst>
+          </p:cNvPr>
+          <p:cNvPicPr>
+            <a:picLocks noChangeAspect="1"/>
+          </p:cNvPicPr>
+          <p:nvPr/>
+        </p:nvPicPr>
+        <p:blipFill>
+          <a:blip r:embed="rId9"/>
+          <a:stretch>
+            <a:fillRect/>
+          </a:stretch>
+        </p:blipFill>
+        <p:spPr>
+          <a:xfrm>
+            <a:off x="0" y="507666"/>
+            <a:ext cx="12192000" cy="5842668"/>
+          </a:xfrm>
+          <a:prstGeom prst="rect">
+            <a:avLst/>
+          </a:prstGeom>
+        </p:spPr>
+      </p:pic>
     </p:spTree>
     <p:extLst>
       <p:ext uri="{BB962C8B-B14F-4D97-AF65-F5344CB8AC3E}">
@@ -16063,6 +16153,11 @@
             <p:custDataLst>
               <p:tags r:id="rId2"/>
             </p:custDataLst>
+            <p:extLst>
+              <p:ext uri="{D42A27DB-BD31-4B8C-83A1-F6EECF244321}">
+                <p14:modId xmlns:p14="http://schemas.microsoft.com/office/powerpoint/2010/main" val="2188836991"/>
+              </p:ext>
+            </p:extLst>
           </p:nvPr>
         </p:nvGraphicFramePr>
         <p:xfrm>
@@ -16073,7 +16168,7 @@
           <a:graphicData uri="http://schemas.openxmlformats.org/presentationml/2006/ole">
             <mc:AlternateContent xmlns:mc="http://schemas.openxmlformats.org/markup-compatibility/2006">
               <mc:Choice xmlns:v="urn:schemas-microsoft-com:vml" Requires="v">
-                <p:oleObj spid="_x0000_s37898" name="Diapositive think-cell" r:id="rId4" imgW="415" imgH="416" progId="TCLayout.ActiveDocument.1">
+                <p:oleObj spid="_x0000_s37903" name="Diapositive think-cell" r:id="rId4" imgW="415" imgH="416" progId="TCLayout.ActiveDocument.1">
                   <p:embed/>
                 </p:oleObj>
               </mc:Choice>
@@ -16889,58 +16984,6 @@
       </p:sp>
       <p:sp>
         <p:nvSpPr>
-          <p:cNvPr id="2" name="Rectangle 1">
-            <a:extLst>
-              <a:ext uri="{FF2B5EF4-FFF2-40B4-BE49-F238E27FC236}">
-                <a16:creationId xmlns:a16="http://schemas.microsoft.com/office/drawing/2014/main" id="{A5F6CA13-0500-4EA2-AFB2-194FE2DBE1CB}"/>
-              </a:ext>
-            </a:extLst>
-          </p:cNvPr>
-          <p:cNvSpPr/>
-          <p:nvPr/>
-        </p:nvSpPr>
-        <p:spPr>
-          <a:xfrm>
-            <a:off x="353226" y="1579488"/>
-            <a:ext cx="11484000" cy="4730015"/>
-          </a:xfrm>
-          <a:prstGeom prst="rect">
-            <a:avLst/>
-          </a:prstGeom>
-          <a:noFill/>
-          <a:ln>
-            <a:solidFill>
-              <a:schemeClr val="tx1"/>
-            </a:solidFill>
-          </a:ln>
-        </p:spPr>
-        <p:style>
-          <a:lnRef idx="2">
-            <a:schemeClr val="accent1">
-              <a:shade val="50000"/>
-            </a:schemeClr>
-          </a:lnRef>
-          <a:fillRef idx="1">
-            <a:schemeClr val="accent1"/>
-          </a:fillRef>
-          <a:effectRef idx="0">
-            <a:schemeClr val="accent1"/>
-          </a:effectRef>
-          <a:fontRef idx="minor">
-            <a:schemeClr val="lt1"/>
-          </a:fontRef>
-        </p:style>
-        <p:txBody>
-          <a:bodyPr rtlCol="0" anchor="ctr"/>
-          <a:lstStyle/>
-          <a:p>
-            <a:pPr algn="ctr"/>
-            <a:endParaRPr lang="fr-FR"/>
-          </a:p>
-        </p:txBody>
-      </p:sp>
-      <p:sp>
-        <p:nvSpPr>
           <p:cNvPr id="40" name="TextBox 26">
             <a:extLst>
               <a:ext uri="{FF2B5EF4-FFF2-40B4-BE49-F238E27FC236}">
@@ -17196,8 +17239,8 @@
         </p:blipFill>
         <p:spPr bwMode="auto">
           <a:xfrm>
-            <a:off x="5898798" y="1649487"/>
-            <a:ext cx="2857500" cy="1600200"/>
+            <a:off x="5341921" y="4178355"/>
+            <a:ext cx="964283" cy="540000"/>
           </a:xfrm>
           <a:prstGeom prst="rect">
             <a:avLst/>
@@ -17235,7 +17278,7 @@
         </p:blipFill>
         <p:spPr>
           <a:xfrm>
-            <a:off x="6970761" y="4488513"/>
+            <a:off x="7583561" y="4327273"/>
             <a:ext cx="1546127" cy="720000"/>
           </a:xfrm>
           <a:prstGeom prst="rect">
@@ -17280,7 +17323,7 @@
         </p:blipFill>
         <p:spPr bwMode="auto">
           <a:xfrm>
-            <a:off x="3935472" y="2943687"/>
+            <a:off x="3667880" y="1820525"/>
             <a:ext cx="2057706" cy="612000"/>
           </a:xfrm>
           <a:prstGeom prst="rect">
@@ -17312,16 +17355,16 @@
         </p:nvSpPr>
         <p:spPr>
           <a:xfrm>
-            <a:off x="3050331" y="3606800"/>
-            <a:ext cx="3827989" cy="2570480"/>
+            <a:off x="2713902" y="2510151"/>
+            <a:ext cx="3827989" cy="3028781"/>
           </a:xfrm>
           <a:prstGeom prst="rect">
             <a:avLst/>
           </a:prstGeom>
           <a:noFill/>
-          <a:ln>
+          <a:ln w="38100">
             <a:solidFill>
-              <a:srgbClr val="2A0068"/>
+              <a:srgbClr val="430098"/>
             </a:solidFill>
           </a:ln>
         </p:spPr>
@@ -17391,7 +17434,7 @@
         </p:blipFill>
         <p:spPr bwMode="auto">
           <a:xfrm>
-            <a:off x="6549708" y="2589244"/>
+            <a:off x="7202158" y="2016289"/>
             <a:ext cx="2307066" cy="720000"/>
           </a:xfrm>
           <a:prstGeom prst="rect">
@@ -17409,6 +17452,1862 @@
           </a:extLst>
         </p:spPr>
       </p:pic>
+      <p:sp>
+        <p:nvSpPr>
+          <p:cNvPr id="29" name="Rectangle 28">
+            <a:extLst>
+              <a:ext uri="{FF2B5EF4-FFF2-40B4-BE49-F238E27FC236}">
+                <a16:creationId xmlns:a16="http://schemas.microsoft.com/office/drawing/2014/main" id="{293833CD-769F-4EED-9255-94262FD7DA52}"/>
+              </a:ext>
+            </a:extLst>
+          </p:cNvPr>
+          <p:cNvSpPr/>
+          <p:nvPr/>
+        </p:nvSpPr>
+        <p:spPr>
+          <a:xfrm>
+            <a:off x="2787874" y="3227610"/>
+            <a:ext cx="1992888" cy="746681"/>
+          </a:xfrm>
+          <a:prstGeom prst="rect">
+            <a:avLst/>
+          </a:prstGeom>
+          <a:noFill/>
+          <a:ln>
+            <a:solidFill>
+              <a:srgbClr val="2A0068"/>
+            </a:solidFill>
+          </a:ln>
+        </p:spPr>
+        <p:style>
+          <a:lnRef idx="2">
+            <a:schemeClr val="accent1">
+              <a:shade val="50000"/>
+            </a:schemeClr>
+          </a:lnRef>
+          <a:fillRef idx="1">
+            <a:schemeClr val="accent1"/>
+          </a:fillRef>
+          <a:effectRef idx="0">
+            <a:schemeClr val="accent1"/>
+          </a:effectRef>
+          <a:fontRef idx="minor">
+            <a:schemeClr val="lt1"/>
+          </a:fontRef>
+        </p:style>
+        <p:txBody>
+          <a:bodyPr lIns="36000" tIns="0" rIns="36000" bIns="0" rtlCol="0" anchor="t" anchorCtr="0"/>
+          <a:lstStyle/>
+          <a:p>
+            <a:pPr algn="ctr"/>
+            <a:r>
+              <a:rPr lang="fr-FR" sz="2000" b="1" dirty="0">
+                <a:solidFill>
+                  <a:srgbClr val="2A0068"/>
+                </a:solidFill>
+              </a:rPr>
+              <a:t>Modèle ML</a:t>
+            </a:r>
+          </a:p>
+          <a:p>
+            <a:pPr algn="ctr"/>
+            <a:endParaRPr lang="fr-FR" sz="2000" b="1" dirty="0">
+              <a:solidFill>
+                <a:srgbClr val="2A0068"/>
+              </a:solidFill>
+            </a:endParaRPr>
+          </a:p>
+        </p:txBody>
+      </p:sp>
+      <p:pic>
+        <p:nvPicPr>
+          <p:cNvPr id="37896" name="Picture 8" descr="Jupyter — Wikipédia">
+            <a:extLst>
+              <a:ext uri="{FF2B5EF4-FFF2-40B4-BE49-F238E27FC236}">
+                <a16:creationId xmlns:a16="http://schemas.microsoft.com/office/drawing/2014/main" id="{7871F3C4-18B9-414F-8317-3811E973FBD2}"/>
+              </a:ext>
+            </a:extLst>
+          </p:cNvPr>
+          <p:cNvPicPr>
+            <a:picLocks noChangeAspect="1" noChangeArrowheads="1"/>
+          </p:cNvPicPr>
+          <p:nvPr/>
+        </p:nvPicPr>
+        <p:blipFill>
+          <a:blip r:embed="rId11">
+            <a:extLst>
+              <a:ext uri="{28A0092B-C50C-407E-A947-70E740481C1C}">
+                <a14:useLocalDpi xmlns:a14="http://schemas.microsoft.com/office/drawing/2010/main" val="0"/>
+              </a:ext>
+            </a:extLst>
+          </a:blip>
+          <a:srcRect/>
+          <a:stretch>
+            <a:fillRect/>
+          </a:stretch>
+        </p:blipFill>
+        <p:spPr bwMode="auto">
+          <a:xfrm>
+            <a:off x="946281" y="3606800"/>
+            <a:ext cx="807515" cy="936000"/>
+          </a:xfrm>
+          <a:prstGeom prst="rect">
+            <a:avLst/>
+          </a:prstGeom>
+          <a:noFill/>
+          <a:extLst>
+            <a:ext uri="{909E8E84-426E-40DD-AFC4-6F175D3DCCD1}">
+              <a14:hiddenFill xmlns:a14="http://schemas.microsoft.com/office/drawing/2010/main">
+                <a:solidFill>
+                  <a:srgbClr val="FFFFFF"/>
+                </a:solidFill>
+              </a14:hiddenFill>
+            </a:ext>
+          </a:extLst>
+        </p:spPr>
+      </p:pic>
+      <p:sp>
+        <p:nvSpPr>
+          <p:cNvPr id="35" name="Rectangle 34">
+            <a:extLst>
+              <a:ext uri="{FF2B5EF4-FFF2-40B4-BE49-F238E27FC236}">
+                <a16:creationId xmlns:a16="http://schemas.microsoft.com/office/drawing/2014/main" id="{333D0210-2317-4BBD-AD59-087978B8AD5B}"/>
+              </a:ext>
+            </a:extLst>
+          </p:cNvPr>
+          <p:cNvSpPr/>
+          <p:nvPr/>
+        </p:nvSpPr>
+        <p:spPr>
+          <a:xfrm>
+            <a:off x="2787873" y="4044090"/>
+            <a:ext cx="1992887" cy="1240986"/>
+          </a:xfrm>
+          <a:prstGeom prst="rect">
+            <a:avLst/>
+          </a:prstGeom>
+          <a:noFill/>
+          <a:ln>
+            <a:solidFill>
+              <a:srgbClr val="2A0068"/>
+            </a:solidFill>
+          </a:ln>
+        </p:spPr>
+        <p:style>
+          <a:lnRef idx="2">
+            <a:schemeClr val="accent1">
+              <a:shade val="50000"/>
+            </a:schemeClr>
+          </a:lnRef>
+          <a:fillRef idx="1">
+            <a:schemeClr val="accent1"/>
+          </a:fillRef>
+          <a:effectRef idx="0">
+            <a:schemeClr val="accent1"/>
+          </a:effectRef>
+          <a:fontRef idx="minor">
+            <a:schemeClr val="lt1"/>
+          </a:fontRef>
+        </p:style>
+        <p:txBody>
+          <a:bodyPr lIns="36000" tIns="0" rIns="36000" bIns="0" rtlCol="0" anchor="t" anchorCtr="0"/>
+          <a:lstStyle/>
+          <a:p>
+            <a:pPr algn="ctr"/>
+            <a:r>
+              <a:rPr lang="fr-FR" sz="2000" b="1" dirty="0">
+                <a:solidFill>
+                  <a:srgbClr val="2A0068"/>
+                </a:solidFill>
+              </a:rPr>
+              <a:t>Data client</a:t>
+            </a:r>
+          </a:p>
+        </p:txBody>
+      </p:sp>
+      <p:sp>
+        <p:nvSpPr>
+          <p:cNvPr id="36" name="Rectangle 35">
+            <a:extLst>
+              <a:ext uri="{FF2B5EF4-FFF2-40B4-BE49-F238E27FC236}">
+                <a16:creationId xmlns:a16="http://schemas.microsoft.com/office/drawing/2014/main" id="{F51E5D42-92D2-418D-BBB6-ECB1145D1B50}"/>
+              </a:ext>
+            </a:extLst>
+          </p:cNvPr>
+          <p:cNvSpPr/>
+          <p:nvPr/>
+        </p:nvSpPr>
+        <p:spPr>
+          <a:xfrm>
+            <a:off x="5205381" y="3600949"/>
+            <a:ext cx="1211116" cy="1623023"/>
+          </a:xfrm>
+          <a:prstGeom prst="rect">
+            <a:avLst/>
+          </a:prstGeom>
+          <a:noFill/>
+          <a:ln>
+            <a:solidFill>
+              <a:srgbClr val="2A0068"/>
+            </a:solidFill>
+          </a:ln>
+        </p:spPr>
+        <p:style>
+          <a:lnRef idx="2">
+            <a:schemeClr val="accent1">
+              <a:shade val="50000"/>
+            </a:schemeClr>
+          </a:lnRef>
+          <a:fillRef idx="1">
+            <a:schemeClr val="accent1"/>
+          </a:fillRef>
+          <a:effectRef idx="0">
+            <a:schemeClr val="accent1"/>
+          </a:effectRef>
+          <a:fontRef idx="minor">
+            <a:schemeClr val="lt1"/>
+          </a:fontRef>
+        </p:style>
+        <p:txBody>
+          <a:bodyPr lIns="36000" tIns="0" rIns="36000" bIns="0" rtlCol="0" anchor="t" anchorCtr="0"/>
+          <a:lstStyle/>
+          <a:p>
+            <a:pPr algn="ctr"/>
+            <a:r>
+              <a:rPr lang="fr-FR" sz="2000" b="1" dirty="0">
+                <a:solidFill>
+                  <a:srgbClr val="2A0068"/>
+                </a:solidFill>
+              </a:rPr>
+              <a:t>App avec api</a:t>
+            </a:r>
+          </a:p>
+        </p:txBody>
+      </p:sp>
+      <p:sp>
+        <p:nvSpPr>
+          <p:cNvPr id="37" name="Rectangle 36">
+            <a:extLst>
+              <a:ext uri="{FF2B5EF4-FFF2-40B4-BE49-F238E27FC236}">
+                <a16:creationId xmlns:a16="http://schemas.microsoft.com/office/drawing/2014/main" id="{376962C6-34BC-4A17-B727-20BC7C3BE4F1}"/>
+              </a:ext>
+            </a:extLst>
+          </p:cNvPr>
+          <p:cNvSpPr/>
+          <p:nvPr/>
+        </p:nvSpPr>
+        <p:spPr>
+          <a:xfrm>
+            <a:off x="353596" y="3155712"/>
+            <a:ext cx="1669217" cy="2193184"/>
+          </a:xfrm>
+          <a:prstGeom prst="rect">
+            <a:avLst/>
+          </a:prstGeom>
+          <a:noFill/>
+          <a:ln>
+            <a:solidFill>
+              <a:srgbClr val="2A0068"/>
+            </a:solidFill>
+          </a:ln>
+        </p:spPr>
+        <p:style>
+          <a:lnRef idx="2">
+            <a:schemeClr val="accent1">
+              <a:shade val="50000"/>
+            </a:schemeClr>
+          </a:lnRef>
+          <a:fillRef idx="1">
+            <a:schemeClr val="accent1"/>
+          </a:fillRef>
+          <a:effectRef idx="0">
+            <a:schemeClr val="accent1"/>
+          </a:effectRef>
+          <a:fontRef idx="minor">
+            <a:schemeClr val="lt1"/>
+          </a:fontRef>
+        </p:style>
+        <p:txBody>
+          <a:bodyPr lIns="36000" tIns="0" rIns="36000" bIns="0" rtlCol="0" anchor="t" anchorCtr="0"/>
+          <a:lstStyle/>
+          <a:p>
+            <a:pPr algn="ctr"/>
+            <a:r>
+              <a:rPr lang="fr-FR" sz="2000" b="1" dirty="0">
+                <a:solidFill>
+                  <a:srgbClr val="2A0068"/>
+                </a:solidFill>
+              </a:rPr>
+              <a:t>Notebooks</a:t>
+            </a:r>
+          </a:p>
+        </p:txBody>
+      </p:sp>
+      <p:pic>
+        <p:nvPicPr>
+          <p:cNvPr id="8" name="Image 7">
+            <a:extLst>
+              <a:ext uri="{FF2B5EF4-FFF2-40B4-BE49-F238E27FC236}">
+                <a16:creationId xmlns:a16="http://schemas.microsoft.com/office/drawing/2014/main" id="{03738B37-5118-44E0-B806-04624B6CD692}"/>
+              </a:ext>
+            </a:extLst>
+          </p:cNvPr>
+          <p:cNvPicPr>
+            <a:picLocks noChangeAspect="1"/>
+          </p:cNvPicPr>
+          <p:nvPr/>
+        </p:nvPicPr>
+        <p:blipFill>
+          <a:blip r:embed="rId12">
+            <a:clrChange>
+              <a:clrFrom>
+                <a:srgbClr val="FFFFFF"/>
+              </a:clrFrom>
+              <a:clrTo>
+                <a:srgbClr val="FFFFFF">
+                  <a:alpha val="0"/>
+                </a:srgbClr>
+              </a:clrTo>
+            </a:clrChange>
+          </a:blip>
+          <a:stretch>
+            <a:fillRect/>
+          </a:stretch>
+        </p:blipFill>
+        <p:spPr>
+          <a:xfrm>
+            <a:off x="375898" y="4615475"/>
+            <a:ext cx="1620000" cy="602611"/>
+          </a:xfrm>
+          <a:prstGeom prst="rect">
+            <a:avLst/>
+          </a:prstGeom>
+        </p:spPr>
+      </p:pic>
+      <p:pic>
+        <p:nvPicPr>
+          <p:cNvPr id="10" name="Image 9">
+            <a:extLst>
+              <a:ext uri="{FF2B5EF4-FFF2-40B4-BE49-F238E27FC236}">
+                <a16:creationId xmlns:a16="http://schemas.microsoft.com/office/drawing/2014/main" id="{5A46BB3A-B508-4C01-98EF-2226F34243A9}"/>
+              </a:ext>
+            </a:extLst>
+          </p:cNvPr>
+          <p:cNvPicPr>
+            <a:picLocks noChangeAspect="1"/>
+          </p:cNvPicPr>
+          <p:nvPr/>
+        </p:nvPicPr>
+        <p:blipFill>
+          <a:blip r:embed="rId13">
+            <a:clrChange>
+              <a:clrFrom>
+                <a:srgbClr val="FFFFFF"/>
+              </a:clrFrom>
+              <a:clrTo>
+                <a:srgbClr val="FFFFFF">
+                  <a:alpha val="0"/>
+                </a:srgbClr>
+              </a:clrTo>
+            </a:clrChange>
+          </a:blip>
+          <a:stretch>
+            <a:fillRect/>
+          </a:stretch>
+        </p:blipFill>
+        <p:spPr>
+          <a:xfrm>
+            <a:off x="3048542" y="3452976"/>
+            <a:ext cx="1532094" cy="540000"/>
+          </a:xfrm>
+          <a:prstGeom prst="rect">
+            <a:avLst/>
+          </a:prstGeom>
+        </p:spPr>
+      </p:pic>
+      <p:pic>
+        <p:nvPicPr>
+          <p:cNvPr id="12" name="Image 11">
+            <a:extLst>
+              <a:ext uri="{FF2B5EF4-FFF2-40B4-BE49-F238E27FC236}">
+                <a16:creationId xmlns:a16="http://schemas.microsoft.com/office/drawing/2014/main" id="{58D58D66-3749-45C7-83B9-B428E4D15930}"/>
+              </a:ext>
+            </a:extLst>
+          </p:cNvPr>
+          <p:cNvPicPr>
+            <a:picLocks noChangeAspect="1"/>
+          </p:cNvPicPr>
+          <p:nvPr/>
+        </p:nvPicPr>
+        <p:blipFill rotWithShape="1">
+          <a:blip r:embed="rId14">
+            <a:clrChange>
+              <a:clrFrom>
+                <a:srgbClr val="FFFFFF"/>
+              </a:clrFrom>
+              <a:clrTo>
+                <a:srgbClr val="FFFFFF">
+                  <a:alpha val="0"/>
+                </a:srgbClr>
+              </a:clrTo>
+            </a:clrChange>
+          </a:blip>
+          <a:srcRect b="66089"/>
+          <a:stretch/>
+        </p:blipFill>
+        <p:spPr>
+          <a:xfrm>
+            <a:off x="3195314" y="4471273"/>
+            <a:ext cx="1238549" cy="432000"/>
+          </a:xfrm>
+          <a:prstGeom prst="rect">
+            <a:avLst/>
+          </a:prstGeom>
+        </p:spPr>
+      </p:pic>
+      <p:pic>
+        <p:nvPicPr>
+          <p:cNvPr id="9" name="Image 8">
+            <a:extLst>
+              <a:ext uri="{FF2B5EF4-FFF2-40B4-BE49-F238E27FC236}">
+                <a16:creationId xmlns:a16="http://schemas.microsoft.com/office/drawing/2014/main" id="{374B93F5-C4A7-4BE5-ACDE-09BE9CA0D500}"/>
+              </a:ext>
+            </a:extLst>
+          </p:cNvPr>
+          <p:cNvPicPr>
+            <a:picLocks noChangeAspect="1"/>
+          </p:cNvPicPr>
+          <p:nvPr/>
+        </p:nvPicPr>
+        <p:blipFill>
+          <a:blip r:embed="rId15"/>
+          <a:stretch>
+            <a:fillRect/>
+          </a:stretch>
+        </p:blipFill>
+        <p:spPr>
+          <a:xfrm>
+            <a:off x="5426418" y="4733695"/>
+            <a:ext cx="695325" cy="381000"/>
+          </a:xfrm>
+          <a:prstGeom prst="rect">
+            <a:avLst/>
+          </a:prstGeom>
+        </p:spPr>
+      </p:pic>
+      <p:sp>
+        <p:nvSpPr>
+          <p:cNvPr id="39" name="Rectangle 38">
+            <a:extLst>
+              <a:ext uri="{FF2B5EF4-FFF2-40B4-BE49-F238E27FC236}">
+                <a16:creationId xmlns:a16="http://schemas.microsoft.com/office/drawing/2014/main" id="{CB354C13-879E-447F-88B9-5B3D689ED371}"/>
+              </a:ext>
+            </a:extLst>
+          </p:cNvPr>
+          <p:cNvSpPr/>
+          <p:nvPr/>
+        </p:nvSpPr>
+        <p:spPr>
+          <a:xfrm>
+            <a:off x="7345122" y="3714800"/>
+            <a:ext cx="2022829" cy="1824260"/>
+          </a:xfrm>
+          <a:prstGeom prst="rect">
+            <a:avLst/>
+          </a:prstGeom>
+          <a:noFill/>
+          <a:ln>
+            <a:solidFill>
+              <a:srgbClr val="2A0068"/>
+            </a:solidFill>
+          </a:ln>
+        </p:spPr>
+        <p:style>
+          <a:lnRef idx="2">
+            <a:schemeClr val="accent1">
+              <a:shade val="50000"/>
+            </a:schemeClr>
+          </a:lnRef>
+          <a:fillRef idx="1">
+            <a:schemeClr val="accent1"/>
+          </a:fillRef>
+          <a:effectRef idx="0">
+            <a:schemeClr val="accent1"/>
+          </a:effectRef>
+          <a:fontRef idx="minor">
+            <a:schemeClr val="lt1"/>
+          </a:fontRef>
+        </p:style>
+        <p:txBody>
+          <a:bodyPr lIns="36000" tIns="0" rIns="36000" bIns="0" rtlCol="0" anchor="t" anchorCtr="0"/>
+          <a:lstStyle/>
+          <a:p>
+            <a:pPr algn="ctr"/>
+            <a:r>
+              <a:rPr lang="fr-FR" sz="2000" b="1" dirty="0">
+                <a:solidFill>
+                  <a:srgbClr val="2A0068"/>
+                </a:solidFill>
+              </a:rPr>
+              <a:t>Dashboard interactif</a:t>
+            </a:r>
+          </a:p>
+        </p:txBody>
+      </p:sp>
+      <p:sp>
+        <p:nvSpPr>
+          <p:cNvPr id="45" name="Rectangle 44">
+            <a:extLst>
+              <a:ext uri="{FF2B5EF4-FFF2-40B4-BE49-F238E27FC236}">
+                <a16:creationId xmlns:a16="http://schemas.microsoft.com/office/drawing/2014/main" id="{E2183F81-098E-4B90-B85D-02090F8DDD63}"/>
+              </a:ext>
+            </a:extLst>
+          </p:cNvPr>
+          <p:cNvSpPr/>
+          <p:nvPr/>
+        </p:nvSpPr>
+        <p:spPr>
+          <a:xfrm>
+            <a:off x="10346382" y="3714672"/>
+            <a:ext cx="1416459" cy="1824260"/>
+          </a:xfrm>
+          <a:prstGeom prst="rect">
+            <a:avLst/>
+          </a:prstGeom>
+          <a:noFill/>
+          <a:ln>
+            <a:solidFill>
+              <a:srgbClr val="2A0068"/>
+            </a:solidFill>
+          </a:ln>
+        </p:spPr>
+        <p:style>
+          <a:lnRef idx="2">
+            <a:schemeClr val="accent1">
+              <a:shade val="50000"/>
+            </a:schemeClr>
+          </a:lnRef>
+          <a:fillRef idx="1">
+            <a:schemeClr val="accent1"/>
+          </a:fillRef>
+          <a:effectRef idx="0">
+            <a:schemeClr val="accent1"/>
+          </a:effectRef>
+          <a:fontRef idx="minor">
+            <a:schemeClr val="lt1"/>
+          </a:fontRef>
+        </p:style>
+        <p:txBody>
+          <a:bodyPr lIns="36000" tIns="0" rIns="36000" bIns="0" rtlCol="0" anchor="ctr"/>
+          <a:lstStyle/>
+          <a:p>
+            <a:pPr algn="ctr"/>
+            <a:r>
+              <a:rPr lang="fr-FR" b="1" dirty="0">
+                <a:solidFill>
+                  <a:srgbClr val="2A0068"/>
+                </a:solidFill>
+              </a:rPr>
+              <a:t>Navigateur/</a:t>
+            </a:r>
+          </a:p>
+          <a:p>
+            <a:pPr algn="ctr"/>
+            <a:r>
+              <a:rPr lang="fr-FR" b="1" dirty="0">
+                <a:solidFill>
+                  <a:srgbClr val="2A0068"/>
+                </a:solidFill>
+              </a:rPr>
+              <a:t>page web</a:t>
+            </a:r>
+          </a:p>
+        </p:txBody>
+      </p:sp>
+      <p:pic>
+        <p:nvPicPr>
+          <p:cNvPr id="13" name="Image 12">
+            <a:extLst>
+              <a:ext uri="{FF2B5EF4-FFF2-40B4-BE49-F238E27FC236}">
+                <a16:creationId xmlns:a16="http://schemas.microsoft.com/office/drawing/2014/main" id="{E37741B0-F790-4E26-B1DB-DCA4BF2067CD}"/>
+              </a:ext>
+            </a:extLst>
+          </p:cNvPr>
+          <p:cNvPicPr>
+            <a:picLocks noChangeAspect="1"/>
+          </p:cNvPicPr>
+          <p:nvPr/>
+        </p:nvPicPr>
+        <p:blipFill rotWithShape="1">
+          <a:blip r:embed="rId16">
+            <a:clrChange>
+              <a:clrFrom>
+                <a:srgbClr val="3A90DB"/>
+              </a:clrFrom>
+              <a:clrTo>
+                <a:srgbClr val="3A90DB">
+                  <a:alpha val="0"/>
+                </a:srgbClr>
+              </a:clrTo>
+            </a:clrChange>
+          </a:blip>
+          <a:srcRect t="18169" b="27796"/>
+          <a:stretch/>
+        </p:blipFill>
+        <p:spPr>
+          <a:xfrm>
+            <a:off x="7599883" y="5152512"/>
+            <a:ext cx="1348398" cy="252000"/>
+          </a:xfrm>
+          <a:prstGeom prst="rect">
+            <a:avLst/>
+          </a:prstGeom>
+        </p:spPr>
+      </p:pic>
+      <p:cxnSp>
+        <p:nvCxnSpPr>
+          <p:cNvPr id="15" name="Connecteur droit avec flèche 14">
+            <a:extLst>
+              <a:ext uri="{FF2B5EF4-FFF2-40B4-BE49-F238E27FC236}">
+                <a16:creationId xmlns:a16="http://schemas.microsoft.com/office/drawing/2014/main" id="{01791530-BAC6-4A3C-B933-EE09D8ABD998}"/>
+              </a:ext>
+            </a:extLst>
+          </p:cNvPr>
+          <p:cNvCxnSpPr>
+            <a:cxnSpLocks/>
+            <a:endCxn id="29" idx="1"/>
+          </p:cNvCxnSpPr>
+          <p:nvPr/>
+        </p:nvCxnSpPr>
+        <p:spPr>
+          <a:xfrm>
+            <a:off x="2000794" y="3600951"/>
+            <a:ext cx="787080" cy="0"/>
+          </a:xfrm>
+          <a:prstGeom prst="straightConnector1">
+            <a:avLst/>
+          </a:prstGeom>
+          <a:ln w="38100">
+            <a:solidFill>
+              <a:srgbClr val="C00000"/>
+            </a:solidFill>
+            <a:tailEnd type="triangle"/>
+          </a:ln>
+        </p:spPr>
+        <p:style>
+          <a:lnRef idx="1">
+            <a:schemeClr val="accent1"/>
+          </a:lnRef>
+          <a:fillRef idx="0">
+            <a:schemeClr val="accent1"/>
+          </a:fillRef>
+          <a:effectRef idx="0">
+            <a:schemeClr val="accent1"/>
+          </a:effectRef>
+          <a:fontRef idx="minor">
+            <a:schemeClr val="tx1"/>
+          </a:fontRef>
+        </p:style>
+      </p:cxnSp>
+      <p:cxnSp>
+        <p:nvCxnSpPr>
+          <p:cNvPr id="46" name="Connecteur droit avec flèche 45">
+            <a:extLst>
+              <a:ext uri="{FF2B5EF4-FFF2-40B4-BE49-F238E27FC236}">
+                <a16:creationId xmlns:a16="http://schemas.microsoft.com/office/drawing/2014/main" id="{D241CA47-1187-4041-99EC-D6444F84DD7C}"/>
+              </a:ext>
+            </a:extLst>
+          </p:cNvPr>
+          <p:cNvCxnSpPr>
+            <a:cxnSpLocks/>
+            <a:endCxn id="35" idx="1"/>
+          </p:cNvCxnSpPr>
+          <p:nvPr/>
+        </p:nvCxnSpPr>
+        <p:spPr>
+          <a:xfrm>
+            <a:off x="2018200" y="4664583"/>
+            <a:ext cx="769673" cy="0"/>
+          </a:xfrm>
+          <a:prstGeom prst="straightConnector1">
+            <a:avLst/>
+          </a:prstGeom>
+          <a:ln w="38100">
+            <a:solidFill>
+              <a:srgbClr val="C00000"/>
+            </a:solidFill>
+            <a:tailEnd type="triangle"/>
+          </a:ln>
+        </p:spPr>
+        <p:style>
+          <a:lnRef idx="1">
+            <a:schemeClr val="accent1"/>
+          </a:lnRef>
+          <a:fillRef idx="0">
+            <a:schemeClr val="accent1"/>
+          </a:fillRef>
+          <a:effectRef idx="0">
+            <a:schemeClr val="accent1"/>
+          </a:effectRef>
+          <a:fontRef idx="minor">
+            <a:schemeClr val="tx1"/>
+          </a:fontRef>
+        </p:style>
+      </p:cxnSp>
+      <p:cxnSp>
+        <p:nvCxnSpPr>
+          <p:cNvPr id="47" name="Connecteur droit avec flèche 46">
+            <a:extLst>
+              <a:ext uri="{FF2B5EF4-FFF2-40B4-BE49-F238E27FC236}">
+                <a16:creationId xmlns:a16="http://schemas.microsoft.com/office/drawing/2014/main" id="{2790DC1F-F06B-477A-807B-D12EB9F9BCD3}"/>
+              </a:ext>
+            </a:extLst>
+          </p:cNvPr>
+          <p:cNvCxnSpPr>
+            <a:cxnSpLocks/>
+            <a:stCxn id="35" idx="3"/>
+          </p:cNvCxnSpPr>
+          <p:nvPr/>
+        </p:nvCxnSpPr>
+        <p:spPr>
+          <a:xfrm>
+            <a:off x="4780760" y="4664583"/>
+            <a:ext cx="432000" cy="0"/>
+          </a:xfrm>
+          <a:prstGeom prst="straightConnector1">
+            <a:avLst/>
+          </a:prstGeom>
+          <a:ln w="38100">
+            <a:solidFill>
+              <a:srgbClr val="C00000"/>
+            </a:solidFill>
+            <a:tailEnd type="triangle"/>
+          </a:ln>
+        </p:spPr>
+        <p:style>
+          <a:lnRef idx="1">
+            <a:schemeClr val="accent1"/>
+          </a:lnRef>
+          <a:fillRef idx="0">
+            <a:schemeClr val="accent1"/>
+          </a:fillRef>
+          <a:effectRef idx="0">
+            <a:schemeClr val="accent1"/>
+          </a:effectRef>
+          <a:fontRef idx="minor">
+            <a:schemeClr val="tx1"/>
+          </a:fontRef>
+        </p:style>
+      </p:cxnSp>
+      <p:cxnSp>
+        <p:nvCxnSpPr>
+          <p:cNvPr id="19" name="Connecteur droit 18">
+            <a:extLst>
+              <a:ext uri="{FF2B5EF4-FFF2-40B4-BE49-F238E27FC236}">
+                <a16:creationId xmlns:a16="http://schemas.microsoft.com/office/drawing/2014/main" id="{452E5F60-0783-4EB2-94D2-9799E2DB3C31}"/>
+              </a:ext>
+            </a:extLst>
+          </p:cNvPr>
+          <p:cNvCxnSpPr>
+            <a:cxnSpLocks/>
+          </p:cNvCxnSpPr>
+          <p:nvPr/>
+        </p:nvCxnSpPr>
+        <p:spPr>
+          <a:xfrm flipH="1">
+            <a:off x="4946553" y="3600950"/>
+            <a:ext cx="4485" cy="1078821"/>
+          </a:xfrm>
+          <a:prstGeom prst="line">
+            <a:avLst/>
+          </a:prstGeom>
+          <a:ln w="38100">
+            <a:solidFill>
+              <a:srgbClr val="C00000"/>
+            </a:solidFill>
+          </a:ln>
+        </p:spPr>
+        <p:style>
+          <a:lnRef idx="1">
+            <a:schemeClr val="accent1"/>
+          </a:lnRef>
+          <a:fillRef idx="0">
+            <a:schemeClr val="accent1"/>
+          </a:fillRef>
+          <a:effectRef idx="0">
+            <a:schemeClr val="accent1"/>
+          </a:effectRef>
+          <a:fontRef idx="minor">
+            <a:schemeClr val="tx1"/>
+          </a:fontRef>
+        </p:style>
+      </p:cxnSp>
+      <p:cxnSp>
+        <p:nvCxnSpPr>
+          <p:cNvPr id="53" name="Connecteur droit 52">
+            <a:extLst>
+              <a:ext uri="{FF2B5EF4-FFF2-40B4-BE49-F238E27FC236}">
+                <a16:creationId xmlns:a16="http://schemas.microsoft.com/office/drawing/2014/main" id="{C6B76ABA-31AC-494C-B95D-986073614291}"/>
+              </a:ext>
+            </a:extLst>
+          </p:cNvPr>
+          <p:cNvCxnSpPr>
+            <a:cxnSpLocks/>
+          </p:cNvCxnSpPr>
+          <p:nvPr/>
+        </p:nvCxnSpPr>
+        <p:spPr>
+          <a:xfrm>
+            <a:off x="4780760" y="3616239"/>
+            <a:ext cx="180000" cy="0"/>
+          </a:xfrm>
+          <a:prstGeom prst="line">
+            <a:avLst/>
+          </a:prstGeom>
+          <a:ln w="38100">
+            <a:solidFill>
+              <a:srgbClr val="C00000"/>
+            </a:solidFill>
+          </a:ln>
+        </p:spPr>
+        <p:style>
+          <a:lnRef idx="1">
+            <a:schemeClr val="accent1"/>
+          </a:lnRef>
+          <a:fillRef idx="0">
+            <a:schemeClr val="accent1"/>
+          </a:fillRef>
+          <a:effectRef idx="0">
+            <a:schemeClr val="accent1"/>
+          </a:effectRef>
+          <a:fontRef idx="minor">
+            <a:schemeClr val="tx1"/>
+          </a:fontRef>
+        </p:style>
+      </p:cxnSp>
+      <p:cxnSp>
+        <p:nvCxnSpPr>
+          <p:cNvPr id="55" name="Connecteur droit avec flèche 54">
+            <a:extLst>
+              <a:ext uri="{FF2B5EF4-FFF2-40B4-BE49-F238E27FC236}">
+                <a16:creationId xmlns:a16="http://schemas.microsoft.com/office/drawing/2014/main" id="{25D90B80-8660-4AB0-87C3-E99BAA9DC9EB}"/>
+              </a:ext>
+            </a:extLst>
+          </p:cNvPr>
+          <p:cNvCxnSpPr>
+            <a:cxnSpLocks/>
+          </p:cNvCxnSpPr>
+          <p:nvPr/>
+        </p:nvCxnSpPr>
+        <p:spPr>
+          <a:xfrm>
+            <a:off x="6549581" y="4816983"/>
+            <a:ext cx="792000" cy="0"/>
+          </a:xfrm>
+          <a:prstGeom prst="straightConnector1">
+            <a:avLst/>
+          </a:prstGeom>
+          <a:ln w="38100">
+            <a:solidFill>
+              <a:srgbClr val="C00000"/>
+            </a:solidFill>
+            <a:tailEnd type="triangle"/>
+          </a:ln>
+        </p:spPr>
+        <p:style>
+          <a:lnRef idx="1">
+            <a:schemeClr val="accent1"/>
+          </a:lnRef>
+          <a:fillRef idx="0">
+            <a:schemeClr val="accent1"/>
+          </a:fillRef>
+          <a:effectRef idx="0">
+            <a:schemeClr val="accent1"/>
+          </a:effectRef>
+          <a:fontRef idx="minor">
+            <a:schemeClr val="tx1"/>
+          </a:fontRef>
+        </p:style>
+      </p:cxnSp>
+      <p:cxnSp>
+        <p:nvCxnSpPr>
+          <p:cNvPr id="56" name="Connecteur droit avec flèche 55">
+            <a:extLst>
+              <a:ext uri="{FF2B5EF4-FFF2-40B4-BE49-F238E27FC236}">
+                <a16:creationId xmlns:a16="http://schemas.microsoft.com/office/drawing/2014/main" id="{AC62B3FB-DA89-4B86-91EC-505FF576D7BA}"/>
+              </a:ext>
+            </a:extLst>
+          </p:cNvPr>
+          <p:cNvCxnSpPr>
+            <a:cxnSpLocks/>
+          </p:cNvCxnSpPr>
+          <p:nvPr/>
+        </p:nvCxnSpPr>
+        <p:spPr>
+          <a:xfrm>
+            <a:off x="9375834" y="4816983"/>
+            <a:ext cx="972000" cy="0"/>
+          </a:xfrm>
+          <a:prstGeom prst="straightConnector1">
+            <a:avLst/>
+          </a:prstGeom>
+          <a:ln w="38100">
+            <a:solidFill>
+              <a:srgbClr val="C00000"/>
+            </a:solidFill>
+            <a:tailEnd type="triangle"/>
+          </a:ln>
+        </p:spPr>
+        <p:style>
+          <a:lnRef idx="1">
+            <a:schemeClr val="accent1"/>
+          </a:lnRef>
+          <a:fillRef idx="0">
+            <a:schemeClr val="accent1"/>
+          </a:fillRef>
+          <a:effectRef idx="0">
+            <a:schemeClr val="accent1"/>
+          </a:effectRef>
+          <a:fontRef idx="minor">
+            <a:schemeClr val="tx1"/>
+          </a:fontRef>
+        </p:style>
+      </p:cxnSp>
+      <p:cxnSp>
+        <p:nvCxnSpPr>
+          <p:cNvPr id="57" name="Connecteur droit avec flèche 56">
+            <a:extLst>
+              <a:ext uri="{FF2B5EF4-FFF2-40B4-BE49-F238E27FC236}">
+                <a16:creationId xmlns:a16="http://schemas.microsoft.com/office/drawing/2014/main" id="{0A2D754E-6E83-4C49-AC72-0D5DC415B25D}"/>
+              </a:ext>
+            </a:extLst>
+          </p:cNvPr>
+          <p:cNvCxnSpPr>
+            <a:cxnSpLocks/>
+          </p:cNvCxnSpPr>
+          <p:nvPr/>
+        </p:nvCxnSpPr>
+        <p:spPr>
+          <a:xfrm flipH="1">
+            <a:off x="9370282" y="4463303"/>
+            <a:ext cx="972000" cy="0"/>
+          </a:xfrm>
+          <a:prstGeom prst="straightConnector1">
+            <a:avLst/>
+          </a:prstGeom>
+          <a:ln w="38100">
+            <a:solidFill>
+              <a:srgbClr val="C00000"/>
+            </a:solidFill>
+            <a:tailEnd type="triangle"/>
+          </a:ln>
+        </p:spPr>
+        <p:style>
+          <a:lnRef idx="1">
+            <a:schemeClr val="accent1"/>
+          </a:lnRef>
+          <a:fillRef idx="0">
+            <a:schemeClr val="accent1"/>
+          </a:fillRef>
+          <a:effectRef idx="0">
+            <a:schemeClr val="accent1"/>
+          </a:effectRef>
+          <a:fontRef idx="minor">
+            <a:schemeClr val="tx1"/>
+          </a:fontRef>
+        </p:style>
+      </p:cxnSp>
+      <p:cxnSp>
+        <p:nvCxnSpPr>
+          <p:cNvPr id="59" name="Connecteur droit avec flèche 58">
+            <a:extLst>
+              <a:ext uri="{FF2B5EF4-FFF2-40B4-BE49-F238E27FC236}">
+                <a16:creationId xmlns:a16="http://schemas.microsoft.com/office/drawing/2014/main" id="{149393A8-74A3-4E2F-9D88-46BD5CB1881D}"/>
+              </a:ext>
+            </a:extLst>
+          </p:cNvPr>
+          <p:cNvCxnSpPr>
+            <a:cxnSpLocks/>
+          </p:cNvCxnSpPr>
+          <p:nvPr/>
+        </p:nvCxnSpPr>
+        <p:spPr>
+          <a:xfrm flipH="1">
+            <a:off x="6539421" y="4450445"/>
+            <a:ext cx="792000" cy="0"/>
+          </a:xfrm>
+          <a:prstGeom prst="straightConnector1">
+            <a:avLst/>
+          </a:prstGeom>
+          <a:ln w="38100">
+            <a:solidFill>
+              <a:srgbClr val="C00000"/>
+            </a:solidFill>
+            <a:tailEnd type="triangle"/>
+          </a:ln>
+        </p:spPr>
+        <p:style>
+          <a:lnRef idx="1">
+            <a:schemeClr val="accent1"/>
+          </a:lnRef>
+          <a:fillRef idx="0">
+            <a:schemeClr val="accent1"/>
+          </a:fillRef>
+          <a:effectRef idx="0">
+            <a:schemeClr val="accent1"/>
+          </a:effectRef>
+          <a:fontRef idx="minor">
+            <a:schemeClr val="tx1"/>
+          </a:fontRef>
+        </p:style>
+      </p:cxnSp>
+      <p:sp>
+        <p:nvSpPr>
+          <p:cNvPr id="25" name="Bulle narrative : rectangle à coins arrondis 24">
+            <a:extLst>
+              <a:ext uri="{FF2B5EF4-FFF2-40B4-BE49-F238E27FC236}">
+                <a16:creationId xmlns:a16="http://schemas.microsoft.com/office/drawing/2014/main" id="{8D90A515-725F-4373-9270-91A78EA3E7AA}"/>
+              </a:ext>
+            </a:extLst>
+          </p:cNvPr>
+          <p:cNvSpPr/>
+          <p:nvPr/>
+        </p:nvSpPr>
+        <p:spPr>
+          <a:xfrm>
+            <a:off x="1994269" y="4831584"/>
+            <a:ext cx="1147315" cy="461048"/>
+          </a:xfrm>
+          <a:prstGeom prst="wedgeRoundRectCallout">
+            <a:avLst>
+              <a:gd name="adj1" fmla="val 11676"/>
+              <a:gd name="adj2" fmla="val -75821"/>
+              <a:gd name="adj3" fmla="val 16667"/>
+            </a:avLst>
+          </a:prstGeom>
+          <a:solidFill>
+            <a:srgbClr val="FFD1D1"/>
+          </a:solidFill>
+          <a:ln>
+            <a:solidFill>
+              <a:srgbClr val="C00000"/>
+            </a:solidFill>
+          </a:ln>
+        </p:spPr>
+        <p:style>
+          <a:lnRef idx="2">
+            <a:schemeClr val="accent1">
+              <a:shade val="50000"/>
+            </a:schemeClr>
+          </a:lnRef>
+          <a:fillRef idx="1">
+            <a:schemeClr val="accent1"/>
+          </a:fillRef>
+          <a:effectRef idx="0">
+            <a:schemeClr val="accent1"/>
+          </a:effectRef>
+          <a:fontRef idx="minor">
+            <a:schemeClr val="lt1"/>
+          </a:fontRef>
+        </p:style>
+        <p:txBody>
+          <a:bodyPr lIns="36000" tIns="0" rIns="36000" bIns="0" rtlCol="0" anchor="ctr"/>
+          <a:lstStyle/>
+          <a:p>
+            <a:pPr algn="ctr"/>
+            <a:r>
+              <a:rPr lang="fr-FR" sz="900" b="1" dirty="0">
+                <a:solidFill>
+                  <a:srgbClr val="C00000"/>
+                </a:solidFill>
+              </a:rPr>
+              <a:t>Excel </a:t>
+            </a:r>
+            <a:r>
+              <a:rPr lang="fr-FR" sz="900" dirty="0">
+                <a:solidFill>
+                  <a:srgbClr val="C00000"/>
+                </a:solidFill>
+              </a:rPr>
+              <a:t>avec les </a:t>
+            </a:r>
+            <a:r>
+              <a:rPr lang="fr-FR" sz="900" b="1" dirty="0">
+                <a:solidFill>
+                  <a:srgbClr val="C00000"/>
+                </a:solidFill>
+              </a:rPr>
+              <a:t>variables prédictrices </a:t>
+            </a:r>
+            <a:r>
+              <a:rPr lang="fr-FR" sz="900" dirty="0">
+                <a:solidFill>
+                  <a:srgbClr val="C00000"/>
+                </a:solidFill>
+              </a:rPr>
+              <a:t>utiles à notre modèle</a:t>
+            </a:r>
+          </a:p>
+        </p:txBody>
+      </p:sp>
+      <p:sp>
+        <p:nvSpPr>
+          <p:cNvPr id="62" name="Rectangle 61">
+            <a:extLst>
+              <a:ext uri="{FF2B5EF4-FFF2-40B4-BE49-F238E27FC236}">
+                <a16:creationId xmlns:a16="http://schemas.microsoft.com/office/drawing/2014/main" id="{A7AA3F93-FA3B-4FA4-9F0F-1273F50B7294}"/>
+              </a:ext>
+            </a:extLst>
+          </p:cNvPr>
+          <p:cNvSpPr/>
+          <p:nvPr/>
+        </p:nvSpPr>
+        <p:spPr>
+          <a:xfrm>
+            <a:off x="351265" y="2785553"/>
+            <a:ext cx="9388636" cy="2935838"/>
+          </a:xfrm>
+          <a:prstGeom prst="rect">
+            <a:avLst/>
+          </a:prstGeom>
+          <a:noFill/>
+          <a:ln w="38100">
+            <a:solidFill>
+              <a:srgbClr val="000000"/>
+            </a:solidFill>
+          </a:ln>
+        </p:spPr>
+        <p:style>
+          <a:lnRef idx="2">
+            <a:schemeClr val="accent1">
+              <a:shade val="50000"/>
+            </a:schemeClr>
+          </a:lnRef>
+          <a:fillRef idx="1">
+            <a:schemeClr val="accent1"/>
+          </a:fillRef>
+          <a:effectRef idx="0">
+            <a:schemeClr val="accent1"/>
+          </a:effectRef>
+          <a:fontRef idx="minor">
+            <a:schemeClr val="lt1"/>
+          </a:fontRef>
+        </p:style>
+        <p:txBody>
+          <a:bodyPr lIns="36000" tIns="0" rIns="36000" bIns="0" rtlCol="0" anchor="t" anchorCtr="0"/>
+          <a:lstStyle/>
+          <a:p>
+            <a:pPr algn="ctr"/>
+            <a:endParaRPr lang="fr-FR" sz="2000" b="1" dirty="0">
+              <a:solidFill>
+                <a:srgbClr val="2A0068"/>
+              </a:solidFill>
+            </a:endParaRPr>
+          </a:p>
+        </p:txBody>
+      </p:sp>
+      <p:sp>
+        <p:nvSpPr>
+          <p:cNvPr id="63" name="Bulle narrative : rectangle à coins arrondis 62">
+            <a:extLst>
+              <a:ext uri="{FF2B5EF4-FFF2-40B4-BE49-F238E27FC236}">
+                <a16:creationId xmlns:a16="http://schemas.microsoft.com/office/drawing/2014/main" id="{E1058163-7DD7-485A-A2D0-25E631D446FD}"/>
+              </a:ext>
+            </a:extLst>
+          </p:cNvPr>
+          <p:cNvSpPr/>
+          <p:nvPr/>
+        </p:nvSpPr>
+        <p:spPr>
+          <a:xfrm>
+            <a:off x="1881639" y="2908175"/>
+            <a:ext cx="1219370" cy="540000"/>
+          </a:xfrm>
+          <a:prstGeom prst="wedgeRoundRectCallout">
+            <a:avLst>
+              <a:gd name="adj1" fmla="val 19735"/>
+              <a:gd name="adj2" fmla="val 67180"/>
+              <a:gd name="adj3" fmla="val 16667"/>
+            </a:avLst>
+          </a:prstGeom>
+          <a:solidFill>
+            <a:srgbClr val="FFD1D1"/>
+          </a:solidFill>
+          <a:ln>
+            <a:solidFill>
+              <a:srgbClr val="C00000"/>
+            </a:solidFill>
+          </a:ln>
+        </p:spPr>
+        <p:style>
+          <a:lnRef idx="2">
+            <a:schemeClr val="accent1">
+              <a:shade val="50000"/>
+            </a:schemeClr>
+          </a:lnRef>
+          <a:fillRef idx="1">
+            <a:schemeClr val="accent1"/>
+          </a:fillRef>
+          <a:effectRef idx="0">
+            <a:schemeClr val="accent1"/>
+          </a:effectRef>
+          <a:fontRef idx="minor">
+            <a:schemeClr val="lt1"/>
+          </a:fontRef>
+        </p:style>
+        <p:txBody>
+          <a:bodyPr lIns="36000" tIns="0" rIns="36000" bIns="0" rtlCol="0" anchor="ctr"/>
+          <a:lstStyle/>
+          <a:p>
+            <a:pPr algn="ctr"/>
+            <a:r>
+              <a:rPr lang="fr-FR" sz="900" b="1" dirty="0">
+                <a:solidFill>
+                  <a:srgbClr val="C00000"/>
+                </a:solidFill>
+              </a:rPr>
+              <a:t>Modèle de ML (Random Forest) </a:t>
+            </a:r>
+            <a:r>
+              <a:rPr lang="fr-FR" sz="900" dirty="0">
+                <a:solidFill>
+                  <a:srgbClr val="C00000"/>
+                </a:solidFill>
+              </a:rPr>
+              <a:t>entrainé sur le training set (échantillon)</a:t>
+            </a:r>
+          </a:p>
+        </p:txBody>
+      </p:sp>
+      <p:sp>
+        <p:nvSpPr>
+          <p:cNvPr id="64" name="Rectangle 63">
+            <a:extLst>
+              <a:ext uri="{FF2B5EF4-FFF2-40B4-BE49-F238E27FC236}">
+                <a16:creationId xmlns:a16="http://schemas.microsoft.com/office/drawing/2014/main" id="{82B2A46B-A6EB-4D64-87A1-D23057F7221C}"/>
+              </a:ext>
+            </a:extLst>
+          </p:cNvPr>
+          <p:cNvSpPr/>
+          <p:nvPr/>
+        </p:nvSpPr>
+        <p:spPr>
+          <a:xfrm>
+            <a:off x="6986426" y="1990376"/>
+            <a:ext cx="2753475" cy="797281"/>
+          </a:xfrm>
+          <a:prstGeom prst="rect">
+            <a:avLst/>
+          </a:prstGeom>
+          <a:noFill/>
+          <a:ln w="38100">
+            <a:solidFill>
+              <a:srgbClr val="000000"/>
+            </a:solidFill>
+          </a:ln>
+        </p:spPr>
+        <p:style>
+          <a:lnRef idx="2">
+            <a:schemeClr val="accent1">
+              <a:shade val="50000"/>
+            </a:schemeClr>
+          </a:lnRef>
+          <a:fillRef idx="1">
+            <a:schemeClr val="accent1"/>
+          </a:fillRef>
+          <a:effectRef idx="0">
+            <a:schemeClr val="accent1"/>
+          </a:effectRef>
+          <a:fontRef idx="minor">
+            <a:schemeClr val="lt1"/>
+          </a:fontRef>
+        </p:style>
+        <p:txBody>
+          <a:bodyPr lIns="36000" tIns="0" rIns="36000" bIns="0" rtlCol="0" anchor="t" anchorCtr="0"/>
+          <a:lstStyle/>
+          <a:p>
+            <a:pPr algn="ctr"/>
+            <a:endParaRPr lang="fr-FR" sz="2000" b="1" dirty="0">
+              <a:solidFill>
+                <a:srgbClr val="2A0068"/>
+              </a:solidFill>
+            </a:endParaRPr>
+          </a:p>
+        </p:txBody>
+      </p:sp>
+      <p:sp>
+        <p:nvSpPr>
+          <p:cNvPr id="65" name="Rectangle 64">
+            <a:extLst>
+              <a:ext uri="{FF2B5EF4-FFF2-40B4-BE49-F238E27FC236}">
+                <a16:creationId xmlns:a16="http://schemas.microsoft.com/office/drawing/2014/main" id="{DAD45D22-8121-487C-A31A-37BE54B1687C}"/>
+              </a:ext>
+            </a:extLst>
+          </p:cNvPr>
+          <p:cNvSpPr/>
+          <p:nvPr/>
+        </p:nvSpPr>
+        <p:spPr>
+          <a:xfrm>
+            <a:off x="7004820" y="2686518"/>
+            <a:ext cx="2719264" cy="244474"/>
+          </a:xfrm>
+          <a:prstGeom prst="rect">
+            <a:avLst/>
+          </a:prstGeom>
+          <a:solidFill>
+            <a:schemeClr val="bg1"/>
+          </a:solidFill>
+          <a:ln w="38100">
+            <a:noFill/>
+          </a:ln>
+        </p:spPr>
+        <p:style>
+          <a:lnRef idx="2">
+            <a:schemeClr val="accent1">
+              <a:shade val="50000"/>
+            </a:schemeClr>
+          </a:lnRef>
+          <a:fillRef idx="1">
+            <a:schemeClr val="accent1"/>
+          </a:fillRef>
+          <a:effectRef idx="0">
+            <a:schemeClr val="accent1"/>
+          </a:effectRef>
+          <a:fontRef idx="minor">
+            <a:schemeClr val="lt1"/>
+          </a:fontRef>
+        </p:style>
+        <p:txBody>
+          <a:bodyPr lIns="36000" tIns="0" rIns="36000" bIns="0" rtlCol="0" anchor="t" anchorCtr="0"/>
+          <a:lstStyle/>
+          <a:p>
+            <a:pPr algn="ctr"/>
+            <a:endParaRPr lang="fr-FR" sz="2000" b="1" dirty="0">
+              <a:solidFill>
+                <a:srgbClr val="2A0068"/>
+              </a:solidFill>
+            </a:endParaRPr>
+          </a:p>
+        </p:txBody>
+      </p:sp>
+      <p:sp>
+        <p:nvSpPr>
+          <p:cNvPr id="66" name="Rectangle 65">
+            <a:extLst>
+              <a:ext uri="{FF2B5EF4-FFF2-40B4-BE49-F238E27FC236}">
+                <a16:creationId xmlns:a16="http://schemas.microsoft.com/office/drawing/2014/main" id="{AAA82C99-B3D3-46AC-B9E6-CDB1131AB760}"/>
+              </a:ext>
+            </a:extLst>
+          </p:cNvPr>
+          <p:cNvSpPr/>
+          <p:nvPr/>
+        </p:nvSpPr>
+        <p:spPr>
+          <a:xfrm>
+            <a:off x="3272419" y="1750174"/>
+            <a:ext cx="2753475" cy="761028"/>
+          </a:xfrm>
+          <a:prstGeom prst="rect">
+            <a:avLst/>
+          </a:prstGeom>
+          <a:noFill/>
+          <a:ln w="38100">
+            <a:solidFill>
+              <a:srgbClr val="430098"/>
+            </a:solidFill>
+          </a:ln>
+        </p:spPr>
+        <p:style>
+          <a:lnRef idx="2">
+            <a:schemeClr val="accent1">
+              <a:shade val="50000"/>
+            </a:schemeClr>
+          </a:lnRef>
+          <a:fillRef idx="1">
+            <a:schemeClr val="accent1"/>
+          </a:fillRef>
+          <a:effectRef idx="0">
+            <a:schemeClr val="accent1"/>
+          </a:effectRef>
+          <a:fontRef idx="minor">
+            <a:schemeClr val="lt1"/>
+          </a:fontRef>
+        </p:style>
+        <p:txBody>
+          <a:bodyPr lIns="36000" tIns="0" rIns="36000" bIns="0" rtlCol="0" anchor="ctr"/>
+          <a:lstStyle/>
+          <a:p>
+            <a:pPr algn="ctr"/>
+            <a:endParaRPr lang="fr-FR">
+              <a:solidFill>
+                <a:srgbClr val="2A0068"/>
+              </a:solidFill>
+            </a:endParaRPr>
+          </a:p>
+        </p:txBody>
+      </p:sp>
+      <p:sp>
+        <p:nvSpPr>
+          <p:cNvPr id="67" name="Rectangle 66">
+            <a:extLst>
+              <a:ext uri="{FF2B5EF4-FFF2-40B4-BE49-F238E27FC236}">
+                <a16:creationId xmlns:a16="http://schemas.microsoft.com/office/drawing/2014/main" id="{078180D6-D480-40DB-AD9A-CB56FAF96EBF}"/>
+              </a:ext>
+            </a:extLst>
+          </p:cNvPr>
+          <p:cNvSpPr/>
+          <p:nvPr/>
+        </p:nvSpPr>
+        <p:spPr>
+          <a:xfrm>
+            <a:off x="3296725" y="2396559"/>
+            <a:ext cx="2709696" cy="244474"/>
+          </a:xfrm>
+          <a:prstGeom prst="rect">
+            <a:avLst/>
+          </a:prstGeom>
+          <a:solidFill>
+            <a:schemeClr val="bg1"/>
+          </a:solidFill>
+          <a:ln w="38100">
+            <a:noFill/>
+          </a:ln>
+        </p:spPr>
+        <p:style>
+          <a:lnRef idx="2">
+            <a:schemeClr val="accent1">
+              <a:shade val="50000"/>
+            </a:schemeClr>
+          </a:lnRef>
+          <a:fillRef idx="1">
+            <a:schemeClr val="accent1"/>
+          </a:fillRef>
+          <a:effectRef idx="0">
+            <a:schemeClr val="accent1"/>
+          </a:effectRef>
+          <a:fontRef idx="minor">
+            <a:schemeClr val="lt1"/>
+          </a:fontRef>
+        </p:style>
+        <p:txBody>
+          <a:bodyPr lIns="36000" tIns="0" rIns="36000" bIns="0" rtlCol="0" anchor="t" anchorCtr="0"/>
+          <a:lstStyle/>
+          <a:p>
+            <a:pPr algn="ctr"/>
+            <a:endParaRPr lang="fr-FR" sz="2000" b="1" dirty="0">
+              <a:solidFill>
+                <a:srgbClr val="2A0068"/>
+              </a:solidFill>
+            </a:endParaRPr>
+          </a:p>
+        </p:txBody>
+      </p:sp>
+      <p:sp>
+        <p:nvSpPr>
+          <p:cNvPr id="68" name="Bulle narrative : rectangle à coins arrondis 67">
+            <a:extLst>
+              <a:ext uri="{FF2B5EF4-FFF2-40B4-BE49-F238E27FC236}">
+                <a16:creationId xmlns:a16="http://schemas.microsoft.com/office/drawing/2014/main" id="{46E74D73-501E-46D8-9B4E-ECCD6F5F16FE}"/>
+              </a:ext>
+            </a:extLst>
+          </p:cNvPr>
+          <p:cNvSpPr/>
+          <p:nvPr/>
+        </p:nvSpPr>
+        <p:spPr>
+          <a:xfrm>
+            <a:off x="6493730" y="5006350"/>
+            <a:ext cx="1065319" cy="413262"/>
+          </a:xfrm>
+          <a:prstGeom prst="wedgeRoundRectCallout">
+            <a:avLst>
+              <a:gd name="adj1" fmla="val 21719"/>
+              <a:gd name="adj2" fmla="val -80286"/>
+              <a:gd name="adj3" fmla="val 16667"/>
+            </a:avLst>
+          </a:prstGeom>
+          <a:solidFill>
+            <a:srgbClr val="FFD1D1"/>
+          </a:solidFill>
+          <a:ln>
+            <a:solidFill>
+              <a:srgbClr val="C00000"/>
+            </a:solidFill>
+          </a:ln>
+        </p:spPr>
+        <p:style>
+          <a:lnRef idx="2">
+            <a:schemeClr val="accent1">
+              <a:shade val="50000"/>
+            </a:schemeClr>
+          </a:lnRef>
+          <a:fillRef idx="1">
+            <a:schemeClr val="accent1"/>
+          </a:fillRef>
+          <a:effectRef idx="0">
+            <a:schemeClr val="accent1"/>
+          </a:effectRef>
+          <a:fontRef idx="minor">
+            <a:schemeClr val="lt1"/>
+          </a:fontRef>
+        </p:style>
+        <p:txBody>
+          <a:bodyPr lIns="36000" tIns="0" rIns="36000" bIns="0" rtlCol="0" anchor="ctr"/>
+          <a:lstStyle/>
+          <a:p>
+            <a:pPr algn="ctr"/>
+            <a:r>
+              <a:rPr lang="fr-FR" sz="900" b="1" dirty="0">
+                <a:solidFill>
+                  <a:srgbClr val="C00000"/>
+                </a:solidFill>
+              </a:rPr>
+              <a:t>Dictionnaire JSON </a:t>
+            </a:r>
+            <a:r>
+              <a:rPr lang="fr-FR" sz="900" dirty="0">
+                <a:solidFill>
+                  <a:srgbClr val="C00000"/>
+                </a:solidFill>
+              </a:rPr>
+              <a:t>avec l'ID client et la prédiction associée</a:t>
+            </a:r>
+          </a:p>
+        </p:txBody>
+      </p:sp>
+      <p:sp>
+        <p:nvSpPr>
+          <p:cNvPr id="72" name="Bulle narrative : rectangle à coins arrondis 71">
+            <a:extLst>
+              <a:ext uri="{FF2B5EF4-FFF2-40B4-BE49-F238E27FC236}">
+                <a16:creationId xmlns:a16="http://schemas.microsoft.com/office/drawing/2014/main" id="{134E2823-B905-4B4B-9ADD-809C1858100E}"/>
+              </a:ext>
+            </a:extLst>
+          </p:cNvPr>
+          <p:cNvSpPr/>
+          <p:nvPr/>
+        </p:nvSpPr>
+        <p:spPr>
+          <a:xfrm>
+            <a:off x="9449581" y="4145456"/>
+            <a:ext cx="611490" cy="213696"/>
+          </a:xfrm>
+          <a:prstGeom prst="wedgeRoundRectCallout">
+            <a:avLst>
+              <a:gd name="adj1" fmla="val -39669"/>
+              <a:gd name="adj2" fmla="val 75108"/>
+              <a:gd name="adj3" fmla="val 16667"/>
+            </a:avLst>
+          </a:prstGeom>
+          <a:solidFill>
+            <a:srgbClr val="FFD1D1"/>
+          </a:solidFill>
+          <a:ln>
+            <a:solidFill>
+              <a:srgbClr val="C00000"/>
+            </a:solidFill>
+          </a:ln>
+        </p:spPr>
+        <p:style>
+          <a:lnRef idx="2">
+            <a:schemeClr val="accent1">
+              <a:shade val="50000"/>
+            </a:schemeClr>
+          </a:lnRef>
+          <a:fillRef idx="1">
+            <a:schemeClr val="accent1"/>
+          </a:fillRef>
+          <a:effectRef idx="0">
+            <a:schemeClr val="accent1"/>
+          </a:effectRef>
+          <a:fontRef idx="minor">
+            <a:schemeClr val="lt1"/>
+          </a:fontRef>
+        </p:style>
+        <p:txBody>
+          <a:bodyPr lIns="36000" tIns="0" rIns="36000" bIns="0" rtlCol="0" anchor="ctr"/>
+          <a:lstStyle/>
+          <a:p>
+            <a:pPr algn="ctr"/>
+            <a:r>
+              <a:rPr lang="fr-FR" sz="900" b="1" dirty="0">
+                <a:solidFill>
+                  <a:srgbClr val="C00000"/>
+                </a:solidFill>
+              </a:rPr>
+              <a:t>Lien https</a:t>
+            </a:r>
+            <a:endParaRPr lang="fr-FR" sz="900" dirty="0">
+              <a:solidFill>
+                <a:srgbClr val="C00000"/>
+              </a:solidFill>
+            </a:endParaRPr>
+          </a:p>
+        </p:txBody>
+      </p:sp>
+      <p:sp>
+        <p:nvSpPr>
+          <p:cNvPr id="76" name="Bulle narrative : rectangle à coins arrondis 75">
+            <a:extLst>
+              <a:ext uri="{FF2B5EF4-FFF2-40B4-BE49-F238E27FC236}">
+                <a16:creationId xmlns:a16="http://schemas.microsoft.com/office/drawing/2014/main" id="{4AE10C5F-CE90-4452-A681-56DC53B1232A}"/>
+              </a:ext>
+            </a:extLst>
+          </p:cNvPr>
+          <p:cNvSpPr/>
+          <p:nvPr/>
+        </p:nvSpPr>
+        <p:spPr>
+          <a:xfrm>
+            <a:off x="9694746" y="4945305"/>
+            <a:ext cx="611490" cy="213696"/>
+          </a:xfrm>
+          <a:prstGeom prst="wedgeRoundRectCallout">
+            <a:avLst>
+              <a:gd name="adj1" fmla="val 42834"/>
+              <a:gd name="adj2" fmla="val -79820"/>
+              <a:gd name="adj3" fmla="val 16667"/>
+            </a:avLst>
+          </a:prstGeom>
+          <a:solidFill>
+            <a:srgbClr val="FFD1D1"/>
+          </a:solidFill>
+          <a:ln>
+            <a:solidFill>
+              <a:srgbClr val="C00000"/>
+            </a:solidFill>
+          </a:ln>
+        </p:spPr>
+        <p:style>
+          <a:lnRef idx="2">
+            <a:schemeClr val="accent1">
+              <a:shade val="50000"/>
+            </a:schemeClr>
+          </a:lnRef>
+          <a:fillRef idx="1">
+            <a:schemeClr val="accent1"/>
+          </a:fillRef>
+          <a:effectRef idx="0">
+            <a:schemeClr val="accent1"/>
+          </a:effectRef>
+          <a:fontRef idx="minor">
+            <a:schemeClr val="lt1"/>
+          </a:fontRef>
+        </p:style>
+        <p:txBody>
+          <a:bodyPr lIns="36000" tIns="0" rIns="36000" bIns="0" rtlCol="0" anchor="ctr"/>
+          <a:lstStyle/>
+          <a:p>
+            <a:pPr algn="ctr"/>
+            <a:r>
+              <a:rPr lang="fr-FR" sz="900" b="1" dirty="0">
+                <a:solidFill>
+                  <a:srgbClr val="C00000"/>
+                </a:solidFill>
+                <a:highlight>
+                  <a:srgbClr val="FFFF00"/>
+                </a:highlight>
+              </a:rPr>
+              <a:t>Lien https</a:t>
+            </a:r>
+            <a:endParaRPr lang="fr-FR" sz="900" dirty="0">
+              <a:solidFill>
+                <a:srgbClr val="C00000"/>
+              </a:solidFill>
+              <a:highlight>
+                <a:srgbClr val="FFFF00"/>
+              </a:highlight>
+            </a:endParaRPr>
+          </a:p>
+        </p:txBody>
+      </p:sp>
+      <p:sp>
+        <p:nvSpPr>
+          <p:cNvPr id="77" name="Bulle narrative : rectangle à coins arrondis 76">
+            <a:extLst>
+              <a:ext uri="{FF2B5EF4-FFF2-40B4-BE49-F238E27FC236}">
+                <a16:creationId xmlns:a16="http://schemas.microsoft.com/office/drawing/2014/main" id="{B70527B8-8BD2-475B-A88A-399E14EAB2C4}"/>
+              </a:ext>
+            </a:extLst>
+          </p:cNvPr>
+          <p:cNvSpPr/>
+          <p:nvPr/>
+        </p:nvSpPr>
+        <p:spPr>
+          <a:xfrm>
+            <a:off x="6584779" y="4121807"/>
+            <a:ext cx="611490" cy="213696"/>
+          </a:xfrm>
+          <a:prstGeom prst="wedgeRoundRectCallout">
+            <a:avLst>
+              <a:gd name="adj1" fmla="val -49982"/>
+              <a:gd name="adj2" fmla="val 75109"/>
+              <a:gd name="adj3" fmla="val 16667"/>
+            </a:avLst>
+          </a:prstGeom>
+          <a:solidFill>
+            <a:srgbClr val="FFD1D1"/>
+          </a:solidFill>
+          <a:ln>
+            <a:solidFill>
+              <a:srgbClr val="C00000"/>
+            </a:solidFill>
+          </a:ln>
+        </p:spPr>
+        <p:style>
+          <a:lnRef idx="2">
+            <a:schemeClr val="accent1">
+              <a:shade val="50000"/>
+            </a:schemeClr>
+          </a:lnRef>
+          <a:fillRef idx="1">
+            <a:schemeClr val="accent1"/>
+          </a:fillRef>
+          <a:effectRef idx="0">
+            <a:schemeClr val="accent1"/>
+          </a:effectRef>
+          <a:fontRef idx="minor">
+            <a:schemeClr val="lt1"/>
+          </a:fontRef>
+        </p:style>
+        <p:txBody>
+          <a:bodyPr lIns="36000" tIns="0" rIns="36000" bIns="0" rtlCol="0" anchor="ctr"/>
+          <a:lstStyle/>
+          <a:p>
+            <a:pPr algn="ctr"/>
+            <a:r>
+              <a:rPr lang="fr-FR" sz="900" b="1" dirty="0">
+                <a:solidFill>
+                  <a:srgbClr val="C00000"/>
+                </a:solidFill>
+                <a:highlight>
+                  <a:srgbClr val="FFFF00"/>
+                </a:highlight>
+              </a:rPr>
+              <a:t>Lien https</a:t>
+            </a:r>
+            <a:endParaRPr lang="fr-FR" sz="900" dirty="0">
+              <a:solidFill>
+                <a:srgbClr val="C00000"/>
+              </a:solidFill>
+              <a:highlight>
+                <a:srgbClr val="FFFF00"/>
+              </a:highlight>
+            </a:endParaRPr>
+          </a:p>
+        </p:txBody>
+      </p:sp>
+      <p:sp>
+        <p:nvSpPr>
+          <p:cNvPr id="48" name="Flèche : double flèche horizontale 47">
+            <a:extLst>
+              <a:ext uri="{FF2B5EF4-FFF2-40B4-BE49-F238E27FC236}">
+                <a16:creationId xmlns:a16="http://schemas.microsoft.com/office/drawing/2014/main" id="{A3A0FAC1-E281-49BF-ACE7-DCEE62DA3512}"/>
+              </a:ext>
+            </a:extLst>
+          </p:cNvPr>
+          <p:cNvSpPr/>
+          <p:nvPr/>
+        </p:nvSpPr>
+        <p:spPr>
+          <a:xfrm rot="670712">
+            <a:off x="5661095" y="2170253"/>
+            <a:ext cx="1573361" cy="239978"/>
+          </a:xfrm>
+          <a:prstGeom prst="leftRightArrow">
+            <a:avLst/>
+          </a:prstGeom>
+          <a:solidFill>
+            <a:srgbClr val="F05033"/>
+          </a:solidFill>
+          <a:ln>
+            <a:solidFill>
+              <a:srgbClr val="F05033"/>
+            </a:solidFill>
+          </a:ln>
+        </p:spPr>
+        <p:style>
+          <a:lnRef idx="2">
+            <a:schemeClr val="accent1">
+              <a:shade val="50000"/>
+            </a:schemeClr>
+          </a:lnRef>
+          <a:fillRef idx="1">
+            <a:schemeClr val="accent1"/>
+          </a:fillRef>
+          <a:effectRef idx="0">
+            <a:schemeClr val="accent1"/>
+          </a:effectRef>
+          <a:fontRef idx="minor">
+            <a:schemeClr val="lt1"/>
+          </a:fontRef>
+        </p:style>
+        <p:txBody>
+          <a:bodyPr rtlCol="0" anchor="ctr"/>
+          <a:lstStyle/>
+          <a:p>
+            <a:pPr algn="ctr"/>
+            <a:endParaRPr lang="fr-FR"/>
+          </a:p>
+        </p:txBody>
+      </p:sp>
+      <p:sp>
+        <p:nvSpPr>
+          <p:cNvPr id="78" name="Rectangle 77">
+            <a:extLst>
+              <a:ext uri="{FF2B5EF4-FFF2-40B4-BE49-F238E27FC236}">
+                <a16:creationId xmlns:a16="http://schemas.microsoft.com/office/drawing/2014/main" id="{D7E8C5FB-1F78-4B28-894B-03967B6AAF71}"/>
+              </a:ext>
+            </a:extLst>
+          </p:cNvPr>
+          <p:cNvSpPr/>
+          <p:nvPr/>
+        </p:nvSpPr>
+        <p:spPr>
+          <a:xfrm>
+            <a:off x="6164542" y="2157684"/>
+            <a:ext cx="591207" cy="291519"/>
+          </a:xfrm>
+          <a:prstGeom prst="rect">
+            <a:avLst/>
+          </a:prstGeom>
+          <a:solidFill>
+            <a:schemeClr val="bg1"/>
+          </a:solidFill>
+          <a:ln w="38100">
+            <a:noFill/>
+          </a:ln>
+        </p:spPr>
+        <p:style>
+          <a:lnRef idx="2">
+            <a:schemeClr val="accent1">
+              <a:shade val="50000"/>
+            </a:schemeClr>
+          </a:lnRef>
+          <a:fillRef idx="1">
+            <a:schemeClr val="accent1"/>
+          </a:fillRef>
+          <a:effectRef idx="0">
+            <a:schemeClr val="accent1"/>
+          </a:effectRef>
+          <a:fontRef idx="minor">
+            <a:schemeClr val="lt1"/>
+          </a:fontRef>
+        </p:style>
+        <p:txBody>
+          <a:bodyPr lIns="36000" tIns="0" rIns="36000" bIns="0" rtlCol="0" anchor="t" anchorCtr="0"/>
+          <a:lstStyle/>
+          <a:p>
+            <a:pPr algn="ctr"/>
+            <a:endParaRPr lang="fr-FR" sz="2000" b="1" dirty="0">
+              <a:solidFill>
+                <a:srgbClr val="2A0068"/>
+              </a:solidFill>
+            </a:endParaRPr>
+          </a:p>
+        </p:txBody>
+      </p:sp>
       <p:pic>
         <p:nvPicPr>
           <p:cNvPr id="28" name="Picture 6" descr="15' POUR COMPRENDRE : Git et GitHub">
@@ -17446,8 +19345,8 @@
         </p:blipFill>
         <p:spPr bwMode="auto">
           <a:xfrm>
-            <a:off x="3361227" y="1325305"/>
-            <a:ext cx="1662867" cy="720000"/>
+            <a:off x="6169142" y="2175134"/>
+            <a:ext cx="582005" cy="252000"/>
           </a:xfrm>
           <a:prstGeom prst="rect">
             <a:avLst/>
@@ -17466,10 +19365,10 @@
       </p:pic>
       <p:sp>
         <p:nvSpPr>
-          <p:cNvPr id="29" name="Rectangle 28">
-            <a:extLst>
-              <a:ext uri="{FF2B5EF4-FFF2-40B4-BE49-F238E27FC236}">
-                <a16:creationId xmlns:a16="http://schemas.microsoft.com/office/drawing/2014/main" id="{293833CD-769F-4EED-9255-94262FD7DA52}"/>
+          <p:cNvPr id="80" name="Bulle narrative : rectangle à coins arrondis 79">
+            <a:extLst>
+              <a:ext uri="{FF2B5EF4-FFF2-40B4-BE49-F238E27FC236}">
+                <a16:creationId xmlns:a16="http://schemas.microsoft.com/office/drawing/2014/main" id="{4A84ED7F-B170-42A6-9478-5F1162B6E117}"/>
               </a:ext>
             </a:extLst>
           </p:cNvPr>
@@ -17478,16 +19377,22 @@
         </p:nvSpPr>
         <p:spPr>
           <a:xfrm>
-            <a:off x="3219192" y="3865958"/>
-            <a:ext cx="1992888" cy="746681"/>
-          </a:xfrm>
-          <a:prstGeom prst="rect">
-            <a:avLst/>
-          </a:prstGeom>
-          <a:noFill/>
+            <a:off x="6267070" y="2201772"/>
+            <a:ext cx="611490" cy="213696"/>
+          </a:xfrm>
+          <a:prstGeom prst="wedgeRoundRectCallout">
+            <a:avLst>
+              <a:gd name="adj1" fmla="val -49982"/>
+              <a:gd name="adj2" fmla="val 75109"/>
+              <a:gd name="adj3" fmla="val 16667"/>
+            </a:avLst>
+          </a:prstGeom>
+          <a:solidFill>
+            <a:srgbClr val="FFD1D1"/>
+          </a:solidFill>
           <a:ln>
             <a:solidFill>
-              <a:srgbClr val="2A0068"/>
+              <a:srgbClr val="C00000"/>
             </a:solidFill>
           </a:ln>
         </p:spPr>
@@ -17513,384 +19418,27 @@
           <a:p>
             <a:pPr algn="ctr"/>
             <a:r>
-              <a:rPr lang="fr-FR" dirty="0">
+              <a:rPr lang="fr-FR" sz="900" b="1" dirty="0">
                 <a:solidFill>
-                  <a:srgbClr val="2A0068"/>
+                  <a:srgbClr val="C00000"/>
                 </a:solidFill>
+                <a:highlight>
+                  <a:srgbClr val="FFFF00"/>
+                </a:highlight>
               </a:rPr>
-              <a:t>Modèle ML</a:t>
-            </a:r>
-          </a:p>
-          <a:p>
-            <a:pPr algn="ctr"/>
-            <a:r>
-              <a:rPr lang="fr-FR" dirty="0">
-                <a:solidFill>
-                  <a:srgbClr val="2A0068"/>
-                </a:solidFill>
-              </a:rPr>
-              <a:t>Model</a:t>
-            </a:r>
-          </a:p>
-          <a:p>
-            <a:pPr algn="ctr"/>
-            <a:r>
-              <a:rPr lang="fr-FR" dirty="0">
-                <a:solidFill>
-                  <a:srgbClr val="2A0068"/>
-                </a:solidFill>
-              </a:rPr>
-              <a:t>Fichier pickle </a:t>
-            </a:r>
-            <a:r>
-              <a:rPr lang="fr-FR" dirty="0" err="1">
-                <a:solidFill>
-                  <a:srgbClr val="2A0068"/>
-                </a:solidFill>
-              </a:rPr>
-              <a:t>model.pkl</a:t>
-            </a:r>
-            <a:endParaRPr lang="fr-FR" dirty="0">
+              <a:t>Lien https</a:t>
+            </a:r>
+            <a:endParaRPr lang="fr-FR" sz="900" dirty="0">
               <a:solidFill>
-                <a:srgbClr val="2A0068"/>
+                <a:srgbClr val="C00000"/>
               </a:solidFill>
+              <a:highlight>
+                <a:srgbClr val="FFFF00"/>
+              </a:highlight>
             </a:endParaRPr>
           </a:p>
         </p:txBody>
       </p:sp>
-      <p:pic>
-        <p:nvPicPr>
-          <p:cNvPr id="37896" name="Picture 8" descr="Jupyter — Wikipédia">
-            <a:extLst>
-              <a:ext uri="{FF2B5EF4-FFF2-40B4-BE49-F238E27FC236}">
-                <a16:creationId xmlns:a16="http://schemas.microsoft.com/office/drawing/2014/main" id="{7871F3C4-18B9-414F-8317-3811E973FBD2}"/>
-              </a:ext>
-            </a:extLst>
-          </p:cNvPr>
-          <p:cNvPicPr>
-            <a:picLocks noChangeAspect="1" noChangeArrowheads="1"/>
-          </p:cNvPicPr>
-          <p:nvPr/>
-        </p:nvPicPr>
-        <p:blipFill>
-          <a:blip r:embed="rId11">
-            <a:extLst>
-              <a:ext uri="{28A0092B-C50C-407E-A947-70E740481C1C}">
-                <a14:useLocalDpi xmlns:a14="http://schemas.microsoft.com/office/drawing/2010/main" val="0"/>
-              </a:ext>
-            </a:extLst>
-          </a:blip>
-          <a:srcRect/>
-          <a:stretch>
-            <a:fillRect/>
-          </a:stretch>
-        </p:blipFill>
-        <p:spPr bwMode="auto">
-          <a:xfrm>
-            <a:off x="1134345" y="3606800"/>
-            <a:ext cx="621167" cy="720000"/>
-          </a:xfrm>
-          <a:prstGeom prst="rect">
-            <a:avLst/>
-          </a:prstGeom>
-          <a:noFill/>
-          <a:extLst>
-            <a:ext uri="{909E8E84-426E-40DD-AFC4-6F175D3DCCD1}">
-              <a14:hiddenFill xmlns:a14="http://schemas.microsoft.com/office/drawing/2010/main">
-                <a:solidFill>
-                  <a:srgbClr val="FFFFFF"/>
-                </a:solidFill>
-              </a14:hiddenFill>
-            </a:ext>
-          </a:extLst>
-        </p:spPr>
-      </p:pic>
-      <p:sp>
-        <p:nvSpPr>
-          <p:cNvPr id="35" name="Rectangle 34">
-            <a:extLst>
-              <a:ext uri="{FF2B5EF4-FFF2-40B4-BE49-F238E27FC236}">
-                <a16:creationId xmlns:a16="http://schemas.microsoft.com/office/drawing/2014/main" id="{333D0210-2317-4BBD-AD59-087978B8AD5B}"/>
-              </a:ext>
-            </a:extLst>
-          </p:cNvPr>
-          <p:cNvSpPr/>
-          <p:nvPr/>
-        </p:nvSpPr>
-        <p:spPr>
-          <a:xfrm>
-            <a:off x="3219191" y="5176742"/>
-            <a:ext cx="1992887" cy="746681"/>
-          </a:xfrm>
-          <a:prstGeom prst="rect">
-            <a:avLst/>
-          </a:prstGeom>
-          <a:noFill/>
-          <a:ln>
-            <a:solidFill>
-              <a:srgbClr val="2A0068"/>
-            </a:solidFill>
-          </a:ln>
-        </p:spPr>
-        <p:style>
-          <a:lnRef idx="2">
-            <a:schemeClr val="accent1">
-              <a:shade val="50000"/>
-            </a:schemeClr>
-          </a:lnRef>
-          <a:fillRef idx="1">
-            <a:schemeClr val="accent1"/>
-          </a:fillRef>
-          <a:effectRef idx="0">
-            <a:schemeClr val="accent1"/>
-          </a:effectRef>
-          <a:fontRef idx="minor">
-            <a:schemeClr val="lt1"/>
-          </a:fontRef>
-        </p:style>
-        <p:txBody>
-          <a:bodyPr lIns="36000" tIns="0" rIns="36000" bIns="0" rtlCol="0" anchor="ctr"/>
-          <a:lstStyle/>
-          <a:p>
-            <a:pPr algn="ctr"/>
-            <a:r>
-              <a:rPr lang="fr-FR" sz="2000" b="1" dirty="0">
-                <a:solidFill>
-                  <a:srgbClr val="2A0068"/>
-                </a:solidFill>
-              </a:rPr>
-              <a:t>Data client</a:t>
-            </a:r>
-          </a:p>
-          <a:p>
-            <a:pPr algn="ctr"/>
-            <a:r>
-              <a:rPr lang="fr-FR" sz="1400" i="1" dirty="0">
-                <a:solidFill>
-                  <a:srgbClr val="2A0068"/>
-                </a:solidFill>
-              </a:rPr>
-              <a:t>Dataframe pandas df_test</a:t>
-            </a:r>
-          </a:p>
-        </p:txBody>
-      </p:sp>
-      <p:sp>
-        <p:nvSpPr>
-          <p:cNvPr id="36" name="Rectangle 35">
-            <a:extLst>
-              <a:ext uri="{FF2B5EF4-FFF2-40B4-BE49-F238E27FC236}">
-                <a16:creationId xmlns:a16="http://schemas.microsoft.com/office/drawing/2014/main" id="{F51E5D42-92D2-418D-BBB6-ECB1145D1B50}"/>
-              </a:ext>
-            </a:extLst>
-          </p:cNvPr>
-          <p:cNvSpPr/>
-          <p:nvPr/>
-        </p:nvSpPr>
-        <p:spPr>
-          <a:xfrm>
-            <a:off x="5526568" y="4130341"/>
-            <a:ext cx="1992887" cy="1610059"/>
-          </a:xfrm>
-          <a:prstGeom prst="rect">
-            <a:avLst/>
-          </a:prstGeom>
-          <a:noFill/>
-          <a:ln>
-            <a:solidFill>
-              <a:srgbClr val="2A0068"/>
-            </a:solidFill>
-          </a:ln>
-        </p:spPr>
-        <p:style>
-          <a:lnRef idx="2">
-            <a:schemeClr val="accent1">
-              <a:shade val="50000"/>
-            </a:schemeClr>
-          </a:lnRef>
-          <a:fillRef idx="1">
-            <a:schemeClr val="accent1"/>
-          </a:fillRef>
-          <a:effectRef idx="0">
-            <a:schemeClr val="accent1"/>
-          </a:effectRef>
-          <a:fontRef idx="minor">
-            <a:schemeClr val="lt1"/>
-          </a:fontRef>
-        </p:style>
-        <p:txBody>
-          <a:bodyPr lIns="36000" tIns="0" rIns="36000" bIns="0" rtlCol="0" anchor="ctr"/>
-          <a:lstStyle/>
-          <a:p>
-            <a:pPr algn="ctr"/>
-            <a:r>
-              <a:rPr lang="fr-FR" sz="2000" b="1" dirty="0">
-                <a:solidFill>
-                  <a:srgbClr val="2A0068"/>
-                </a:solidFill>
-              </a:rPr>
-              <a:t>App avec api </a:t>
-            </a:r>
-          </a:p>
-          <a:p>
-            <a:pPr algn="ctr"/>
-            <a:r>
-              <a:rPr lang="fr-FR" sz="2000" b="1" dirty="0">
-                <a:solidFill>
-                  <a:srgbClr val="2A0068"/>
-                </a:solidFill>
-              </a:rPr>
-              <a:t>Fichier python app.py</a:t>
-            </a:r>
-          </a:p>
-        </p:txBody>
-      </p:sp>
-      <p:sp>
-        <p:nvSpPr>
-          <p:cNvPr id="37" name="Rectangle 36">
-            <a:extLst>
-              <a:ext uri="{FF2B5EF4-FFF2-40B4-BE49-F238E27FC236}">
-                <a16:creationId xmlns:a16="http://schemas.microsoft.com/office/drawing/2014/main" id="{376962C6-34BC-4A17-B727-20BC7C3BE4F1}"/>
-              </a:ext>
-            </a:extLst>
-          </p:cNvPr>
-          <p:cNvSpPr/>
-          <p:nvPr/>
-        </p:nvSpPr>
-        <p:spPr>
-          <a:xfrm>
-            <a:off x="448486" y="3555687"/>
-            <a:ext cx="1992887" cy="1339888"/>
-          </a:xfrm>
-          <a:prstGeom prst="rect">
-            <a:avLst/>
-          </a:prstGeom>
-          <a:noFill/>
-          <a:ln>
-            <a:solidFill>
-              <a:srgbClr val="2A0068"/>
-            </a:solidFill>
-          </a:ln>
-        </p:spPr>
-        <p:style>
-          <a:lnRef idx="2">
-            <a:schemeClr val="accent1">
-              <a:shade val="50000"/>
-            </a:schemeClr>
-          </a:lnRef>
-          <a:fillRef idx="1">
-            <a:schemeClr val="accent1"/>
-          </a:fillRef>
-          <a:effectRef idx="0">
-            <a:schemeClr val="accent1"/>
-          </a:effectRef>
-          <a:fontRef idx="minor">
-            <a:schemeClr val="lt1"/>
-          </a:fontRef>
-        </p:style>
-        <p:txBody>
-          <a:bodyPr lIns="36000" tIns="0" rIns="36000" bIns="0" rtlCol="0" anchor="ctr"/>
-          <a:lstStyle/>
-          <a:p>
-            <a:pPr algn="ctr"/>
-            <a:endParaRPr lang="fr-FR" sz="2000" b="1" dirty="0">
-              <a:solidFill>
-                <a:srgbClr val="2A0068"/>
-              </a:solidFill>
-            </a:endParaRPr>
-          </a:p>
-        </p:txBody>
-      </p:sp>
-      <p:pic>
-        <p:nvPicPr>
-          <p:cNvPr id="8" name="Image 7">
-            <a:extLst>
-              <a:ext uri="{FF2B5EF4-FFF2-40B4-BE49-F238E27FC236}">
-                <a16:creationId xmlns:a16="http://schemas.microsoft.com/office/drawing/2014/main" id="{03738B37-5118-44E0-B806-04624B6CD692}"/>
-              </a:ext>
-            </a:extLst>
-          </p:cNvPr>
-          <p:cNvPicPr>
-            <a:picLocks noChangeAspect="1"/>
-          </p:cNvPicPr>
-          <p:nvPr/>
-        </p:nvPicPr>
-        <p:blipFill>
-          <a:blip r:embed="rId12"/>
-          <a:stretch>
-            <a:fillRect/>
-          </a:stretch>
-        </p:blipFill>
-        <p:spPr>
-          <a:xfrm>
-            <a:off x="555627" y="4475067"/>
-            <a:ext cx="1971675" cy="733425"/>
-          </a:xfrm>
-          <a:prstGeom prst="rect">
-            <a:avLst/>
-          </a:prstGeom>
-        </p:spPr>
-      </p:pic>
-      <p:pic>
-        <p:nvPicPr>
-          <p:cNvPr id="10" name="Image 9">
-            <a:extLst>
-              <a:ext uri="{FF2B5EF4-FFF2-40B4-BE49-F238E27FC236}">
-                <a16:creationId xmlns:a16="http://schemas.microsoft.com/office/drawing/2014/main" id="{5A46BB3A-B508-4C01-98EF-2226F34243A9}"/>
-              </a:ext>
-            </a:extLst>
-          </p:cNvPr>
-          <p:cNvPicPr>
-            <a:picLocks noChangeAspect="1"/>
-          </p:cNvPicPr>
-          <p:nvPr/>
-        </p:nvPicPr>
-        <p:blipFill>
-          <a:blip r:embed="rId13"/>
-          <a:stretch>
-            <a:fillRect/>
-          </a:stretch>
-        </p:blipFill>
-        <p:spPr>
-          <a:xfrm>
-            <a:off x="4192660" y="4155928"/>
-            <a:ext cx="1162050" cy="409575"/>
-          </a:xfrm>
-          <a:prstGeom prst="rect">
-            <a:avLst/>
-          </a:prstGeom>
-        </p:spPr>
-      </p:pic>
-      <p:pic>
-        <p:nvPicPr>
-          <p:cNvPr id="12" name="Image 11">
-            <a:extLst>
-              <a:ext uri="{FF2B5EF4-FFF2-40B4-BE49-F238E27FC236}">
-                <a16:creationId xmlns:a16="http://schemas.microsoft.com/office/drawing/2014/main" id="{58D58D66-3749-45C7-83B9-B428E4D15930}"/>
-              </a:ext>
-            </a:extLst>
-          </p:cNvPr>
-          <p:cNvPicPr>
-            <a:picLocks noChangeAspect="1"/>
-          </p:cNvPicPr>
-          <p:nvPr/>
-        </p:nvPicPr>
-        <p:blipFill>
-          <a:blip r:embed="rId14"/>
-          <a:stretch>
-            <a:fillRect/>
-          </a:stretch>
-        </p:blipFill>
-        <p:spPr>
-          <a:xfrm>
-            <a:off x="3892430" y="5268064"/>
-            <a:ext cx="1000125" cy="1028700"/>
-          </a:xfrm>
-          <a:prstGeom prst="rect">
-            <a:avLst/>
-          </a:prstGeom>
-        </p:spPr>
-      </p:pic>
     </p:spTree>
     <p:extLst>
       <p:ext uri="{BB962C8B-B14F-4D97-AF65-F5344CB8AC3E}">
@@ -20953,7 +22501,7 @@
           <a:graphicData uri="http://schemas.openxmlformats.org/presentationml/2006/ole">
             <mc:AlternateContent xmlns:mc="http://schemas.openxmlformats.org/markup-compatibility/2006">
               <mc:Choice xmlns:v="urn:schemas-microsoft-com:vml" Requires="v">
-                <p:oleObj spid="_x0000_s2083" name="Diapositive think-cell" r:id="rId4" imgW="415" imgH="416" progId="TCLayout.ActiveDocument.1">
+                <p:oleObj spid="_x0000_s2085" name="Diapositive think-cell" r:id="rId4" imgW="415" imgH="416" progId="TCLayout.ActiveDocument.1">
                   <p:embed/>
                 </p:oleObj>
               </mc:Choice>
@@ -23049,7 +24597,7 @@
           <a:graphicData uri="http://schemas.openxmlformats.org/presentationml/2006/ole">
             <mc:AlternateContent xmlns:mc="http://schemas.openxmlformats.org/markup-compatibility/2006">
               <mc:Choice xmlns:v="urn:schemas-microsoft-com:vml" Requires="v">
-                <p:oleObj spid="_x0000_s29717" name="Diapositive think-cell" r:id="rId4" imgW="415" imgH="416" progId="TCLayout.ActiveDocument.1">
+                <p:oleObj spid="_x0000_s29719" name="Diapositive think-cell" r:id="rId4" imgW="415" imgH="416" progId="TCLayout.ActiveDocument.1">
                   <p:embed/>
                 </p:oleObj>
               </mc:Choice>
@@ -24327,7 +25875,7 @@
           <a:graphicData uri="http://schemas.openxmlformats.org/presentationml/2006/ole">
             <mc:AlternateContent xmlns:mc="http://schemas.openxmlformats.org/markup-compatibility/2006">
               <mc:Choice xmlns:v="urn:schemas-microsoft-com:vml" Requires="v">
-                <p:oleObj spid="_x0000_s30740" name="Diapositive think-cell" r:id="rId4" imgW="415" imgH="416" progId="TCLayout.ActiveDocument.1">
+                <p:oleObj spid="_x0000_s30742" name="Diapositive think-cell" r:id="rId4" imgW="415" imgH="416" progId="TCLayout.ActiveDocument.1">
                   <p:embed/>
                 </p:oleObj>
               </mc:Choice>
@@ -26580,7 +28128,7 @@
           <a:graphicData uri="http://schemas.openxmlformats.org/presentationml/2006/ole">
             <mc:AlternateContent xmlns:mc="http://schemas.openxmlformats.org/markup-compatibility/2006">
               <mc:Choice xmlns:v="urn:schemas-microsoft-com:vml" Requires="v">
-                <p:oleObj spid="_x0000_s31764" name="Diapositive think-cell" r:id="rId4" imgW="415" imgH="416" progId="TCLayout.ActiveDocument.1">
+                <p:oleObj spid="_x0000_s31766" name="Diapositive think-cell" r:id="rId4" imgW="415" imgH="416" progId="TCLayout.ActiveDocument.1">
                   <p:embed/>
                 </p:oleObj>
               </mc:Choice>
@@ -28426,7 +29974,7 @@
           <a:graphicData uri="http://schemas.openxmlformats.org/presentationml/2006/ole">
             <mc:AlternateContent xmlns:mc="http://schemas.openxmlformats.org/markup-compatibility/2006">
               <mc:Choice xmlns:v="urn:schemas-microsoft-com:vml" Requires="v">
-                <p:oleObj spid="_x0000_s32791" name="Diapositive think-cell" r:id="rId4" imgW="415" imgH="416" progId="TCLayout.ActiveDocument.1">
+                <p:oleObj spid="_x0000_s32793" name="Diapositive think-cell" r:id="rId4" imgW="415" imgH="416" progId="TCLayout.ActiveDocument.1">
                   <p:embed/>
                 </p:oleObj>
               </mc:Choice>
@@ -31368,6 +32916,12 @@
 </file>
 
 <file path=customXml/item1.xml><?xml version="1.0" encoding="utf-8"?>
+<p:properties xmlns:p="http://schemas.microsoft.com/office/2006/metadata/properties" xmlns:xsi="http://www.w3.org/2001/XMLSchema-instance" xmlns:pc="http://schemas.microsoft.com/office/infopath/2007/PartnerControls">
+  <documentManagement/>
+</p:properties>
+</file>
+
+<file path=customXml/item2.xml><?xml version="1.0" encoding="utf-8"?>
 <ct:contentTypeSchema xmlns:ct="http://schemas.microsoft.com/office/2006/metadata/contentType" xmlns:ma="http://schemas.microsoft.com/office/2006/metadata/properties/metaAttributes" ct:_="" ma:_="" ma:contentTypeName="Document" ma:contentTypeID="0x010100E08B85ABE125AF409A86B73326EFFAE5" ma:contentTypeVersion="13" ma:contentTypeDescription="Crée un document." ma:contentTypeScope="" ma:versionID="cfa2b84814ad0d4dc5902a099d18eada">
   <xsd:schema xmlns:xsd="http://www.w3.org/2001/XMLSchema" xmlns:xs="http://www.w3.org/2001/XMLSchema" xmlns:p="http://schemas.microsoft.com/office/2006/metadata/properties" xmlns:ns3="21c16e65-816f-4847-be88-731645291b21" xmlns:ns4="67c7d727-27e8-4526-a2a7-f89ba01a3409" targetNamespace="http://schemas.microsoft.com/office/2006/metadata/properties" ma:root="true" ma:fieldsID="1941e2dd5eb9c4a46146aa2eaafc37a7" ns3:_="" ns4:_="">
     <xsd:import namespace="21c16e65-816f-4847-be88-731645291b21"/>
@@ -31590,12 +33144,6 @@
 </ct:contentTypeSchema>
 </file>
 
-<file path=customXml/item2.xml><?xml version="1.0" encoding="utf-8"?>
-<p:properties xmlns:p="http://schemas.microsoft.com/office/2006/metadata/properties" xmlns:xsi="http://www.w3.org/2001/XMLSchema-instance" xmlns:pc="http://schemas.microsoft.com/office/infopath/2007/PartnerControls">
-  <documentManagement/>
-</p:properties>
-</file>
-
 <file path=customXml/item3.xml><?xml version="1.0" encoding="utf-8"?>
 <?mso-contentType ?>
 <FormTemplates xmlns="http://schemas.microsoft.com/sharepoint/v3/contenttype/forms">
@@ -31606,6 +33154,23 @@
 </file>
 
 <file path=customXml/itemProps1.xml><?xml version="1.0" encoding="utf-8"?>
+<ds:datastoreItem xmlns:ds="http://schemas.openxmlformats.org/officeDocument/2006/customXml" ds:itemID="{6DCF7537-AB6C-4566-9821-DCC4778AF944}">
+  <ds:schemaRefs>
+    <ds:schemaRef ds:uri="http://schemas.microsoft.com/office/2006/documentManagement/types"/>
+    <ds:schemaRef ds:uri="http://www.w3.org/XML/1998/namespace"/>
+    <ds:schemaRef ds:uri="http://purl.org/dc/dcmitype/"/>
+    <ds:schemaRef ds:uri="http://purl.org/dc/terms/"/>
+    <ds:schemaRef ds:uri="21c16e65-816f-4847-be88-731645291b21"/>
+    <ds:schemaRef ds:uri="http://purl.org/dc/elements/1.1/"/>
+    <ds:schemaRef ds:uri="http://schemas.microsoft.com/office/infopath/2007/PartnerControls"/>
+    <ds:schemaRef ds:uri="http://schemas.openxmlformats.org/package/2006/metadata/core-properties"/>
+    <ds:schemaRef ds:uri="67c7d727-27e8-4526-a2a7-f89ba01a3409"/>
+    <ds:schemaRef ds:uri="http://schemas.microsoft.com/office/2006/metadata/properties"/>
+  </ds:schemaRefs>
+</ds:datastoreItem>
+</file>
+
+<file path=customXml/itemProps2.xml><?xml version="1.0" encoding="utf-8"?>
 <ds:datastoreItem xmlns:ds="http://schemas.openxmlformats.org/officeDocument/2006/customXml" ds:itemID="{F4E0BA49-AB2A-4044-9F15-987E41C6A1BE}">
   <ds:schemaRefs>
     <ds:schemaRef ds:uri="http://schemas.microsoft.com/office/2006/metadata/contentType"/>
@@ -31624,23 +33189,6 @@
 </ds:datastoreItem>
 </file>
 
-<file path=customXml/itemProps2.xml><?xml version="1.0" encoding="utf-8"?>
-<ds:datastoreItem xmlns:ds="http://schemas.openxmlformats.org/officeDocument/2006/customXml" ds:itemID="{6DCF7537-AB6C-4566-9821-DCC4778AF944}">
-  <ds:schemaRefs>
-    <ds:schemaRef ds:uri="http://schemas.microsoft.com/office/2006/documentManagement/types"/>
-    <ds:schemaRef ds:uri="http://www.w3.org/XML/1998/namespace"/>
-    <ds:schemaRef ds:uri="http://purl.org/dc/dcmitype/"/>
-    <ds:schemaRef ds:uri="http://purl.org/dc/terms/"/>
-    <ds:schemaRef ds:uri="21c16e65-816f-4847-be88-731645291b21"/>
-    <ds:schemaRef ds:uri="http://purl.org/dc/elements/1.1/"/>
-    <ds:schemaRef ds:uri="http://schemas.microsoft.com/office/infopath/2007/PartnerControls"/>
-    <ds:schemaRef ds:uri="http://schemas.openxmlformats.org/package/2006/metadata/core-properties"/>
-    <ds:schemaRef ds:uri="67c7d727-27e8-4526-a2a7-f89ba01a3409"/>
-    <ds:schemaRef ds:uri="http://schemas.microsoft.com/office/2006/metadata/properties"/>
-  </ds:schemaRefs>
-</ds:datastoreItem>
-</file>
-
 <file path=customXml/itemProps3.xml><?xml version="1.0" encoding="utf-8"?>
 <ds:datastoreItem xmlns:ds="http://schemas.openxmlformats.org/officeDocument/2006/customXml" ds:itemID="{F8B2D13A-B571-47A0-B384-30EF6393E3B0}">
   <ds:schemaRefs>

--- a/evaluation/P7_Presentation.pptx
+++ b/evaluation/P7_Presentation.pptx
@@ -3400,7 +3400,7 @@
           <a:p>
             <a:fld id="{3C11A7EE-4CAD-4F70-BDC6-8C50D505E4EA}" type="datetimeFigureOut">
               <a:rPr lang="fr-FR" smtClean="0"/>
-              <a:t>24/03/2022</a:t>
+              <a:t>25/03/2022</a:t>
             </a:fld>
             <a:endParaRPr lang="fr-FR" dirty="0"/>
           </a:p>
@@ -3598,7 +3598,7 @@
           <a:p>
             <a:fld id="{3C11A7EE-4CAD-4F70-BDC6-8C50D505E4EA}" type="datetimeFigureOut">
               <a:rPr lang="fr-FR" smtClean="0"/>
-              <a:t>24/03/2022</a:t>
+              <a:t>25/03/2022</a:t>
             </a:fld>
             <a:endParaRPr lang="fr-FR" dirty="0"/>
           </a:p>
@@ -3806,7 +3806,7 @@
           <a:p>
             <a:fld id="{3C11A7EE-4CAD-4F70-BDC6-8C50D505E4EA}" type="datetimeFigureOut">
               <a:rPr lang="fr-FR" smtClean="0"/>
-              <a:t>24/03/2022</a:t>
+              <a:t>25/03/2022</a:t>
             </a:fld>
             <a:endParaRPr lang="fr-FR" dirty="0"/>
           </a:p>
@@ -4004,7 +4004,7 @@
           <a:p>
             <a:fld id="{3C11A7EE-4CAD-4F70-BDC6-8C50D505E4EA}" type="datetimeFigureOut">
               <a:rPr lang="fr-FR" smtClean="0"/>
-              <a:t>24/03/2022</a:t>
+              <a:t>25/03/2022</a:t>
             </a:fld>
             <a:endParaRPr lang="fr-FR" dirty="0"/>
           </a:p>
@@ -4279,7 +4279,7 @@
           <a:p>
             <a:fld id="{3C11A7EE-4CAD-4F70-BDC6-8C50D505E4EA}" type="datetimeFigureOut">
               <a:rPr lang="fr-FR" smtClean="0"/>
-              <a:t>24/03/2022</a:t>
+              <a:t>25/03/2022</a:t>
             </a:fld>
             <a:endParaRPr lang="fr-FR" dirty="0"/>
           </a:p>
@@ -4544,7 +4544,7 @@
           <a:p>
             <a:fld id="{3C11A7EE-4CAD-4F70-BDC6-8C50D505E4EA}" type="datetimeFigureOut">
               <a:rPr lang="fr-FR" smtClean="0"/>
-              <a:t>24/03/2022</a:t>
+              <a:t>25/03/2022</a:t>
             </a:fld>
             <a:endParaRPr lang="fr-FR" dirty="0"/>
           </a:p>
@@ -4956,7 +4956,7 @@
           <a:p>
             <a:fld id="{3C11A7EE-4CAD-4F70-BDC6-8C50D505E4EA}" type="datetimeFigureOut">
               <a:rPr lang="fr-FR" smtClean="0"/>
-              <a:t>24/03/2022</a:t>
+              <a:t>25/03/2022</a:t>
             </a:fld>
             <a:endParaRPr lang="fr-FR" dirty="0"/>
           </a:p>
@@ -5097,7 +5097,7 @@
           <a:p>
             <a:fld id="{3C11A7EE-4CAD-4F70-BDC6-8C50D505E4EA}" type="datetimeFigureOut">
               <a:rPr lang="fr-FR" smtClean="0"/>
-              <a:t>24/03/2022</a:t>
+              <a:t>25/03/2022</a:t>
             </a:fld>
             <a:endParaRPr lang="fr-FR" dirty="0"/>
           </a:p>
@@ -5210,7 +5210,7 @@
           <a:p>
             <a:fld id="{3C11A7EE-4CAD-4F70-BDC6-8C50D505E4EA}" type="datetimeFigureOut">
               <a:rPr lang="fr-FR" smtClean="0"/>
-              <a:t>24/03/2022</a:t>
+              <a:t>25/03/2022</a:t>
             </a:fld>
             <a:endParaRPr lang="fr-FR" dirty="0"/>
           </a:p>
@@ -5521,7 +5521,7 @@
           <a:p>
             <a:fld id="{3C11A7EE-4CAD-4F70-BDC6-8C50D505E4EA}" type="datetimeFigureOut">
               <a:rPr lang="fr-FR" smtClean="0"/>
-              <a:t>24/03/2022</a:t>
+              <a:t>25/03/2022</a:t>
             </a:fld>
             <a:endParaRPr lang="fr-FR" dirty="0"/>
           </a:p>
@@ -5809,7 +5809,7 @@
           <a:p>
             <a:fld id="{3C11A7EE-4CAD-4F70-BDC6-8C50D505E4EA}" type="datetimeFigureOut">
               <a:rPr lang="fr-FR" smtClean="0"/>
-              <a:t>24/03/2022</a:t>
+              <a:t>25/03/2022</a:t>
             </a:fld>
             <a:endParaRPr lang="fr-FR" dirty="0"/>
           </a:p>
@@ -5935,7 +5935,7 @@
           <a:graphicData uri="http://schemas.openxmlformats.org/presentationml/2006/ole">
             <mc:AlternateContent xmlns:mc="http://schemas.openxmlformats.org/markup-compatibility/2006">
               <mc:Choice xmlns:v="urn:schemas-microsoft-com:vml" Requires="v">
-                <p:oleObj spid="_x0000_s1051" name="Diapositive think-cell" r:id="rId15" imgW="415" imgH="416" progId="TCLayout.ActiveDocument.1">
+                <p:oleObj spid="_x0000_s1053" name="Diapositive think-cell" r:id="rId15" imgW="415" imgH="416" progId="TCLayout.ActiveDocument.1">
                   <p:embed/>
                 </p:oleObj>
               </mc:Choice>
@@ -6122,7 +6122,7 @@
           <a:p>
             <a:fld id="{3C11A7EE-4CAD-4F70-BDC6-8C50D505E4EA}" type="datetimeFigureOut">
               <a:rPr lang="fr-FR" smtClean="0"/>
-              <a:t>24/03/2022</a:t>
+              <a:t>25/03/2022</a:t>
             </a:fld>
             <a:endParaRPr lang="fr-FR" dirty="0"/>
           </a:p>
@@ -7217,7 +7217,7 @@
           <a:graphicData uri="http://schemas.openxmlformats.org/presentationml/2006/ole">
             <mc:AlternateContent xmlns:mc="http://schemas.openxmlformats.org/markup-compatibility/2006">
               <mc:Choice xmlns:v="urn:schemas-microsoft-com:vml" Requires="v">
-                <p:oleObj spid="_x0000_s33824" name="Diapositive think-cell" r:id="rId4" imgW="415" imgH="416" progId="TCLayout.ActiveDocument.1">
+                <p:oleObj spid="_x0000_s33826" name="Diapositive think-cell" r:id="rId4" imgW="415" imgH="416" progId="TCLayout.ActiveDocument.1">
                   <p:embed/>
                 </p:oleObj>
               </mc:Choice>
@@ -10225,7 +10225,7 @@
           <a:graphicData uri="http://schemas.openxmlformats.org/presentationml/2006/ole">
             <mc:AlternateContent xmlns:mc="http://schemas.openxmlformats.org/markup-compatibility/2006">
               <mc:Choice xmlns:v="urn:schemas-microsoft-com:vml" Requires="v">
-                <p:oleObj spid="_x0000_s34835" name="Diapositive think-cell" r:id="rId4" imgW="415" imgH="416" progId="TCLayout.ActiveDocument.1">
+                <p:oleObj spid="_x0000_s34837" name="Diapositive think-cell" r:id="rId4" imgW="415" imgH="416" progId="TCLayout.ActiveDocument.1">
                   <p:embed/>
                 </p:oleObj>
               </mc:Choice>
@@ -12690,7 +12690,7 @@
           <a:graphicData uri="http://schemas.openxmlformats.org/presentationml/2006/ole">
             <mc:AlternateContent xmlns:mc="http://schemas.openxmlformats.org/markup-compatibility/2006">
               <mc:Choice xmlns:v="urn:schemas-microsoft-com:vml" Requires="v">
-                <p:oleObj spid="_x0000_s36881" name="Diapositive think-cell" r:id="rId4" imgW="415" imgH="416" progId="TCLayout.ActiveDocument.1">
+                <p:oleObj spid="_x0000_s36883" name="Diapositive think-cell" r:id="rId4" imgW="415" imgH="416" progId="TCLayout.ActiveDocument.1">
                   <p:embed/>
                 </p:oleObj>
               </mc:Choice>
@@ -14910,7 +14910,7 @@
           <a:graphicData uri="http://schemas.openxmlformats.org/presentationml/2006/ole">
             <mc:AlternateContent xmlns:mc="http://schemas.openxmlformats.org/markup-compatibility/2006">
               <mc:Choice xmlns:v="urn:schemas-microsoft-com:vml" Requires="v">
-                <p:oleObj spid="_x0000_s35857" name="Diapositive think-cell" r:id="rId4" imgW="415" imgH="416" progId="TCLayout.ActiveDocument.1">
+                <p:oleObj spid="_x0000_s35859" name="Diapositive think-cell" r:id="rId4" imgW="415" imgH="416" progId="TCLayout.ActiveDocument.1">
                   <p:embed/>
                 </p:oleObj>
               </mc:Choice>
@@ -16168,7 +16168,7 @@
           <a:graphicData uri="http://schemas.openxmlformats.org/presentationml/2006/ole">
             <mc:AlternateContent xmlns:mc="http://schemas.openxmlformats.org/markup-compatibility/2006">
               <mc:Choice xmlns:v="urn:schemas-microsoft-com:vml" Requires="v">
-                <p:oleObj spid="_x0000_s37903" name="Diapositive think-cell" r:id="rId4" imgW="415" imgH="416" progId="TCLayout.ActiveDocument.1">
+                <p:oleObj spid="_x0000_s37905" name="Diapositive think-cell" r:id="rId4" imgW="415" imgH="416" progId="TCLayout.ActiveDocument.1">
                   <p:embed/>
                 </p:oleObj>
               </mc:Choice>
@@ -22501,7 +22501,7 @@
           <a:graphicData uri="http://schemas.openxmlformats.org/presentationml/2006/ole">
             <mc:AlternateContent xmlns:mc="http://schemas.openxmlformats.org/markup-compatibility/2006">
               <mc:Choice xmlns:v="urn:schemas-microsoft-com:vml" Requires="v">
-                <p:oleObj spid="_x0000_s2085" name="Diapositive think-cell" r:id="rId4" imgW="415" imgH="416" progId="TCLayout.ActiveDocument.1">
+                <p:oleObj spid="_x0000_s2087" name="Diapositive think-cell" r:id="rId4" imgW="415" imgH="416" progId="TCLayout.ActiveDocument.1">
                   <p:embed/>
                 </p:oleObj>
               </mc:Choice>
@@ -24597,7 +24597,7 @@
           <a:graphicData uri="http://schemas.openxmlformats.org/presentationml/2006/ole">
             <mc:AlternateContent xmlns:mc="http://schemas.openxmlformats.org/markup-compatibility/2006">
               <mc:Choice xmlns:v="urn:schemas-microsoft-com:vml" Requires="v">
-                <p:oleObj spid="_x0000_s29719" name="Diapositive think-cell" r:id="rId4" imgW="415" imgH="416" progId="TCLayout.ActiveDocument.1">
+                <p:oleObj spid="_x0000_s29721" name="Diapositive think-cell" r:id="rId4" imgW="415" imgH="416" progId="TCLayout.ActiveDocument.1">
                   <p:embed/>
                 </p:oleObj>
               </mc:Choice>
@@ -25875,7 +25875,7 @@
           <a:graphicData uri="http://schemas.openxmlformats.org/presentationml/2006/ole">
             <mc:AlternateContent xmlns:mc="http://schemas.openxmlformats.org/markup-compatibility/2006">
               <mc:Choice xmlns:v="urn:schemas-microsoft-com:vml" Requires="v">
-                <p:oleObj spid="_x0000_s30742" name="Diapositive think-cell" r:id="rId4" imgW="415" imgH="416" progId="TCLayout.ActiveDocument.1">
+                <p:oleObj spid="_x0000_s30744" name="Diapositive think-cell" r:id="rId4" imgW="415" imgH="416" progId="TCLayout.ActiveDocument.1">
                   <p:embed/>
                 </p:oleObj>
               </mc:Choice>
@@ -28128,7 +28128,7 @@
           <a:graphicData uri="http://schemas.openxmlformats.org/presentationml/2006/ole">
             <mc:AlternateContent xmlns:mc="http://schemas.openxmlformats.org/markup-compatibility/2006">
               <mc:Choice xmlns:v="urn:schemas-microsoft-com:vml" Requires="v">
-                <p:oleObj spid="_x0000_s31766" name="Diapositive think-cell" r:id="rId4" imgW="415" imgH="416" progId="TCLayout.ActiveDocument.1">
+                <p:oleObj spid="_x0000_s31768" name="Diapositive think-cell" r:id="rId4" imgW="415" imgH="416" progId="TCLayout.ActiveDocument.1">
                   <p:embed/>
                 </p:oleObj>
               </mc:Choice>
@@ -29974,7 +29974,7 @@
           <a:graphicData uri="http://schemas.openxmlformats.org/presentationml/2006/ole">
             <mc:AlternateContent xmlns:mc="http://schemas.openxmlformats.org/markup-compatibility/2006">
               <mc:Choice xmlns:v="urn:schemas-microsoft-com:vml" Requires="v">
-                <p:oleObj spid="_x0000_s32793" name="Diapositive think-cell" r:id="rId4" imgW="415" imgH="416" progId="TCLayout.ActiveDocument.1">
+                <p:oleObj spid="_x0000_s32795" name="Diapositive think-cell" r:id="rId4" imgW="415" imgH="416" progId="TCLayout.ActiveDocument.1">
                   <p:embed/>
                 </p:oleObj>
               </mc:Choice>
@@ -32916,12 +32916,6 @@
 </file>
 
 <file path=customXml/item1.xml><?xml version="1.0" encoding="utf-8"?>
-<p:properties xmlns:p="http://schemas.microsoft.com/office/2006/metadata/properties" xmlns:xsi="http://www.w3.org/2001/XMLSchema-instance" xmlns:pc="http://schemas.microsoft.com/office/infopath/2007/PartnerControls">
-  <documentManagement/>
-</p:properties>
-</file>
-
-<file path=customXml/item2.xml><?xml version="1.0" encoding="utf-8"?>
 <ct:contentTypeSchema xmlns:ct="http://schemas.microsoft.com/office/2006/metadata/contentType" xmlns:ma="http://schemas.microsoft.com/office/2006/metadata/properties/metaAttributes" ct:_="" ma:_="" ma:contentTypeName="Document" ma:contentTypeID="0x010100E08B85ABE125AF409A86B73326EFFAE5" ma:contentTypeVersion="13" ma:contentTypeDescription="Crée un document." ma:contentTypeScope="" ma:versionID="cfa2b84814ad0d4dc5902a099d18eada">
   <xsd:schema xmlns:xsd="http://www.w3.org/2001/XMLSchema" xmlns:xs="http://www.w3.org/2001/XMLSchema" xmlns:p="http://schemas.microsoft.com/office/2006/metadata/properties" xmlns:ns3="21c16e65-816f-4847-be88-731645291b21" xmlns:ns4="67c7d727-27e8-4526-a2a7-f89ba01a3409" targetNamespace="http://schemas.microsoft.com/office/2006/metadata/properties" ma:root="true" ma:fieldsID="1941e2dd5eb9c4a46146aa2eaafc37a7" ns3:_="" ns4:_="">
     <xsd:import namespace="21c16e65-816f-4847-be88-731645291b21"/>
@@ -33144,6 +33138,12 @@
 </ct:contentTypeSchema>
 </file>
 
+<file path=customXml/item2.xml><?xml version="1.0" encoding="utf-8"?>
+<p:properties xmlns:p="http://schemas.microsoft.com/office/2006/metadata/properties" xmlns:xsi="http://www.w3.org/2001/XMLSchema-instance" xmlns:pc="http://schemas.microsoft.com/office/infopath/2007/PartnerControls">
+  <documentManagement/>
+</p:properties>
+</file>
+
 <file path=customXml/item3.xml><?xml version="1.0" encoding="utf-8"?>
 <?mso-contentType ?>
 <FormTemplates xmlns="http://schemas.microsoft.com/sharepoint/v3/contenttype/forms">
@@ -33154,23 +33154,6 @@
 </file>
 
 <file path=customXml/itemProps1.xml><?xml version="1.0" encoding="utf-8"?>
-<ds:datastoreItem xmlns:ds="http://schemas.openxmlformats.org/officeDocument/2006/customXml" ds:itemID="{6DCF7537-AB6C-4566-9821-DCC4778AF944}">
-  <ds:schemaRefs>
-    <ds:schemaRef ds:uri="http://schemas.microsoft.com/office/2006/documentManagement/types"/>
-    <ds:schemaRef ds:uri="http://www.w3.org/XML/1998/namespace"/>
-    <ds:schemaRef ds:uri="http://purl.org/dc/dcmitype/"/>
-    <ds:schemaRef ds:uri="http://purl.org/dc/terms/"/>
-    <ds:schemaRef ds:uri="21c16e65-816f-4847-be88-731645291b21"/>
-    <ds:schemaRef ds:uri="http://purl.org/dc/elements/1.1/"/>
-    <ds:schemaRef ds:uri="http://schemas.microsoft.com/office/infopath/2007/PartnerControls"/>
-    <ds:schemaRef ds:uri="http://schemas.openxmlformats.org/package/2006/metadata/core-properties"/>
-    <ds:schemaRef ds:uri="67c7d727-27e8-4526-a2a7-f89ba01a3409"/>
-    <ds:schemaRef ds:uri="http://schemas.microsoft.com/office/2006/metadata/properties"/>
-  </ds:schemaRefs>
-</ds:datastoreItem>
-</file>
-
-<file path=customXml/itemProps2.xml><?xml version="1.0" encoding="utf-8"?>
 <ds:datastoreItem xmlns:ds="http://schemas.openxmlformats.org/officeDocument/2006/customXml" ds:itemID="{F4E0BA49-AB2A-4044-9F15-987E41C6A1BE}">
   <ds:schemaRefs>
     <ds:schemaRef ds:uri="http://schemas.microsoft.com/office/2006/metadata/contentType"/>
@@ -33189,6 +33172,23 @@
 </ds:datastoreItem>
 </file>
 
+<file path=customXml/itemProps2.xml><?xml version="1.0" encoding="utf-8"?>
+<ds:datastoreItem xmlns:ds="http://schemas.openxmlformats.org/officeDocument/2006/customXml" ds:itemID="{6DCF7537-AB6C-4566-9821-DCC4778AF944}">
+  <ds:schemaRefs>
+    <ds:schemaRef ds:uri="http://schemas.microsoft.com/office/2006/documentManagement/types"/>
+    <ds:schemaRef ds:uri="http://www.w3.org/XML/1998/namespace"/>
+    <ds:schemaRef ds:uri="http://purl.org/dc/dcmitype/"/>
+    <ds:schemaRef ds:uri="http://purl.org/dc/terms/"/>
+    <ds:schemaRef ds:uri="21c16e65-816f-4847-be88-731645291b21"/>
+    <ds:schemaRef ds:uri="http://purl.org/dc/elements/1.1/"/>
+    <ds:schemaRef ds:uri="http://schemas.microsoft.com/office/infopath/2007/PartnerControls"/>
+    <ds:schemaRef ds:uri="http://schemas.openxmlformats.org/package/2006/metadata/core-properties"/>
+    <ds:schemaRef ds:uri="67c7d727-27e8-4526-a2a7-f89ba01a3409"/>
+    <ds:schemaRef ds:uri="http://schemas.microsoft.com/office/2006/metadata/properties"/>
+  </ds:schemaRefs>
+</ds:datastoreItem>
+</file>
+
 <file path=customXml/itemProps3.xml><?xml version="1.0" encoding="utf-8"?>
 <ds:datastoreItem xmlns:ds="http://schemas.openxmlformats.org/officeDocument/2006/customXml" ds:itemID="{F8B2D13A-B571-47A0-B384-30EF6393E3B0}">
   <ds:schemaRefs>

--- a/evaluation/P7_Presentation.pptx
+++ b/evaluation/P7_Presentation.pptx
@@ -3400,7 +3400,7 @@
           <a:p>
             <a:fld id="{3C11A7EE-4CAD-4F70-BDC6-8C50D505E4EA}" type="datetimeFigureOut">
               <a:rPr lang="fr-FR" smtClean="0"/>
-              <a:t>25/03/2022</a:t>
+              <a:t>05/04/2022</a:t>
             </a:fld>
             <a:endParaRPr lang="fr-FR" dirty="0"/>
           </a:p>
@@ -3598,7 +3598,7 @@
           <a:p>
             <a:fld id="{3C11A7EE-4CAD-4F70-BDC6-8C50D505E4EA}" type="datetimeFigureOut">
               <a:rPr lang="fr-FR" smtClean="0"/>
-              <a:t>25/03/2022</a:t>
+              <a:t>05/04/2022</a:t>
             </a:fld>
             <a:endParaRPr lang="fr-FR" dirty="0"/>
           </a:p>
@@ -3806,7 +3806,7 @@
           <a:p>
             <a:fld id="{3C11A7EE-4CAD-4F70-BDC6-8C50D505E4EA}" type="datetimeFigureOut">
               <a:rPr lang="fr-FR" smtClean="0"/>
-              <a:t>25/03/2022</a:t>
+              <a:t>05/04/2022</a:t>
             </a:fld>
             <a:endParaRPr lang="fr-FR" dirty="0"/>
           </a:p>
@@ -4004,7 +4004,7 @@
           <a:p>
             <a:fld id="{3C11A7EE-4CAD-4F70-BDC6-8C50D505E4EA}" type="datetimeFigureOut">
               <a:rPr lang="fr-FR" smtClean="0"/>
-              <a:t>25/03/2022</a:t>
+              <a:t>05/04/2022</a:t>
             </a:fld>
             <a:endParaRPr lang="fr-FR" dirty="0"/>
           </a:p>
@@ -4279,7 +4279,7 @@
           <a:p>
             <a:fld id="{3C11A7EE-4CAD-4F70-BDC6-8C50D505E4EA}" type="datetimeFigureOut">
               <a:rPr lang="fr-FR" smtClean="0"/>
-              <a:t>25/03/2022</a:t>
+              <a:t>05/04/2022</a:t>
             </a:fld>
             <a:endParaRPr lang="fr-FR" dirty="0"/>
           </a:p>
@@ -4544,7 +4544,7 @@
           <a:p>
             <a:fld id="{3C11A7EE-4CAD-4F70-BDC6-8C50D505E4EA}" type="datetimeFigureOut">
               <a:rPr lang="fr-FR" smtClean="0"/>
-              <a:t>25/03/2022</a:t>
+              <a:t>05/04/2022</a:t>
             </a:fld>
             <a:endParaRPr lang="fr-FR" dirty="0"/>
           </a:p>
@@ -4956,7 +4956,7 @@
           <a:p>
             <a:fld id="{3C11A7EE-4CAD-4F70-BDC6-8C50D505E4EA}" type="datetimeFigureOut">
               <a:rPr lang="fr-FR" smtClean="0"/>
-              <a:t>25/03/2022</a:t>
+              <a:t>05/04/2022</a:t>
             </a:fld>
             <a:endParaRPr lang="fr-FR" dirty="0"/>
           </a:p>
@@ -5097,7 +5097,7 @@
           <a:p>
             <a:fld id="{3C11A7EE-4CAD-4F70-BDC6-8C50D505E4EA}" type="datetimeFigureOut">
               <a:rPr lang="fr-FR" smtClean="0"/>
-              <a:t>25/03/2022</a:t>
+              <a:t>05/04/2022</a:t>
             </a:fld>
             <a:endParaRPr lang="fr-FR" dirty="0"/>
           </a:p>
@@ -5210,7 +5210,7 @@
           <a:p>
             <a:fld id="{3C11A7EE-4CAD-4F70-BDC6-8C50D505E4EA}" type="datetimeFigureOut">
               <a:rPr lang="fr-FR" smtClean="0"/>
-              <a:t>25/03/2022</a:t>
+              <a:t>05/04/2022</a:t>
             </a:fld>
             <a:endParaRPr lang="fr-FR" dirty="0"/>
           </a:p>
@@ -5521,7 +5521,7 @@
           <a:p>
             <a:fld id="{3C11A7EE-4CAD-4F70-BDC6-8C50D505E4EA}" type="datetimeFigureOut">
               <a:rPr lang="fr-FR" smtClean="0"/>
-              <a:t>25/03/2022</a:t>
+              <a:t>05/04/2022</a:t>
             </a:fld>
             <a:endParaRPr lang="fr-FR" dirty="0"/>
           </a:p>
@@ -5809,7 +5809,7 @@
           <a:p>
             <a:fld id="{3C11A7EE-4CAD-4F70-BDC6-8C50D505E4EA}" type="datetimeFigureOut">
               <a:rPr lang="fr-FR" smtClean="0"/>
-              <a:t>25/03/2022</a:t>
+              <a:t>05/04/2022</a:t>
             </a:fld>
             <a:endParaRPr lang="fr-FR" dirty="0"/>
           </a:p>
@@ -5935,7 +5935,7 @@
           <a:graphicData uri="http://schemas.openxmlformats.org/presentationml/2006/ole">
             <mc:AlternateContent xmlns:mc="http://schemas.openxmlformats.org/markup-compatibility/2006">
               <mc:Choice xmlns:v="urn:schemas-microsoft-com:vml" Requires="v">
-                <p:oleObj spid="_x0000_s1053" name="Diapositive think-cell" r:id="rId15" imgW="415" imgH="416" progId="TCLayout.ActiveDocument.1">
+                <p:oleObj spid="_x0000_s1054" name="Diapositive think-cell" r:id="rId15" imgW="415" imgH="416" progId="TCLayout.ActiveDocument.1">
                   <p:embed/>
                 </p:oleObj>
               </mc:Choice>
@@ -6122,7 +6122,7 @@
           <a:p>
             <a:fld id="{3C11A7EE-4CAD-4F70-BDC6-8C50D505E4EA}" type="datetimeFigureOut">
               <a:rPr lang="fr-FR" smtClean="0"/>
-              <a:t>25/03/2022</a:t>
+              <a:t>05/04/2022</a:t>
             </a:fld>
             <a:endParaRPr lang="fr-FR" dirty="0"/>
           </a:p>
@@ -7217,7 +7217,7 @@
           <a:graphicData uri="http://schemas.openxmlformats.org/presentationml/2006/ole">
             <mc:AlternateContent xmlns:mc="http://schemas.openxmlformats.org/markup-compatibility/2006">
               <mc:Choice xmlns:v="urn:schemas-microsoft-com:vml" Requires="v">
-                <p:oleObj spid="_x0000_s33826" name="Diapositive think-cell" r:id="rId4" imgW="415" imgH="416" progId="TCLayout.ActiveDocument.1">
+                <p:oleObj spid="_x0000_s33827" name="Diapositive think-cell" r:id="rId4" imgW="415" imgH="416" progId="TCLayout.ActiveDocument.1">
                   <p:embed/>
                 </p:oleObj>
               </mc:Choice>
@@ -10225,7 +10225,7 @@
           <a:graphicData uri="http://schemas.openxmlformats.org/presentationml/2006/ole">
             <mc:AlternateContent xmlns:mc="http://schemas.openxmlformats.org/markup-compatibility/2006">
               <mc:Choice xmlns:v="urn:schemas-microsoft-com:vml" Requires="v">
-                <p:oleObj spid="_x0000_s34837" name="Diapositive think-cell" r:id="rId4" imgW="415" imgH="416" progId="TCLayout.ActiveDocument.1">
+                <p:oleObj spid="_x0000_s34838" name="Diapositive think-cell" r:id="rId4" imgW="415" imgH="416" progId="TCLayout.ActiveDocument.1">
                   <p:embed/>
                 </p:oleObj>
               </mc:Choice>
@@ -12690,7 +12690,7 @@
           <a:graphicData uri="http://schemas.openxmlformats.org/presentationml/2006/ole">
             <mc:AlternateContent xmlns:mc="http://schemas.openxmlformats.org/markup-compatibility/2006">
               <mc:Choice xmlns:v="urn:schemas-microsoft-com:vml" Requires="v">
-                <p:oleObj spid="_x0000_s36883" name="Diapositive think-cell" r:id="rId4" imgW="415" imgH="416" progId="TCLayout.ActiveDocument.1">
+                <p:oleObj spid="_x0000_s36884" name="Diapositive think-cell" r:id="rId4" imgW="415" imgH="416" progId="TCLayout.ActiveDocument.1">
                   <p:embed/>
                 </p:oleObj>
               </mc:Choice>
@@ -14910,7 +14910,7 @@
           <a:graphicData uri="http://schemas.openxmlformats.org/presentationml/2006/ole">
             <mc:AlternateContent xmlns:mc="http://schemas.openxmlformats.org/markup-compatibility/2006">
               <mc:Choice xmlns:v="urn:schemas-microsoft-com:vml" Requires="v">
-                <p:oleObj spid="_x0000_s35859" name="Diapositive think-cell" r:id="rId4" imgW="415" imgH="416" progId="TCLayout.ActiveDocument.1">
+                <p:oleObj spid="_x0000_s35860" name="Diapositive think-cell" r:id="rId4" imgW="415" imgH="416" progId="TCLayout.ActiveDocument.1">
                   <p:embed/>
                 </p:oleObj>
               </mc:Choice>
@@ -16039,8 +16039,8 @@
         </p:blipFill>
         <p:spPr>
           <a:xfrm>
-            <a:off x="0" y="607551"/>
-            <a:ext cx="12192000" cy="5642897"/>
+            <a:off x="-436838" y="1153998"/>
+            <a:ext cx="7884000" cy="3648999"/>
           </a:xfrm>
           <a:prstGeom prst="rect">
             <a:avLst/>
@@ -16069,8 +16069,8 @@
         </p:blipFill>
         <p:spPr>
           <a:xfrm>
-            <a:off x="0" y="504719"/>
-            <a:ext cx="12192000" cy="5848561"/>
+            <a:off x="395359" y="2860148"/>
+            <a:ext cx="7884000" cy="3782021"/>
           </a:xfrm>
           <a:prstGeom prst="rect">
             <a:avLst/>
@@ -16099,8 +16099,8 @@
         </p:blipFill>
         <p:spPr>
           <a:xfrm>
-            <a:off x="0" y="507666"/>
-            <a:ext cx="12192000" cy="5842668"/>
+            <a:off x="3847308" y="1755295"/>
+            <a:ext cx="7884000" cy="3778179"/>
           </a:xfrm>
           <a:prstGeom prst="rect">
             <a:avLst/>
@@ -16168,7 +16168,7 @@
           <a:graphicData uri="http://schemas.openxmlformats.org/presentationml/2006/ole">
             <mc:AlternateContent xmlns:mc="http://schemas.openxmlformats.org/markup-compatibility/2006">
               <mc:Choice xmlns:v="urn:schemas-microsoft-com:vml" Requires="v">
-                <p:oleObj spid="_x0000_s37905" name="Diapositive think-cell" r:id="rId4" imgW="415" imgH="416" progId="TCLayout.ActiveDocument.1">
+                <p:oleObj spid="_x0000_s37906" name="Diapositive think-cell" r:id="rId4" imgW="415" imgH="416" progId="TCLayout.ActiveDocument.1">
                   <p:embed/>
                 </p:oleObj>
               </mc:Choice>
@@ -22501,7 +22501,7 @@
           <a:graphicData uri="http://schemas.openxmlformats.org/presentationml/2006/ole">
             <mc:AlternateContent xmlns:mc="http://schemas.openxmlformats.org/markup-compatibility/2006">
               <mc:Choice xmlns:v="urn:schemas-microsoft-com:vml" Requires="v">
-                <p:oleObj spid="_x0000_s2087" name="Diapositive think-cell" r:id="rId4" imgW="415" imgH="416" progId="TCLayout.ActiveDocument.1">
+                <p:oleObj spid="_x0000_s2088" name="Diapositive think-cell" r:id="rId4" imgW="415" imgH="416" progId="TCLayout.ActiveDocument.1">
                   <p:embed/>
                 </p:oleObj>
               </mc:Choice>
@@ -24597,7 +24597,7 @@
           <a:graphicData uri="http://schemas.openxmlformats.org/presentationml/2006/ole">
             <mc:AlternateContent xmlns:mc="http://schemas.openxmlformats.org/markup-compatibility/2006">
               <mc:Choice xmlns:v="urn:schemas-microsoft-com:vml" Requires="v">
-                <p:oleObj spid="_x0000_s29721" name="Diapositive think-cell" r:id="rId4" imgW="415" imgH="416" progId="TCLayout.ActiveDocument.1">
+                <p:oleObj spid="_x0000_s29722" name="Diapositive think-cell" r:id="rId4" imgW="415" imgH="416" progId="TCLayout.ActiveDocument.1">
                   <p:embed/>
                 </p:oleObj>
               </mc:Choice>
@@ -25875,7 +25875,7 @@
           <a:graphicData uri="http://schemas.openxmlformats.org/presentationml/2006/ole">
             <mc:AlternateContent xmlns:mc="http://schemas.openxmlformats.org/markup-compatibility/2006">
               <mc:Choice xmlns:v="urn:schemas-microsoft-com:vml" Requires="v">
-                <p:oleObj spid="_x0000_s30744" name="Diapositive think-cell" r:id="rId4" imgW="415" imgH="416" progId="TCLayout.ActiveDocument.1">
+                <p:oleObj spid="_x0000_s30745" name="Diapositive think-cell" r:id="rId4" imgW="415" imgH="416" progId="TCLayout.ActiveDocument.1">
                   <p:embed/>
                 </p:oleObj>
               </mc:Choice>
@@ -28128,7 +28128,7 @@
           <a:graphicData uri="http://schemas.openxmlformats.org/presentationml/2006/ole">
             <mc:AlternateContent xmlns:mc="http://schemas.openxmlformats.org/markup-compatibility/2006">
               <mc:Choice xmlns:v="urn:schemas-microsoft-com:vml" Requires="v">
-                <p:oleObj spid="_x0000_s31768" name="Diapositive think-cell" r:id="rId4" imgW="415" imgH="416" progId="TCLayout.ActiveDocument.1">
+                <p:oleObj spid="_x0000_s31769" name="Diapositive think-cell" r:id="rId4" imgW="415" imgH="416" progId="TCLayout.ActiveDocument.1">
                   <p:embed/>
                 </p:oleObj>
               </mc:Choice>
@@ -29974,7 +29974,7 @@
           <a:graphicData uri="http://schemas.openxmlformats.org/presentationml/2006/ole">
             <mc:AlternateContent xmlns:mc="http://schemas.openxmlformats.org/markup-compatibility/2006">
               <mc:Choice xmlns:v="urn:schemas-microsoft-com:vml" Requires="v">
-                <p:oleObj spid="_x0000_s32795" name="Diapositive think-cell" r:id="rId4" imgW="415" imgH="416" progId="TCLayout.ActiveDocument.1">
+                <p:oleObj spid="_x0000_s32796" name="Diapositive think-cell" r:id="rId4" imgW="415" imgH="416" progId="TCLayout.ActiveDocument.1">
                   <p:embed/>
                 </p:oleObj>
               </mc:Choice>
@@ -32916,6 +32916,12 @@
 </file>
 
 <file path=customXml/item1.xml><?xml version="1.0" encoding="utf-8"?>
+<p:properties xmlns:p="http://schemas.microsoft.com/office/2006/metadata/properties" xmlns:xsi="http://www.w3.org/2001/XMLSchema-instance" xmlns:pc="http://schemas.microsoft.com/office/infopath/2007/PartnerControls">
+  <documentManagement/>
+</p:properties>
+</file>
+
+<file path=customXml/item2.xml><?xml version="1.0" encoding="utf-8"?>
 <ct:contentTypeSchema xmlns:ct="http://schemas.microsoft.com/office/2006/metadata/contentType" xmlns:ma="http://schemas.microsoft.com/office/2006/metadata/properties/metaAttributes" ct:_="" ma:_="" ma:contentTypeName="Document" ma:contentTypeID="0x010100E08B85ABE125AF409A86B73326EFFAE5" ma:contentTypeVersion="13" ma:contentTypeDescription="Crée un document." ma:contentTypeScope="" ma:versionID="cfa2b84814ad0d4dc5902a099d18eada">
   <xsd:schema xmlns:xsd="http://www.w3.org/2001/XMLSchema" xmlns:xs="http://www.w3.org/2001/XMLSchema" xmlns:p="http://schemas.microsoft.com/office/2006/metadata/properties" xmlns:ns3="21c16e65-816f-4847-be88-731645291b21" xmlns:ns4="67c7d727-27e8-4526-a2a7-f89ba01a3409" targetNamespace="http://schemas.microsoft.com/office/2006/metadata/properties" ma:root="true" ma:fieldsID="1941e2dd5eb9c4a46146aa2eaafc37a7" ns3:_="" ns4:_="">
     <xsd:import namespace="21c16e65-816f-4847-be88-731645291b21"/>
@@ -33138,12 +33144,6 @@
 </ct:contentTypeSchema>
 </file>
 
-<file path=customXml/item2.xml><?xml version="1.0" encoding="utf-8"?>
-<p:properties xmlns:p="http://schemas.microsoft.com/office/2006/metadata/properties" xmlns:xsi="http://www.w3.org/2001/XMLSchema-instance" xmlns:pc="http://schemas.microsoft.com/office/infopath/2007/PartnerControls">
-  <documentManagement/>
-</p:properties>
-</file>
-
 <file path=customXml/item3.xml><?xml version="1.0" encoding="utf-8"?>
 <?mso-contentType ?>
 <FormTemplates xmlns="http://schemas.microsoft.com/sharepoint/v3/contenttype/forms">
@@ -33154,6 +33154,23 @@
 </file>
 
 <file path=customXml/itemProps1.xml><?xml version="1.0" encoding="utf-8"?>
+<ds:datastoreItem xmlns:ds="http://schemas.openxmlformats.org/officeDocument/2006/customXml" ds:itemID="{6DCF7537-AB6C-4566-9821-DCC4778AF944}">
+  <ds:schemaRefs>
+    <ds:schemaRef ds:uri="http://schemas.microsoft.com/office/2006/documentManagement/types"/>
+    <ds:schemaRef ds:uri="http://www.w3.org/XML/1998/namespace"/>
+    <ds:schemaRef ds:uri="http://purl.org/dc/dcmitype/"/>
+    <ds:schemaRef ds:uri="http://purl.org/dc/terms/"/>
+    <ds:schemaRef ds:uri="21c16e65-816f-4847-be88-731645291b21"/>
+    <ds:schemaRef ds:uri="http://purl.org/dc/elements/1.1/"/>
+    <ds:schemaRef ds:uri="http://schemas.microsoft.com/office/infopath/2007/PartnerControls"/>
+    <ds:schemaRef ds:uri="http://schemas.openxmlformats.org/package/2006/metadata/core-properties"/>
+    <ds:schemaRef ds:uri="67c7d727-27e8-4526-a2a7-f89ba01a3409"/>
+    <ds:schemaRef ds:uri="http://schemas.microsoft.com/office/2006/metadata/properties"/>
+  </ds:schemaRefs>
+</ds:datastoreItem>
+</file>
+
+<file path=customXml/itemProps2.xml><?xml version="1.0" encoding="utf-8"?>
 <ds:datastoreItem xmlns:ds="http://schemas.openxmlformats.org/officeDocument/2006/customXml" ds:itemID="{F4E0BA49-AB2A-4044-9F15-987E41C6A1BE}">
   <ds:schemaRefs>
     <ds:schemaRef ds:uri="http://schemas.microsoft.com/office/2006/metadata/contentType"/>
@@ -33172,23 +33189,6 @@
 </ds:datastoreItem>
 </file>
 
-<file path=customXml/itemProps2.xml><?xml version="1.0" encoding="utf-8"?>
-<ds:datastoreItem xmlns:ds="http://schemas.openxmlformats.org/officeDocument/2006/customXml" ds:itemID="{6DCF7537-AB6C-4566-9821-DCC4778AF944}">
-  <ds:schemaRefs>
-    <ds:schemaRef ds:uri="http://schemas.microsoft.com/office/2006/documentManagement/types"/>
-    <ds:schemaRef ds:uri="http://www.w3.org/XML/1998/namespace"/>
-    <ds:schemaRef ds:uri="http://purl.org/dc/dcmitype/"/>
-    <ds:schemaRef ds:uri="http://purl.org/dc/terms/"/>
-    <ds:schemaRef ds:uri="21c16e65-816f-4847-be88-731645291b21"/>
-    <ds:schemaRef ds:uri="http://purl.org/dc/elements/1.1/"/>
-    <ds:schemaRef ds:uri="http://schemas.microsoft.com/office/infopath/2007/PartnerControls"/>
-    <ds:schemaRef ds:uri="http://schemas.openxmlformats.org/package/2006/metadata/core-properties"/>
-    <ds:schemaRef ds:uri="67c7d727-27e8-4526-a2a7-f89ba01a3409"/>
-    <ds:schemaRef ds:uri="http://schemas.microsoft.com/office/2006/metadata/properties"/>
-  </ds:schemaRefs>
-</ds:datastoreItem>
-</file>
-
 <file path=customXml/itemProps3.xml><?xml version="1.0" encoding="utf-8"?>
 <ds:datastoreItem xmlns:ds="http://schemas.openxmlformats.org/officeDocument/2006/customXml" ds:itemID="{F8B2D13A-B571-47A0-B384-30EF6393E3B0}">
   <ds:schemaRefs>

--- a/evaluation/P7_Presentation.pptx
+++ b/evaluation/P7_Presentation.pptx
@@ -21,12 +21,13 @@
     <p:sldId id="372" r:id="rId18"/>
     <p:sldId id="379" r:id="rId19"/>
     <p:sldId id="381" r:id="rId20"/>
-    <p:sldId id="312" r:id="rId21"/>
+    <p:sldId id="382" r:id="rId21"/>
+    <p:sldId id="312" r:id="rId22"/>
   </p:sldIdLst>
   <p:sldSz cx="12192000" cy="6858000"/>
   <p:notesSz cx="6858000" cy="9144000"/>
   <p:custDataLst>
-    <p:tags r:id="rId22"/>
+    <p:tags r:id="rId23"/>
   </p:custDataLst>
   <p:defaultTextStyle>
     <a:defPPr>
@@ -3400,7 +3401,7 @@
           <a:p>
             <a:fld id="{3C11A7EE-4CAD-4F70-BDC6-8C50D505E4EA}" type="datetimeFigureOut">
               <a:rPr lang="fr-FR" smtClean="0"/>
-              <a:t>05/04/2022</a:t>
+              <a:t>06/04/2022</a:t>
             </a:fld>
             <a:endParaRPr lang="fr-FR" dirty="0"/>
           </a:p>
@@ -3598,7 +3599,7 @@
           <a:p>
             <a:fld id="{3C11A7EE-4CAD-4F70-BDC6-8C50D505E4EA}" type="datetimeFigureOut">
               <a:rPr lang="fr-FR" smtClean="0"/>
-              <a:t>05/04/2022</a:t>
+              <a:t>06/04/2022</a:t>
             </a:fld>
             <a:endParaRPr lang="fr-FR" dirty="0"/>
           </a:p>
@@ -3806,7 +3807,7 @@
           <a:p>
             <a:fld id="{3C11A7EE-4CAD-4F70-BDC6-8C50D505E4EA}" type="datetimeFigureOut">
               <a:rPr lang="fr-FR" smtClean="0"/>
-              <a:t>05/04/2022</a:t>
+              <a:t>06/04/2022</a:t>
             </a:fld>
             <a:endParaRPr lang="fr-FR" dirty="0"/>
           </a:p>
@@ -4004,7 +4005,7 @@
           <a:p>
             <a:fld id="{3C11A7EE-4CAD-4F70-BDC6-8C50D505E4EA}" type="datetimeFigureOut">
               <a:rPr lang="fr-FR" smtClean="0"/>
-              <a:t>05/04/2022</a:t>
+              <a:t>06/04/2022</a:t>
             </a:fld>
             <a:endParaRPr lang="fr-FR" dirty="0"/>
           </a:p>
@@ -4279,7 +4280,7 @@
           <a:p>
             <a:fld id="{3C11A7EE-4CAD-4F70-BDC6-8C50D505E4EA}" type="datetimeFigureOut">
               <a:rPr lang="fr-FR" smtClean="0"/>
-              <a:t>05/04/2022</a:t>
+              <a:t>06/04/2022</a:t>
             </a:fld>
             <a:endParaRPr lang="fr-FR" dirty="0"/>
           </a:p>
@@ -4544,7 +4545,7 @@
           <a:p>
             <a:fld id="{3C11A7EE-4CAD-4F70-BDC6-8C50D505E4EA}" type="datetimeFigureOut">
               <a:rPr lang="fr-FR" smtClean="0"/>
-              <a:t>05/04/2022</a:t>
+              <a:t>06/04/2022</a:t>
             </a:fld>
             <a:endParaRPr lang="fr-FR" dirty="0"/>
           </a:p>
@@ -4956,7 +4957,7 @@
           <a:p>
             <a:fld id="{3C11A7EE-4CAD-4F70-BDC6-8C50D505E4EA}" type="datetimeFigureOut">
               <a:rPr lang="fr-FR" smtClean="0"/>
-              <a:t>05/04/2022</a:t>
+              <a:t>06/04/2022</a:t>
             </a:fld>
             <a:endParaRPr lang="fr-FR" dirty="0"/>
           </a:p>
@@ -5097,7 +5098,7 @@
           <a:p>
             <a:fld id="{3C11A7EE-4CAD-4F70-BDC6-8C50D505E4EA}" type="datetimeFigureOut">
               <a:rPr lang="fr-FR" smtClean="0"/>
-              <a:t>05/04/2022</a:t>
+              <a:t>06/04/2022</a:t>
             </a:fld>
             <a:endParaRPr lang="fr-FR" dirty="0"/>
           </a:p>
@@ -5210,7 +5211,7 @@
           <a:p>
             <a:fld id="{3C11A7EE-4CAD-4F70-BDC6-8C50D505E4EA}" type="datetimeFigureOut">
               <a:rPr lang="fr-FR" smtClean="0"/>
-              <a:t>05/04/2022</a:t>
+              <a:t>06/04/2022</a:t>
             </a:fld>
             <a:endParaRPr lang="fr-FR" dirty="0"/>
           </a:p>
@@ -5521,7 +5522,7 @@
           <a:p>
             <a:fld id="{3C11A7EE-4CAD-4F70-BDC6-8C50D505E4EA}" type="datetimeFigureOut">
               <a:rPr lang="fr-FR" smtClean="0"/>
-              <a:t>05/04/2022</a:t>
+              <a:t>06/04/2022</a:t>
             </a:fld>
             <a:endParaRPr lang="fr-FR" dirty="0"/>
           </a:p>
@@ -5809,7 +5810,7 @@
           <a:p>
             <a:fld id="{3C11A7EE-4CAD-4F70-BDC6-8C50D505E4EA}" type="datetimeFigureOut">
               <a:rPr lang="fr-FR" smtClean="0"/>
-              <a:t>05/04/2022</a:t>
+              <a:t>06/04/2022</a:t>
             </a:fld>
             <a:endParaRPr lang="fr-FR" dirty="0"/>
           </a:p>
@@ -5935,7 +5936,7 @@
           <a:graphicData uri="http://schemas.openxmlformats.org/presentationml/2006/ole">
             <mc:AlternateContent xmlns:mc="http://schemas.openxmlformats.org/markup-compatibility/2006">
               <mc:Choice xmlns:v="urn:schemas-microsoft-com:vml" Requires="v">
-                <p:oleObj spid="_x0000_s1054" name="Diapositive think-cell" r:id="rId15" imgW="415" imgH="416" progId="TCLayout.ActiveDocument.1">
+                <p:oleObj spid="_x0000_s1056" name="Diapositive think-cell" r:id="rId15" imgW="415" imgH="416" progId="TCLayout.ActiveDocument.1">
                   <p:embed/>
                 </p:oleObj>
               </mc:Choice>
@@ -6122,7 +6123,7 @@
           <a:p>
             <a:fld id="{3C11A7EE-4CAD-4F70-BDC6-8C50D505E4EA}" type="datetimeFigureOut">
               <a:rPr lang="fr-FR" smtClean="0"/>
-              <a:t>05/04/2022</a:t>
+              <a:t>06/04/2022</a:t>
             </a:fld>
             <a:endParaRPr lang="fr-FR" dirty="0"/>
           </a:p>
@@ -7217,7 +7218,7 @@
           <a:graphicData uri="http://schemas.openxmlformats.org/presentationml/2006/ole">
             <mc:AlternateContent xmlns:mc="http://schemas.openxmlformats.org/markup-compatibility/2006">
               <mc:Choice xmlns:v="urn:schemas-microsoft-com:vml" Requires="v">
-                <p:oleObj spid="_x0000_s33827" name="Diapositive think-cell" r:id="rId4" imgW="415" imgH="416" progId="TCLayout.ActiveDocument.1">
+                <p:oleObj spid="_x0000_s33829" name="Diapositive think-cell" r:id="rId4" imgW="415" imgH="416" progId="TCLayout.ActiveDocument.1">
                   <p:embed/>
                 </p:oleObj>
               </mc:Choice>
@@ -10225,7 +10226,7 @@
           <a:graphicData uri="http://schemas.openxmlformats.org/presentationml/2006/ole">
             <mc:AlternateContent xmlns:mc="http://schemas.openxmlformats.org/markup-compatibility/2006">
               <mc:Choice xmlns:v="urn:schemas-microsoft-com:vml" Requires="v">
-                <p:oleObj spid="_x0000_s34838" name="Diapositive think-cell" r:id="rId4" imgW="415" imgH="416" progId="TCLayout.ActiveDocument.1">
+                <p:oleObj spid="_x0000_s34840" name="Diapositive think-cell" r:id="rId4" imgW="415" imgH="416" progId="TCLayout.ActiveDocument.1">
                   <p:embed/>
                 </p:oleObj>
               </mc:Choice>
@@ -12690,7 +12691,7 @@
           <a:graphicData uri="http://schemas.openxmlformats.org/presentationml/2006/ole">
             <mc:AlternateContent xmlns:mc="http://schemas.openxmlformats.org/markup-compatibility/2006">
               <mc:Choice xmlns:v="urn:schemas-microsoft-com:vml" Requires="v">
-                <p:oleObj spid="_x0000_s36884" name="Diapositive think-cell" r:id="rId4" imgW="415" imgH="416" progId="TCLayout.ActiveDocument.1">
+                <p:oleObj spid="_x0000_s36886" name="Diapositive think-cell" r:id="rId4" imgW="415" imgH="416" progId="TCLayout.ActiveDocument.1">
                   <p:embed/>
                 </p:oleObj>
               </mc:Choice>
@@ -14910,7 +14911,7 @@
           <a:graphicData uri="http://schemas.openxmlformats.org/presentationml/2006/ole">
             <mc:AlternateContent xmlns:mc="http://schemas.openxmlformats.org/markup-compatibility/2006">
               <mc:Choice xmlns:v="urn:schemas-microsoft-com:vml" Requires="v">
-                <p:oleObj spid="_x0000_s35860" name="Diapositive think-cell" r:id="rId4" imgW="415" imgH="416" progId="TCLayout.ActiveDocument.1">
+                <p:oleObj spid="_x0000_s35862" name="Diapositive think-cell" r:id="rId4" imgW="415" imgH="416" progId="TCLayout.ActiveDocument.1">
                   <p:embed/>
                 </p:oleObj>
               </mc:Choice>
@@ -16168,7 +16169,7 @@
           <a:graphicData uri="http://schemas.openxmlformats.org/presentationml/2006/ole">
             <mc:AlternateContent xmlns:mc="http://schemas.openxmlformats.org/markup-compatibility/2006">
               <mc:Choice xmlns:v="urn:schemas-microsoft-com:vml" Requires="v">
-                <p:oleObj spid="_x0000_s37906" name="Diapositive think-cell" r:id="rId4" imgW="415" imgH="416" progId="TCLayout.ActiveDocument.1">
+                <p:oleObj spid="_x0000_s37908" name="Diapositive think-cell" r:id="rId4" imgW="415" imgH="416" progId="TCLayout.ActiveDocument.1">
                   <p:embed/>
                 </p:oleObj>
               </mc:Choice>
@@ -19469,6 +19470,437 @@
           <a:chExt cx="0" cy="0"/>
         </a:xfrm>
       </p:grpSpPr>
+      <p:graphicFrame>
+        <p:nvGraphicFramePr>
+          <p:cNvPr id="5" name="Objet 4" hidden="1">
+            <a:extLst>
+              <a:ext uri="{FF2B5EF4-FFF2-40B4-BE49-F238E27FC236}">
+                <a16:creationId xmlns:a16="http://schemas.microsoft.com/office/drawing/2014/main" id="{563ECDA8-3053-4B9E-8D6A-AAF5BC86A822}"/>
+              </a:ext>
+            </a:extLst>
+          </p:cNvPr>
+          <p:cNvGraphicFramePr>
+            <a:graphicFrameLocks noChangeAspect="1"/>
+          </p:cNvGraphicFramePr>
+          <p:nvPr>
+            <p:custDataLst>
+              <p:tags r:id="rId2"/>
+            </p:custDataLst>
+          </p:nvPr>
+        </p:nvGraphicFramePr>
+        <p:xfrm>
+          <a:off x="1588" y="1588"/>
+          <a:ext cx="1588" cy="1588"/>
+        </p:xfrm>
+        <a:graphic>
+          <a:graphicData uri="http://schemas.openxmlformats.org/presentationml/2006/ole">
+            <mc:AlternateContent xmlns:mc="http://schemas.openxmlformats.org/markup-compatibility/2006">
+              <mc:Choice xmlns:v="urn:schemas-microsoft-com:vml" Requires="v">
+                <p:oleObj spid="_x0000_s38915" name="Diapositive think-cell" r:id="rId4" imgW="415" imgH="416" progId="TCLayout.ActiveDocument.1">
+                  <p:embed/>
+                </p:oleObj>
+              </mc:Choice>
+              <mc:Fallback>
+                <p:oleObj name="Diapositive think-cell" r:id="rId4" imgW="415" imgH="416" progId="TCLayout.ActiveDocument.1">
+                  <p:embed/>
+                  <p:pic>
+                    <p:nvPicPr>
+                      <p:cNvPr id="5" name="Objet 4" hidden="1">
+                        <a:extLst>
+                          <a:ext uri="{FF2B5EF4-FFF2-40B4-BE49-F238E27FC236}">
+                            <a16:creationId xmlns:a16="http://schemas.microsoft.com/office/drawing/2014/main" id="{563ECDA8-3053-4B9E-8D6A-AAF5BC86A822}"/>
+                          </a:ext>
+                        </a:extLst>
+                      </p:cNvPr>
+                      <p:cNvPicPr/>
+                      <p:nvPr/>
+                    </p:nvPicPr>
+                    <p:blipFill>
+                      <a:blip r:embed="rId5"/>
+                      <a:stretch>
+                        <a:fillRect/>
+                      </a:stretch>
+                    </p:blipFill>
+                    <p:spPr>
+                      <a:xfrm>
+                        <a:off x="1588" y="1588"/>
+                        <a:ext cx="1588" cy="1588"/>
+                      </a:xfrm>
+                      <a:prstGeom prst="rect">
+                        <a:avLst/>
+                      </a:prstGeom>
+                    </p:spPr>
+                  </p:pic>
+                </p:oleObj>
+              </mc:Fallback>
+            </mc:AlternateContent>
+          </a:graphicData>
+        </a:graphic>
+      </p:graphicFrame>
+      <p:sp>
+        <p:nvSpPr>
+          <p:cNvPr id="34" name="Rectangle 33">
+            <a:extLst>
+              <a:ext uri="{FF2B5EF4-FFF2-40B4-BE49-F238E27FC236}">
+                <a16:creationId xmlns:a16="http://schemas.microsoft.com/office/drawing/2014/main" id="{86A52CCD-9959-43E4-90E1-14C68071D2EF}"/>
+              </a:ext>
+            </a:extLst>
+          </p:cNvPr>
+          <p:cNvSpPr>
+            <a:spLocks/>
+          </p:cNvSpPr>
+          <p:nvPr/>
+        </p:nvSpPr>
+        <p:spPr>
+          <a:xfrm>
+            <a:off x="-1546" y="0"/>
+            <a:ext cx="12193545" cy="544108"/>
+          </a:xfrm>
+          <a:prstGeom prst="rect">
+            <a:avLst/>
+          </a:prstGeom>
+          <a:solidFill>
+            <a:srgbClr val="D7D8D7"/>
+          </a:solidFill>
+          <a:ln>
+            <a:solidFill>
+              <a:srgbClr val="D7D8D7"/>
+            </a:solidFill>
+          </a:ln>
+        </p:spPr>
+        <p:style>
+          <a:lnRef idx="2">
+            <a:schemeClr val="accent1">
+              <a:shade val="50000"/>
+            </a:schemeClr>
+          </a:lnRef>
+          <a:fillRef idx="1">
+            <a:schemeClr val="accent1"/>
+          </a:fillRef>
+          <a:effectRef idx="0">
+            <a:schemeClr val="accent1"/>
+          </a:effectRef>
+          <a:fontRef idx="minor">
+            <a:schemeClr val="lt1"/>
+          </a:fontRef>
+        </p:style>
+        <p:txBody>
+          <a:bodyPr rtlCol="0" anchor="ctr"/>
+          <a:lstStyle/>
+          <a:p>
+            <a:pPr algn="ctr"/>
+            <a:endParaRPr lang="LID4096">
+              <a:uFillTx/>
+            </a:endParaRPr>
+          </a:p>
+        </p:txBody>
+      </p:sp>
+      <p:sp>
+        <p:nvSpPr>
+          <p:cNvPr id="70" name="Oval 21">
+            <a:extLst>
+              <a:ext uri="{FF2B5EF4-FFF2-40B4-BE49-F238E27FC236}">
+                <a16:creationId xmlns:a16="http://schemas.microsoft.com/office/drawing/2014/main" id="{21E00B41-C90D-4BDF-A077-C8F7B556C7BC}"/>
+              </a:ext>
+            </a:extLst>
+          </p:cNvPr>
+          <p:cNvSpPr>
+            <a:spLocks/>
+          </p:cNvSpPr>
+          <p:nvPr/>
+        </p:nvSpPr>
+        <p:spPr>
+          <a:xfrm>
+            <a:off x="4891314" y="-223688"/>
+            <a:ext cx="2409372" cy="1008000"/>
+          </a:xfrm>
+          <a:prstGeom prst="ellipse">
+            <a:avLst/>
+          </a:prstGeom>
+          <a:solidFill>
+            <a:srgbClr val="D7D8D7"/>
+          </a:solidFill>
+          <a:ln w="12700">
+            <a:solidFill>
+              <a:schemeClr val="bg1"/>
+            </a:solidFill>
+          </a:ln>
+          <a:effectLst>
+            <a:outerShdw blurRad="50800" dist="38100" dir="2700000" algn="tl" rotWithShape="0">
+              <a:srgbClr val="000000">
+                <a:alpha val="40000"/>
+              </a:srgbClr>
+            </a:outerShdw>
+          </a:effectLst>
+        </p:spPr>
+        <p:style>
+          <a:lnRef idx="2">
+            <a:schemeClr val="accent1">
+              <a:shade val="50000"/>
+            </a:schemeClr>
+          </a:lnRef>
+          <a:fillRef idx="1">
+            <a:schemeClr val="accent1"/>
+          </a:fillRef>
+          <a:effectRef idx="0">
+            <a:schemeClr val="accent1"/>
+          </a:effectRef>
+          <a:fontRef idx="minor">
+            <a:schemeClr val="lt1"/>
+          </a:fontRef>
+        </p:style>
+        <p:txBody>
+          <a:bodyPr rtlCol="0" anchor="ctr"/>
+          <a:lstStyle/>
+          <a:p>
+            <a:pPr algn="ctr"/>
+            <a:endParaRPr lang="LID4096" dirty="0">
+              <a:solidFill>
+                <a:srgbClr val="2A0068"/>
+              </a:solidFill>
+              <a:uFillTx/>
+              <a:latin typeface="Baloo" panose="03080902040302020200" pitchFamily="66" charset="0"/>
+              <a:cs typeface="Baloo" panose="03080902040302020200" pitchFamily="66" charset="0"/>
+            </a:endParaRPr>
+          </a:p>
+        </p:txBody>
+      </p:sp>
+      <p:sp>
+        <p:nvSpPr>
+          <p:cNvPr id="73" name="Rectangle 72">
+            <a:extLst>
+              <a:ext uri="{FF2B5EF4-FFF2-40B4-BE49-F238E27FC236}">
+                <a16:creationId xmlns:a16="http://schemas.microsoft.com/office/drawing/2014/main" id="{9F990D0F-3A28-4858-B939-D0DB6600268A}"/>
+              </a:ext>
+            </a:extLst>
+          </p:cNvPr>
+          <p:cNvSpPr>
+            <a:spLocks/>
+          </p:cNvSpPr>
+          <p:nvPr/>
+        </p:nvSpPr>
+        <p:spPr>
+          <a:xfrm>
+            <a:off x="4530058" y="-249582"/>
+            <a:ext cx="3131884" cy="783727"/>
+          </a:xfrm>
+          <a:prstGeom prst="rect">
+            <a:avLst/>
+          </a:prstGeom>
+          <a:solidFill>
+            <a:srgbClr val="D7D8D7"/>
+          </a:solidFill>
+          <a:ln>
+            <a:solidFill>
+              <a:srgbClr val="D7D8D7"/>
+            </a:solidFill>
+          </a:ln>
+        </p:spPr>
+        <p:style>
+          <a:lnRef idx="2">
+            <a:schemeClr val="accent1">
+              <a:shade val="50000"/>
+            </a:schemeClr>
+          </a:lnRef>
+          <a:fillRef idx="1">
+            <a:schemeClr val="accent1"/>
+          </a:fillRef>
+          <a:effectRef idx="0">
+            <a:schemeClr val="accent1"/>
+          </a:effectRef>
+          <a:fontRef idx="minor">
+            <a:schemeClr val="lt1"/>
+          </a:fontRef>
+        </p:style>
+        <p:txBody>
+          <a:bodyPr rtlCol="0" anchor="ctr"/>
+          <a:lstStyle/>
+          <a:p>
+            <a:pPr algn="ctr"/>
+            <a:endParaRPr lang="LID4096">
+              <a:uFillTx/>
+            </a:endParaRPr>
+          </a:p>
+        </p:txBody>
+      </p:sp>
+      <p:cxnSp>
+        <p:nvCxnSpPr>
+          <p:cNvPr id="74" name="Straight Connector 36">
+            <a:extLst>
+              <a:ext uri="{FF2B5EF4-FFF2-40B4-BE49-F238E27FC236}">
+                <a16:creationId xmlns:a16="http://schemas.microsoft.com/office/drawing/2014/main" id="{6AC8BA9A-5A95-442A-86B2-D6471C273567}"/>
+              </a:ext>
+            </a:extLst>
+          </p:cNvPr>
+          <p:cNvCxnSpPr/>
+          <p:nvPr/>
+        </p:nvCxnSpPr>
+        <p:spPr>
+          <a:xfrm>
+            <a:off x="4696733" y="190333"/>
+            <a:ext cx="0" cy="216000"/>
+          </a:xfrm>
+          <a:prstGeom prst="line">
+            <a:avLst/>
+          </a:prstGeom>
+          <a:ln>
+            <a:solidFill>
+              <a:schemeClr val="bg1">
+                <a:lumMod val="75000"/>
+              </a:schemeClr>
+            </a:solidFill>
+          </a:ln>
+        </p:spPr>
+        <p:style>
+          <a:lnRef idx="1">
+            <a:schemeClr val="accent1"/>
+          </a:lnRef>
+          <a:fillRef idx="0">
+            <a:schemeClr val="accent1"/>
+          </a:fillRef>
+          <a:effectRef idx="0">
+            <a:schemeClr val="accent1"/>
+          </a:effectRef>
+          <a:fontRef idx="minor">
+            <a:schemeClr val="tx1"/>
+          </a:fontRef>
+        </p:style>
+      </p:cxnSp>
+      <p:cxnSp>
+        <p:nvCxnSpPr>
+          <p:cNvPr id="75" name="Straight Connector 36">
+            <a:extLst>
+              <a:ext uri="{FF2B5EF4-FFF2-40B4-BE49-F238E27FC236}">
+                <a16:creationId xmlns:a16="http://schemas.microsoft.com/office/drawing/2014/main" id="{3F5750F7-3C85-48DA-BD57-0EB1C694D16F}"/>
+              </a:ext>
+            </a:extLst>
+          </p:cNvPr>
+          <p:cNvCxnSpPr/>
+          <p:nvPr/>
+        </p:nvCxnSpPr>
+        <p:spPr>
+          <a:xfrm>
+            <a:off x="2028856" y="197590"/>
+            <a:ext cx="0" cy="216000"/>
+          </a:xfrm>
+          <a:prstGeom prst="line">
+            <a:avLst/>
+          </a:prstGeom>
+          <a:ln>
+            <a:solidFill>
+              <a:schemeClr val="bg1">
+                <a:lumMod val="75000"/>
+              </a:schemeClr>
+            </a:solidFill>
+          </a:ln>
+        </p:spPr>
+        <p:style>
+          <a:lnRef idx="1">
+            <a:schemeClr val="accent1"/>
+          </a:lnRef>
+          <a:fillRef idx="0">
+            <a:schemeClr val="accent1"/>
+          </a:fillRef>
+          <a:effectRef idx="0">
+            <a:schemeClr val="accent1"/>
+          </a:effectRef>
+          <a:fontRef idx="minor">
+            <a:schemeClr val="tx1"/>
+          </a:fontRef>
+        </p:style>
+      </p:cxnSp>
+      <p:sp>
+        <p:nvSpPr>
+          <p:cNvPr id="79" name="TextBox 26">
+            <a:extLst>
+              <a:ext uri="{FF2B5EF4-FFF2-40B4-BE49-F238E27FC236}">
+                <a16:creationId xmlns:a16="http://schemas.microsoft.com/office/drawing/2014/main" id="{39F69F4E-3B4A-41B5-8C1D-64E9A4BC90EE}"/>
+              </a:ext>
+            </a:extLst>
+          </p:cNvPr>
+          <p:cNvSpPr txBox="1">
+            <a:spLocks/>
+          </p:cNvSpPr>
+          <p:nvPr/>
+        </p:nvSpPr>
+        <p:spPr>
+          <a:xfrm>
+            <a:off x="7287" y="142281"/>
+            <a:ext cx="2052000" cy="307777"/>
+          </a:xfrm>
+          <a:prstGeom prst="rect">
+            <a:avLst/>
+          </a:prstGeom>
+          <a:noFill/>
+          <a:ln>
+            <a:noFill/>
+          </a:ln>
+        </p:spPr>
+        <p:txBody>
+          <a:bodyPr wrap="square" rtlCol="0">
+            <a:spAutoFit/>
+          </a:bodyPr>
+          <a:lstStyle/>
+          <a:p>
+            <a:pPr algn="ctr"/>
+            <a:r>
+              <a:rPr lang="fr-FR" sz="1400" b="1" dirty="0">
+                <a:solidFill>
+                  <a:schemeClr val="accent3"/>
+                </a:solidFill>
+                <a:latin typeface="Trebuchet MS" panose="020B0603020202020204" pitchFamily="34" charset="0"/>
+              </a:rPr>
+              <a:t>CONTEXTE</a:t>
+            </a:r>
+          </a:p>
+        </p:txBody>
+      </p:sp>
+      <p:sp>
+        <p:nvSpPr>
+          <p:cNvPr id="81" name="TextBox 26">
+            <a:extLst>
+              <a:ext uri="{FF2B5EF4-FFF2-40B4-BE49-F238E27FC236}">
+                <a16:creationId xmlns:a16="http://schemas.microsoft.com/office/drawing/2014/main" id="{57D0B7C0-DC57-431F-8DD5-2F8B24747D09}"/>
+              </a:ext>
+            </a:extLst>
+          </p:cNvPr>
+          <p:cNvSpPr txBox="1">
+            <a:spLocks/>
+          </p:cNvSpPr>
+          <p:nvPr/>
+        </p:nvSpPr>
+        <p:spPr>
+          <a:xfrm>
+            <a:off x="2059287" y="146805"/>
+            <a:ext cx="2891751" cy="305940"/>
+          </a:xfrm>
+          <a:prstGeom prst="rect">
+            <a:avLst/>
+          </a:prstGeom>
+          <a:noFill/>
+          <a:ln>
+            <a:noFill/>
+          </a:ln>
+        </p:spPr>
+        <p:txBody>
+          <a:bodyPr wrap="square" rtlCol="0">
+            <a:spAutoFit/>
+          </a:bodyPr>
+          <a:lstStyle/>
+          <a:p>
+            <a:pPr algn="ctr"/>
+            <a:r>
+              <a:rPr lang="fr-FR" sz="1400" b="1" dirty="0">
+                <a:solidFill>
+                  <a:schemeClr val="accent3"/>
+                </a:solidFill>
+                <a:latin typeface="Trebuchet MS" panose="020B0603020202020204" pitchFamily="34" charset="0"/>
+              </a:rPr>
+              <a:t>MODÉLISATION</a:t>
+            </a:r>
+          </a:p>
+        </p:txBody>
+      </p:sp>
       <p:grpSp>
         <p:nvGrpSpPr>
           <p:cNvPr id="30" name="Groupe 29">
@@ -19691,6 +20123,1041 @@
                   <a:defRPr/>
                 </a:pPr>
                 <a:t>17</a:t>
+              </a:fld>
+              <a:endParaRPr lang="fr-FR" sz="800" dirty="0">
+                <a:solidFill>
+                  <a:schemeClr val="bg1"/>
+                </a:solidFill>
+                <a:latin typeface="Baloo" panose="03080902040302020200" pitchFamily="66" charset="0"/>
+                <a:cs typeface="Baloo" panose="03080902040302020200" pitchFamily="66" charset="0"/>
+              </a:endParaRPr>
+            </a:p>
+          </p:txBody>
+        </p:sp>
+        <p:sp>
+          <p:nvSpPr>
+            <p:cNvPr id="33" name="Triangle rectangle 32">
+              <a:extLst>
+                <a:ext uri="{FF2B5EF4-FFF2-40B4-BE49-F238E27FC236}">
+                  <a16:creationId xmlns:a16="http://schemas.microsoft.com/office/drawing/2014/main" id="{BB222F89-35F0-4463-B2DD-04BCACC05AF5}"/>
+                </a:ext>
+              </a:extLst>
+            </p:cNvPr>
+            <p:cNvSpPr/>
+            <p:nvPr/>
+          </p:nvSpPr>
+          <p:spPr>
+            <a:xfrm rot="5400000">
+              <a:off x="11254545" y="6568737"/>
+              <a:ext cx="299720" cy="259186"/>
+            </a:xfrm>
+            <a:prstGeom prst="rtTriangle">
+              <a:avLst/>
+            </a:prstGeom>
+            <a:solidFill>
+              <a:schemeClr val="bg1"/>
+            </a:solidFill>
+            <a:ln>
+              <a:solidFill>
+                <a:schemeClr val="bg1"/>
+              </a:solidFill>
+            </a:ln>
+          </p:spPr>
+          <p:style>
+            <a:lnRef idx="2">
+              <a:schemeClr val="accent1">
+                <a:shade val="50000"/>
+              </a:schemeClr>
+            </a:lnRef>
+            <a:fillRef idx="1">
+              <a:schemeClr val="accent1"/>
+            </a:fillRef>
+            <a:effectRef idx="0">
+              <a:schemeClr val="accent1"/>
+            </a:effectRef>
+            <a:fontRef idx="minor">
+              <a:schemeClr val="lt1"/>
+            </a:fontRef>
+          </p:style>
+          <p:txBody>
+            <a:bodyPr rtlCol="0" anchor="ctr"/>
+            <a:lstStyle/>
+            <a:p>
+              <a:pPr algn="ctr"/>
+              <a:endParaRPr lang="fr-FR" dirty="0"/>
+            </a:p>
+          </p:txBody>
+        </p:sp>
+      </p:grpSp>
+      <p:pic>
+        <p:nvPicPr>
+          <p:cNvPr id="3" name="Image 2">
+            <a:extLst>
+              <a:ext uri="{FF2B5EF4-FFF2-40B4-BE49-F238E27FC236}">
+                <a16:creationId xmlns:a16="http://schemas.microsoft.com/office/drawing/2014/main" id="{7A389926-05FB-4C34-A31D-E1334EF99F46}"/>
+              </a:ext>
+            </a:extLst>
+          </p:cNvPr>
+          <p:cNvPicPr>
+            <a:picLocks noChangeAspect="1"/>
+          </p:cNvPicPr>
+          <p:nvPr/>
+        </p:nvPicPr>
+        <p:blipFill>
+          <a:blip r:embed="rId6"/>
+          <a:stretch>
+            <a:fillRect/>
+          </a:stretch>
+        </p:blipFill>
+        <p:spPr>
+          <a:xfrm>
+            <a:off x="4848447" y="0"/>
+            <a:ext cx="2524125" cy="495300"/>
+          </a:xfrm>
+          <a:prstGeom prst="rect">
+            <a:avLst/>
+          </a:prstGeom>
+        </p:spPr>
+      </p:pic>
+      <p:cxnSp>
+        <p:nvCxnSpPr>
+          <p:cNvPr id="71" name="Straight Connector 22">
+            <a:extLst>
+              <a:ext uri="{FF2B5EF4-FFF2-40B4-BE49-F238E27FC236}">
+                <a16:creationId xmlns:a16="http://schemas.microsoft.com/office/drawing/2014/main" id="{3E677F3D-C08E-49B3-BFF4-7E1553EE5144}"/>
+              </a:ext>
+            </a:extLst>
+          </p:cNvPr>
+          <p:cNvCxnSpPr>
+            <a:cxnSpLocks/>
+          </p:cNvCxnSpPr>
+          <p:nvPr/>
+        </p:nvCxnSpPr>
+        <p:spPr>
+          <a:xfrm>
+            <a:off x="-21590" y="548496"/>
+            <a:ext cx="5117779" cy="14365"/>
+          </a:xfrm>
+          <a:prstGeom prst="line">
+            <a:avLst/>
+          </a:prstGeom>
+          <a:ln w="12700">
+            <a:solidFill>
+              <a:schemeClr val="bg1"/>
+            </a:solidFill>
+          </a:ln>
+          <a:effectLst>
+            <a:outerShdw blurRad="50800" dist="38100" dir="2700000" algn="tl" rotWithShape="0">
+              <a:srgbClr val="000000">
+                <a:alpha val="40000"/>
+              </a:srgbClr>
+            </a:outerShdw>
+          </a:effectLst>
+        </p:spPr>
+        <p:style>
+          <a:lnRef idx="1">
+            <a:schemeClr val="accent1"/>
+          </a:lnRef>
+          <a:fillRef idx="0">
+            <a:schemeClr val="accent1"/>
+          </a:fillRef>
+          <a:effectRef idx="0">
+            <a:schemeClr val="accent1"/>
+          </a:effectRef>
+          <a:fontRef idx="minor">
+            <a:schemeClr val="tx1"/>
+          </a:fontRef>
+        </p:style>
+      </p:cxnSp>
+      <p:sp>
+        <p:nvSpPr>
+          <p:cNvPr id="22" name="Rectangle 21">
+            <a:extLst>
+              <a:ext uri="{FF2B5EF4-FFF2-40B4-BE49-F238E27FC236}">
+                <a16:creationId xmlns:a16="http://schemas.microsoft.com/office/drawing/2014/main" id="{B3E40F35-6F18-4795-94D0-0D751C6B0722}"/>
+              </a:ext>
+            </a:extLst>
+          </p:cNvPr>
+          <p:cNvSpPr/>
+          <p:nvPr/>
+        </p:nvSpPr>
+        <p:spPr>
+          <a:xfrm>
+            <a:off x="353226" y="892388"/>
+            <a:ext cx="11484000" cy="523220"/>
+          </a:xfrm>
+          <a:prstGeom prst="rect">
+            <a:avLst/>
+          </a:prstGeom>
+          <a:ln>
+            <a:noFill/>
+          </a:ln>
+        </p:spPr>
+        <p:txBody>
+          <a:bodyPr wrap="square">
+            <a:spAutoFit/>
+          </a:bodyPr>
+          <a:lstStyle/>
+          <a:p>
+            <a:r>
+              <a:rPr lang="fr-FR" sz="2800" b="1" dirty="0">
+                <a:solidFill>
+                  <a:srgbClr val="2A0068"/>
+                </a:solidFill>
+              </a:rPr>
+              <a:t>xx</a:t>
+            </a:r>
+          </a:p>
+        </p:txBody>
+      </p:sp>
+      <p:sp>
+        <p:nvSpPr>
+          <p:cNvPr id="40" name="TextBox 26">
+            <a:extLst>
+              <a:ext uri="{FF2B5EF4-FFF2-40B4-BE49-F238E27FC236}">
+                <a16:creationId xmlns:a16="http://schemas.microsoft.com/office/drawing/2014/main" id="{7F06B964-FE45-44D1-A532-BC3FA2FDC537}"/>
+              </a:ext>
+            </a:extLst>
+          </p:cNvPr>
+          <p:cNvSpPr txBox="1">
+            <a:spLocks/>
+          </p:cNvSpPr>
+          <p:nvPr/>
+        </p:nvSpPr>
+        <p:spPr>
+          <a:xfrm>
+            <a:off x="7424298" y="146062"/>
+            <a:ext cx="2664000" cy="307777"/>
+          </a:xfrm>
+          <a:prstGeom prst="rect">
+            <a:avLst/>
+          </a:prstGeom>
+          <a:noFill/>
+          <a:ln>
+            <a:noFill/>
+          </a:ln>
+        </p:spPr>
+        <p:txBody>
+          <a:bodyPr wrap="square" rtlCol="0">
+            <a:spAutoFit/>
+          </a:bodyPr>
+          <a:lstStyle/>
+          <a:p>
+            <a:pPr algn="ctr"/>
+            <a:r>
+              <a:rPr lang="fr-FR" sz="1400" b="1" dirty="0">
+                <a:solidFill>
+                  <a:srgbClr val="2A0068"/>
+                </a:solidFill>
+                <a:latin typeface="Trebuchet MS" panose="020B0603020202020204" pitchFamily="34" charset="0"/>
+              </a:rPr>
+              <a:t>DASHBOARD</a:t>
+            </a:r>
+          </a:p>
+        </p:txBody>
+      </p:sp>
+      <p:cxnSp>
+        <p:nvCxnSpPr>
+          <p:cNvPr id="41" name="Straight Connector 36">
+            <a:extLst>
+              <a:ext uri="{FF2B5EF4-FFF2-40B4-BE49-F238E27FC236}">
+                <a16:creationId xmlns:a16="http://schemas.microsoft.com/office/drawing/2014/main" id="{00C750FE-B05E-4CEA-853A-6B0B947ECC04}"/>
+              </a:ext>
+            </a:extLst>
+          </p:cNvPr>
+          <p:cNvCxnSpPr/>
+          <p:nvPr/>
+        </p:nvCxnSpPr>
+        <p:spPr>
+          <a:xfrm>
+            <a:off x="7536962" y="199069"/>
+            <a:ext cx="0" cy="216000"/>
+          </a:xfrm>
+          <a:prstGeom prst="line">
+            <a:avLst/>
+          </a:prstGeom>
+          <a:ln>
+            <a:solidFill>
+              <a:schemeClr val="bg1">
+                <a:lumMod val="75000"/>
+              </a:schemeClr>
+            </a:solidFill>
+          </a:ln>
+        </p:spPr>
+        <p:style>
+          <a:lnRef idx="1">
+            <a:schemeClr val="accent1"/>
+          </a:lnRef>
+          <a:fillRef idx="0">
+            <a:schemeClr val="accent1"/>
+          </a:fillRef>
+          <a:effectRef idx="0">
+            <a:schemeClr val="accent1"/>
+          </a:effectRef>
+          <a:fontRef idx="minor">
+            <a:schemeClr val="tx1"/>
+          </a:fontRef>
+        </p:style>
+      </p:cxnSp>
+      <p:sp>
+        <p:nvSpPr>
+          <p:cNvPr id="42" name="TextBox 26">
+            <a:extLst>
+              <a:ext uri="{FF2B5EF4-FFF2-40B4-BE49-F238E27FC236}">
+                <a16:creationId xmlns:a16="http://schemas.microsoft.com/office/drawing/2014/main" id="{FE588524-D155-4A00-A514-94869C5E5025}"/>
+              </a:ext>
+            </a:extLst>
+          </p:cNvPr>
+          <p:cNvSpPr txBox="1">
+            <a:spLocks/>
+          </p:cNvSpPr>
+          <p:nvPr/>
+        </p:nvSpPr>
+        <p:spPr>
+          <a:xfrm>
+            <a:off x="10103603" y="144968"/>
+            <a:ext cx="2052000" cy="307777"/>
+          </a:xfrm>
+          <a:prstGeom prst="rect">
+            <a:avLst/>
+          </a:prstGeom>
+          <a:noFill/>
+          <a:ln>
+            <a:noFill/>
+          </a:ln>
+        </p:spPr>
+        <p:txBody>
+          <a:bodyPr wrap="square" rtlCol="0">
+            <a:spAutoFit/>
+          </a:bodyPr>
+          <a:lstStyle/>
+          <a:p>
+            <a:pPr algn="ctr"/>
+            <a:r>
+              <a:rPr lang="fr-FR" sz="1400" b="1" dirty="0">
+                <a:solidFill>
+                  <a:schemeClr val="accent3"/>
+                </a:solidFill>
+                <a:latin typeface="Trebuchet MS" panose="020B0603020202020204" pitchFamily="34" charset="0"/>
+              </a:rPr>
+              <a:t>CONCLUSION / Q&amp;A</a:t>
+            </a:r>
+          </a:p>
+        </p:txBody>
+      </p:sp>
+      <p:cxnSp>
+        <p:nvCxnSpPr>
+          <p:cNvPr id="43" name="Straight Connector 36">
+            <a:extLst>
+              <a:ext uri="{FF2B5EF4-FFF2-40B4-BE49-F238E27FC236}">
+                <a16:creationId xmlns:a16="http://schemas.microsoft.com/office/drawing/2014/main" id="{7718A675-293C-49B9-8796-EB7B4B00B458}"/>
+              </a:ext>
+            </a:extLst>
+          </p:cNvPr>
+          <p:cNvCxnSpPr/>
+          <p:nvPr/>
+        </p:nvCxnSpPr>
+        <p:spPr>
+          <a:xfrm>
+            <a:off x="10081246" y="197450"/>
+            <a:ext cx="0" cy="216000"/>
+          </a:xfrm>
+          <a:prstGeom prst="line">
+            <a:avLst/>
+          </a:prstGeom>
+          <a:ln>
+            <a:solidFill>
+              <a:schemeClr val="bg1">
+                <a:lumMod val="75000"/>
+              </a:schemeClr>
+            </a:solidFill>
+          </a:ln>
+        </p:spPr>
+        <p:style>
+          <a:lnRef idx="1">
+            <a:schemeClr val="accent1"/>
+          </a:lnRef>
+          <a:fillRef idx="0">
+            <a:schemeClr val="accent1"/>
+          </a:fillRef>
+          <a:effectRef idx="0">
+            <a:schemeClr val="accent1"/>
+          </a:effectRef>
+          <a:fontRef idx="minor">
+            <a:schemeClr val="tx1"/>
+          </a:fontRef>
+        </p:style>
+      </p:cxnSp>
+      <p:cxnSp>
+        <p:nvCxnSpPr>
+          <p:cNvPr id="44" name="Straight Connector 23">
+            <a:extLst>
+              <a:ext uri="{FF2B5EF4-FFF2-40B4-BE49-F238E27FC236}">
+                <a16:creationId xmlns:a16="http://schemas.microsoft.com/office/drawing/2014/main" id="{BF677A9E-33AD-4749-AA81-4DFE76D51288}"/>
+              </a:ext>
+            </a:extLst>
+          </p:cNvPr>
+          <p:cNvCxnSpPr>
+            <a:cxnSpLocks/>
+          </p:cNvCxnSpPr>
+          <p:nvPr/>
+        </p:nvCxnSpPr>
+        <p:spPr>
+          <a:xfrm flipV="1">
+            <a:off x="7103948" y="540993"/>
+            <a:ext cx="5118532" cy="11708"/>
+          </a:xfrm>
+          <a:prstGeom prst="line">
+            <a:avLst/>
+          </a:prstGeom>
+          <a:ln w="12700">
+            <a:solidFill>
+              <a:schemeClr val="bg1"/>
+            </a:solidFill>
+          </a:ln>
+          <a:effectLst>
+            <a:outerShdw blurRad="50800" dist="38100" dir="2700000" algn="tl" rotWithShape="0">
+              <a:srgbClr val="000000">
+                <a:alpha val="40000"/>
+              </a:srgbClr>
+            </a:outerShdw>
+          </a:effectLst>
+        </p:spPr>
+        <p:style>
+          <a:lnRef idx="1">
+            <a:schemeClr val="accent1"/>
+          </a:lnRef>
+          <a:fillRef idx="0">
+            <a:schemeClr val="accent1"/>
+          </a:fillRef>
+          <a:effectRef idx="0">
+            <a:schemeClr val="accent1"/>
+          </a:effectRef>
+          <a:fontRef idx="minor">
+            <a:schemeClr val="tx1"/>
+          </a:fontRef>
+        </p:style>
+      </p:cxnSp>
+      <p:sp>
+        <p:nvSpPr>
+          <p:cNvPr id="11" name="Rectangle 10">
+            <a:extLst>
+              <a:ext uri="{FF2B5EF4-FFF2-40B4-BE49-F238E27FC236}">
+                <a16:creationId xmlns:a16="http://schemas.microsoft.com/office/drawing/2014/main" id="{615454BF-057F-46C8-BA4B-D747DDF7EC55}"/>
+              </a:ext>
+            </a:extLst>
+          </p:cNvPr>
+          <p:cNvSpPr/>
+          <p:nvPr/>
+        </p:nvSpPr>
+        <p:spPr>
+          <a:xfrm>
+            <a:off x="991025" y="4228681"/>
+            <a:ext cx="3060822" cy="1599362"/>
+          </a:xfrm>
+          <a:prstGeom prst="rect">
+            <a:avLst/>
+          </a:prstGeom>
+        </p:spPr>
+        <p:style>
+          <a:lnRef idx="2">
+            <a:schemeClr val="accent1">
+              <a:shade val="50000"/>
+            </a:schemeClr>
+          </a:lnRef>
+          <a:fillRef idx="1">
+            <a:schemeClr val="accent1"/>
+          </a:fillRef>
+          <a:effectRef idx="0">
+            <a:schemeClr val="accent1"/>
+          </a:effectRef>
+          <a:fontRef idx="minor">
+            <a:schemeClr val="lt1"/>
+          </a:fontRef>
+        </p:style>
+        <p:txBody>
+          <a:bodyPr rtlCol="0" anchor="ctr"/>
+          <a:lstStyle/>
+          <a:p>
+            <a:pPr algn="ctr"/>
+            <a:r>
+              <a:rPr lang="fr-FR" dirty="0" err="1"/>
+              <a:t>Procfile</a:t>
+            </a:r>
+            <a:r>
+              <a:rPr lang="fr-FR" dirty="0"/>
+              <a:t> : spécifie les commandes qui sont exécutées par l’application du démarrage</a:t>
+            </a:r>
+          </a:p>
+          <a:p>
+            <a:pPr algn="ctr"/>
+            <a:r>
+              <a:rPr lang="fr-FR" dirty="0"/>
+              <a:t>On lui passe : le process type (web), cela permet à </a:t>
+            </a:r>
+            <a:r>
+              <a:rPr lang="fr-FR" dirty="0" err="1"/>
+              <a:t>Heroku</a:t>
+            </a:r>
+            <a:r>
+              <a:rPr lang="fr-FR" dirty="0"/>
+              <a:t> de recevoir un lien HTTPS externe</a:t>
+            </a:r>
+          </a:p>
+          <a:p>
+            <a:pPr algn="ctr"/>
+            <a:endParaRPr lang="fr-FR" dirty="0"/>
+          </a:p>
+        </p:txBody>
+      </p:sp>
+      <p:sp>
+        <p:nvSpPr>
+          <p:cNvPr id="69" name="Rectangle 68">
+            <a:extLst>
+              <a:ext uri="{FF2B5EF4-FFF2-40B4-BE49-F238E27FC236}">
+                <a16:creationId xmlns:a16="http://schemas.microsoft.com/office/drawing/2014/main" id="{E85D374E-2FFE-4609-83C6-1078BF988C44}"/>
+              </a:ext>
+            </a:extLst>
+          </p:cNvPr>
+          <p:cNvSpPr/>
+          <p:nvPr/>
+        </p:nvSpPr>
+        <p:spPr>
+          <a:xfrm>
+            <a:off x="1033287" y="2074519"/>
+            <a:ext cx="3060822" cy="1599362"/>
+          </a:xfrm>
+          <a:prstGeom prst="rect">
+            <a:avLst/>
+          </a:prstGeom>
+        </p:spPr>
+        <p:style>
+          <a:lnRef idx="2">
+            <a:schemeClr val="accent1">
+              <a:shade val="50000"/>
+            </a:schemeClr>
+          </a:lnRef>
+          <a:fillRef idx="1">
+            <a:schemeClr val="accent1"/>
+          </a:fillRef>
+          <a:effectRef idx="0">
+            <a:schemeClr val="accent1"/>
+          </a:effectRef>
+          <a:fontRef idx="minor">
+            <a:schemeClr val="lt1"/>
+          </a:fontRef>
+        </p:style>
+        <p:txBody>
+          <a:bodyPr rtlCol="0" anchor="ctr"/>
+          <a:lstStyle/>
+          <a:p>
+            <a:pPr algn="ctr"/>
+            <a:r>
+              <a:rPr lang="fr-FR" dirty="0"/>
+              <a:t>App Flask</a:t>
+            </a:r>
+          </a:p>
+        </p:txBody>
+      </p:sp>
+      <p:sp>
+        <p:nvSpPr>
+          <p:cNvPr id="82" name="Rectangle 81">
+            <a:extLst>
+              <a:ext uri="{FF2B5EF4-FFF2-40B4-BE49-F238E27FC236}">
+                <a16:creationId xmlns:a16="http://schemas.microsoft.com/office/drawing/2014/main" id="{1DDDD97C-1073-4E38-B492-4172458836D6}"/>
+              </a:ext>
+            </a:extLst>
+          </p:cNvPr>
+          <p:cNvSpPr/>
+          <p:nvPr/>
+        </p:nvSpPr>
+        <p:spPr>
+          <a:xfrm>
+            <a:off x="4530058" y="2378791"/>
+            <a:ext cx="3060822" cy="1599362"/>
+          </a:xfrm>
+          <a:prstGeom prst="rect">
+            <a:avLst/>
+          </a:prstGeom>
+        </p:spPr>
+        <p:style>
+          <a:lnRef idx="2">
+            <a:schemeClr val="accent1">
+              <a:shade val="50000"/>
+            </a:schemeClr>
+          </a:lnRef>
+          <a:fillRef idx="1">
+            <a:schemeClr val="accent1"/>
+          </a:fillRef>
+          <a:effectRef idx="0">
+            <a:schemeClr val="accent1"/>
+          </a:effectRef>
+          <a:fontRef idx="minor">
+            <a:schemeClr val="lt1"/>
+          </a:fontRef>
+        </p:style>
+        <p:txBody>
+          <a:bodyPr rtlCol="0" anchor="ctr"/>
+          <a:lstStyle/>
+          <a:p>
+            <a:pPr algn="ctr"/>
+            <a:r>
+              <a:rPr lang="fr-FR" dirty="0"/>
+              <a:t>Dashboard</a:t>
+            </a:r>
+          </a:p>
+        </p:txBody>
+      </p:sp>
+      <p:sp>
+        <p:nvSpPr>
+          <p:cNvPr id="83" name="Rectangle 82">
+            <a:extLst>
+              <a:ext uri="{FF2B5EF4-FFF2-40B4-BE49-F238E27FC236}">
+                <a16:creationId xmlns:a16="http://schemas.microsoft.com/office/drawing/2014/main" id="{B790A87E-0DB0-41E8-95B1-92F989CD402A}"/>
+              </a:ext>
+            </a:extLst>
+          </p:cNvPr>
+          <p:cNvSpPr/>
+          <p:nvPr/>
+        </p:nvSpPr>
+        <p:spPr>
+          <a:xfrm>
+            <a:off x="8213990" y="1677450"/>
+            <a:ext cx="3060822" cy="1599362"/>
+          </a:xfrm>
+          <a:prstGeom prst="rect">
+            <a:avLst/>
+          </a:prstGeom>
+        </p:spPr>
+        <p:style>
+          <a:lnRef idx="2">
+            <a:schemeClr val="accent1">
+              <a:shade val="50000"/>
+            </a:schemeClr>
+          </a:lnRef>
+          <a:fillRef idx="1">
+            <a:schemeClr val="accent1"/>
+          </a:fillRef>
+          <a:effectRef idx="0">
+            <a:schemeClr val="accent1"/>
+          </a:effectRef>
+          <a:fontRef idx="minor">
+            <a:schemeClr val="lt1"/>
+          </a:fontRef>
+        </p:style>
+        <p:txBody>
+          <a:bodyPr rtlCol="0" anchor="ctr"/>
+          <a:lstStyle/>
+          <a:p>
+            <a:pPr algn="ctr"/>
+            <a:r>
+              <a:rPr lang="fr-FR" dirty="0" err="1"/>
+              <a:t>Requirements</a:t>
+            </a:r>
+            <a:endParaRPr lang="fr-FR" dirty="0"/>
+          </a:p>
+        </p:txBody>
+      </p:sp>
+      <p:sp>
+        <p:nvSpPr>
+          <p:cNvPr id="84" name="Rectangle 83">
+            <a:extLst>
+              <a:ext uri="{FF2B5EF4-FFF2-40B4-BE49-F238E27FC236}">
+                <a16:creationId xmlns:a16="http://schemas.microsoft.com/office/drawing/2014/main" id="{F39440AD-57A9-4D98-8376-751D161FA456}"/>
+              </a:ext>
+            </a:extLst>
+          </p:cNvPr>
+          <p:cNvSpPr/>
+          <p:nvPr/>
+        </p:nvSpPr>
+        <p:spPr>
+          <a:xfrm>
+            <a:off x="9902700" y="3429000"/>
+            <a:ext cx="3060822" cy="1599362"/>
+          </a:xfrm>
+          <a:prstGeom prst="rect">
+            <a:avLst/>
+          </a:prstGeom>
+        </p:spPr>
+        <p:style>
+          <a:lnRef idx="2">
+            <a:schemeClr val="accent1">
+              <a:shade val="50000"/>
+            </a:schemeClr>
+          </a:lnRef>
+          <a:fillRef idx="1">
+            <a:schemeClr val="accent1"/>
+          </a:fillRef>
+          <a:effectRef idx="0">
+            <a:schemeClr val="accent1"/>
+          </a:effectRef>
+          <a:fontRef idx="minor">
+            <a:schemeClr val="lt1"/>
+          </a:fontRef>
+        </p:style>
+        <p:txBody>
+          <a:bodyPr rtlCol="0" anchor="ctr"/>
+          <a:lstStyle/>
+          <a:p>
+            <a:pPr algn="ctr"/>
+            <a:r>
+              <a:rPr lang="fr-FR" dirty="0"/>
+              <a:t>Run local api sh</a:t>
+            </a:r>
+          </a:p>
+        </p:txBody>
+      </p:sp>
+      <p:sp>
+        <p:nvSpPr>
+          <p:cNvPr id="85" name="Rectangle 84">
+            <a:extLst>
+              <a:ext uri="{FF2B5EF4-FFF2-40B4-BE49-F238E27FC236}">
+                <a16:creationId xmlns:a16="http://schemas.microsoft.com/office/drawing/2014/main" id="{6B2BFC87-BFF7-4FD5-A25E-BC385255825E}"/>
+              </a:ext>
+            </a:extLst>
+          </p:cNvPr>
+          <p:cNvSpPr/>
+          <p:nvPr/>
+        </p:nvSpPr>
+        <p:spPr>
+          <a:xfrm>
+            <a:off x="9902700" y="4436508"/>
+            <a:ext cx="3060822" cy="1599362"/>
+          </a:xfrm>
+          <a:prstGeom prst="rect">
+            <a:avLst/>
+          </a:prstGeom>
+        </p:spPr>
+        <p:style>
+          <a:lnRef idx="2">
+            <a:schemeClr val="accent1">
+              <a:shade val="50000"/>
+            </a:schemeClr>
+          </a:lnRef>
+          <a:fillRef idx="1">
+            <a:schemeClr val="accent1"/>
+          </a:fillRef>
+          <a:effectRef idx="0">
+            <a:schemeClr val="accent1"/>
+          </a:effectRef>
+          <a:fontRef idx="minor">
+            <a:schemeClr val="lt1"/>
+          </a:fontRef>
+        </p:style>
+        <p:txBody>
+          <a:bodyPr rtlCol="0" anchor="ctr"/>
+          <a:lstStyle/>
+          <a:p>
+            <a:pPr algn="ctr"/>
+            <a:r>
+              <a:rPr lang="fr-FR" dirty="0"/>
+              <a:t>Start serveur.sh</a:t>
+            </a:r>
+          </a:p>
+        </p:txBody>
+      </p:sp>
+      <p:sp>
+        <p:nvSpPr>
+          <p:cNvPr id="86" name="Rectangle 85">
+            <a:extLst>
+              <a:ext uri="{FF2B5EF4-FFF2-40B4-BE49-F238E27FC236}">
+                <a16:creationId xmlns:a16="http://schemas.microsoft.com/office/drawing/2014/main" id="{40338B73-B72A-43A0-99CB-ACF1A9F83077}"/>
+              </a:ext>
+            </a:extLst>
+          </p:cNvPr>
+          <p:cNvSpPr/>
+          <p:nvPr/>
+        </p:nvSpPr>
+        <p:spPr>
+          <a:xfrm>
+            <a:off x="5175733" y="4332793"/>
+            <a:ext cx="3060822" cy="1599362"/>
+          </a:xfrm>
+          <a:prstGeom prst="rect">
+            <a:avLst/>
+          </a:prstGeom>
+        </p:spPr>
+        <p:style>
+          <a:lnRef idx="2">
+            <a:schemeClr val="accent1">
+              <a:shade val="50000"/>
+            </a:schemeClr>
+          </a:lnRef>
+          <a:fillRef idx="1">
+            <a:schemeClr val="accent1"/>
+          </a:fillRef>
+          <a:effectRef idx="0">
+            <a:schemeClr val="accent1"/>
+          </a:effectRef>
+          <a:fontRef idx="minor">
+            <a:schemeClr val="lt1"/>
+          </a:fontRef>
+        </p:style>
+        <p:txBody>
+          <a:bodyPr rtlCol="0" anchor="ctr"/>
+          <a:lstStyle/>
+          <a:p>
+            <a:pPr algn="ctr"/>
+            <a:r>
+              <a:rPr lang="fr-FR" dirty="0" err="1"/>
+              <a:t>wsgi</a:t>
+            </a:r>
+            <a:endParaRPr lang="fr-FR" dirty="0"/>
+          </a:p>
+        </p:txBody>
+      </p:sp>
+    </p:spTree>
+    <p:extLst>
+      <p:ext uri="{BB962C8B-B14F-4D97-AF65-F5344CB8AC3E}">
+        <p14:creationId xmlns:p14="http://schemas.microsoft.com/office/powerpoint/2010/main" val="870106149"/>
+      </p:ext>
+    </p:extLst>
+  </p:cSld>
+  <p:clrMapOvr>
+    <a:masterClrMapping/>
+  </p:clrMapOvr>
+</p:sld>
+</file>
+
+<file path=ppt/slides/slide18.xml><?xml version="1.0" encoding="utf-8"?>
+<p:sld xmlns:a="http://schemas.openxmlformats.org/drawingml/2006/main" xmlns:r="http://schemas.openxmlformats.org/officeDocument/2006/relationships" xmlns:p="http://schemas.openxmlformats.org/presentationml/2006/main">
+  <p:cSld>
+    <p:spTree>
+      <p:nvGrpSpPr>
+        <p:cNvPr id="1" name=""/>
+        <p:cNvGrpSpPr/>
+        <p:nvPr/>
+      </p:nvGrpSpPr>
+      <p:grpSpPr>
+        <a:xfrm>
+          <a:off x="0" y="0"/>
+          <a:ext cx="0" cy="0"/>
+          <a:chOff x="0" y="0"/>
+          <a:chExt cx="0" cy="0"/>
+        </a:xfrm>
+      </p:grpSpPr>
+      <p:grpSp>
+        <p:nvGrpSpPr>
+          <p:cNvPr id="30" name="Groupe 29">
+            <a:extLst>
+              <a:ext uri="{FF2B5EF4-FFF2-40B4-BE49-F238E27FC236}">
+                <a16:creationId xmlns:a16="http://schemas.microsoft.com/office/drawing/2014/main" id="{59BC9850-3059-4197-89D4-2CFAB90549F4}"/>
+              </a:ext>
+            </a:extLst>
+          </p:cNvPr>
+          <p:cNvGrpSpPr/>
+          <p:nvPr/>
+        </p:nvGrpSpPr>
+        <p:grpSpPr>
+          <a:xfrm>
+            <a:off x="11274812" y="6548470"/>
+            <a:ext cx="912993" cy="305335"/>
+            <a:chOff x="11274812" y="6548470"/>
+            <a:chExt cx="912993" cy="305335"/>
+          </a:xfrm>
+        </p:grpSpPr>
+        <p:sp>
+          <p:nvSpPr>
+            <p:cNvPr id="31" name="Rectangle 30">
+              <a:extLst>
+                <a:ext uri="{FF2B5EF4-FFF2-40B4-BE49-F238E27FC236}">
+                  <a16:creationId xmlns:a16="http://schemas.microsoft.com/office/drawing/2014/main" id="{AEF1AEA9-D638-41F3-AA23-74E14CCF2900}"/>
+                </a:ext>
+              </a:extLst>
+            </p:cNvPr>
+            <p:cNvSpPr/>
+            <p:nvPr/>
+          </p:nvSpPr>
+          <p:spPr>
+            <a:xfrm>
+              <a:off x="11278998" y="6597836"/>
+              <a:ext cx="908807" cy="255969"/>
+            </a:xfrm>
+            <a:prstGeom prst="rect">
+              <a:avLst/>
+            </a:prstGeom>
+            <a:solidFill>
+              <a:srgbClr val="2A0068"/>
+            </a:solidFill>
+            <a:ln>
+              <a:solidFill>
+                <a:srgbClr val="2A0068"/>
+              </a:solidFill>
+            </a:ln>
+          </p:spPr>
+          <p:style>
+            <a:lnRef idx="2">
+              <a:schemeClr val="accent1">
+                <a:shade val="50000"/>
+              </a:schemeClr>
+            </a:lnRef>
+            <a:fillRef idx="1">
+              <a:schemeClr val="accent1"/>
+            </a:fillRef>
+            <a:effectRef idx="0">
+              <a:schemeClr val="accent1"/>
+            </a:effectRef>
+            <a:fontRef idx="minor">
+              <a:schemeClr val="lt1"/>
+            </a:fontRef>
+          </p:style>
+          <p:txBody>
+            <a:bodyPr rtlCol="0" anchor="ctr"/>
+            <a:lstStyle/>
+            <a:p>
+              <a:pPr algn="ctr"/>
+              <a:endParaRPr lang="fr-FR" dirty="0"/>
+            </a:p>
+          </p:txBody>
+        </p:sp>
+        <p:sp>
+          <p:nvSpPr>
+            <p:cNvPr id="32" name="Espace réservé du numéro de diapositive 3">
+              <a:extLst>
+                <a:ext uri="{FF2B5EF4-FFF2-40B4-BE49-F238E27FC236}">
+                  <a16:creationId xmlns:a16="http://schemas.microsoft.com/office/drawing/2014/main" id="{62A0FAC1-C455-41C2-9D82-004C66A15279}"/>
+                </a:ext>
+              </a:extLst>
+            </p:cNvPr>
+            <p:cNvSpPr txBox="1">
+              <a:spLocks/>
+            </p:cNvSpPr>
+            <p:nvPr/>
+          </p:nvSpPr>
+          <p:spPr>
+            <a:xfrm>
+              <a:off x="11341920" y="6642995"/>
+              <a:ext cx="778777" cy="179917"/>
+            </a:xfrm>
+            <a:prstGeom prst="rect">
+              <a:avLst/>
+            </a:prstGeom>
+          </p:spPr>
+          <p:txBody>
+            <a:bodyPr vert="horz" lIns="91440" tIns="45720" rIns="91440" bIns="45720" rtlCol="0" anchor="ctr"/>
+            <a:lstStyle>
+              <a:defPPr>
+                <a:defRPr lang="fr-FR"/>
+              </a:defPPr>
+              <a:lvl1pPr marL="0" algn="r" defTabSz="914400" rtl="0" eaLnBrk="1" latinLnBrk="0" hangingPunct="1">
+                <a:defRPr sz="1200" kern="1200">
+                  <a:solidFill>
+                    <a:schemeClr val="tx1">
+                      <a:tint val="75000"/>
+                    </a:schemeClr>
+                  </a:solidFill>
+                  <a:latin typeface="+mn-lt"/>
+                  <a:ea typeface="+mn-ea"/>
+                  <a:cs typeface="+mn-cs"/>
+                </a:defRPr>
+              </a:lvl1pPr>
+              <a:lvl2pPr marL="457200" algn="l" defTabSz="914400" rtl="0" eaLnBrk="1" latinLnBrk="0" hangingPunct="1">
+                <a:defRPr sz="1800" kern="1200">
+                  <a:solidFill>
+                    <a:schemeClr val="tx1"/>
+                  </a:solidFill>
+                  <a:latin typeface="+mn-lt"/>
+                  <a:ea typeface="+mn-ea"/>
+                  <a:cs typeface="+mn-cs"/>
+                </a:defRPr>
+              </a:lvl2pPr>
+              <a:lvl3pPr marL="914400" algn="l" defTabSz="914400" rtl="0" eaLnBrk="1" latinLnBrk="0" hangingPunct="1">
+                <a:defRPr sz="1800" kern="1200">
+                  <a:solidFill>
+                    <a:schemeClr val="tx1"/>
+                  </a:solidFill>
+                  <a:latin typeface="+mn-lt"/>
+                  <a:ea typeface="+mn-ea"/>
+                  <a:cs typeface="+mn-cs"/>
+                </a:defRPr>
+              </a:lvl3pPr>
+              <a:lvl4pPr marL="1371600" algn="l" defTabSz="914400" rtl="0" eaLnBrk="1" latinLnBrk="0" hangingPunct="1">
+                <a:defRPr sz="1800" kern="1200">
+                  <a:solidFill>
+                    <a:schemeClr val="tx1"/>
+                  </a:solidFill>
+                  <a:latin typeface="+mn-lt"/>
+                  <a:ea typeface="+mn-ea"/>
+                  <a:cs typeface="+mn-cs"/>
+                </a:defRPr>
+              </a:lvl4pPr>
+              <a:lvl5pPr marL="1828800" algn="l" defTabSz="914400" rtl="0" eaLnBrk="1" latinLnBrk="0" hangingPunct="1">
+                <a:defRPr sz="1800" kern="1200">
+                  <a:solidFill>
+                    <a:schemeClr val="tx1"/>
+                  </a:solidFill>
+                  <a:latin typeface="+mn-lt"/>
+                  <a:ea typeface="+mn-ea"/>
+                  <a:cs typeface="+mn-cs"/>
+                </a:defRPr>
+              </a:lvl5pPr>
+              <a:lvl6pPr marL="2286000" algn="l" defTabSz="914400" rtl="0" eaLnBrk="1" latinLnBrk="0" hangingPunct="1">
+                <a:defRPr sz="1800" kern="1200">
+                  <a:solidFill>
+                    <a:schemeClr val="tx1"/>
+                  </a:solidFill>
+                  <a:latin typeface="+mn-lt"/>
+                  <a:ea typeface="+mn-ea"/>
+                  <a:cs typeface="+mn-cs"/>
+                </a:defRPr>
+              </a:lvl6pPr>
+              <a:lvl7pPr marL="2743200" algn="l" defTabSz="914400" rtl="0" eaLnBrk="1" latinLnBrk="0" hangingPunct="1">
+                <a:defRPr sz="1800" kern="1200">
+                  <a:solidFill>
+                    <a:schemeClr val="tx1"/>
+                  </a:solidFill>
+                  <a:latin typeface="+mn-lt"/>
+                  <a:ea typeface="+mn-ea"/>
+                  <a:cs typeface="+mn-cs"/>
+                </a:defRPr>
+              </a:lvl7pPr>
+              <a:lvl8pPr marL="3200400" algn="l" defTabSz="914400" rtl="0" eaLnBrk="1" latinLnBrk="0" hangingPunct="1">
+                <a:defRPr sz="1800" kern="1200">
+                  <a:solidFill>
+                    <a:schemeClr val="tx1"/>
+                  </a:solidFill>
+                  <a:latin typeface="+mn-lt"/>
+                  <a:ea typeface="+mn-ea"/>
+                  <a:cs typeface="+mn-cs"/>
+                </a:defRPr>
+              </a:lvl8pPr>
+              <a:lvl9pPr marL="3657600" algn="l" defTabSz="914400" rtl="0" eaLnBrk="1" latinLnBrk="0" hangingPunct="1">
+                <a:defRPr sz="1800" kern="1200">
+                  <a:solidFill>
+                    <a:schemeClr val="tx1"/>
+                  </a:solidFill>
+                  <a:latin typeface="+mn-lt"/>
+                  <a:ea typeface="+mn-ea"/>
+                  <a:cs typeface="+mn-cs"/>
+                </a:defRPr>
+              </a:lvl9pPr>
+            </a:lstStyle>
+            <a:p>
+              <a:pPr>
+                <a:defRPr/>
+              </a:pPr>
+              <a:r>
+                <a:rPr lang="fr-FR" sz="800" dirty="0">
+                  <a:solidFill>
+                    <a:schemeClr val="bg1"/>
+                  </a:solidFill>
+                  <a:latin typeface="Baloo" panose="03080902040302020200" pitchFamily="66" charset="0"/>
+                  <a:cs typeface="Baloo" panose="03080902040302020200" pitchFamily="66" charset="0"/>
+                </a:rPr>
+                <a:t>PAGE </a:t>
+              </a:r>
+              <a:fld id="{111E0755-5AAA-45F3-A07E-A05D57A9C10E}" type="slidenum">
+                <a:rPr lang="fr-FR" sz="800" smtClean="0">
+                  <a:solidFill>
+                    <a:schemeClr val="bg1"/>
+                  </a:solidFill>
+                  <a:latin typeface="Baloo" panose="03080902040302020200" pitchFamily="66" charset="0"/>
+                  <a:cs typeface="Baloo" panose="03080902040302020200" pitchFamily="66" charset="0"/>
+                </a:rPr>
+                <a:pPr>
+                  <a:defRPr/>
+                </a:pPr>
+                <a:t>18</a:t>
               </a:fld>
               <a:endParaRPr lang="fr-FR" sz="800" dirty="0">
                 <a:solidFill>
@@ -22501,7 +23968,7 @@
           <a:graphicData uri="http://schemas.openxmlformats.org/presentationml/2006/ole">
             <mc:AlternateContent xmlns:mc="http://schemas.openxmlformats.org/markup-compatibility/2006">
               <mc:Choice xmlns:v="urn:schemas-microsoft-com:vml" Requires="v">
-                <p:oleObj spid="_x0000_s2088" name="Diapositive think-cell" r:id="rId4" imgW="415" imgH="416" progId="TCLayout.ActiveDocument.1">
+                <p:oleObj spid="_x0000_s2090" name="Diapositive think-cell" r:id="rId4" imgW="415" imgH="416" progId="TCLayout.ActiveDocument.1">
                   <p:embed/>
                 </p:oleObj>
               </mc:Choice>
@@ -24597,7 +26064,7 @@
           <a:graphicData uri="http://schemas.openxmlformats.org/presentationml/2006/ole">
             <mc:AlternateContent xmlns:mc="http://schemas.openxmlformats.org/markup-compatibility/2006">
               <mc:Choice xmlns:v="urn:schemas-microsoft-com:vml" Requires="v">
-                <p:oleObj spid="_x0000_s29722" name="Diapositive think-cell" r:id="rId4" imgW="415" imgH="416" progId="TCLayout.ActiveDocument.1">
+                <p:oleObj spid="_x0000_s29724" name="Diapositive think-cell" r:id="rId4" imgW="415" imgH="416" progId="TCLayout.ActiveDocument.1">
                   <p:embed/>
                 </p:oleObj>
               </mc:Choice>
@@ -25875,7 +27342,7 @@
           <a:graphicData uri="http://schemas.openxmlformats.org/presentationml/2006/ole">
             <mc:AlternateContent xmlns:mc="http://schemas.openxmlformats.org/markup-compatibility/2006">
               <mc:Choice xmlns:v="urn:schemas-microsoft-com:vml" Requires="v">
-                <p:oleObj spid="_x0000_s30745" name="Diapositive think-cell" r:id="rId4" imgW="415" imgH="416" progId="TCLayout.ActiveDocument.1">
+                <p:oleObj spid="_x0000_s30747" name="Diapositive think-cell" r:id="rId4" imgW="415" imgH="416" progId="TCLayout.ActiveDocument.1">
                   <p:embed/>
                 </p:oleObj>
               </mc:Choice>
@@ -28128,7 +29595,7 @@
           <a:graphicData uri="http://schemas.openxmlformats.org/presentationml/2006/ole">
             <mc:AlternateContent xmlns:mc="http://schemas.openxmlformats.org/markup-compatibility/2006">
               <mc:Choice xmlns:v="urn:schemas-microsoft-com:vml" Requires="v">
-                <p:oleObj spid="_x0000_s31769" name="Diapositive think-cell" r:id="rId4" imgW="415" imgH="416" progId="TCLayout.ActiveDocument.1">
+                <p:oleObj spid="_x0000_s31771" name="Diapositive think-cell" r:id="rId4" imgW="415" imgH="416" progId="TCLayout.ActiveDocument.1">
                   <p:embed/>
                 </p:oleObj>
               </mc:Choice>
@@ -29974,7 +31441,7 @@
           <a:graphicData uri="http://schemas.openxmlformats.org/presentationml/2006/ole">
             <mc:AlternateContent xmlns:mc="http://schemas.openxmlformats.org/markup-compatibility/2006">
               <mc:Choice xmlns:v="urn:schemas-microsoft-com:vml" Requires="v">
-                <p:oleObj spid="_x0000_s32796" name="Diapositive think-cell" r:id="rId4" imgW="415" imgH="416" progId="TCLayout.ActiveDocument.1">
+                <p:oleObj spid="_x0000_s32798" name="Diapositive think-cell" r:id="rId4" imgW="415" imgH="416" progId="TCLayout.ActiveDocument.1">
                   <p:embed/>
                 </p:oleObj>
               </mc:Choice>
@@ -32567,6 +34034,12 @@
 </file>
 
 <file path=ppt/tags/tag12.xml><?xml version="1.0" encoding="utf-8"?>
+<p:tagLst xmlns:a="http://schemas.openxmlformats.org/drawingml/2006/main" xmlns:r="http://schemas.openxmlformats.org/officeDocument/2006/relationships" xmlns:p="http://schemas.openxmlformats.org/presentationml/2006/main">
+  <p:tag name="THINKCELLSHAPEDONOTDELETE" val="thinkcellActiveDocDoNotDelete"/>
+</p:tagLst>
+</file>
+
+<file path=ppt/tags/tag13.xml><?xml version="1.0" encoding="utf-8"?>
 <p:tagLst xmlns:a="http://schemas.openxmlformats.org/drawingml/2006/main" xmlns:r="http://schemas.openxmlformats.org/officeDocument/2006/relationships" xmlns:p="http://schemas.openxmlformats.org/presentationml/2006/main">
   <p:tag name="THINKCELLSHAPEDONOTDELETE" val="thinkcellActiveDocDoNotDelete"/>
 </p:tagLst>
@@ -32916,12 +34389,6 @@
 </file>
 
 <file path=customXml/item1.xml><?xml version="1.0" encoding="utf-8"?>
-<p:properties xmlns:p="http://schemas.microsoft.com/office/2006/metadata/properties" xmlns:xsi="http://www.w3.org/2001/XMLSchema-instance" xmlns:pc="http://schemas.microsoft.com/office/infopath/2007/PartnerControls">
-  <documentManagement/>
-</p:properties>
-</file>
-
-<file path=customXml/item2.xml><?xml version="1.0" encoding="utf-8"?>
 <ct:contentTypeSchema xmlns:ct="http://schemas.microsoft.com/office/2006/metadata/contentType" xmlns:ma="http://schemas.microsoft.com/office/2006/metadata/properties/metaAttributes" ct:_="" ma:_="" ma:contentTypeName="Document" ma:contentTypeID="0x010100E08B85ABE125AF409A86B73326EFFAE5" ma:contentTypeVersion="13" ma:contentTypeDescription="Crée un document." ma:contentTypeScope="" ma:versionID="cfa2b84814ad0d4dc5902a099d18eada">
   <xsd:schema xmlns:xsd="http://www.w3.org/2001/XMLSchema" xmlns:xs="http://www.w3.org/2001/XMLSchema" xmlns:p="http://schemas.microsoft.com/office/2006/metadata/properties" xmlns:ns3="21c16e65-816f-4847-be88-731645291b21" xmlns:ns4="67c7d727-27e8-4526-a2a7-f89ba01a3409" targetNamespace="http://schemas.microsoft.com/office/2006/metadata/properties" ma:root="true" ma:fieldsID="1941e2dd5eb9c4a46146aa2eaafc37a7" ns3:_="" ns4:_="">
     <xsd:import namespace="21c16e65-816f-4847-be88-731645291b21"/>
@@ -33144,6 +34611,12 @@
 </ct:contentTypeSchema>
 </file>
 
+<file path=customXml/item2.xml><?xml version="1.0" encoding="utf-8"?>
+<p:properties xmlns:p="http://schemas.microsoft.com/office/2006/metadata/properties" xmlns:xsi="http://www.w3.org/2001/XMLSchema-instance" xmlns:pc="http://schemas.microsoft.com/office/infopath/2007/PartnerControls">
+  <documentManagement/>
+</p:properties>
+</file>
+
 <file path=customXml/item3.xml><?xml version="1.0" encoding="utf-8"?>
 <?mso-contentType ?>
 <FormTemplates xmlns="http://schemas.microsoft.com/sharepoint/v3/contenttype/forms">
@@ -33154,23 +34627,6 @@
 </file>
 
 <file path=customXml/itemProps1.xml><?xml version="1.0" encoding="utf-8"?>
-<ds:datastoreItem xmlns:ds="http://schemas.openxmlformats.org/officeDocument/2006/customXml" ds:itemID="{6DCF7537-AB6C-4566-9821-DCC4778AF944}">
-  <ds:schemaRefs>
-    <ds:schemaRef ds:uri="http://schemas.microsoft.com/office/2006/documentManagement/types"/>
-    <ds:schemaRef ds:uri="http://www.w3.org/XML/1998/namespace"/>
-    <ds:schemaRef ds:uri="http://purl.org/dc/dcmitype/"/>
-    <ds:schemaRef ds:uri="http://purl.org/dc/terms/"/>
-    <ds:schemaRef ds:uri="21c16e65-816f-4847-be88-731645291b21"/>
-    <ds:schemaRef ds:uri="http://purl.org/dc/elements/1.1/"/>
-    <ds:schemaRef ds:uri="http://schemas.microsoft.com/office/infopath/2007/PartnerControls"/>
-    <ds:schemaRef ds:uri="http://schemas.openxmlformats.org/package/2006/metadata/core-properties"/>
-    <ds:schemaRef ds:uri="67c7d727-27e8-4526-a2a7-f89ba01a3409"/>
-    <ds:schemaRef ds:uri="http://schemas.microsoft.com/office/2006/metadata/properties"/>
-  </ds:schemaRefs>
-</ds:datastoreItem>
-</file>
-
-<file path=customXml/itemProps2.xml><?xml version="1.0" encoding="utf-8"?>
 <ds:datastoreItem xmlns:ds="http://schemas.openxmlformats.org/officeDocument/2006/customXml" ds:itemID="{F4E0BA49-AB2A-4044-9F15-987E41C6A1BE}">
   <ds:schemaRefs>
     <ds:schemaRef ds:uri="http://schemas.microsoft.com/office/2006/metadata/contentType"/>
@@ -33189,6 +34645,23 @@
 </ds:datastoreItem>
 </file>
 
+<file path=customXml/itemProps2.xml><?xml version="1.0" encoding="utf-8"?>
+<ds:datastoreItem xmlns:ds="http://schemas.openxmlformats.org/officeDocument/2006/customXml" ds:itemID="{6DCF7537-AB6C-4566-9821-DCC4778AF944}">
+  <ds:schemaRefs>
+    <ds:schemaRef ds:uri="http://schemas.microsoft.com/office/2006/documentManagement/types"/>
+    <ds:schemaRef ds:uri="http://www.w3.org/XML/1998/namespace"/>
+    <ds:schemaRef ds:uri="http://purl.org/dc/dcmitype/"/>
+    <ds:schemaRef ds:uri="http://purl.org/dc/terms/"/>
+    <ds:schemaRef ds:uri="21c16e65-816f-4847-be88-731645291b21"/>
+    <ds:schemaRef ds:uri="http://purl.org/dc/elements/1.1/"/>
+    <ds:schemaRef ds:uri="http://schemas.microsoft.com/office/infopath/2007/PartnerControls"/>
+    <ds:schemaRef ds:uri="http://schemas.openxmlformats.org/package/2006/metadata/core-properties"/>
+    <ds:schemaRef ds:uri="67c7d727-27e8-4526-a2a7-f89ba01a3409"/>
+    <ds:schemaRef ds:uri="http://schemas.microsoft.com/office/2006/metadata/properties"/>
+  </ds:schemaRefs>
+</ds:datastoreItem>
+</file>
+
 <file path=customXml/itemProps3.xml><?xml version="1.0" encoding="utf-8"?>
 <ds:datastoreItem xmlns:ds="http://schemas.openxmlformats.org/officeDocument/2006/customXml" ds:itemID="{F8B2D13A-B571-47A0-B384-30EF6393E3B0}">
   <ds:schemaRefs>

--- a/evaluation/P7_Presentation.pptx
+++ b/evaluation/P7_Presentation.pptx
@@ -22,12 +22,13 @@
     <p:sldId id="379" r:id="rId19"/>
     <p:sldId id="381" r:id="rId20"/>
     <p:sldId id="382" r:id="rId21"/>
-    <p:sldId id="312" r:id="rId22"/>
+    <p:sldId id="383" r:id="rId22"/>
+    <p:sldId id="312" r:id="rId23"/>
   </p:sldIdLst>
   <p:sldSz cx="12192000" cy="6858000"/>
   <p:notesSz cx="6858000" cy="9144000"/>
   <p:custDataLst>
-    <p:tags r:id="rId23"/>
+    <p:tags r:id="rId24"/>
   </p:custDataLst>
   <p:defaultTextStyle>
     <a:defPPr>
@@ -5936,7 +5937,7 @@
           <a:graphicData uri="http://schemas.openxmlformats.org/presentationml/2006/ole">
             <mc:AlternateContent xmlns:mc="http://schemas.openxmlformats.org/markup-compatibility/2006">
               <mc:Choice xmlns:v="urn:schemas-microsoft-com:vml" Requires="v">
-                <p:oleObj spid="_x0000_s1056" name="Diapositive think-cell" r:id="rId15" imgW="415" imgH="416" progId="TCLayout.ActiveDocument.1">
+                <p:oleObj spid="_x0000_s1057" name="Diapositive think-cell" r:id="rId15" imgW="415" imgH="416" progId="TCLayout.ActiveDocument.1">
                   <p:embed/>
                 </p:oleObj>
               </mc:Choice>
@@ -7218,7 +7219,7 @@
           <a:graphicData uri="http://schemas.openxmlformats.org/presentationml/2006/ole">
             <mc:AlternateContent xmlns:mc="http://schemas.openxmlformats.org/markup-compatibility/2006">
               <mc:Choice xmlns:v="urn:schemas-microsoft-com:vml" Requires="v">
-                <p:oleObj spid="_x0000_s33829" name="Diapositive think-cell" r:id="rId4" imgW="415" imgH="416" progId="TCLayout.ActiveDocument.1">
+                <p:oleObj spid="_x0000_s33830" name="Diapositive think-cell" r:id="rId4" imgW="415" imgH="416" progId="TCLayout.ActiveDocument.1">
                   <p:embed/>
                 </p:oleObj>
               </mc:Choice>
@@ -10226,7 +10227,7 @@
           <a:graphicData uri="http://schemas.openxmlformats.org/presentationml/2006/ole">
             <mc:AlternateContent xmlns:mc="http://schemas.openxmlformats.org/markup-compatibility/2006">
               <mc:Choice xmlns:v="urn:schemas-microsoft-com:vml" Requires="v">
-                <p:oleObj spid="_x0000_s34840" name="Diapositive think-cell" r:id="rId4" imgW="415" imgH="416" progId="TCLayout.ActiveDocument.1">
+                <p:oleObj spid="_x0000_s34841" name="Diapositive think-cell" r:id="rId4" imgW="415" imgH="416" progId="TCLayout.ActiveDocument.1">
                   <p:embed/>
                 </p:oleObj>
               </mc:Choice>
@@ -12691,7 +12692,7 @@
           <a:graphicData uri="http://schemas.openxmlformats.org/presentationml/2006/ole">
             <mc:AlternateContent xmlns:mc="http://schemas.openxmlformats.org/markup-compatibility/2006">
               <mc:Choice xmlns:v="urn:schemas-microsoft-com:vml" Requires="v">
-                <p:oleObj spid="_x0000_s36886" name="Diapositive think-cell" r:id="rId4" imgW="415" imgH="416" progId="TCLayout.ActiveDocument.1">
+                <p:oleObj spid="_x0000_s36887" name="Diapositive think-cell" r:id="rId4" imgW="415" imgH="416" progId="TCLayout.ActiveDocument.1">
                   <p:embed/>
                 </p:oleObj>
               </mc:Choice>
@@ -14911,7 +14912,7 @@
           <a:graphicData uri="http://schemas.openxmlformats.org/presentationml/2006/ole">
             <mc:AlternateContent xmlns:mc="http://schemas.openxmlformats.org/markup-compatibility/2006">
               <mc:Choice xmlns:v="urn:schemas-microsoft-com:vml" Requires="v">
-                <p:oleObj spid="_x0000_s35862" name="Diapositive think-cell" r:id="rId4" imgW="415" imgH="416" progId="TCLayout.ActiveDocument.1">
+                <p:oleObj spid="_x0000_s35863" name="Diapositive think-cell" r:id="rId4" imgW="415" imgH="416" progId="TCLayout.ActiveDocument.1">
                   <p:embed/>
                 </p:oleObj>
               </mc:Choice>
@@ -16169,7 +16170,7 @@
           <a:graphicData uri="http://schemas.openxmlformats.org/presentationml/2006/ole">
             <mc:AlternateContent xmlns:mc="http://schemas.openxmlformats.org/markup-compatibility/2006">
               <mc:Choice xmlns:v="urn:schemas-microsoft-com:vml" Requires="v">
-                <p:oleObj spid="_x0000_s37908" name="Diapositive think-cell" r:id="rId4" imgW="415" imgH="416" progId="TCLayout.ActiveDocument.1">
+                <p:oleObj spid="_x0000_s37909" name="Diapositive think-cell" r:id="rId4" imgW="415" imgH="416" progId="TCLayout.ActiveDocument.1">
                   <p:embed/>
                 </p:oleObj>
               </mc:Choice>
@@ -19496,7 +19497,7 @@
           <a:graphicData uri="http://schemas.openxmlformats.org/presentationml/2006/ole">
             <mc:AlternateContent xmlns:mc="http://schemas.openxmlformats.org/markup-compatibility/2006">
               <mc:Choice xmlns:v="urn:schemas-microsoft-com:vml" Requires="v">
-                <p:oleObj spid="_x0000_s38915" name="Diapositive think-cell" r:id="rId4" imgW="415" imgH="416" progId="TCLayout.ActiveDocument.1">
+                <p:oleObj spid="_x0000_s38916" name="Diapositive think-cell" r:id="rId4" imgW="415" imgH="416" progId="TCLayout.ActiveDocument.1">
                   <p:embed/>
                 </p:oleObj>
               </mc:Choice>
@@ -20936,6 +20937,203 @@
           <a:chExt cx="0" cy="0"/>
         </a:xfrm>
       </p:grpSpPr>
+      <p:sp>
+        <p:nvSpPr>
+          <p:cNvPr id="2" name="Rectangle 1">
+            <a:extLst>
+              <a:ext uri="{FF2B5EF4-FFF2-40B4-BE49-F238E27FC236}">
+                <a16:creationId xmlns:a16="http://schemas.microsoft.com/office/drawing/2014/main" id="{FFF9461E-AD48-4955-8AE0-151C8DE74575}"/>
+              </a:ext>
+            </a:extLst>
+          </p:cNvPr>
+          <p:cNvSpPr/>
+          <p:nvPr/>
+        </p:nvSpPr>
+        <p:spPr>
+          <a:xfrm>
+            <a:off x="464326" y="855318"/>
+            <a:ext cx="5977114" cy="4631082"/>
+          </a:xfrm>
+          <a:prstGeom prst="rect">
+            <a:avLst/>
+          </a:prstGeom>
+        </p:spPr>
+        <p:style>
+          <a:lnRef idx="2">
+            <a:schemeClr val="accent1">
+              <a:shade val="50000"/>
+            </a:schemeClr>
+          </a:lnRef>
+          <a:fillRef idx="1">
+            <a:schemeClr val="accent1"/>
+          </a:fillRef>
+          <a:effectRef idx="0">
+            <a:schemeClr val="accent1"/>
+          </a:effectRef>
+          <a:fontRef idx="minor">
+            <a:schemeClr val="lt1"/>
+          </a:fontRef>
+        </p:style>
+        <p:txBody>
+          <a:bodyPr rtlCol="0" anchor="ctr"/>
+          <a:lstStyle/>
+          <a:p>
+            <a:pPr algn="ctr"/>
+            <a:r>
+              <a:rPr lang="fr-FR" dirty="0"/>
+              <a:t>Créer un indicateur + rajouter dans le dashboard</a:t>
+            </a:r>
+          </a:p>
+          <a:p>
+            <a:pPr marL="285750" indent="-285750" algn="ctr">
+              <a:buFontTx/>
+              <a:buChar char="-"/>
+            </a:pPr>
+            <a:r>
+              <a:rPr lang="fr-FR" dirty="0"/>
+              <a:t>Proba client, à partir de ça on peut se dire qu’un crédit réussi à 3% de 3000 euros</a:t>
+            </a:r>
+          </a:p>
+          <a:p>
+            <a:pPr marL="285750" indent="-285750" algn="ctr">
+              <a:buFontTx/>
+              <a:buChar char="-"/>
+            </a:pPr>
+            <a:r>
+              <a:rPr lang="fr-FR" dirty="0"/>
+              <a:t>Un crédit qui </a:t>
+            </a:r>
+            <a:r>
+              <a:rPr lang="fr-FR" dirty="0" err="1"/>
+              <a:t>faile</a:t>
+            </a:r>
+            <a:endParaRPr lang="fr-FR" dirty="0"/>
+          </a:p>
+          <a:p>
+            <a:pPr marL="285750" indent="-285750" algn="ctr">
+              <a:buFontTx/>
+              <a:buChar char="-"/>
+            </a:pPr>
+            <a:r>
+              <a:rPr lang="fr-FR" dirty="0"/>
+              <a:t>Qu’est-ce qu’il se passe si je rejette un client par erreur</a:t>
+            </a:r>
+          </a:p>
+          <a:p>
+            <a:pPr marL="285750" indent="-285750" algn="ctr">
+              <a:buFontTx/>
+              <a:buChar char="-"/>
+            </a:pPr>
+            <a:r>
+              <a:rPr lang="fr-FR" dirty="0"/>
+              <a:t>Cout d’un crédit accepté qui va faire défaut, crédit non accepté qui ne va pas faire défaut</a:t>
+            </a:r>
+          </a:p>
+          <a:p>
+            <a:pPr marL="285750" indent="-285750" algn="ctr">
+              <a:buFontTx/>
+              <a:buChar char="-"/>
+            </a:pPr>
+            <a:r>
+              <a:rPr lang="fr-FR" dirty="0"/>
+              <a:t>Ou le mettre dans le dashboard aussi</a:t>
+            </a:r>
+          </a:p>
+          <a:p>
+            <a:pPr marL="285750" indent="-285750" algn="ctr">
+              <a:buFontTx/>
+              <a:buChar char="-"/>
+            </a:pPr>
+            <a:endParaRPr lang="fr-FR" dirty="0"/>
+          </a:p>
+          <a:p>
+            <a:pPr marL="285750" indent="-285750" algn="ctr">
+              <a:buFontTx/>
+              <a:buChar char="-"/>
+            </a:pPr>
+            <a:r>
+              <a:rPr lang="fr-FR" dirty="0"/>
+              <a:t>Base du crédit et son gain marginal, à partir de ça on sait combien on va gagner/perdre (taux x crédit ce qu’on gagne, le crédit pour ce qu’on perd)</a:t>
+            </a:r>
+          </a:p>
+        </p:txBody>
+      </p:sp>
+      <p:sp>
+        <p:nvSpPr>
+          <p:cNvPr id="3" name="Rectangle 2">
+            <a:extLst>
+              <a:ext uri="{FF2B5EF4-FFF2-40B4-BE49-F238E27FC236}">
+                <a16:creationId xmlns:a16="http://schemas.microsoft.com/office/drawing/2014/main" id="{D1448580-324C-4F83-A752-0961C6BE2DD1}"/>
+              </a:ext>
+            </a:extLst>
+          </p:cNvPr>
+          <p:cNvSpPr/>
+          <p:nvPr/>
+        </p:nvSpPr>
+        <p:spPr>
+          <a:xfrm>
+            <a:off x="7183120" y="1113459"/>
+            <a:ext cx="3870960" cy="4631082"/>
+          </a:xfrm>
+          <a:prstGeom prst="rect">
+            <a:avLst/>
+          </a:prstGeom>
+        </p:spPr>
+        <p:style>
+          <a:lnRef idx="2">
+            <a:schemeClr val="accent1">
+              <a:shade val="50000"/>
+            </a:schemeClr>
+          </a:lnRef>
+          <a:fillRef idx="1">
+            <a:schemeClr val="accent1"/>
+          </a:fillRef>
+          <a:effectRef idx="0">
+            <a:schemeClr val="accent1"/>
+          </a:effectRef>
+          <a:fontRef idx="minor">
+            <a:schemeClr val="lt1"/>
+          </a:fontRef>
+        </p:style>
+        <p:txBody>
+          <a:bodyPr rtlCol="0" anchor="ctr"/>
+          <a:lstStyle/>
+          <a:p>
+            <a:pPr algn="ctr"/>
+            <a:endParaRPr lang="fr-FR" dirty="0"/>
+          </a:p>
+        </p:txBody>
+      </p:sp>
+    </p:spTree>
+    <p:extLst>
+      <p:ext uri="{BB962C8B-B14F-4D97-AF65-F5344CB8AC3E}">
+        <p14:creationId xmlns:p14="http://schemas.microsoft.com/office/powerpoint/2010/main" val="2101634479"/>
+      </p:ext>
+    </p:extLst>
+  </p:cSld>
+  <p:clrMapOvr>
+    <a:masterClrMapping/>
+  </p:clrMapOvr>
+</p:sld>
+</file>
+
+<file path=ppt/slides/slide19.xml><?xml version="1.0" encoding="utf-8"?>
+<p:sld xmlns:a="http://schemas.openxmlformats.org/drawingml/2006/main" xmlns:r="http://schemas.openxmlformats.org/officeDocument/2006/relationships" xmlns:p="http://schemas.openxmlformats.org/presentationml/2006/main">
+  <p:cSld>
+    <p:spTree>
+      <p:nvGrpSpPr>
+        <p:cNvPr id="1" name=""/>
+        <p:cNvGrpSpPr/>
+        <p:nvPr/>
+      </p:nvGrpSpPr>
+      <p:grpSpPr>
+        <a:xfrm>
+          <a:off x="0" y="0"/>
+          <a:ext cx="0" cy="0"/>
+          <a:chOff x="0" y="0"/>
+          <a:chExt cx="0" cy="0"/>
+        </a:xfrm>
+      </p:grpSpPr>
       <p:grpSp>
         <p:nvGrpSpPr>
           <p:cNvPr id="30" name="Groupe 29">
@@ -21157,7 +21355,7 @@
                 <a:pPr>
                   <a:defRPr/>
                 </a:pPr>
-                <a:t>18</a:t>
+                <a:t>19</a:t>
               </a:fld>
               <a:endParaRPr lang="fr-FR" sz="800" dirty="0">
                 <a:solidFill>
@@ -23968,7 +24166,7 @@
           <a:graphicData uri="http://schemas.openxmlformats.org/presentationml/2006/ole">
             <mc:AlternateContent xmlns:mc="http://schemas.openxmlformats.org/markup-compatibility/2006">
               <mc:Choice xmlns:v="urn:schemas-microsoft-com:vml" Requires="v">
-                <p:oleObj spid="_x0000_s2090" name="Diapositive think-cell" r:id="rId4" imgW="415" imgH="416" progId="TCLayout.ActiveDocument.1">
+                <p:oleObj spid="_x0000_s2091" name="Diapositive think-cell" r:id="rId4" imgW="415" imgH="416" progId="TCLayout.ActiveDocument.1">
                   <p:embed/>
                 </p:oleObj>
               </mc:Choice>
@@ -26064,7 +26262,7 @@
           <a:graphicData uri="http://schemas.openxmlformats.org/presentationml/2006/ole">
             <mc:AlternateContent xmlns:mc="http://schemas.openxmlformats.org/markup-compatibility/2006">
               <mc:Choice xmlns:v="urn:schemas-microsoft-com:vml" Requires="v">
-                <p:oleObj spid="_x0000_s29724" name="Diapositive think-cell" r:id="rId4" imgW="415" imgH="416" progId="TCLayout.ActiveDocument.1">
+                <p:oleObj spid="_x0000_s29725" name="Diapositive think-cell" r:id="rId4" imgW="415" imgH="416" progId="TCLayout.ActiveDocument.1">
                   <p:embed/>
                 </p:oleObj>
               </mc:Choice>
@@ -27342,7 +27540,7 @@
           <a:graphicData uri="http://schemas.openxmlformats.org/presentationml/2006/ole">
             <mc:AlternateContent xmlns:mc="http://schemas.openxmlformats.org/markup-compatibility/2006">
               <mc:Choice xmlns:v="urn:schemas-microsoft-com:vml" Requires="v">
-                <p:oleObj spid="_x0000_s30747" name="Diapositive think-cell" r:id="rId4" imgW="415" imgH="416" progId="TCLayout.ActiveDocument.1">
+                <p:oleObj spid="_x0000_s30748" name="Diapositive think-cell" r:id="rId4" imgW="415" imgH="416" progId="TCLayout.ActiveDocument.1">
                   <p:embed/>
                 </p:oleObj>
               </mc:Choice>
@@ -29595,7 +29793,7 @@
           <a:graphicData uri="http://schemas.openxmlformats.org/presentationml/2006/ole">
             <mc:AlternateContent xmlns:mc="http://schemas.openxmlformats.org/markup-compatibility/2006">
               <mc:Choice xmlns:v="urn:schemas-microsoft-com:vml" Requires="v">
-                <p:oleObj spid="_x0000_s31771" name="Diapositive think-cell" r:id="rId4" imgW="415" imgH="416" progId="TCLayout.ActiveDocument.1">
+                <p:oleObj spid="_x0000_s31772" name="Diapositive think-cell" r:id="rId4" imgW="415" imgH="416" progId="TCLayout.ActiveDocument.1">
                   <p:embed/>
                 </p:oleObj>
               </mc:Choice>
@@ -31441,7 +31639,7 @@
           <a:graphicData uri="http://schemas.openxmlformats.org/presentationml/2006/ole">
             <mc:AlternateContent xmlns:mc="http://schemas.openxmlformats.org/markup-compatibility/2006">
               <mc:Choice xmlns:v="urn:schemas-microsoft-com:vml" Requires="v">
-                <p:oleObj spid="_x0000_s32798" name="Diapositive think-cell" r:id="rId4" imgW="415" imgH="416" progId="TCLayout.ActiveDocument.1">
+                <p:oleObj spid="_x0000_s32799" name="Diapositive think-cell" r:id="rId4" imgW="415" imgH="416" progId="TCLayout.ActiveDocument.1">
                   <p:embed/>
                 </p:oleObj>
               </mc:Choice>
@@ -34389,6 +34587,12 @@
 </file>
 
 <file path=customXml/item1.xml><?xml version="1.0" encoding="utf-8"?>
+<p:properties xmlns:p="http://schemas.microsoft.com/office/2006/metadata/properties" xmlns:xsi="http://www.w3.org/2001/XMLSchema-instance" xmlns:pc="http://schemas.microsoft.com/office/infopath/2007/PartnerControls">
+  <documentManagement/>
+</p:properties>
+</file>
+
+<file path=customXml/item2.xml><?xml version="1.0" encoding="utf-8"?>
 <ct:contentTypeSchema xmlns:ct="http://schemas.microsoft.com/office/2006/metadata/contentType" xmlns:ma="http://schemas.microsoft.com/office/2006/metadata/properties/metaAttributes" ct:_="" ma:_="" ma:contentTypeName="Document" ma:contentTypeID="0x010100E08B85ABE125AF409A86B73326EFFAE5" ma:contentTypeVersion="13" ma:contentTypeDescription="Crée un document." ma:contentTypeScope="" ma:versionID="cfa2b84814ad0d4dc5902a099d18eada">
   <xsd:schema xmlns:xsd="http://www.w3.org/2001/XMLSchema" xmlns:xs="http://www.w3.org/2001/XMLSchema" xmlns:p="http://schemas.microsoft.com/office/2006/metadata/properties" xmlns:ns3="21c16e65-816f-4847-be88-731645291b21" xmlns:ns4="67c7d727-27e8-4526-a2a7-f89ba01a3409" targetNamespace="http://schemas.microsoft.com/office/2006/metadata/properties" ma:root="true" ma:fieldsID="1941e2dd5eb9c4a46146aa2eaafc37a7" ns3:_="" ns4:_="">
     <xsd:import namespace="21c16e65-816f-4847-be88-731645291b21"/>
@@ -34611,12 +34815,6 @@
 </ct:contentTypeSchema>
 </file>
 
-<file path=customXml/item2.xml><?xml version="1.0" encoding="utf-8"?>
-<p:properties xmlns:p="http://schemas.microsoft.com/office/2006/metadata/properties" xmlns:xsi="http://www.w3.org/2001/XMLSchema-instance" xmlns:pc="http://schemas.microsoft.com/office/infopath/2007/PartnerControls">
-  <documentManagement/>
-</p:properties>
-</file>
-
 <file path=customXml/item3.xml><?xml version="1.0" encoding="utf-8"?>
 <?mso-contentType ?>
 <FormTemplates xmlns="http://schemas.microsoft.com/sharepoint/v3/contenttype/forms">
@@ -34627,6 +34825,23 @@
 </file>
 
 <file path=customXml/itemProps1.xml><?xml version="1.0" encoding="utf-8"?>
+<ds:datastoreItem xmlns:ds="http://schemas.openxmlformats.org/officeDocument/2006/customXml" ds:itemID="{6DCF7537-AB6C-4566-9821-DCC4778AF944}">
+  <ds:schemaRefs>
+    <ds:schemaRef ds:uri="http://schemas.microsoft.com/office/2006/documentManagement/types"/>
+    <ds:schemaRef ds:uri="http://www.w3.org/XML/1998/namespace"/>
+    <ds:schemaRef ds:uri="http://purl.org/dc/dcmitype/"/>
+    <ds:schemaRef ds:uri="http://purl.org/dc/terms/"/>
+    <ds:schemaRef ds:uri="21c16e65-816f-4847-be88-731645291b21"/>
+    <ds:schemaRef ds:uri="http://purl.org/dc/elements/1.1/"/>
+    <ds:schemaRef ds:uri="http://schemas.microsoft.com/office/infopath/2007/PartnerControls"/>
+    <ds:schemaRef ds:uri="http://schemas.openxmlformats.org/package/2006/metadata/core-properties"/>
+    <ds:schemaRef ds:uri="67c7d727-27e8-4526-a2a7-f89ba01a3409"/>
+    <ds:schemaRef ds:uri="http://schemas.microsoft.com/office/2006/metadata/properties"/>
+  </ds:schemaRefs>
+</ds:datastoreItem>
+</file>
+
+<file path=customXml/itemProps2.xml><?xml version="1.0" encoding="utf-8"?>
 <ds:datastoreItem xmlns:ds="http://schemas.openxmlformats.org/officeDocument/2006/customXml" ds:itemID="{F4E0BA49-AB2A-4044-9F15-987E41C6A1BE}">
   <ds:schemaRefs>
     <ds:schemaRef ds:uri="http://schemas.microsoft.com/office/2006/metadata/contentType"/>
@@ -34645,23 +34860,6 @@
 </ds:datastoreItem>
 </file>
 
-<file path=customXml/itemProps2.xml><?xml version="1.0" encoding="utf-8"?>
-<ds:datastoreItem xmlns:ds="http://schemas.openxmlformats.org/officeDocument/2006/customXml" ds:itemID="{6DCF7537-AB6C-4566-9821-DCC4778AF944}">
-  <ds:schemaRefs>
-    <ds:schemaRef ds:uri="http://schemas.microsoft.com/office/2006/documentManagement/types"/>
-    <ds:schemaRef ds:uri="http://www.w3.org/XML/1998/namespace"/>
-    <ds:schemaRef ds:uri="http://purl.org/dc/dcmitype/"/>
-    <ds:schemaRef ds:uri="http://purl.org/dc/terms/"/>
-    <ds:schemaRef ds:uri="21c16e65-816f-4847-be88-731645291b21"/>
-    <ds:schemaRef ds:uri="http://purl.org/dc/elements/1.1/"/>
-    <ds:schemaRef ds:uri="http://schemas.microsoft.com/office/infopath/2007/PartnerControls"/>
-    <ds:schemaRef ds:uri="http://schemas.openxmlformats.org/package/2006/metadata/core-properties"/>
-    <ds:schemaRef ds:uri="67c7d727-27e8-4526-a2a7-f89ba01a3409"/>
-    <ds:schemaRef ds:uri="http://schemas.microsoft.com/office/2006/metadata/properties"/>
-  </ds:schemaRefs>
-</ds:datastoreItem>
-</file>
-
 <file path=customXml/itemProps3.xml><?xml version="1.0" encoding="utf-8"?>
 <ds:datastoreItem xmlns:ds="http://schemas.openxmlformats.org/officeDocument/2006/customXml" ds:itemID="{F8B2D13A-B571-47A0-B384-30EF6393E3B0}">
   <ds:schemaRefs>

--- a/evaluation/P7_Presentation.pptx
+++ b/evaluation/P7_Presentation.pptx
@@ -24,14 +24,15 @@
     <p:sldId id="388" r:id="rId21"/>
     <p:sldId id="389" r:id="rId22"/>
     <p:sldId id="390" r:id="rId23"/>
-    <p:sldId id="386" r:id="rId24"/>
-    <p:sldId id="385" r:id="rId25"/>
-    <p:sldId id="312" r:id="rId26"/>
+    <p:sldId id="393" r:id="rId24"/>
+    <p:sldId id="386" r:id="rId25"/>
+    <p:sldId id="385" r:id="rId26"/>
+    <p:sldId id="312" r:id="rId27"/>
   </p:sldIdLst>
   <p:sldSz cx="12192000" cy="6858000"/>
   <p:notesSz cx="6858000" cy="9144000"/>
   <p:custDataLst>
-    <p:tags r:id="rId27"/>
+    <p:tags r:id="rId28"/>
   </p:custDataLst>
   <p:defaultTextStyle>
     <a:defPPr>
@@ -5940,7 +5941,7 @@
           <a:graphicData uri="http://schemas.openxmlformats.org/presentationml/2006/ole">
             <mc:AlternateContent xmlns:mc="http://schemas.openxmlformats.org/markup-compatibility/2006">
               <mc:Choice xmlns:v="urn:schemas-microsoft-com:vml" Requires="v">
-                <p:oleObj spid="_x0000_s1061" name="Diapositive think-cell" r:id="rId15" imgW="415" imgH="416" progId="TCLayout.ActiveDocument.1">
+                <p:oleObj spid="_x0000_s1066" name="Diapositive think-cell" r:id="rId15" imgW="415" imgH="416" progId="TCLayout.ActiveDocument.1">
                   <p:embed/>
                 </p:oleObj>
               </mc:Choice>
@@ -7226,7 +7227,7 @@
           <a:graphicData uri="http://schemas.openxmlformats.org/presentationml/2006/ole">
             <mc:AlternateContent xmlns:mc="http://schemas.openxmlformats.org/markup-compatibility/2006">
               <mc:Choice xmlns:v="urn:schemas-microsoft-com:vml" Requires="v">
-                <p:oleObj spid="_x0000_s33834" name="Diapositive think-cell" r:id="rId4" imgW="415" imgH="416" progId="TCLayout.ActiveDocument.1">
+                <p:oleObj spid="_x0000_s33839" name="Diapositive think-cell" r:id="rId4" imgW="415" imgH="416" progId="TCLayout.ActiveDocument.1">
                   <p:embed/>
                 </p:oleObj>
               </mc:Choice>
@@ -10234,7 +10235,7 @@
           <a:graphicData uri="http://schemas.openxmlformats.org/presentationml/2006/ole">
             <mc:AlternateContent xmlns:mc="http://schemas.openxmlformats.org/markup-compatibility/2006">
               <mc:Choice xmlns:v="urn:schemas-microsoft-com:vml" Requires="v">
-                <p:oleObj spid="_x0000_s34845" name="Diapositive think-cell" r:id="rId4" imgW="415" imgH="416" progId="TCLayout.ActiveDocument.1">
+                <p:oleObj spid="_x0000_s34851" name="Diapositive think-cell" r:id="rId4" imgW="415" imgH="416" progId="TCLayout.ActiveDocument.1">
                   <p:embed/>
                 </p:oleObj>
               </mc:Choice>
@@ -11282,10 +11283,10 @@
       </p:sp>
       <p:sp>
         <p:nvSpPr>
-          <p:cNvPr id="66" name="Rectangle : coins arrondis 65">
-            <a:extLst>
-              <a:ext uri="{FF2B5EF4-FFF2-40B4-BE49-F238E27FC236}">
-                <a16:creationId xmlns:a16="http://schemas.microsoft.com/office/drawing/2014/main" id="{53B95B14-FE81-4C93-A983-7567F9FC4647}"/>
+          <p:cNvPr id="67" name="Rectangle : coins arrondis 66">
+            <a:extLst>
+              <a:ext uri="{FF2B5EF4-FFF2-40B4-BE49-F238E27FC236}">
+                <a16:creationId xmlns:a16="http://schemas.microsoft.com/office/drawing/2014/main" id="{F5551D15-880B-4177-BEAA-040FB07176A7}"/>
               </a:ext>
             </a:extLst>
           </p:cNvPr>
@@ -11294,92 +11295,8 @@
         </p:nvSpPr>
         <p:spPr>
           <a:xfrm>
-            <a:off x="817391" y="1692436"/>
-            <a:ext cx="2654459" cy="1426398"/>
-          </a:xfrm>
-          <a:prstGeom prst="roundRect">
-            <a:avLst/>
-          </a:prstGeom>
-          <a:solidFill>
-            <a:schemeClr val="bg1">
-              <a:lumMod val="95000"/>
-            </a:schemeClr>
-          </a:solidFill>
-          <a:ln>
-            <a:solidFill>
-              <a:schemeClr val="bg1">
-                <a:lumMod val="95000"/>
-              </a:schemeClr>
-            </a:solidFill>
-          </a:ln>
-          <a:effectLst>
-            <a:outerShdw blurRad="50800" dist="38100" dir="2700000" algn="tl" rotWithShape="0">
-              <a:prstClr val="black">
-                <a:alpha val="40000"/>
-              </a:prstClr>
-            </a:outerShdw>
-          </a:effectLst>
-        </p:spPr>
-        <p:style>
-          <a:lnRef idx="2">
-            <a:schemeClr val="accent1">
-              <a:shade val="50000"/>
-            </a:schemeClr>
-          </a:lnRef>
-          <a:fillRef idx="1">
-            <a:schemeClr val="accent1"/>
-          </a:fillRef>
-          <a:effectRef idx="0">
-            <a:schemeClr val="accent1"/>
-          </a:effectRef>
-          <a:fontRef idx="minor">
-            <a:schemeClr val="lt1"/>
-          </a:fontRef>
-        </p:style>
-        <p:txBody>
-          <a:bodyPr lIns="36000" tIns="0" rIns="36000" bIns="0" rtlCol="0" anchor="ctr"/>
-          <a:lstStyle/>
-          <a:p>
-            <a:pPr algn="ctr"/>
-            <a:r>
-              <a:rPr lang="fr-FR" b="1" dirty="0">
-                <a:solidFill>
-                  <a:schemeClr val="bg1">
-                    <a:lumMod val="85000"/>
-                  </a:schemeClr>
-                </a:solidFill>
-              </a:rPr>
-              <a:t>Entrainement sur training réduit </a:t>
-            </a:r>
-            <a:r>
-              <a:rPr lang="fr-FR" dirty="0">
-                <a:solidFill>
-                  <a:schemeClr val="bg1">
-                    <a:lumMod val="85000"/>
-                  </a:schemeClr>
-                </a:solidFill>
-              </a:rPr>
-              <a:t>avec cross validation et optimisation des hyperparamètres</a:t>
-            </a:r>
-          </a:p>
-        </p:txBody>
-      </p:sp>
-      <p:sp>
-        <p:nvSpPr>
-          <p:cNvPr id="67" name="Rectangle : coins arrondis 66">
-            <a:extLst>
-              <a:ext uri="{FF2B5EF4-FFF2-40B4-BE49-F238E27FC236}">
-                <a16:creationId xmlns:a16="http://schemas.microsoft.com/office/drawing/2014/main" id="{F5551D15-880B-4177-BEAA-040FB07176A7}"/>
-              </a:ext>
-            </a:extLst>
-          </p:cNvPr>
-          <p:cNvSpPr/>
-          <p:nvPr/>
-        </p:nvSpPr>
-        <p:spPr>
-          <a:xfrm>
-            <a:off x="3601732" y="1675304"/>
-            <a:ext cx="2654459" cy="1426398"/>
+            <a:off x="863600" y="1675304"/>
+            <a:ext cx="3538338" cy="1426398"/>
           </a:xfrm>
           <a:prstGeom prst="roundRect">
             <a:avLst/>
@@ -11468,8 +11385,8 @@
         </p:nvSpPr>
         <p:spPr>
           <a:xfrm>
-            <a:off x="6386073" y="1675304"/>
-            <a:ext cx="2654459" cy="1426398"/>
+            <a:off x="4575068" y="1675304"/>
+            <a:ext cx="3538338" cy="1426398"/>
           </a:xfrm>
           <a:prstGeom prst="roundRect">
             <a:avLst/>
@@ -11550,8 +11467,8 @@
         </p:nvSpPr>
         <p:spPr>
           <a:xfrm>
-            <a:off x="9170414" y="1675304"/>
-            <a:ext cx="2654459" cy="1426398"/>
+            <a:off x="8286535" y="1675304"/>
+            <a:ext cx="3538338" cy="1426398"/>
           </a:xfrm>
           <a:prstGeom prst="roundRect">
             <a:avLst/>
@@ -11612,10 +11529,10 @@
       </p:sp>
       <p:sp>
         <p:nvSpPr>
-          <p:cNvPr id="104" name="Rectangle : coins arrondis 103">
-            <a:extLst>
-              <a:ext uri="{FF2B5EF4-FFF2-40B4-BE49-F238E27FC236}">
-                <a16:creationId xmlns:a16="http://schemas.microsoft.com/office/drawing/2014/main" id="{EAB334AA-3778-425D-9743-1DC908CCD7C3}"/>
+          <p:cNvPr id="105" name="Rectangle : coins arrondis 104">
+            <a:extLst>
+              <a:ext uri="{FF2B5EF4-FFF2-40B4-BE49-F238E27FC236}">
+                <a16:creationId xmlns:a16="http://schemas.microsoft.com/office/drawing/2014/main" id="{FBD90510-1D9C-4637-8FB1-FB6BA6F02203}"/>
               </a:ext>
             </a:extLst>
           </p:cNvPr>
@@ -11624,112 +11541,8 @@
         </p:nvSpPr>
         <p:spPr>
           <a:xfrm>
-            <a:off x="817391" y="3234332"/>
-            <a:ext cx="2654459" cy="1426398"/>
-          </a:xfrm>
-          <a:prstGeom prst="roundRect">
-            <a:avLst/>
-          </a:prstGeom>
-          <a:solidFill>
-            <a:schemeClr val="bg1">
-              <a:lumMod val="95000"/>
-            </a:schemeClr>
-          </a:solidFill>
-          <a:ln>
-            <a:solidFill>
-              <a:schemeClr val="bg1">
-                <a:lumMod val="95000"/>
-              </a:schemeClr>
-            </a:solidFill>
-          </a:ln>
-          <a:effectLst>
-            <a:outerShdw blurRad="50800" dist="38100" dir="2700000" algn="tl" rotWithShape="0">
-              <a:prstClr val="black">
-                <a:alpha val="40000"/>
-              </a:prstClr>
-            </a:outerShdw>
-          </a:effectLst>
-        </p:spPr>
-        <p:style>
-          <a:lnRef idx="2">
-            <a:schemeClr val="accent1">
-              <a:shade val="50000"/>
-            </a:schemeClr>
-          </a:lnRef>
-          <a:fillRef idx="1">
-            <a:schemeClr val="accent1"/>
-          </a:fillRef>
-          <a:effectRef idx="0">
-            <a:schemeClr val="accent1"/>
-          </a:effectRef>
-          <a:fontRef idx="minor">
-            <a:schemeClr val="lt1"/>
-          </a:fontRef>
-        </p:style>
-        <p:txBody>
-          <a:bodyPr lIns="36000" tIns="0" rIns="36000" bIns="0" rtlCol="0" anchor="ctr"/>
-          <a:lstStyle/>
-          <a:p>
-            <a:pPr algn="ctr"/>
-            <a:r>
-              <a:rPr lang="fr-FR" dirty="0">
-                <a:solidFill>
-                  <a:schemeClr val="bg1">
-                    <a:lumMod val="85000"/>
-                  </a:schemeClr>
-                </a:solidFill>
-              </a:rPr>
-              <a:t>Sélectionner l’approche pour </a:t>
-            </a:r>
-            <a:r>
-              <a:rPr lang="fr-FR" b="1" dirty="0">
-                <a:solidFill>
-                  <a:schemeClr val="bg1">
-                    <a:lumMod val="85000"/>
-                  </a:schemeClr>
-                </a:solidFill>
-              </a:rPr>
-              <a:t>solutionner la problématique </a:t>
-            </a:r>
-            <a:r>
-              <a:rPr lang="fr-FR" dirty="0">
-                <a:solidFill>
-                  <a:schemeClr val="bg1">
-                    <a:lumMod val="85000"/>
-                  </a:schemeClr>
-                </a:solidFill>
-              </a:rPr>
-              <a:t>du </a:t>
-            </a:r>
-            <a:r>
-              <a:rPr lang="fr-FR" b="1" dirty="0">
-                <a:solidFill>
-                  <a:schemeClr val="bg1">
-                    <a:lumMod val="85000"/>
-                  </a:schemeClr>
-                </a:solidFill>
-              </a:rPr>
-              <a:t>déséquilibre entre les classes</a:t>
-            </a:r>
-          </a:p>
-        </p:txBody>
-      </p:sp>
-      <p:sp>
-        <p:nvSpPr>
-          <p:cNvPr id="105" name="Rectangle : coins arrondis 104">
-            <a:extLst>
-              <a:ext uri="{FF2B5EF4-FFF2-40B4-BE49-F238E27FC236}">
-                <a16:creationId xmlns:a16="http://schemas.microsoft.com/office/drawing/2014/main" id="{FBD90510-1D9C-4637-8FB1-FB6BA6F02203}"/>
-              </a:ext>
-            </a:extLst>
-          </p:cNvPr>
-          <p:cNvSpPr/>
-          <p:nvPr/>
-        </p:nvSpPr>
-        <p:spPr>
-          <a:xfrm>
-            <a:off x="3601732" y="3217198"/>
-            <a:ext cx="2654459" cy="1426398"/>
+            <a:off x="863600" y="3217198"/>
+            <a:ext cx="3538338" cy="1426398"/>
           </a:xfrm>
           <a:prstGeom prst="roundRect">
             <a:avLst/>
@@ -11802,8 +11615,8 @@
         </p:nvSpPr>
         <p:spPr>
           <a:xfrm>
-            <a:off x="6386073" y="3217199"/>
-            <a:ext cx="2654459" cy="1426398"/>
+            <a:off x="4575068" y="3217199"/>
+            <a:ext cx="3538338" cy="1426398"/>
           </a:xfrm>
           <a:prstGeom prst="roundRect">
             <a:avLst/>
@@ -11876,8 +11689,8 @@
         </p:nvSpPr>
         <p:spPr>
           <a:xfrm>
-            <a:off x="9170414" y="3217199"/>
-            <a:ext cx="2654459" cy="1426398"/>
+            <a:off x="8286535" y="3217199"/>
+            <a:ext cx="3538338" cy="1426398"/>
           </a:xfrm>
           <a:prstGeom prst="roundRect">
             <a:avLst/>
@@ -11938,10 +11751,10 @@
       </p:sp>
       <p:sp>
         <p:nvSpPr>
-          <p:cNvPr id="108" name="Rectangle : coins arrondis 107">
-            <a:extLst>
-              <a:ext uri="{FF2B5EF4-FFF2-40B4-BE49-F238E27FC236}">
-                <a16:creationId xmlns:a16="http://schemas.microsoft.com/office/drawing/2014/main" id="{91FFB5F0-9642-4731-8C9B-E78DC8245269}"/>
+          <p:cNvPr id="109" name="Rectangle : coins arrondis 108">
+            <a:extLst>
+              <a:ext uri="{FF2B5EF4-FFF2-40B4-BE49-F238E27FC236}">
+                <a16:creationId xmlns:a16="http://schemas.microsoft.com/office/drawing/2014/main" id="{7728649F-C4C7-4991-86E0-03849BF16218}"/>
               </a:ext>
             </a:extLst>
           </p:cNvPr>
@@ -11950,121 +11763,8 @@
         </p:nvSpPr>
         <p:spPr>
           <a:xfrm>
-            <a:off x="817391" y="4833677"/>
-            <a:ext cx="2654459" cy="1426398"/>
-          </a:xfrm>
-          <a:prstGeom prst="roundRect">
-            <a:avLst/>
-          </a:prstGeom>
-          <a:solidFill>
-            <a:schemeClr val="bg1">
-              <a:lumMod val="95000"/>
-            </a:schemeClr>
-          </a:solidFill>
-          <a:ln>
-            <a:solidFill>
-              <a:schemeClr val="bg1">
-                <a:lumMod val="95000"/>
-              </a:schemeClr>
-            </a:solidFill>
-          </a:ln>
-          <a:effectLst>
-            <a:outerShdw blurRad="50800" dist="38100" dir="2700000" algn="tl" rotWithShape="0">
-              <a:prstClr val="black">
-                <a:alpha val="40000"/>
-              </a:prstClr>
-            </a:outerShdw>
-          </a:effectLst>
-        </p:spPr>
-        <p:style>
-          <a:lnRef idx="2">
-            <a:schemeClr val="accent1">
-              <a:shade val="50000"/>
-            </a:schemeClr>
-          </a:lnRef>
-          <a:fillRef idx="1">
-            <a:schemeClr val="accent1"/>
-          </a:fillRef>
-          <a:effectRef idx="0">
-            <a:schemeClr val="accent1"/>
-          </a:effectRef>
-          <a:fontRef idx="minor">
-            <a:schemeClr val="lt1"/>
-          </a:fontRef>
-        </p:style>
-        <p:txBody>
-          <a:bodyPr lIns="36000" tIns="0" rIns="36000" bIns="0" rtlCol="0" anchor="ctr"/>
-          <a:lstStyle/>
-          <a:p>
-            <a:pPr marL="285750" indent="-285750">
-              <a:buFont typeface="Arial" panose="020B0604020202020204" pitchFamily="34" charset="0"/>
-              <a:buChar char="•"/>
-            </a:pPr>
-            <a:r>
-              <a:rPr lang="fr-FR" b="1" i="1" dirty="0">
-                <a:solidFill>
-                  <a:schemeClr val="bg1">
-                    <a:lumMod val="85000"/>
-                  </a:schemeClr>
-                </a:solidFill>
-              </a:rPr>
-              <a:t>Pondération des observations </a:t>
-            </a:r>
-            <a:r>
-              <a:rPr lang="fr-FR" i="1" dirty="0">
-                <a:solidFill>
-                  <a:schemeClr val="bg1">
-                    <a:lumMod val="85000"/>
-                  </a:schemeClr>
-                </a:solidFill>
-              </a:rPr>
-              <a:t>dans le training</a:t>
-            </a:r>
-          </a:p>
-          <a:p>
-            <a:pPr marL="285750" indent="-285750">
-              <a:buFont typeface="Arial" panose="020B0604020202020204" pitchFamily="34" charset="0"/>
-              <a:buChar char="•"/>
-            </a:pPr>
-            <a:r>
-              <a:rPr lang="fr-FR" i="1" dirty="0">
-                <a:solidFill>
-                  <a:schemeClr val="bg1">
-                    <a:lumMod val="85000"/>
-                  </a:schemeClr>
-                </a:solidFill>
-              </a:rPr>
-              <a:t>Choix d’une </a:t>
-            </a:r>
-            <a:r>
-              <a:rPr lang="fr-FR" b="1" i="1" dirty="0">
-                <a:solidFill>
-                  <a:schemeClr val="bg1">
-                    <a:lumMod val="85000"/>
-                  </a:schemeClr>
-                </a:solidFill>
-              </a:rPr>
-              <a:t>métrique de perf. adaptée</a:t>
-            </a:r>
-          </a:p>
-        </p:txBody>
-      </p:sp>
-      <p:sp>
-        <p:nvSpPr>
-          <p:cNvPr id="109" name="Rectangle : coins arrondis 108">
-            <a:extLst>
-              <a:ext uri="{FF2B5EF4-FFF2-40B4-BE49-F238E27FC236}">
-                <a16:creationId xmlns:a16="http://schemas.microsoft.com/office/drawing/2014/main" id="{7728649F-C4C7-4991-86E0-03849BF16218}"/>
-              </a:ext>
-            </a:extLst>
-          </p:cNvPr>
-          <p:cNvSpPr/>
-          <p:nvPr/>
-        </p:nvSpPr>
-        <p:spPr>
-          <a:xfrm>
-            <a:off x="3601732" y="4816544"/>
-            <a:ext cx="2654459" cy="1426398"/>
+            <a:off x="863600" y="4816544"/>
+            <a:ext cx="3538338" cy="1426398"/>
           </a:xfrm>
           <a:prstGeom prst="roundRect">
             <a:avLst/>
@@ -12170,8 +11870,8 @@
         </p:nvSpPr>
         <p:spPr>
           <a:xfrm>
-            <a:off x="6386073" y="4816545"/>
-            <a:ext cx="2654459" cy="1426398"/>
+            <a:off x="4575068" y="4816545"/>
+            <a:ext cx="3538338" cy="1426398"/>
           </a:xfrm>
           <a:prstGeom prst="roundRect">
             <a:avLst/>
@@ -12255,8 +11955,8 @@
         </p:nvSpPr>
         <p:spPr>
           <a:xfrm>
-            <a:off x="9170414" y="4816545"/>
-            <a:ext cx="2654459" cy="1426398"/>
+            <a:off x="8286535" y="4816545"/>
+            <a:ext cx="3538338" cy="1426398"/>
           </a:xfrm>
           <a:prstGeom prst="roundRect">
             <a:avLst/>
@@ -12699,7 +12399,7 @@
           <a:graphicData uri="http://schemas.openxmlformats.org/presentationml/2006/ole">
             <mc:AlternateContent xmlns:mc="http://schemas.openxmlformats.org/markup-compatibility/2006">
               <mc:Choice xmlns:v="urn:schemas-microsoft-com:vml" Requires="v">
-                <p:oleObj spid="_x0000_s36891" name="Diapositive think-cell" r:id="rId4" imgW="415" imgH="416" progId="TCLayout.ActiveDocument.1">
+                <p:oleObj spid="_x0000_s36897" name="Diapositive think-cell" r:id="rId4" imgW="415" imgH="416" progId="TCLayout.ActiveDocument.1">
                   <p:embed/>
                 </p:oleObj>
               </mc:Choice>
@@ -13767,8 +13467,8 @@
         </p:blipFill>
         <p:spPr>
           <a:xfrm>
-            <a:off x="601028" y="1723165"/>
-            <a:ext cx="3959265" cy="612000"/>
+            <a:off x="1641978" y="1457135"/>
+            <a:ext cx="3726367" cy="576000"/>
           </a:xfrm>
           <a:prstGeom prst="rect">
             <a:avLst/>
@@ -13789,7 +13489,7 @@
         </p:nvCxnSpPr>
         <p:spPr>
           <a:xfrm>
-            <a:off x="4851458" y="1529315"/>
+            <a:off x="7432098" y="1529315"/>
             <a:ext cx="0" cy="4896000"/>
           </a:xfrm>
           <a:prstGeom prst="line">
@@ -13830,7 +13530,7 @@
         </p:nvCxnSpPr>
         <p:spPr>
           <a:xfrm>
-            <a:off x="4900775" y="1529315"/>
+            <a:off x="7481415" y="1529315"/>
             <a:ext cx="0" cy="4896000"/>
           </a:xfrm>
           <a:prstGeom prst="line">
@@ -13871,8 +13571,8 @@
         </p:nvSpPr>
         <p:spPr>
           <a:xfrm>
-            <a:off x="430458" y="2478841"/>
-            <a:ext cx="4266273" cy="3731954"/>
+            <a:off x="218022" y="2040701"/>
+            <a:ext cx="7104972" cy="4589699"/>
           </a:xfrm>
           <a:prstGeom prst="roundRect">
             <a:avLst>
@@ -13919,52 +13619,6 @@
                   <a:srgbClr val="2A0068"/>
                 </a:solidFill>
               </a:rPr>
-              <a:t>On cherche à </a:t>
-            </a:r>
-            <a:r>
-              <a:rPr lang="fr-FR" b="1" dirty="0">
-                <a:solidFill>
-                  <a:srgbClr val="2A0068"/>
-                </a:solidFill>
-              </a:rPr>
-              <a:t>prédire le taux de faux négatifs </a:t>
-            </a:r>
-            <a:r>
-              <a:rPr lang="fr-FR" dirty="0">
-                <a:solidFill>
-                  <a:srgbClr val="2A0068"/>
-                </a:solidFill>
-              </a:rPr>
-              <a:t>en tout premier lieu et </a:t>
-            </a:r>
-            <a:r>
-              <a:rPr lang="fr-FR" b="1" dirty="0">
-                <a:solidFill>
-                  <a:srgbClr val="2A0068"/>
-                </a:solidFill>
-              </a:rPr>
-              <a:t>les faux positifs </a:t>
-            </a:r>
-            <a:r>
-              <a:rPr lang="fr-FR" dirty="0">
-                <a:solidFill>
-                  <a:srgbClr val="2A0068"/>
-                </a:solidFill>
-              </a:rPr>
-              <a:t>en second lieu </a:t>
-            </a:r>
-          </a:p>
-          <a:p>
-            <a:pPr marL="82550" indent="-82550">
-              <a:buFont typeface="Arial" panose="020B0604020202020204" pitchFamily="34" charset="0"/>
-              <a:buChar char="•"/>
-            </a:pPr>
-            <a:r>
-              <a:rPr lang="fr-FR" dirty="0">
-                <a:solidFill>
-                  <a:srgbClr val="2A0068"/>
-                </a:solidFill>
-              </a:rPr>
               <a:t>On cherche donc un </a:t>
             </a:r>
             <a:r>
@@ -13989,24 +13643,18 @@
                   <a:srgbClr val="2A0068"/>
                 </a:solidFill>
               </a:rPr>
-              <a:t>peut se formaliser dans le score F-bêta</a:t>
-            </a:r>
-          </a:p>
-          <a:p>
-            <a:pPr marL="82550" indent="-82550">
-              <a:buFont typeface="Arial" panose="020B0604020202020204" pitchFamily="34" charset="0"/>
-              <a:buChar char="•"/>
-            </a:pPr>
-            <a:r>
-              <a:rPr lang="fr-FR" dirty="0">
+              <a:t>peut se formaliser dans le score F-bêta </a:t>
+            </a:r>
+            <a:r>
+              <a:rPr lang="fr-FR" sz="1200" i="1" dirty="0">
                 <a:solidFill>
                   <a:srgbClr val="2A0068"/>
                 </a:solidFill>
               </a:rPr>
-              <a:t>Il s’agit de la </a:t>
-            </a:r>
-            <a:r>
-              <a:rPr lang="fr-FR" b="1" dirty="0">
+              <a:t>(il s’agit de la </a:t>
+            </a:r>
+            <a:r>
+              <a:rPr lang="fr-FR" sz="1200" b="1" i="1" dirty="0">
                 <a:solidFill>
                   <a:srgbClr val="2A0068"/>
                 </a:solidFill>
@@ -14014,12 +13662,12 @@
               <a:t>moyenne harmonique pondérée de la précision et du rappel</a:t>
             </a:r>
             <a:r>
-              <a:rPr lang="fr-FR" dirty="0">
+              <a:rPr lang="fr-FR" sz="1200" i="1" dirty="0">
                 <a:solidFill>
                   <a:srgbClr val="2A0068"/>
                 </a:solidFill>
               </a:rPr>
-              <a:t>, atteignant sa valeur optimale à 1 et sa pire valeur à 0</a:t>
+              <a:t>, atteignant sa valeur optimale à 1 et sa pire valeur à 0)</a:t>
             </a:r>
           </a:p>
           <a:p>
@@ -14041,26 +13689,266 @@
                   <a:srgbClr val="2A0068"/>
                 </a:solidFill>
               </a:rPr>
-              <a:t>paramètre beta détermine le poids du rappel dans le score combiné ; p</a:t>
-            </a:r>
-            <a:r>
-              <a:rPr lang="fr-FR" b="1" i="0" dirty="0">
+              <a:t>paramètre beta détermine le poids du rappel dans le score combiné </a:t>
+            </a:r>
+            <a:r>
+              <a:rPr lang="fr-FR" sz="1200" b="1" i="1" dirty="0">
+                <a:solidFill>
+                  <a:srgbClr val="2A0068"/>
+                </a:solidFill>
+              </a:rPr>
+              <a:t>(p</a:t>
+            </a:r>
+            <a:r>
+              <a:rPr lang="fr-FR" sz="1200" b="1" i="1" dirty="0">
                 <a:solidFill>
                   <a:srgbClr val="2A0068"/>
                 </a:solidFill>
                 <a:effectLst/>
               </a:rPr>
-              <a:t>our β≥1, on accorde plus d’importance au recall </a:t>
-            </a:r>
-            <a:r>
-              <a:rPr lang="fr-FR" i="0" dirty="0">
+              <a:t>our β≥1, on accorde plus d’importance au recall, </a:t>
+            </a:r>
+            <a:r>
+              <a:rPr lang="fr-FR" sz="1200" i="1" dirty="0">
                 <a:solidFill>
                   <a:srgbClr val="2A0068"/>
                 </a:solidFill>
                 <a:effectLst/>
               </a:rPr>
-              <a:t>(autrement dit aux faux négatifs)</a:t>
-            </a:r>
+              <a:t>autrement dit aux faux négatifs)</a:t>
+            </a:r>
+          </a:p>
+          <a:p>
+            <a:pPr marL="82550" indent="-82550">
+              <a:buFont typeface="Arial" panose="020B0604020202020204" pitchFamily="34" charset="0"/>
+              <a:buChar char="•"/>
+            </a:pPr>
+            <a:r>
+              <a:rPr lang="fr-FR" dirty="0">
+                <a:solidFill>
+                  <a:srgbClr val="2A0068"/>
+                </a:solidFill>
+                <a:effectLst/>
+                <a:ea typeface="Calibri" panose="020F0502020204030204" pitchFamily="34" charset="0"/>
+                <a:cs typeface="Calibri" panose="020F0502020204030204" pitchFamily="34" charset="0"/>
+              </a:rPr>
+              <a:t>On cherche donc à </a:t>
+            </a:r>
+            <a:r>
+              <a:rPr lang="fr-FR" b="1" dirty="0">
+                <a:solidFill>
+                  <a:srgbClr val="2A0068"/>
+                </a:solidFill>
+                <a:effectLst/>
+                <a:ea typeface="Calibri" panose="020F0502020204030204" pitchFamily="34" charset="0"/>
+                <a:cs typeface="Calibri" panose="020F0502020204030204" pitchFamily="34" charset="0"/>
+              </a:rPr>
+              <a:t>attribuer un « poids » au Beta</a:t>
+            </a:r>
+            <a:r>
+              <a:rPr lang="fr-FR" dirty="0">
+                <a:solidFill>
+                  <a:srgbClr val="2A0068"/>
+                </a:solidFill>
+                <a:effectLst/>
+                <a:ea typeface="Calibri" panose="020F0502020204030204" pitchFamily="34" charset="0"/>
+                <a:cs typeface="Calibri" panose="020F0502020204030204" pitchFamily="34" charset="0"/>
+              </a:rPr>
+              <a:t> ; pour ce faire, il faut estimer d’un point de vue métier sa valeur, via :</a:t>
+            </a:r>
+            <a:r>
+              <a:rPr lang="fr-FR" b="1" dirty="0">
+                <a:solidFill>
+                  <a:srgbClr val="2A0068"/>
+                </a:solidFill>
+                <a:ea typeface="Calibri" panose="020F0502020204030204" pitchFamily="34" charset="0"/>
+                <a:cs typeface="Calibri" panose="020F0502020204030204" pitchFamily="34" charset="0"/>
+              </a:rPr>
+              <a:t> c</a:t>
+            </a:r>
+            <a:r>
+              <a:rPr lang="fr-FR" b="1" dirty="0">
+                <a:solidFill>
+                  <a:srgbClr val="2A0068"/>
+                </a:solidFill>
+                <a:effectLst/>
+                <a:ea typeface="Calibri" panose="020F0502020204030204" pitchFamily="34" charset="0"/>
+                <a:cs typeface="Calibri" panose="020F0502020204030204" pitchFamily="34" charset="0"/>
+              </a:rPr>
+              <a:t>oût moyen du défaut de paiement</a:t>
+            </a:r>
+            <a:r>
+              <a:rPr lang="fr-FR" b="1" dirty="0">
+                <a:solidFill>
+                  <a:srgbClr val="2A0068"/>
+                </a:solidFill>
+                <a:ea typeface="Calibri" panose="020F0502020204030204" pitchFamily="34" charset="0"/>
+                <a:cs typeface="Times New Roman" panose="02020603050405020304" pitchFamily="18" charset="0"/>
+              </a:rPr>
+              <a:t> ET c</a:t>
+            </a:r>
+            <a:r>
+              <a:rPr lang="fr-FR" b="1" dirty="0">
+                <a:solidFill>
+                  <a:srgbClr val="2A0068"/>
+                </a:solidFill>
+                <a:effectLst/>
+                <a:ea typeface="Calibri" panose="020F0502020204030204" pitchFamily="34" charset="0"/>
+                <a:cs typeface="Calibri" panose="020F0502020204030204" pitchFamily="34" charset="0"/>
+              </a:rPr>
+              <a:t>oût d’opportunité d’un client potentiel accidentellement écarté</a:t>
+            </a:r>
+            <a:endParaRPr lang="fr-FR" b="1" dirty="0">
+              <a:solidFill>
+                <a:srgbClr val="2A0068"/>
+              </a:solidFill>
+              <a:effectLst/>
+              <a:ea typeface="Calibri" panose="020F0502020204030204" pitchFamily="34" charset="0"/>
+              <a:cs typeface="Times New Roman" panose="02020603050405020304" pitchFamily="18" charset="0"/>
+            </a:endParaRPr>
+          </a:p>
+          <a:p>
+            <a:pPr marL="85725" indent="-85725" algn="just">
+              <a:buFont typeface="Arial" panose="020B0604020202020204" pitchFamily="34" charset="0"/>
+              <a:buChar char="•"/>
+            </a:pPr>
+            <a:r>
+              <a:rPr lang="fr-FR" dirty="0">
+                <a:solidFill>
+                  <a:srgbClr val="2A0068"/>
+                </a:solidFill>
+                <a:effectLst/>
+                <a:ea typeface="Calibri" panose="020F0502020204030204" pitchFamily="34" charset="0"/>
+                <a:cs typeface="Times New Roman" panose="02020603050405020304" pitchFamily="18" charset="0"/>
+              </a:rPr>
+              <a:t>Nos hypothèses métiers :</a:t>
+            </a:r>
+          </a:p>
+          <a:p>
+            <a:pPr marL="171450" indent="-171450" algn="just">
+              <a:buFontTx/>
+              <a:buChar char="-"/>
+            </a:pPr>
+            <a:r>
+              <a:rPr lang="fr-FR" dirty="0">
+                <a:solidFill>
+                  <a:srgbClr val="2A0068"/>
+                </a:solidFill>
+                <a:effectLst/>
+                <a:ea typeface="Calibri" panose="020F0502020204030204" pitchFamily="34" charset="0"/>
+                <a:cs typeface="Calibri" panose="020F0502020204030204" pitchFamily="34" charset="0"/>
+              </a:rPr>
+              <a:t>Chaque défaut entraine la dépense d’un cinquième du montant du crédit en pertes </a:t>
+            </a:r>
+            <a:r>
+              <a:rPr lang="fr-FR" sz="1200" i="1" dirty="0">
+                <a:solidFill>
+                  <a:srgbClr val="2A0068"/>
+                </a:solidFill>
+                <a:effectLst/>
+                <a:ea typeface="Calibri" panose="020F0502020204030204" pitchFamily="34" charset="0"/>
+                <a:cs typeface="Calibri" panose="020F0502020204030204" pitchFamily="34" charset="0"/>
+              </a:rPr>
+              <a:t>(coefficient recall = 20% x montant moyen du crédit des personnes en défaut de paiement)</a:t>
+            </a:r>
+            <a:endParaRPr lang="fr-FR" sz="1200" i="1" dirty="0">
+              <a:solidFill>
+                <a:srgbClr val="2A0068"/>
+              </a:solidFill>
+              <a:ea typeface="Calibri" panose="020F0502020204030204" pitchFamily="34" charset="0"/>
+              <a:cs typeface="Times New Roman" panose="02020603050405020304" pitchFamily="18" charset="0"/>
+            </a:endParaRPr>
+          </a:p>
+          <a:p>
+            <a:pPr marL="171450" indent="-171450" algn="just">
+              <a:buFontTx/>
+              <a:buChar char="-"/>
+            </a:pPr>
+            <a:r>
+              <a:rPr lang="fr-FR" dirty="0">
+                <a:solidFill>
+                  <a:srgbClr val="2A0068"/>
+                </a:solidFill>
+                <a:effectLst/>
+                <a:ea typeface="Calibri" panose="020F0502020204030204" pitchFamily="34" charset="0"/>
+                <a:cs typeface="Calibri" panose="020F0502020204030204" pitchFamily="34" charset="0"/>
+              </a:rPr>
+              <a:t>Un client a 12% de chance de souscrire au crédit quand il en fait la demande à un conseiller ; le coû</a:t>
+            </a:r>
+            <a:r>
+              <a:rPr lang="fr-FR" dirty="0">
+                <a:solidFill>
+                  <a:srgbClr val="2A0068"/>
+                </a:solidFill>
+                <a:effectLst/>
+                <a:ea typeface="Calibri" panose="020F0502020204030204" pitchFamily="34" charset="0"/>
+                <a:cs typeface="Times New Roman" panose="02020603050405020304" pitchFamily="18" charset="0"/>
+              </a:rPr>
+              <a:t>t</a:t>
+            </a:r>
+            <a:r>
+              <a:rPr lang="fr-FR" dirty="0">
+                <a:solidFill>
+                  <a:srgbClr val="2A0068"/>
+                </a:solidFill>
+                <a:effectLst/>
+                <a:ea typeface="Calibri" panose="020F0502020204030204" pitchFamily="34" charset="0"/>
+                <a:cs typeface="Calibri" panose="020F0502020204030204" pitchFamily="34" charset="0"/>
+              </a:rPr>
+              <a:t> d'opportunité pour un client potentiel accidentellement écarté est de 12% également </a:t>
+            </a:r>
+            <a:r>
+              <a:rPr lang="fr-FR" sz="1200" i="1" dirty="0">
+                <a:solidFill>
+                  <a:srgbClr val="2A0068"/>
+                </a:solidFill>
+                <a:effectLst/>
+                <a:ea typeface="Calibri" panose="020F0502020204030204" pitchFamily="34" charset="0"/>
+                <a:cs typeface="Calibri" panose="020F0502020204030204" pitchFamily="34" charset="0"/>
+              </a:rPr>
+              <a:t>(coefficient précision = 12% x montant moyen du crédit des personnes sans défaut de paiement)</a:t>
+            </a:r>
+            <a:endParaRPr lang="fr-FR" sz="1200" i="1" dirty="0">
+              <a:solidFill>
+                <a:srgbClr val="2A0068"/>
+              </a:solidFill>
+              <a:effectLst/>
+              <a:ea typeface="Calibri" panose="020F0502020204030204" pitchFamily="34" charset="0"/>
+              <a:cs typeface="Times New Roman" panose="02020603050405020304" pitchFamily="18" charset="0"/>
+            </a:endParaRPr>
+          </a:p>
+          <a:p>
+            <a:pPr algn="just"/>
+            <a:r>
+              <a:rPr lang="fr-FR" dirty="0">
+                <a:solidFill>
+                  <a:srgbClr val="2A0068"/>
+                </a:solidFill>
+                <a:effectLst/>
+                <a:ea typeface="Calibri" panose="020F0502020204030204" pitchFamily="34" charset="0"/>
+                <a:cs typeface="Calibri" panose="020F0502020204030204" pitchFamily="34" charset="0"/>
+              </a:rPr>
+              <a:t>On obtient donc : </a:t>
+            </a:r>
+            <a:r>
+              <a:rPr lang="fr-FR" b="1" dirty="0">
+                <a:solidFill>
+                  <a:srgbClr val="2A0068"/>
+                </a:solidFill>
+                <a:effectLst/>
+                <a:ea typeface="Calibri" panose="020F0502020204030204" pitchFamily="34" charset="0"/>
+                <a:cs typeface="Calibri" panose="020F0502020204030204" pitchFamily="34" charset="0"/>
+              </a:rPr>
+              <a:t>Beta = coefficient recall / coefficient précision = 2,7</a:t>
+            </a:r>
+            <a:endParaRPr lang="fr-FR" dirty="0">
+              <a:solidFill>
+                <a:srgbClr val="2A0068"/>
+              </a:solidFill>
+              <a:effectLst/>
+              <a:ea typeface="Calibri" panose="020F0502020204030204" pitchFamily="34" charset="0"/>
+              <a:cs typeface="Times New Roman" panose="02020603050405020304" pitchFamily="18" charset="0"/>
+            </a:endParaRPr>
           </a:p>
         </p:txBody>
       </p:sp>
@@ -14078,7 +13966,7 @@
         </p:nvSpPr>
         <p:spPr>
           <a:xfrm>
-            <a:off x="5139658" y="2854960"/>
+            <a:off x="7649838" y="1618652"/>
             <a:ext cx="1982501" cy="1747520"/>
           </a:xfrm>
           <a:prstGeom prst="rect">
@@ -14135,7 +14023,7 @@
         </p:nvSpPr>
         <p:spPr>
           <a:xfrm>
-            <a:off x="7341326" y="2854960"/>
+            <a:off x="9790760" y="1602100"/>
             <a:ext cx="1982501" cy="1747520"/>
           </a:xfrm>
           <a:prstGeom prst="rect">
@@ -14192,7 +14080,7 @@
         </p:nvSpPr>
         <p:spPr>
           <a:xfrm>
-            <a:off x="9527763" y="2854960"/>
+            <a:off x="8703558" y="4118796"/>
             <a:ext cx="1982501" cy="1747520"/>
           </a:xfrm>
           <a:prstGeom prst="rect">
@@ -14266,7 +14154,7 @@
         </p:blipFill>
         <p:spPr>
           <a:xfrm>
-            <a:off x="10061813" y="2021641"/>
+            <a:off x="9237608" y="3285477"/>
             <a:ext cx="914400" cy="914400"/>
           </a:xfrm>
           <a:prstGeom prst="rect">
@@ -14288,7 +14176,7 @@
         </p:nvSpPr>
         <p:spPr>
           <a:xfrm>
-            <a:off x="5129498" y="2855032"/>
+            <a:off x="7639678" y="1618724"/>
             <a:ext cx="2016000" cy="1764000"/>
           </a:xfrm>
           <a:prstGeom prst="rect">
@@ -14343,7 +14231,7 @@
         </p:nvSpPr>
         <p:spPr>
           <a:xfrm>
-            <a:off x="7341326" y="2855032"/>
+            <a:off x="9790760" y="1602172"/>
             <a:ext cx="2016000" cy="1764000"/>
           </a:xfrm>
           <a:prstGeom prst="rect">
@@ -14929,7 +14817,7 @@
           <a:graphicData uri="http://schemas.openxmlformats.org/presentationml/2006/ole">
             <mc:AlternateContent xmlns:mc="http://schemas.openxmlformats.org/markup-compatibility/2006">
               <mc:Choice xmlns:v="urn:schemas-microsoft-com:vml" Requires="v">
-                <p:oleObj spid="_x0000_s48131" name="Diapositive think-cell" r:id="rId4" imgW="415" imgH="416" progId="TCLayout.ActiveDocument.1">
+                <p:oleObj spid="_x0000_s48136" name="Diapositive think-cell" r:id="rId4" imgW="415" imgH="416" progId="TCLayout.ActiveDocument.1">
                   <p:embed/>
                 </p:oleObj>
               </mc:Choice>
@@ -19445,6 +19333,55 @@
           </a:p>
         </p:txBody>
       </p:sp>
+      <p:sp>
+        <p:nvSpPr>
+          <p:cNvPr id="104" name="Rectangle 103">
+            <a:extLst>
+              <a:ext uri="{FF2B5EF4-FFF2-40B4-BE49-F238E27FC236}">
+                <a16:creationId xmlns:a16="http://schemas.microsoft.com/office/drawing/2014/main" id="{0675B6D0-0F75-47DF-8921-500DE55B8D47}"/>
+              </a:ext>
+            </a:extLst>
+          </p:cNvPr>
+          <p:cNvSpPr/>
+          <p:nvPr/>
+        </p:nvSpPr>
+        <p:spPr>
+          <a:xfrm>
+            <a:off x="1177457" y="2507451"/>
+            <a:ext cx="4917769" cy="2293937"/>
+          </a:xfrm>
+          <a:prstGeom prst="rect">
+            <a:avLst/>
+          </a:prstGeom>
+        </p:spPr>
+        <p:style>
+          <a:lnRef idx="2">
+            <a:schemeClr val="accent1">
+              <a:shade val="50000"/>
+            </a:schemeClr>
+          </a:lnRef>
+          <a:fillRef idx="1">
+            <a:schemeClr val="accent1"/>
+          </a:fillRef>
+          <a:effectRef idx="0">
+            <a:schemeClr val="accent1"/>
+          </a:effectRef>
+          <a:fontRef idx="minor">
+            <a:schemeClr val="lt1"/>
+          </a:fontRef>
+        </p:style>
+        <p:txBody>
+          <a:bodyPr rtlCol="0" anchor="ctr"/>
+          <a:lstStyle/>
+          <a:p>
+            <a:pPr algn="ctr"/>
+            <a:r>
+              <a:rPr lang="fr-FR" dirty="0"/>
+              <a:t>A corriger avec Sabrine</a:t>
+            </a:r>
+          </a:p>
+        </p:txBody>
+      </p:sp>
     </p:spTree>
     <p:extLst>
       <p:ext uri="{BB962C8B-B14F-4D97-AF65-F5344CB8AC3E}">
@@ -19501,7 +19438,7 @@
           <a:graphicData uri="http://schemas.openxmlformats.org/presentationml/2006/ole">
             <mc:AlternateContent xmlns:mc="http://schemas.openxmlformats.org/markup-compatibility/2006">
               <mc:Choice xmlns:v="urn:schemas-microsoft-com:vml" Requires="v">
-                <p:oleObj spid="_x0000_s35868" name="Diapositive think-cell" r:id="rId4" imgW="415" imgH="416" progId="TCLayout.ActiveDocument.1">
+                <p:oleObj spid="_x0000_s35873" name="Diapositive think-cell" r:id="rId4" imgW="415" imgH="416" progId="TCLayout.ActiveDocument.1">
                   <p:embed/>
                 </p:oleObj>
               </mc:Choice>
@@ -20605,7 +20542,7 @@
           <a:graphicData uri="http://schemas.openxmlformats.org/presentationml/2006/ole">
             <mc:AlternateContent xmlns:mc="http://schemas.openxmlformats.org/markup-compatibility/2006">
               <mc:Choice xmlns:v="urn:schemas-microsoft-com:vml" Requires="v">
-                <p:oleObj spid="_x0000_s44036" name="Diapositive think-cell" r:id="rId4" imgW="415" imgH="416" progId="TCLayout.ActiveDocument.1">
+                <p:oleObj spid="_x0000_s44041" name="Diapositive think-cell" r:id="rId4" imgW="415" imgH="416" progId="TCLayout.ActiveDocument.1">
                   <p:embed/>
                 </p:oleObj>
               </mc:Choice>
@@ -20754,10 +20691,10 @@
       </p:sp>
       <p:pic>
         <p:nvPicPr>
-          <p:cNvPr id="3" name="Image 2">
-            <a:extLst>
-              <a:ext uri="{FF2B5EF4-FFF2-40B4-BE49-F238E27FC236}">
-                <a16:creationId xmlns:a16="http://schemas.microsoft.com/office/drawing/2014/main" id="{1CD00AD7-E586-489F-8CCC-9E6704EC2C79}"/>
+          <p:cNvPr id="6" name="Image 5">
+            <a:extLst>
+              <a:ext uri="{FF2B5EF4-FFF2-40B4-BE49-F238E27FC236}">
+                <a16:creationId xmlns:a16="http://schemas.microsoft.com/office/drawing/2014/main" id="{87F4F7BD-B7EB-4A8C-9CFB-1ADF4EC1F186}"/>
               </a:ext>
             </a:extLst>
           </p:cNvPr>
@@ -20774,8 +20711,8 @@
         </p:blipFill>
         <p:spPr>
           <a:xfrm>
-            <a:off x="0" y="567001"/>
-            <a:ext cx="12204000" cy="5711421"/>
+            <a:off x="34613" y="609455"/>
+            <a:ext cx="12122773" cy="5639090"/>
           </a:xfrm>
           <a:prstGeom prst="rect">
             <a:avLst/>
@@ -20830,7 +20767,7 @@
             </p:custDataLst>
             <p:extLst>
               <p:ext uri="{D42A27DB-BD31-4B8C-83A1-F6EECF244321}">
-                <p14:modId xmlns:p14="http://schemas.microsoft.com/office/powerpoint/2010/main" val="4240587722"/>
+                <p14:modId xmlns:p14="http://schemas.microsoft.com/office/powerpoint/2010/main" val="4132998473"/>
               </p:ext>
             </p:extLst>
           </p:nvPr>
@@ -20843,7 +20780,7 @@
           <a:graphicData uri="http://schemas.openxmlformats.org/presentationml/2006/ole">
             <mc:AlternateContent xmlns:mc="http://schemas.openxmlformats.org/markup-compatibility/2006">
               <mc:Choice xmlns:v="urn:schemas-microsoft-com:vml" Requires="v">
-                <p:oleObj spid="_x0000_s45060" name="Diapositive think-cell" r:id="rId4" imgW="415" imgH="416" progId="TCLayout.ActiveDocument.1">
+                <p:oleObj spid="_x0000_s45065" name="Diapositive think-cell" r:id="rId4" imgW="415" imgH="416" progId="TCLayout.ActiveDocument.1">
                   <p:embed/>
                 </p:oleObj>
               </mc:Choice>
@@ -20992,10 +20929,10 @@
       </p:sp>
       <p:pic>
         <p:nvPicPr>
-          <p:cNvPr id="6" name="Image 5">
-            <a:extLst>
-              <a:ext uri="{FF2B5EF4-FFF2-40B4-BE49-F238E27FC236}">
-                <a16:creationId xmlns:a16="http://schemas.microsoft.com/office/drawing/2014/main" id="{726D44A8-83B5-414E-8B3E-38DC3E7783CF}"/>
+          <p:cNvPr id="3" name="Image 2">
+            <a:extLst>
+              <a:ext uri="{FF2B5EF4-FFF2-40B4-BE49-F238E27FC236}">
+                <a16:creationId xmlns:a16="http://schemas.microsoft.com/office/drawing/2014/main" id="{DAA50287-B007-4881-8E03-8AABE559CEEE}"/>
               </a:ext>
             </a:extLst>
           </p:cNvPr>
@@ -21012,8 +20949,8 @@
         </p:blipFill>
         <p:spPr>
           <a:xfrm>
-            <a:off x="25088" y="21805"/>
-            <a:ext cx="12141824" cy="5581937"/>
+            <a:off x="18737" y="83038"/>
+            <a:ext cx="12154525" cy="5696243"/>
           </a:xfrm>
           <a:prstGeom prst="rect">
             <a:avLst/>
@@ -21034,16 +20971,15 @@
           </p:cNvPicPr>
           <p:nvPr/>
         </p:nvPicPr>
-        <p:blipFill>
+        <p:blipFill rotWithShape="1">
           <a:blip r:embed="rId7"/>
-          <a:stretch>
-            <a:fillRect/>
-          </a:stretch>
+          <a:srcRect r="2983" b="22512"/>
+          <a:stretch/>
         </p:blipFill>
         <p:spPr>
           <a:xfrm>
-            <a:off x="2590621" y="3561571"/>
-            <a:ext cx="8770130" cy="3312000"/>
+            <a:off x="2401400" y="3927685"/>
+            <a:ext cx="9803300" cy="2956949"/>
           </a:xfrm>
           <a:prstGeom prst="rect">
             <a:avLst/>
@@ -21106,7 +21042,7 @@
           <a:graphicData uri="http://schemas.openxmlformats.org/presentationml/2006/ole">
             <mc:AlternateContent xmlns:mc="http://schemas.openxmlformats.org/markup-compatibility/2006">
               <mc:Choice xmlns:v="urn:schemas-microsoft-com:vml" Requires="v">
-                <p:oleObj spid="_x0000_s46084" name="Diapositive think-cell" r:id="rId4" imgW="415" imgH="416" progId="TCLayout.ActiveDocument.1">
+                <p:oleObj spid="_x0000_s46089" name="Diapositive think-cell" r:id="rId4" imgW="415" imgH="416" progId="TCLayout.ActiveDocument.1">
                   <p:embed/>
                 </p:oleObj>
               </mc:Choice>
@@ -21253,6 +21189,64 @@
           </a:p>
         </p:txBody>
       </p:sp>
+      <p:pic>
+        <p:nvPicPr>
+          <p:cNvPr id="3" name="Image 2">
+            <a:extLst>
+              <a:ext uri="{FF2B5EF4-FFF2-40B4-BE49-F238E27FC236}">
+                <a16:creationId xmlns:a16="http://schemas.microsoft.com/office/drawing/2014/main" id="{46E26DDF-5DE2-4F11-84D4-E15E23A81365}"/>
+              </a:ext>
+            </a:extLst>
+          </p:cNvPr>
+          <p:cNvPicPr>
+            <a:picLocks noChangeAspect="1"/>
+          </p:cNvPicPr>
+          <p:nvPr/>
+        </p:nvPicPr>
+        <p:blipFill rotWithShape="1">
+          <a:blip r:embed="rId6"/>
+          <a:srcRect b="914"/>
+          <a:stretch/>
+        </p:blipFill>
+        <p:spPr>
+          <a:xfrm>
+            <a:off x="18737" y="18267"/>
+            <a:ext cx="12154525" cy="5732294"/>
+          </a:xfrm>
+          <a:prstGeom prst="rect">
+            <a:avLst/>
+          </a:prstGeom>
+        </p:spPr>
+      </p:pic>
+      <p:pic>
+        <p:nvPicPr>
+          <p:cNvPr id="7" name="Image 6">
+            <a:extLst>
+              <a:ext uri="{FF2B5EF4-FFF2-40B4-BE49-F238E27FC236}">
+                <a16:creationId xmlns:a16="http://schemas.microsoft.com/office/drawing/2014/main" id="{91DE87BA-5528-4793-A567-3779C30DA753}"/>
+              </a:ext>
+            </a:extLst>
+          </p:cNvPr>
+          <p:cNvPicPr>
+            <a:picLocks noChangeAspect="1"/>
+          </p:cNvPicPr>
+          <p:nvPr/>
+        </p:nvPicPr>
+        <p:blipFill rotWithShape="1">
+          <a:blip r:embed="rId7"/>
+          <a:srcRect b="22561"/>
+          <a:stretch/>
+        </p:blipFill>
+        <p:spPr>
+          <a:xfrm>
+            <a:off x="2680732" y="3455634"/>
+            <a:ext cx="8796648" cy="3429000"/>
+          </a:xfrm>
+          <a:prstGeom prst="rect">
+            <a:avLst/>
+          </a:prstGeom>
+        </p:spPr>
+      </p:pic>
     </p:spTree>
     <p:extLst>
       <p:ext uri="{BB962C8B-B14F-4D97-AF65-F5344CB8AC3E}">
@@ -22806,439 +22800,6 @@
           <a:chExt cx="0" cy="0"/>
         </a:xfrm>
       </p:grpSpPr>
-      <p:grpSp>
-        <p:nvGrpSpPr>
-          <p:cNvPr id="30" name="Groupe 29">
-            <a:extLst>
-              <a:ext uri="{FF2B5EF4-FFF2-40B4-BE49-F238E27FC236}">
-                <a16:creationId xmlns:a16="http://schemas.microsoft.com/office/drawing/2014/main" id="{59BC9850-3059-4197-89D4-2CFAB90549F4}"/>
-              </a:ext>
-            </a:extLst>
-          </p:cNvPr>
-          <p:cNvGrpSpPr/>
-          <p:nvPr/>
-        </p:nvGrpSpPr>
-        <p:grpSpPr>
-          <a:xfrm>
-            <a:off x="11274812" y="6548470"/>
-            <a:ext cx="912993" cy="305335"/>
-            <a:chOff x="11274812" y="6548470"/>
-            <a:chExt cx="912993" cy="305335"/>
-          </a:xfrm>
-        </p:grpSpPr>
-        <p:sp>
-          <p:nvSpPr>
-            <p:cNvPr id="31" name="Rectangle 30">
-              <a:extLst>
-                <a:ext uri="{FF2B5EF4-FFF2-40B4-BE49-F238E27FC236}">
-                  <a16:creationId xmlns:a16="http://schemas.microsoft.com/office/drawing/2014/main" id="{AEF1AEA9-D638-41F3-AA23-74E14CCF2900}"/>
-                </a:ext>
-              </a:extLst>
-            </p:cNvPr>
-            <p:cNvSpPr/>
-            <p:nvPr/>
-          </p:nvSpPr>
-          <p:spPr>
-            <a:xfrm>
-              <a:off x="11278998" y="6597836"/>
-              <a:ext cx="908807" cy="255969"/>
-            </a:xfrm>
-            <a:prstGeom prst="rect">
-              <a:avLst/>
-            </a:prstGeom>
-            <a:solidFill>
-              <a:srgbClr val="2A0068"/>
-            </a:solidFill>
-            <a:ln>
-              <a:solidFill>
-                <a:srgbClr val="2A0068"/>
-              </a:solidFill>
-            </a:ln>
-          </p:spPr>
-          <p:style>
-            <a:lnRef idx="2">
-              <a:schemeClr val="accent1">
-                <a:shade val="50000"/>
-              </a:schemeClr>
-            </a:lnRef>
-            <a:fillRef idx="1">
-              <a:schemeClr val="accent1"/>
-            </a:fillRef>
-            <a:effectRef idx="0">
-              <a:schemeClr val="accent1"/>
-            </a:effectRef>
-            <a:fontRef idx="minor">
-              <a:schemeClr val="lt1"/>
-            </a:fontRef>
-          </p:style>
-          <p:txBody>
-            <a:bodyPr rtlCol="0" anchor="ctr"/>
-            <a:lstStyle/>
-            <a:p>
-              <a:pPr algn="ctr"/>
-              <a:endParaRPr lang="fr-FR" dirty="0"/>
-            </a:p>
-          </p:txBody>
-        </p:sp>
-        <p:sp>
-          <p:nvSpPr>
-            <p:cNvPr id="32" name="Espace réservé du numéro de diapositive 3">
-              <a:extLst>
-                <a:ext uri="{FF2B5EF4-FFF2-40B4-BE49-F238E27FC236}">
-                  <a16:creationId xmlns:a16="http://schemas.microsoft.com/office/drawing/2014/main" id="{62A0FAC1-C455-41C2-9D82-004C66A15279}"/>
-                </a:ext>
-              </a:extLst>
-            </p:cNvPr>
-            <p:cNvSpPr txBox="1">
-              <a:spLocks/>
-            </p:cNvSpPr>
-            <p:nvPr/>
-          </p:nvSpPr>
-          <p:spPr>
-            <a:xfrm>
-              <a:off x="11341920" y="6642995"/>
-              <a:ext cx="778777" cy="179917"/>
-            </a:xfrm>
-            <a:prstGeom prst="rect">
-              <a:avLst/>
-            </a:prstGeom>
-          </p:spPr>
-          <p:txBody>
-            <a:bodyPr vert="horz" lIns="91440" tIns="45720" rIns="91440" bIns="45720" rtlCol="0" anchor="ctr"/>
-            <a:lstStyle>
-              <a:defPPr>
-                <a:defRPr lang="fr-FR"/>
-              </a:defPPr>
-              <a:lvl1pPr marL="0" algn="r" defTabSz="914400" rtl="0" eaLnBrk="1" latinLnBrk="0" hangingPunct="1">
-                <a:defRPr sz="1200" kern="1200">
-                  <a:solidFill>
-                    <a:schemeClr val="tx1">
-                      <a:tint val="75000"/>
-                    </a:schemeClr>
-                  </a:solidFill>
-                  <a:latin typeface="+mn-lt"/>
-                  <a:ea typeface="+mn-ea"/>
-                  <a:cs typeface="+mn-cs"/>
-                </a:defRPr>
-              </a:lvl1pPr>
-              <a:lvl2pPr marL="457200" algn="l" defTabSz="914400" rtl="0" eaLnBrk="1" latinLnBrk="0" hangingPunct="1">
-                <a:defRPr sz="1800" kern="1200">
-                  <a:solidFill>
-                    <a:schemeClr val="tx1"/>
-                  </a:solidFill>
-                  <a:latin typeface="+mn-lt"/>
-                  <a:ea typeface="+mn-ea"/>
-                  <a:cs typeface="+mn-cs"/>
-                </a:defRPr>
-              </a:lvl2pPr>
-              <a:lvl3pPr marL="914400" algn="l" defTabSz="914400" rtl="0" eaLnBrk="1" latinLnBrk="0" hangingPunct="1">
-                <a:defRPr sz="1800" kern="1200">
-                  <a:solidFill>
-                    <a:schemeClr val="tx1"/>
-                  </a:solidFill>
-                  <a:latin typeface="+mn-lt"/>
-                  <a:ea typeface="+mn-ea"/>
-                  <a:cs typeface="+mn-cs"/>
-                </a:defRPr>
-              </a:lvl3pPr>
-              <a:lvl4pPr marL="1371600" algn="l" defTabSz="914400" rtl="0" eaLnBrk="1" latinLnBrk="0" hangingPunct="1">
-                <a:defRPr sz="1800" kern="1200">
-                  <a:solidFill>
-                    <a:schemeClr val="tx1"/>
-                  </a:solidFill>
-                  <a:latin typeface="+mn-lt"/>
-                  <a:ea typeface="+mn-ea"/>
-                  <a:cs typeface="+mn-cs"/>
-                </a:defRPr>
-              </a:lvl4pPr>
-              <a:lvl5pPr marL="1828800" algn="l" defTabSz="914400" rtl="0" eaLnBrk="1" latinLnBrk="0" hangingPunct="1">
-                <a:defRPr sz="1800" kern="1200">
-                  <a:solidFill>
-                    <a:schemeClr val="tx1"/>
-                  </a:solidFill>
-                  <a:latin typeface="+mn-lt"/>
-                  <a:ea typeface="+mn-ea"/>
-                  <a:cs typeface="+mn-cs"/>
-                </a:defRPr>
-              </a:lvl5pPr>
-              <a:lvl6pPr marL="2286000" algn="l" defTabSz="914400" rtl="0" eaLnBrk="1" latinLnBrk="0" hangingPunct="1">
-                <a:defRPr sz="1800" kern="1200">
-                  <a:solidFill>
-                    <a:schemeClr val="tx1"/>
-                  </a:solidFill>
-                  <a:latin typeface="+mn-lt"/>
-                  <a:ea typeface="+mn-ea"/>
-                  <a:cs typeface="+mn-cs"/>
-                </a:defRPr>
-              </a:lvl6pPr>
-              <a:lvl7pPr marL="2743200" algn="l" defTabSz="914400" rtl="0" eaLnBrk="1" latinLnBrk="0" hangingPunct="1">
-                <a:defRPr sz="1800" kern="1200">
-                  <a:solidFill>
-                    <a:schemeClr val="tx1"/>
-                  </a:solidFill>
-                  <a:latin typeface="+mn-lt"/>
-                  <a:ea typeface="+mn-ea"/>
-                  <a:cs typeface="+mn-cs"/>
-                </a:defRPr>
-              </a:lvl7pPr>
-              <a:lvl8pPr marL="3200400" algn="l" defTabSz="914400" rtl="0" eaLnBrk="1" latinLnBrk="0" hangingPunct="1">
-                <a:defRPr sz="1800" kern="1200">
-                  <a:solidFill>
-                    <a:schemeClr val="tx1"/>
-                  </a:solidFill>
-                  <a:latin typeface="+mn-lt"/>
-                  <a:ea typeface="+mn-ea"/>
-                  <a:cs typeface="+mn-cs"/>
-                </a:defRPr>
-              </a:lvl8pPr>
-              <a:lvl9pPr marL="3657600" algn="l" defTabSz="914400" rtl="0" eaLnBrk="1" latinLnBrk="0" hangingPunct="1">
-                <a:defRPr sz="1800" kern="1200">
-                  <a:solidFill>
-                    <a:schemeClr val="tx1"/>
-                  </a:solidFill>
-                  <a:latin typeface="+mn-lt"/>
-                  <a:ea typeface="+mn-ea"/>
-                  <a:cs typeface="+mn-cs"/>
-                </a:defRPr>
-              </a:lvl9pPr>
-            </a:lstStyle>
-            <a:p>
-              <a:pPr>
-                <a:defRPr/>
-              </a:pPr>
-              <a:r>
-                <a:rPr lang="fr-FR" sz="800" dirty="0">
-                  <a:solidFill>
-                    <a:schemeClr val="bg1"/>
-                  </a:solidFill>
-                  <a:latin typeface="Baloo" panose="03080902040302020200" pitchFamily="66" charset="0"/>
-                  <a:cs typeface="Baloo" panose="03080902040302020200" pitchFamily="66" charset="0"/>
-                </a:rPr>
-                <a:t>PAGE </a:t>
-              </a:r>
-              <a:fld id="{111E0755-5AAA-45F3-A07E-A05D57A9C10E}" type="slidenum">
-                <a:rPr lang="fr-FR" sz="800" smtClean="0">
-                  <a:solidFill>
-                    <a:schemeClr val="bg1"/>
-                  </a:solidFill>
-                  <a:latin typeface="Baloo" panose="03080902040302020200" pitchFamily="66" charset="0"/>
-                  <a:cs typeface="Baloo" panose="03080902040302020200" pitchFamily="66" charset="0"/>
-                </a:rPr>
-                <a:pPr>
-                  <a:defRPr/>
-                </a:pPr>
-                <a:t>20</a:t>
-              </a:fld>
-              <a:endParaRPr lang="fr-FR" sz="800" dirty="0">
-                <a:solidFill>
-                  <a:schemeClr val="bg1"/>
-                </a:solidFill>
-                <a:latin typeface="Baloo" panose="03080902040302020200" pitchFamily="66" charset="0"/>
-                <a:cs typeface="Baloo" panose="03080902040302020200" pitchFamily="66" charset="0"/>
-              </a:endParaRPr>
-            </a:p>
-          </p:txBody>
-        </p:sp>
-        <p:sp>
-          <p:nvSpPr>
-            <p:cNvPr id="33" name="Triangle rectangle 32">
-              <a:extLst>
-                <a:ext uri="{FF2B5EF4-FFF2-40B4-BE49-F238E27FC236}">
-                  <a16:creationId xmlns:a16="http://schemas.microsoft.com/office/drawing/2014/main" id="{BB222F89-35F0-4463-B2DD-04BCACC05AF5}"/>
-                </a:ext>
-              </a:extLst>
-            </p:cNvPr>
-            <p:cNvSpPr/>
-            <p:nvPr/>
-          </p:nvSpPr>
-          <p:spPr>
-            <a:xfrm rot="5400000">
-              <a:off x="11254545" y="6568737"/>
-              <a:ext cx="299720" cy="259186"/>
-            </a:xfrm>
-            <a:prstGeom prst="rtTriangle">
-              <a:avLst/>
-            </a:prstGeom>
-            <a:solidFill>
-              <a:schemeClr val="bg1"/>
-            </a:solidFill>
-            <a:ln>
-              <a:solidFill>
-                <a:schemeClr val="bg1"/>
-              </a:solidFill>
-            </a:ln>
-          </p:spPr>
-          <p:style>
-            <a:lnRef idx="2">
-              <a:schemeClr val="accent1">
-                <a:shade val="50000"/>
-              </a:schemeClr>
-            </a:lnRef>
-            <a:fillRef idx="1">
-              <a:schemeClr val="accent1"/>
-            </a:fillRef>
-            <a:effectRef idx="0">
-              <a:schemeClr val="accent1"/>
-            </a:effectRef>
-            <a:fontRef idx="minor">
-              <a:schemeClr val="lt1"/>
-            </a:fontRef>
-          </p:style>
-          <p:txBody>
-            <a:bodyPr rtlCol="0" anchor="ctr"/>
-            <a:lstStyle/>
-            <a:p>
-              <a:pPr algn="ctr"/>
-              <a:endParaRPr lang="fr-FR" dirty="0"/>
-            </a:p>
-          </p:txBody>
-        </p:sp>
-      </p:grpSp>
-      <p:sp>
-        <p:nvSpPr>
-          <p:cNvPr id="2" name="Rectangle 1">
-            <a:extLst>
-              <a:ext uri="{FF2B5EF4-FFF2-40B4-BE49-F238E27FC236}">
-                <a16:creationId xmlns:a16="http://schemas.microsoft.com/office/drawing/2014/main" id="{2A64376D-B03F-430E-AB31-F93C3268EA01}"/>
-              </a:ext>
-            </a:extLst>
-          </p:cNvPr>
-          <p:cNvSpPr/>
-          <p:nvPr/>
-        </p:nvSpPr>
-        <p:spPr>
-          <a:xfrm>
-            <a:off x="-101600" y="-10160"/>
-            <a:ext cx="12293600" cy="6868160"/>
-          </a:xfrm>
-          <a:prstGeom prst="rect">
-            <a:avLst/>
-          </a:prstGeom>
-          <a:solidFill>
-            <a:srgbClr val="2A0068"/>
-          </a:solidFill>
-          <a:ln>
-            <a:solidFill>
-              <a:srgbClr val="2A0068"/>
-            </a:solidFill>
-          </a:ln>
-        </p:spPr>
-        <p:style>
-          <a:lnRef idx="2">
-            <a:schemeClr val="accent1">
-              <a:shade val="50000"/>
-            </a:schemeClr>
-          </a:lnRef>
-          <a:fillRef idx="1">
-            <a:schemeClr val="accent1"/>
-          </a:fillRef>
-          <a:effectRef idx="0">
-            <a:schemeClr val="accent1"/>
-          </a:effectRef>
-          <a:fontRef idx="minor">
-            <a:schemeClr val="lt1"/>
-          </a:fontRef>
-        </p:style>
-        <p:txBody>
-          <a:bodyPr rtlCol="0" anchor="ctr"/>
-          <a:lstStyle/>
-          <a:p>
-            <a:r>
-              <a:rPr lang="fr-FR" sz="8800" dirty="0"/>
-              <a:t>	4. Conclusion</a:t>
-            </a:r>
-          </a:p>
-          <a:p>
-            <a:r>
-              <a:rPr lang="fr-FR" sz="4000" dirty="0"/>
-              <a:t>	Points d’amélioration possibles</a:t>
-            </a:r>
-          </a:p>
-          <a:p>
-            <a:r>
-              <a:rPr lang="fr-FR" sz="4000" dirty="0"/>
-              <a:t>	Q&amp;A</a:t>
-            </a:r>
-          </a:p>
-          <a:p>
-            <a:r>
-              <a:rPr lang="fr-FR" sz="4000" dirty="0"/>
-              <a:t>	</a:t>
-            </a:r>
-          </a:p>
-        </p:txBody>
-      </p:sp>
-      <p:cxnSp>
-        <p:nvCxnSpPr>
-          <p:cNvPr id="4" name="Connecteur droit 3">
-            <a:extLst>
-              <a:ext uri="{FF2B5EF4-FFF2-40B4-BE49-F238E27FC236}">
-                <a16:creationId xmlns:a16="http://schemas.microsoft.com/office/drawing/2014/main" id="{6628E5E9-8C81-4D31-A167-A0BD9A996233}"/>
-              </a:ext>
-            </a:extLst>
-          </p:cNvPr>
-          <p:cNvCxnSpPr/>
-          <p:nvPr/>
-        </p:nvCxnSpPr>
-        <p:spPr>
-          <a:xfrm>
-            <a:off x="284480" y="3098800"/>
-            <a:ext cx="11446828" cy="0"/>
-          </a:xfrm>
-          <a:prstGeom prst="line">
-            <a:avLst/>
-          </a:prstGeom>
-          <a:ln>
-            <a:solidFill>
-              <a:schemeClr val="bg1"/>
-            </a:solidFill>
-          </a:ln>
-        </p:spPr>
-        <p:style>
-          <a:lnRef idx="1">
-            <a:schemeClr val="accent1"/>
-          </a:lnRef>
-          <a:fillRef idx="0">
-            <a:schemeClr val="accent1"/>
-          </a:fillRef>
-          <a:effectRef idx="0">
-            <a:schemeClr val="accent1"/>
-          </a:effectRef>
-          <a:fontRef idx="minor">
-            <a:schemeClr val="tx1"/>
-          </a:fontRef>
-        </p:style>
-      </p:cxnSp>
-    </p:spTree>
-    <p:extLst>
-      <p:ext uri="{BB962C8B-B14F-4D97-AF65-F5344CB8AC3E}">
-        <p14:creationId xmlns:p14="http://schemas.microsoft.com/office/powerpoint/2010/main" val="2511860389"/>
-      </p:ext>
-    </p:extLst>
-  </p:cSld>
-  <p:clrMapOvr>
-    <a:masterClrMapping/>
-  </p:clrMapOvr>
-</p:sld>
-</file>
-
-<file path=ppt/slides/slide21.xml><?xml version="1.0" encoding="utf-8"?>
-<p:sld xmlns:a="http://schemas.openxmlformats.org/drawingml/2006/main" xmlns:r="http://schemas.openxmlformats.org/officeDocument/2006/relationships" xmlns:p="http://schemas.openxmlformats.org/presentationml/2006/main">
-  <p:cSld>
-    <p:spTree>
-      <p:nvGrpSpPr>
-        <p:cNvPr id="1" name=""/>
-        <p:cNvGrpSpPr/>
-        <p:nvPr/>
-      </p:nvGrpSpPr>
-      <p:grpSpPr>
-        <a:xfrm>
-          <a:off x="0" y="0"/>
-          <a:ext cx="0" cy="0"/>
-          <a:chOff x="0" y="0"/>
-          <a:chExt cx="0" cy="0"/>
-        </a:xfrm>
-      </p:grpSpPr>
       <p:graphicFrame>
         <p:nvGraphicFramePr>
           <p:cNvPr id="5" name="Objet 4" hidden="1">
@@ -23265,7 +22826,7 @@
           <a:graphicData uri="http://schemas.openxmlformats.org/presentationml/2006/ole">
             <mc:AlternateContent xmlns:mc="http://schemas.openxmlformats.org/markup-compatibility/2006">
               <mc:Choice xmlns:v="urn:schemas-microsoft-com:vml" Requires="v">
-                <p:oleObj spid="_x0000_s41989" name="Diapositive think-cell" r:id="rId4" imgW="415" imgH="416" progId="TCLayout.ActiveDocument.1">
+                <p:oleObj spid="_x0000_s49157" name="Diapositive think-cell" r:id="rId4" imgW="415" imgH="416" progId="TCLayout.ActiveDocument.1">
                   <p:embed/>
                 </p:oleObj>
               </mc:Choice>
@@ -23308,32 +22869,30 @@
       </p:graphicFrame>
       <p:sp>
         <p:nvSpPr>
-          <p:cNvPr id="34" name="Rectangle 33">
-            <a:extLst>
-              <a:ext uri="{FF2B5EF4-FFF2-40B4-BE49-F238E27FC236}">
-                <a16:creationId xmlns:a16="http://schemas.microsoft.com/office/drawing/2014/main" id="{86A52CCD-9959-43E4-90E1-14C68071D2EF}"/>
-              </a:ext>
-            </a:extLst>
-          </p:cNvPr>
-          <p:cNvSpPr>
-            <a:spLocks/>
-          </p:cNvSpPr>
+          <p:cNvPr id="4" name="Rectangle 3">
+            <a:extLst>
+              <a:ext uri="{FF2B5EF4-FFF2-40B4-BE49-F238E27FC236}">
+                <a16:creationId xmlns:a16="http://schemas.microsoft.com/office/drawing/2014/main" id="{5FB2769F-594F-433F-A363-4009F6BE7A21}"/>
+              </a:ext>
+            </a:extLst>
+          </p:cNvPr>
+          <p:cNvSpPr/>
           <p:nvPr/>
         </p:nvSpPr>
         <p:spPr>
           <a:xfrm>
-            <a:off x="-1546" y="0"/>
-            <a:ext cx="12193545" cy="544108"/>
+            <a:off x="0" y="0"/>
+            <a:ext cx="12192000" cy="6858000"/>
           </a:xfrm>
           <a:prstGeom prst="rect">
             <a:avLst/>
           </a:prstGeom>
           <a:solidFill>
-            <a:srgbClr val="D7D8D7"/>
+            <a:srgbClr val="0D1117"/>
           </a:solidFill>
           <a:ln>
             <a:solidFill>
-              <a:srgbClr val="D7D8D7"/>
+              <a:schemeClr val="tx1"/>
             </a:solidFill>
           </a:ln>
         </p:spPr>
@@ -23358,49 +22917,36 @@
           <a:lstStyle/>
           <a:p>
             <a:pPr algn="ctr"/>
-            <a:endParaRPr lang="LID4096">
-              <a:uFillTx/>
-            </a:endParaRPr>
+            <a:endParaRPr lang="fr-FR"/>
           </a:p>
         </p:txBody>
       </p:sp>
       <p:sp>
         <p:nvSpPr>
-          <p:cNvPr id="70" name="Oval 21">
-            <a:extLst>
-              <a:ext uri="{FF2B5EF4-FFF2-40B4-BE49-F238E27FC236}">
-                <a16:creationId xmlns:a16="http://schemas.microsoft.com/office/drawing/2014/main" id="{21E00B41-C90D-4BDF-A077-C8F7B556C7BC}"/>
-              </a:ext>
-            </a:extLst>
-          </p:cNvPr>
-          <p:cNvSpPr>
-            <a:spLocks/>
-          </p:cNvSpPr>
+          <p:cNvPr id="9" name="Rectangle 8">
+            <a:extLst>
+              <a:ext uri="{FF2B5EF4-FFF2-40B4-BE49-F238E27FC236}">
+                <a16:creationId xmlns:a16="http://schemas.microsoft.com/office/drawing/2014/main" id="{EEE8DC0B-F961-4AF2-B6F3-95AF3811AC7C}"/>
+              </a:ext>
+            </a:extLst>
+          </p:cNvPr>
+          <p:cNvSpPr/>
           <p:nvPr/>
         </p:nvSpPr>
         <p:spPr>
           <a:xfrm>
-            <a:off x="4891314" y="-223688"/>
-            <a:ext cx="2409372" cy="1008000"/>
-          </a:xfrm>
-          <a:prstGeom prst="ellipse">
+            <a:off x="12700" y="26634"/>
+            <a:ext cx="2376000" cy="6858000"/>
+          </a:xfrm>
+          <a:prstGeom prst="rect">
             <a:avLst/>
           </a:prstGeom>
           <a:solidFill>
-            <a:srgbClr val="D7D8D7"/>
+            <a:srgbClr val="262730"/>
           </a:solidFill>
-          <a:ln w="12700">
-            <a:solidFill>
-              <a:schemeClr val="bg1"/>
-            </a:solidFill>
+          <a:ln>
+            <a:noFill/>
           </a:ln>
-          <a:effectLst>
-            <a:outerShdw blurRad="50800" dist="38100" dir="2700000" algn="tl" rotWithShape="0">
-              <a:srgbClr val="000000">
-                <a:alpha val="40000"/>
-              </a:srgbClr>
-            </a:outerShdw>
-          </a:effectLst>
         </p:spPr>
         <p:style>
           <a:lnRef idx="2">
@@ -23423,253 +22969,70 @@
           <a:lstStyle/>
           <a:p>
             <a:pPr algn="ctr"/>
-            <a:endParaRPr lang="LID4096" dirty="0">
-              <a:solidFill>
-                <a:srgbClr val="2A0068"/>
-              </a:solidFill>
-              <a:uFillTx/>
-              <a:latin typeface="Baloo" panose="03080902040302020200" pitchFamily="66" charset="0"/>
-              <a:cs typeface="Baloo" panose="03080902040302020200" pitchFamily="66" charset="0"/>
-            </a:endParaRPr>
+            <a:endParaRPr lang="fr-FR"/>
           </a:p>
         </p:txBody>
       </p:sp>
-      <p:sp>
-        <p:nvSpPr>
-          <p:cNvPr id="73" name="Rectangle 72">
-            <a:extLst>
-              <a:ext uri="{FF2B5EF4-FFF2-40B4-BE49-F238E27FC236}">
-                <a16:creationId xmlns:a16="http://schemas.microsoft.com/office/drawing/2014/main" id="{9F990D0F-3A28-4858-B939-D0DB6600268A}"/>
-              </a:ext>
-            </a:extLst>
-          </p:cNvPr>
-          <p:cNvSpPr>
-            <a:spLocks/>
-          </p:cNvSpPr>
-          <p:nvPr/>
-        </p:nvSpPr>
-        <p:spPr>
-          <a:xfrm>
-            <a:off x="4530058" y="-249582"/>
-            <a:ext cx="3131884" cy="783727"/>
+      <p:pic>
+        <p:nvPicPr>
+          <p:cNvPr id="6" name="Image 5">
+            <a:extLst>
+              <a:ext uri="{FF2B5EF4-FFF2-40B4-BE49-F238E27FC236}">
+                <a16:creationId xmlns:a16="http://schemas.microsoft.com/office/drawing/2014/main" id="{D6212916-655F-49E5-B949-90ED3FC9F88B}"/>
+              </a:ext>
+            </a:extLst>
+          </p:cNvPr>
+          <p:cNvPicPr>
+            <a:picLocks noChangeAspect="1"/>
+          </p:cNvPicPr>
+          <p:nvPr/>
+        </p:nvPicPr>
+        <p:blipFill>
+          <a:blip r:embed="rId6"/>
+          <a:stretch>
+            <a:fillRect/>
+          </a:stretch>
+        </p:blipFill>
+        <p:spPr>
+          <a:xfrm>
+            <a:off x="25725" y="507851"/>
+            <a:ext cx="12175447" cy="5796000"/>
           </a:xfrm>
           <a:prstGeom prst="rect">
             <a:avLst/>
           </a:prstGeom>
-          <a:solidFill>
-            <a:srgbClr val="D7D8D7"/>
-          </a:solidFill>
-          <a:ln>
-            <a:solidFill>
-              <a:srgbClr val="D7D8D7"/>
-            </a:solidFill>
-          </a:ln>
-        </p:spPr>
-        <p:style>
-          <a:lnRef idx="2">
-            <a:schemeClr val="accent1">
-              <a:shade val="50000"/>
-            </a:schemeClr>
-          </a:lnRef>
-          <a:fillRef idx="1">
-            <a:schemeClr val="accent1"/>
-          </a:fillRef>
-          <a:effectRef idx="0">
-            <a:schemeClr val="accent1"/>
-          </a:effectRef>
-          <a:fontRef idx="minor">
-            <a:schemeClr val="lt1"/>
-          </a:fontRef>
-        </p:style>
-        <p:txBody>
-          <a:bodyPr rtlCol="0" anchor="ctr"/>
-          <a:lstStyle/>
-          <a:p>
-            <a:pPr algn="ctr"/>
-            <a:endParaRPr lang="LID4096">
-              <a:uFillTx/>
-            </a:endParaRPr>
-          </a:p>
-        </p:txBody>
-      </p:sp>
-      <p:cxnSp>
-        <p:nvCxnSpPr>
-          <p:cNvPr id="74" name="Straight Connector 36">
-            <a:extLst>
-              <a:ext uri="{FF2B5EF4-FFF2-40B4-BE49-F238E27FC236}">
-                <a16:creationId xmlns:a16="http://schemas.microsoft.com/office/drawing/2014/main" id="{6AC8BA9A-5A95-442A-86B2-D6471C273567}"/>
-              </a:ext>
-            </a:extLst>
-          </p:cNvPr>
-          <p:cNvCxnSpPr/>
-          <p:nvPr/>
-        </p:nvCxnSpPr>
-        <p:spPr>
-          <a:xfrm>
-            <a:off x="4696733" y="190333"/>
-            <a:ext cx="0" cy="216000"/>
-          </a:xfrm>
-          <a:prstGeom prst="line">
-            <a:avLst/>
-          </a:prstGeom>
-          <a:ln>
-            <a:solidFill>
-              <a:schemeClr val="bg1">
-                <a:lumMod val="75000"/>
-              </a:schemeClr>
-            </a:solidFill>
-          </a:ln>
-        </p:spPr>
-        <p:style>
-          <a:lnRef idx="1">
-            <a:schemeClr val="accent1"/>
-          </a:lnRef>
-          <a:fillRef idx="0">
-            <a:schemeClr val="accent1"/>
-          </a:fillRef>
-          <a:effectRef idx="0">
-            <a:schemeClr val="accent1"/>
-          </a:effectRef>
-          <a:fontRef idx="minor">
-            <a:schemeClr val="tx1"/>
-          </a:fontRef>
-        </p:style>
-      </p:cxnSp>
-      <p:cxnSp>
-        <p:nvCxnSpPr>
-          <p:cNvPr id="75" name="Straight Connector 36">
-            <a:extLst>
-              <a:ext uri="{FF2B5EF4-FFF2-40B4-BE49-F238E27FC236}">
-                <a16:creationId xmlns:a16="http://schemas.microsoft.com/office/drawing/2014/main" id="{3F5750F7-3C85-48DA-BD57-0EB1C694D16F}"/>
-              </a:ext>
-            </a:extLst>
-          </p:cNvPr>
-          <p:cNvCxnSpPr/>
-          <p:nvPr/>
-        </p:nvCxnSpPr>
-        <p:spPr>
-          <a:xfrm>
-            <a:off x="2028856" y="197590"/>
-            <a:ext cx="0" cy="216000"/>
-          </a:xfrm>
-          <a:prstGeom prst="line">
-            <a:avLst/>
-          </a:prstGeom>
-          <a:ln>
-            <a:solidFill>
-              <a:schemeClr val="bg1">
-                <a:lumMod val="75000"/>
-              </a:schemeClr>
-            </a:solidFill>
-          </a:ln>
-        </p:spPr>
-        <p:style>
-          <a:lnRef idx="1">
-            <a:schemeClr val="accent1"/>
-          </a:lnRef>
-          <a:fillRef idx="0">
-            <a:schemeClr val="accent1"/>
-          </a:fillRef>
-          <a:effectRef idx="0">
-            <a:schemeClr val="accent1"/>
-          </a:effectRef>
-          <a:fontRef idx="minor">
-            <a:schemeClr val="tx1"/>
-          </a:fontRef>
-        </p:style>
-      </p:cxnSp>
-      <p:sp>
-        <p:nvSpPr>
-          <p:cNvPr id="79" name="TextBox 26">
-            <a:extLst>
-              <a:ext uri="{FF2B5EF4-FFF2-40B4-BE49-F238E27FC236}">
-                <a16:creationId xmlns:a16="http://schemas.microsoft.com/office/drawing/2014/main" id="{39F69F4E-3B4A-41B5-8C1D-64E9A4BC90EE}"/>
-              </a:ext>
-            </a:extLst>
-          </p:cNvPr>
-          <p:cNvSpPr txBox="1">
-            <a:spLocks/>
-          </p:cNvSpPr>
-          <p:nvPr/>
-        </p:nvSpPr>
-        <p:spPr>
-          <a:xfrm>
-            <a:off x="7287" y="142281"/>
-            <a:ext cx="2052000" cy="307777"/>
-          </a:xfrm>
-          <a:prstGeom prst="rect">
-            <a:avLst/>
-          </a:prstGeom>
-          <a:noFill/>
-          <a:ln>
-            <a:noFill/>
-          </a:ln>
-        </p:spPr>
-        <p:txBody>
-          <a:bodyPr wrap="square" rtlCol="0">
-            <a:spAutoFit/>
-          </a:bodyPr>
-          <a:lstStyle/>
-          <a:p>
-            <a:pPr algn="ctr"/>
-            <a:r>
-              <a:rPr lang="fr-FR" sz="1400" b="1" dirty="0">
-                <a:solidFill>
-                  <a:schemeClr val="accent3"/>
-                </a:solidFill>
-                <a:latin typeface="Trebuchet MS" panose="020B0603020202020204" pitchFamily="34" charset="0"/>
-              </a:rPr>
-              <a:t>CONTEXTE</a:t>
-            </a:r>
-          </a:p>
-        </p:txBody>
-      </p:sp>
-      <p:sp>
-        <p:nvSpPr>
-          <p:cNvPr id="81" name="TextBox 26">
-            <a:extLst>
-              <a:ext uri="{FF2B5EF4-FFF2-40B4-BE49-F238E27FC236}">
-                <a16:creationId xmlns:a16="http://schemas.microsoft.com/office/drawing/2014/main" id="{57D0B7C0-DC57-431F-8DD5-2F8B24747D09}"/>
-              </a:ext>
-            </a:extLst>
-          </p:cNvPr>
-          <p:cNvSpPr txBox="1">
-            <a:spLocks/>
-          </p:cNvSpPr>
-          <p:nvPr/>
-        </p:nvSpPr>
-        <p:spPr>
-          <a:xfrm>
-            <a:off x="2059287" y="146805"/>
-            <a:ext cx="2891751" cy="305940"/>
-          </a:xfrm>
-          <a:prstGeom prst="rect">
-            <a:avLst/>
-          </a:prstGeom>
-          <a:noFill/>
-          <a:ln>
-            <a:noFill/>
-          </a:ln>
-        </p:spPr>
-        <p:txBody>
-          <a:bodyPr wrap="square" rtlCol="0">
-            <a:spAutoFit/>
-          </a:bodyPr>
-          <a:lstStyle/>
-          <a:p>
-            <a:pPr algn="ctr"/>
-            <a:r>
-              <a:rPr lang="fr-FR" sz="1400" b="1" dirty="0">
-                <a:solidFill>
-                  <a:schemeClr val="accent3"/>
-                </a:solidFill>
-                <a:latin typeface="Trebuchet MS" panose="020B0603020202020204" pitchFamily="34" charset="0"/>
-              </a:rPr>
-              <a:t>MODÉLISATION</a:t>
-            </a:r>
-          </a:p>
-        </p:txBody>
-      </p:sp>
+        </p:spPr>
+      </p:pic>
+    </p:spTree>
+    <p:extLst>
+      <p:ext uri="{BB962C8B-B14F-4D97-AF65-F5344CB8AC3E}">
+        <p14:creationId xmlns:p14="http://schemas.microsoft.com/office/powerpoint/2010/main" val="3291461028"/>
+      </p:ext>
+    </p:extLst>
+  </p:cSld>
+  <p:clrMapOvr>
+    <a:masterClrMapping/>
+  </p:clrMapOvr>
+</p:sld>
+</file>
+
+<file path=ppt/slides/slide21.xml><?xml version="1.0" encoding="utf-8"?>
+<p:sld xmlns:a="http://schemas.openxmlformats.org/drawingml/2006/main" xmlns:r="http://schemas.openxmlformats.org/officeDocument/2006/relationships" xmlns:p="http://schemas.openxmlformats.org/presentationml/2006/main">
+  <p:cSld>
+    <p:spTree>
+      <p:nvGrpSpPr>
+        <p:cNvPr id="1" name=""/>
+        <p:cNvGrpSpPr/>
+        <p:nvPr/>
+      </p:nvGrpSpPr>
+      <p:grpSpPr>
+        <a:xfrm>
+          <a:off x="0" y="0"/>
+          <a:ext cx="0" cy="0"/>
+          <a:chOff x="0" y="0"/>
+          <a:chExt cx="0" cy="0"/>
+        </a:xfrm>
+      </p:grpSpPr>
       <p:grpSp>
         <p:nvGrpSpPr>
           <p:cNvPr id="30" name="Groupe 29">
@@ -23958,375 +23321,34 @@
           </p:txBody>
         </p:sp>
       </p:grpSp>
-      <p:pic>
-        <p:nvPicPr>
-          <p:cNvPr id="3" name="Image 2">
-            <a:extLst>
-              <a:ext uri="{FF2B5EF4-FFF2-40B4-BE49-F238E27FC236}">
-                <a16:creationId xmlns:a16="http://schemas.microsoft.com/office/drawing/2014/main" id="{7A389926-05FB-4C34-A31D-E1334EF99F46}"/>
-              </a:ext>
-            </a:extLst>
-          </p:cNvPr>
-          <p:cNvPicPr>
-            <a:picLocks noChangeAspect="1"/>
-          </p:cNvPicPr>
-          <p:nvPr/>
-        </p:nvPicPr>
-        <p:blipFill>
-          <a:blip r:embed="rId6"/>
-          <a:stretch>
-            <a:fillRect/>
-          </a:stretch>
-        </p:blipFill>
-        <p:spPr>
-          <a:xfrm>
-            <a:off x="4848447" y="0"/>
-            <a:ext cx="2524125" cy="495300"/>
+      <p:sp>
+        <p:nvSpPr>
+          <p:cNvPr id="2" name="Rectangle 1">
+            <a:extLst>
+              <a:ext uri="{FF2B5EF4-FFF2-40B4-BE49-F238E27FC236}">
+                <a16:creationId xmlns:a16="http://schemas.microsoft.com/office/drawing/2014/main" id="{2A64376D-B03F-430E-AB31-F93C3268EA01}"/>
+              </a:ext>
+            </a:extLst>
+          </p:cNvPr>
+          <p:cNvSpPr/>
+          <p:nvPr/>
+        </p:nvSpPr>
+        <p:spPr>
+          <a:xfrm>
+            <a:off x="-101600" y="-10160"/>
+            <a:ext cx="12293600" cy="6868160"/>
           </a:xfrm>
           <a:prstGeom prst="rect">
             <a:avLst/>
           </a:prstGeom>
-        </p:spPr>
-      </p:pic>
-      <p:cxnSp>
-        <p:nvCxnSpPr>
-          <p:cNvPr id="71" name="Straight Connector 22">
-            <a:extLst>
-              <a:ext uri="{FF2B5EF4-FFF2-40B4-BE49-F238E27FC236}">
-                <a16:creationId xmlns:a16="http://schemas.microsoft.com/office/drawing/2014/main" id="{3E677F3D-C08E-49B3-BFF4-7E1553EE5144}"/>
-              </a:ext>
-            </a:extLst>
-          </p:cNvPr>
-          <p:cNvCxnSpPr>
-            <a:cxnSpLocks/>
-          </p:cNvCxnSpPr>
-          <p:nvPr/>
-        </p:nvCxnSpPr>
-        <p:spPr>
-          <a:xfrm>
-            <a:off x="-21590" y="548496"/>
-            <a:ext cx="5117779" cy="14365"/>
-          </a:xfrm>
-          <a:prstGeom prst="line">
-            <a:avLst/>
-          </a:prstGeom>
-          <a:ln w="12700">
+          <a:solidFill>
+            <a:srgbClr val="2A0068"/>
+          </a:solidFill>
+          <a:ln>
             <a:solidFill>
-              <a:schemeClr val="bg1"/>
+              <a:srgbClr val="2A0068"/>
             </a:solidFill>
           </a:ln>
-          <a:effectLst>
-            <a:outerShdw blurRad="50800" dist="38100" dir="2700000" algn="tl" rotWithShape="0">
-              <a:srgbClr val="000000">
-                <a:alpha val="40000"/>
-              </a:srgbClr>
-            </a:outerShdw>
-          </a:effectLst>
-        </p:spPr>
-        <p:style>
-          <a:lnRef idx="1">
-            <a:schemeClr val="accent1"/>
-          </a:lnRef>
-          <a:fillRef idx="0">
-            <a:schemeClr val="accent1"/>
-          </a:fillRef>
-          <a:effectRef idx="0">
-            <a:schemeClr val="accent1"/>
-          </a:effectRef>
-          <a:fontRef idx="minor">
-            <a:schemeClr val="tx1"/>
-          </a:fontRef>
-        </p:style>
-      </p:cxnSp>
-      <p:sp>
-        <p:nvSpPr>
-          <p:cNvPr id="22" name="Rectangle 21">
-            <a:extLst>
-              <a:ext uri="{FF2B5EF4-FFF2-40B4-BE49-F238E27FC236}">
-                <a16:creationId xmlns:a16="http://schemas.microsoft.com/office/drawing/2014/main" id="{B3E40F35-6F18-4795-94D0-0D751C6B0722}"/>
-              </a:ext>
-            </a:extLst>
-          </p:cNvPr>
-          <p:cNvSpPr/>
-          <p:nvPr/>
-        </p:nvSpPr>
-        <p:spPr>
-          <a:xfrm>
-            <a:off x="353226" y="892388"/>
-            <a:ext cx="11484000" cy="523220"/>
-          </a:xfrm>
-          <a:prstGeom prst="rect">
-            <a:avLst/>
-          </a:prstGeom>
-          <a:ln>
-            <a:noFill/>
-          </a:ln>
-        </p:spPr>
-        <p:txBody>
-          <a:bodyPr wrap="square">
-            <a:spAutoFit/>
-          </a:bodyPr>
-          <a:lstStyle/>
-          <a:p>
-            <a:r>
-              <a:rPr lang="fr-FR" sz="2800" b="1" dirty="0">
-                <a:solidFill>
-                  <a:srgbClr val="2A0068"/>
-                </a:solidFill>
-              </a:rPr>
-              <a:t>Points d’améliorations</a:t>
-            </a:r>
-          </a:p>
-        </p:txBody>
-      </p:sp>
-      <p:sp>
-        <p:nvSpPr>
-          <p:cNvPr id="40" name="TextBox 26">
-            <a:extLst>
-              <a:ext uri="{FF2B5EF4-FFF2-40B4-BE49-F238E27FC236}">
-                <a16:creationId xmlns:a16="http://schemas.microsoft.com/office/drawing/2014/main" id="{7F06B964-FE45-44D1-A532-BC3FA2FDC537}"/>
-              </a:ext>
-            </a:extLst>
-          </p:cNvPr>
-          <p:cNvSpPr txBox="1">
-            <a:spLocks/>
-          </p:cNvSpPr>
-          <p:nvPr/>
-        </p:nvSpPr>
-        <p:spPr>
-          <a:xfrm>
-            <a:off x="7424298" y="146062"/>
-            <a:ext cx="2664000" cy="307777"/>
-          </a:xfrm>
-          <a:prstGeom prst="rect">
-            <a:avLst/>
-          </a:prstGeom>
-          <a:noFill/>
-          <a:ln>
-            <a:noFill/>
-          </a:ln>
-        </p:spPr>
-        <p:txBody>
-          <a:bodyPr wrap="square" rtlCol="0">
-            <a:spAutoFit/>
-          </a:bodyPr>
-          <a:lstStyle/>
-          <a:p>
-            <a:pPr algn="ctr"/>
-            <a:r>
-              <a:rPr lang="fr-FR" sz="1400" b="1" dirty="0">
-                <a:solidFill>
-                  <a:srgbClr val="2A0068"/>
-                </a:solidFill>
-                <a:latin typeface="Trebuchet MS" panose="020B0603020202020204" pitchFamily="34" charset="0"/>
-              </a:rPr>
-              <a:t>DASHBOARD</a:t>
-            </a:r>
-          </a:p>
-        </p:txBody>
-      </p:sp>
-      <p:cxnSp>
-        <p:nvCxnSpPr>
-          <p:cNvPr id="41" name="Straight Connector 36">
-            <a:extLst>
-              <a:ext uri="{FF2B5EF4-FFF2-40B4-BE49-F238E27FC236}">
-                <a16:creationId xmlns:a16="http://schemas.microsoft.com/office/drawing/2014/main" id="{00C750FE-B05E-4CEA-853A-6B0B947ECC04}"/>
-              </a:ext>
-            </a:extLst>
-          </p:cNvPr>
-          <p:cNvCxnSpPr/>
-          <p:nvPr/>
-        </p:nvCxnSpPr>
-        <p:spPr>
-          <a:xfrm>
-            <a:off x="7536962" y="199069"/>
-            <a:ext cx="0" cy="216000"/>
-          </a:xfrm>
-          <a:prstGeom prst="line">
-            <a:avLst/>
-          </a:prstGeom>
-          <a:ln>
-            <a:solidFill>
-              <a:schemeClr val="bg1">
-                <a:lumMod val="75000"/>
-              </a:schemeClr>
-            </a:solidFill>
-          </a:ln>
-        </p:spPr>
-        <p:style>
-          <a:lnRef idx="1">
-            <a:schemeClr val="accent1"/>
-          </a:lnRef>
-          <a:fillRef idx="0">
-            <a:schemeClr val="accent1"/>
-          </a:fillRef>
-          <a:effectRef idx="0">
-            <a:schemeClr val="accent1"/>
-          </a:effectRef>
-          <a:fontRef idx="minor">
-            <a:schemeClr val="tx1"/>
-          </a:fontRef>
-        </p:style>
-      </p:cxnSp>
-      <p:sp>
-        <p:nvSpPr>
-          <p:cNvPr id="42" name="TextBox 26">
-            <a:extLst>
-              <a:ext uri="{FF2B5EF4-FFF2-40B4-BE49-F238E27FC236}">
-                <a16:creationId xmlns:a16="http://schemas.microsoft.com/office/drawing/2014/main" id="{FE588524-D155-4A00-A514-94869C5E5025}"/>
-              </a:ext>
-            </a:extLst>
-          </p:cNvPr>
-          <p:cNvSpPr txBox="1">
-            <a:spLocks/>
-          </p:cNvSpPr>
-          <p:nvPr/>
-        </p:nvSpPr>
-        <p:spPr>
-          <a:xfrm>
-            <a:off x="10103603" y="144968"/>
-            <a:ext cx="2052000" cy="307777"/>
-          </a:xfrm>
-          <a:prstGeom prst="rect">
-            <a:avLst/>
-          </a:prstGeom>
-          <a:noFill/>
-          <a:ln>
-            <a:noFill/>
-          </a:ln>
-        </p:spPr>
-        <p:txBody>
-          <a:bodyPr wrap="square" rtlCol="0">
-            <a:spAutoFit/>
-          </a:bodyPr>
-          <a:lstStyle/>
-          <a:p>
-            <a:pPr algn="ctr"/>
-            <a:r>
-              <a:rPr lang="fr-FR" sz="1400" b="1" dirty="0">
-                <a:solidFill>
-                  <a:schemeClr val="accent3"/>
-                </a:solidFill>
-                <a:latin typeface="Trebuchet MS" panose="020B0603020202020204" pitchFamily="34" charset="0"/>
-              </a:rPr>
-              <a:t>CONCLUSION / Q&amp;A</a:t>
-            </a:r>
-          </a:p>
-        </p:txBody>
-      </p:sp>
-      <p:cxnSp>
-        <p:nvCxnSpPr>
-          <p:cNvPr id="43" name="Straight Connector 36">
-            <a:extLst>
-              <a:ext uri="{FF2B5EF4-FFF2-40B4-BE49-F238E27FC236}">
-                <a16:creationId xmlns:a16="http://schemas.microsoft.com/office/drawing/2014/main" id="{7718A675-293C-49B9-8796-EB7B4B00B458}"/>
-              </a:ext>
-            </a:extLst>
-          </p:cNvPr>
-          <p:cNvCxnSpPr/>
-          <p:nvPr/>
-        </p:nvCxnSpPr>
-        <p:spPr>
-          <a:xfrm>
-            <a:off x="10081246" y="197450"/>
-            <a:ext cx="0" cy="216000"/>
-          </a:xfrm>
-          <a:prstGeom prst="line">
-            <a:avLst/>
-          </a:prstGeom>
-          <a:ln>
-            <a:solidFill>
-              <a:schemeClr val="bg1">
-                <a:lumMod val="75000"/>
-              </a:schemeClr>
-            </a:solidFill>
-          </a:ln>
-        </p:spPr>
-        <p:style>
-          <a:lnRef idx="1">
-            <a:schemeClr val="accent1"/>
-          </a:lnRef>
-          <a:fillRef idx="0">
-            <a:schemeClr val="accent1"/>
-          </a:fillRef>
-          <a:effectRef idx="0">
-            <a:schemeClr val="accent1"/>
-          </a:effectRef>
-          <a:fontRef idx="minor">
-            <a:schemeClr val="tx1"/>
-          </a:fontRef>
-        </p:style>
-      </p:cxnSp>
-      <p:cxnSp>
-        <p:nvCxnSpPr>
-          <p:cNvPr id="44" name="Straight Connector 23">
-            <a:extLst>
-              <a:ext uri="{FF2B5EF4-FFF2-40B4-BE49-F238E27FC236}">
-                <a16:creationId xmlns:a16="http://schemas.microsoft.com/office/drawing/2014/main" id="{BF677A9E-33AD-4749-AA81-4DFE76D51288}"/>
-              </a:ext>
-            </a:extLst>
-          </p:cNvPr>
-          <p:cNvCxnSpPr>
-            <a:cxnSpLocks/>
-          </p:cNvCxnSpPr>
-          <p:nvPr/>
-        </p:nvCxnSpPr>
-        <p:spPr>
-          <a:xfrm flipV="1">
-            <a:off x="7103948" y="540993"/>
-            <a:ext cx="5118532" cy="11708"/>
-          </a:xfrm>
-          <a:prstGeom prst="line">
-            <a:avLst/>
-          </a:prstGeom>
-          <a:ln w="12700">
-            <a:solidFill>
-              <a:schemeClr val="bg1"/>
-            </a:solidFill>
-          </a:ln>
-          <a:effectLst>
-            <a:outerShdw blurRad="50800" dist="38100" dir="2700000" algn="tl" rotWithShape="0">
-              <a:srgbClr val="000000">
-                <a:alpha val="40000"/>
-              </a:srgbClr>
-            </a:outerShdw>
-          </a:effectLst>
-        </p:spPr>
-        <p:style>
-          <a:lnRef idx="1">
-            <a:schemeClr val="accent1"/>
-          </a:lnRef>
-          <a:fillRef idx="0">
-            <a:schemeClr val="accent1"/>
-          </a:fillRef>
-          <a:effectRef idx="0">
-            <a:schemeClr val="accent1"/>
-          </a:effectRef>
-          <a:fontRef idx="minor">
-            <a:schemeClr val="tx1"/>
-          </a:fontRef>
-        </p:style>
-      </p:cxnSp>
-      <p:sp>
-        <p:nvSpPr>
-          <p:cNvPr id="26" name="Rectangle 25">
-            <a:extLst>
-              <a:ext uri="{FF2B5EF4-FFF2-40B4-BE49-F238E27FC236}">
-                <a16:creationId xmlns:a16="http://schemas.microsoft.com/office/drawing/2014/main" id="{7AB40AB7-2145-4A11-94BC-E88DBECBC45B}"/>
-              </a:ext>
-            </a:extLst>
-          </p:cNvPr>
-          <p:cNvSpPr/>
-          <p:nvPr/>
-        </p:nvSpPr>
-        <p:spPr>
-          <a:xfrm>
-            <a:off x="623352" y="1415608"/>
-            <a:ext cx="5977114" cy="4631082"/>
-          </a:xfrm>
-          <a:prstGeom prst="rect">
-            <a:avLst/>
-          </a:prstGeom>
         </p:spPr>
         <p:style>
           <a:lnRef idx="2">
@@ -24348,90 +23370,76 @@
           <a:bodyPr rtlCol="0" anchor="ctr"/>
           <a:lstStyle/>
           <a:p>
-            <a:pPr algn="ctr"/>
-            <a:r>
-              <a:rPr lang="fr-FR" dirty="0"/>
-              <a:t>Créer un indicateur + rajouter dans le dashboard</a:t>
-            </a:r>
-          </a:p>
-          <a:p>
-            <a:pPr marL="285750" indent="-285750" algn="ctr">
-              <a:buFontTx/>
-              <a:buChar char="-"/>
-            </a:pPr>
-            <a:r>
-              <a:rPr lang="fr-FR" dirty="0"/>
-              <a:t>Proba client, à partir de ça on peut se dire qu’un crédit réussi à 3% de 3000 euros</a:t>
-            </a:r>
-          </a:p>
-          <a:p>
-            <a:pPr marL="285750" indent="-285750" algn="ctr">
-              <a:buFontTx/>
-              <a:buChar char="-"/>
-            </a:pPr>
-            <a:r>
-              <a:rPr lang="fr-FR" dirty="0"/>
-              <a:t>Un crédit qui </a:t>
-            </a:r>
-            <a:r>
-              <a:rPr lang="fr-FR" dirty="0" err="1"/>
-              <a:t>faile</a:t>
-            </a:r>
-            <a:endParaRPr lang="fr-FR" dirty="0"/>
-          </a:p>
-          <a:p>
-            <a:pPr marL="285750" indent="-285750" algn="ctr">
-              <a:buFontTx/>
-              <a:buChar char="-"/>
-            </a:pPr>
-            <a:r>
-              <a:rPr lang="fr-FR" dirty="0"/>
-              <a:t>Qu’est-ce qu’il se passe si je rejette un client par erreur</a:t>
-            </a:r>
-          </a:p>
-          <a:p>
-            <a:pPr marL="285750" indent="-285750" algn="ctr">
-              <a:buFontTx/>
-              <a:buChar char="-"/>
-            </a:pPr>
-            <a:r>
-              <a:rPr lang="fr-FR" dirty="0"/>
-              <a:t>Cout d’un crédit accepté qui va faire défaut, crédit non accepté qui ne va pas faire défaut</a:t>
-            </a:r>
-          </a:p>
-          <a:p>
-            <a:pPr marL="285750" indent="-285750" algn="ctr">
-              <a:buFontTx/>
-              <a:buChar char="-"/>
-            </a:pPr>
-            <a:r>
-              <a:rPr lang="fr-FR" dirty="0"/>
-              <a:t>Ou le mettre dans le dashboard aussi</a:t>
-            </a:r>
-          </a:p>
-          <a:p>
-            <a:pPr marL="285750" indent="-285750" algn="ctr">
-              <a:buFontTx/>
-              <a:buChar char="-"/>
-            </a:pPr>
-            <a:endParaRPr lang="fr-FR" dirty="0"/>
-          </a:p>
-          <a:p>
-            <a:pPr marL="285750" indent="-285750" algn="ctr">
-              <a:buFontTx/>
-              <a:buChar char="-"/>
-            </a:pPr>
-            <a:r>
-              <a:rPr lang="fr-FR" dirty="0"/>
-              <a:t>Base du crédit et son gain marginal, à partir de ça on sait combien on va gagner/perdre (taux x crédit ce qu’on gagne, le crédit pour ce qu’on perd)</a:t>
+            <a:r>
+              <a:rPr lang="fr-FR" sz="8800" dirty="0"/>
+              <a:t>	4. Conclusion</a:t>
+            </a:r>
+          </a:p>
+          <a:p>
+            <a:r>
+              <a:rPr lang="fr-FR" sz="4000" dirty="0"/>
+              <a:t>	Points d’amélioration possibles</a:t>
+            </a:r>
+          </a:p>
+          <a:p>
+            <a:r>
+              <a:rPr lang="fr-FR" sz="4000" dirty="0"/>
+              <a:t>	Q&amp;A</a:t>
+            </a:r>
+          </a:p>
+          <a:p>
+            <a:r>
+              <a:rPr lang="fr-FR" sz="4000" dirty="0"/>
+              <a:t>	</a:t>
             </a:r>
           </a:p>
         </p:txBody>
       </p:sp>
+      <p:cxnSp>
+        <p:nvCxnSpPr>
+          <p:cNvPr id="4" name="Connecteur droit 3">
+            <a:extLst>
+              <a:ext uri="{FF2B5EF4-FFF2-40B4-BE49-F238E27FC236}">
+                <a16:creationId xmlns:a16="http://schemas.microsoft.com/office/drawing/2014/main" id="{6628E5E9-8C81-4D31-A167-A0BD9A996233}"/>
+              </a:ext>
+            </a:extLst>
+          </p:cNvPr>
+          <p:cNvCxnSpPr/>
+          <p:nvPr/>
+        </p:nvCxnSpPr>
+        <p:spPr>
+          <a:xfrm>
+            <a:off x="284480" y="3098800"/>
+            <a:ext cx="11446828" cy="0"/>
+          </a:xfrm>
+          <a:prstGeom prst="line">
+            <a:avLst/>
+          </a:prstGeom>
+          <a:ln>
+            <a:solidFill>
+              <a:schemeClr val="bg1"/>
+            </a:solidFill>
+          </a:ln>
+        </p:spPr>
+        <p:style>
+          <a:lnRef idx="1">
+            <a:schemeClr val="accent1"/>
+          </a:lnRef>
+          <a:fillRef idx="0">
+            <a:schemeClr val="accent1"/>
+          </a:fillRef>
+          <a:effectRef idx="0">
+            <a:schemeClr val="accent1"/>
+          </a:effectRef>
+          <a:fontRef idx="minor">
+            <a:schemeClr val="tx1"/>
+          </a:fontRef>
+        </p:style>
+      </p:cxnSp>
     </p:spTree>
     <p:extLst>
       <p:ext uri="{BB962C8B-B14F-4D97-AF65-F5344CB8AC3E}">
-        <p14:creationId xmlns:p14="http://schemas.microsoft.com/office/powerpoint/2010/main" val="216155630"/>
+        <p14:creationId xmlns:p14="http://schemas.microsoft.com/office/powerpoint/2010/main" val="2511860389"/>
       </p:ext>
     </p:extLst>
   </p:cSld>
@@ -24458,6 +23466,437 @@
           <a:chExt cx="0" cy="0"/>
         </a:xfrm>
       </p:grpSpPr>
+      <p:graphicFrame>
+        <p:nvGraphicFramePr>
+          <p:cNvPr id="5" name="Objet 4" hidden="1">
+            <a:extLst>
+              <a:ext uri="{FF2B5EF4-FFF2-40B4-BE49-F238E27FC236}">
+                <a16:creationId xmlns:a16="http://schemas.microsoft.com/office/drawing/2014/main" id="{563ECDA8-3053-4B9E-8D6A-AAF5BC86A822}"/>
+              </a:ext>
+            </a:extLst>
+          </p:cNvPr>
+          <p:cNvGraphicFramePr>
+            <a:graphicFrameLocks noChangeAspect="1"/>
+          </p:cNvGraphicFramePr>
+          <p:nvPr>
+            <p:custDataLst>
+              <p:tags r:id="rId2"/>
+            </p:custDataLst>
+          </p:nvPr>
+        </p:nvGraphicFramePr>
+        <p:xfrm>
+          <a:off x="1588" y="1588"/>
+          <a:ext cx="1588" cy="1588"/>
+        </p:xfrm>
+        <a:graphic>
+          <a:graphicData uri="http://schemas.openxmlformats.org/presentationml/2006/ole">
+            <mc:AlternateContent xmlns:mc="http://schemas.openxmlformats.org/markup-compatibility/2006">
+              <mc:Choice xmlns:v="urn:schemas-microsoft-com:vml" Requires="v">
+                <p:oleObj spid="_x0000_s41996" name="Diapositive think-cell" r:id="rId4" imgW="415" imgH="416" progId="TCLayout.ActiveDocument.1">
+                  <p:embed/>
+                </p:oleObj>
+              </mc:Choice>
+              <mc:Fallback>
+                <p:oleObj name="Diapositive think-cell" r:id="rId4" imgW="415" imgH="416" progId="TCLayout.ActiveDocument.1">
+                  <p:embed/>
+                  <p:pic>
+                    <p:nvPicPr>
+                      <p:cNvPr id="5" name="Objet 4" hidden="1">
+                        <a:extLst>
+                          <a:ext uri="{FF2B5EF4-FFF2-40B4-BE49-F238E27FC236}">
+                            <a16:creationId xmlns:a16="http://schemas.microsoft.com/office/drawing/2014/main" id="{563ECDA8-3053-4B9E-8D6A-AAF5BC86A822}"/>
+                          </a:ext>
+                        </a:extLst>
+                      </p:cNvPr>
+                      <p:cNvPicPr/>
+                      <p:nvPr/>
+                    </p:nvPicPr>
+                    <p:blipFill>
+                      <a:blip r:embed="rId5"/>
+                      <a:stretch>
+                        <a:fillRect/>
+                      </a:stretch>
+                    </p:blipFill>
+                    <p:spPr>
+                      <a:xfrm>
+                        <a:off x="1588" y="1588"/>
+                        <a:ext cx="1588" cy="1588"/>
+                      </a:xfrm>
+                      <a:prstGeom prst="rect">
+                        <a:avLst/>
+                      </a:prstGeom>
+                    </p:spPr>
+                  </p:pic>
+                </p:oleObj>
+              </mc:Fallback>
+            </mc:AlternateContent>
+          </a:graphicData>
+        </a:graphic>
+      </p:graphicFrame>
+      <p:sp>
+        <p:nvSpPr>
+          <p:cNvPr id="34" name="Rectangle 33">
+            <a:extLst>
+              <a:ext uri="{FF2B5EF4-FFF2-40B4-BE49-F238E27FC236}">
+                <a16:creationId xmlns:a16="http://schemas.microsoft.com/office/drawing/2014/main" id="{86A52CCD-9959-43E4-90E1-14C68071D2EF}"/>
+              </a:ext>
+            </a:extLst>
+          </p:cNvPr>
+          <p:cNvSpPr>
+            <a:spLocks/>
+          </p:cNvSpPr>
+          <p:nvPr/>
+        </p:nvSpPr>
+        <p:spPr>
+          <a:xfrm>
+            <a:off x="-1546" y="0"/>
+            <a:ext cx="12193545" cy="544108"/>
+          </a:xfrm>
+          <a:prstGeom prst="rect">
+            <a:avLst/>
+          </a:prstGeom>
+          <a:solidFill>
+            <a:srgbClr val="D7D8D7"/>
+          </a:solidFill>
+          <a:ln>
+            <a:solidFill>
+              <a:srgbClr val="D7D8D7"/>
+            </a:solidFill>
+          </a:ln>
+        </p:spPr>
+        <p:style>
+          <a:lnRef idx="2">
+            <a:schemeClr val="accent1">
+              <a:shade val="50000"/>
+            </a:schemeClr>
+          </a:lnRef>
+          <a:fillRef idx="1">
+            <a:schemeClr val="accent1"/>
+          </a:fillRef>
+          <a:effectRef idx="0">
+            <a:schemeClr val="accent1"/>
+          </a:effectRef>
+          <a:fontRef idx="minor">
+            <a:schemeClr val="lt1"/>
+          </a:fontRef>
+        </p:style>
+        <p:txBody>
+          <a:bodyPr rtlCol="0" anchor="ctr"/>
+          <a:lstStyle/>
+          <a:p>
+            <a:pPr algn="ctr"/>
+            <a:endParaRPr lang="LID4096">
+              <a:uFillTx/>
+            </a:endParaRPr>
+          </a:p>
+        </p:txBody>
+      </p:sp>
+      <p:sp>
+        <p:nvSpPr>
+          <p:cNvPr id="70" name="Oval 21">
+            <a:extLst>
+              <a:ext uri="{FF2B5EF4-FFF2-40B4-BE49-F238E27FC236}">
+                <a16:creationId xmlns:a16="http://schemas.microsoft.com/office/drawing/2014/main" id="{21E00B41-C90D-4BDF-A077-C8F7B556C7BC}"/>
+              </a:ext>
+            </a:extLst>
+          </p:cNvPr>
+          <p:cNvSpPr>
+            <a:spLocks/>
+          </p:cNvSpPr>
+          <p:nvPr/>
+        </p:nvSpPr>
+        <p:spPr>
+          <a:xfrm>
+            <a:off x="4891314" y="-223688"/>
+            <a:ext cx="2409372" cy="1008000"/>
+          </a:xfrm>
+          <a:prstGeom prst="ellipse">
+            <a:avLst/>
+          </a:prstGeom>
+          <a:solidFill>
+            <a:srgbClr val="D7D8D7"/>
+          </a:solidFill>
+          <a:ln w="12700">
+            <a:solidFill>
+              <a:schemeClr val="bg1"/>
+            </a:solidFill>
+          </a:ln>
+          <a:effectLst>
+            <a:outerShdw blurRad="50800" dist="38100" dir="2700000" algn="tl" rotWithShape="0">
+              <a:srgbClr val="000000">
+                <a:alpha val="40000"/>
+              </a:srgbClr>
+            </a:outerShdw>
+          </a:effectLst>
+        </p:spPr>
+        <p:style>
+          <a:lnRef idx="2">
+            <a:schemeClr val="accent1">
+              <a:shade val="50000"/>
+            </a:schemeClr>
+          </a:lnRef>
+          <a:fillRef idx="1">
+            <a:schemeClr val="accent1"/>
+          </a:fillRef>
+          <a:effectRef idx="0">
+            <a:schemeClr val="accent1"/>
+          </a:effectRef>
+          <a:fontRef idx="minor">
+            <a:schemeClr val="lt1"/>
+          </a:fontRef>
+        </p:style>
+        <p:txBody>
+          <a:bodyPr rtlCol="0" anchor="ctr"/>
+          <a:lstStyle/>
+          <a:p>
+            <a:pPr algn="ctr"/>
+            <a:endParaRPr lang="LID4096" dirty="0">
+              <a:solidFill>
+                <a:srgbClr val="2A0068"/>
+              </a:solidFill>
+              <a:uFillTx/>
+              <a:latin typeface="Baloo" panose="03080902040302020200" pitchFamily="66" charset="0"/>
+              <a:cs typeface="Baloo" panose="03080902040302020200" pitchFamily="66" charset="0"/>
+            </a:endParaRPr>
+          </a:p>
+        </p:txBody>
+      </p:sp>
+      <p:sp>
+        <p:nvSpPr>
+          <p:cNvPr id="73" name="Rectangle 72">
+            <a:extLst>
+              <a:ext uri="{FF2B5EF4-FFF2-40B4-BE49-F238E27FC236}">
+                <a16:creationId xmlns:a16="http://schemas.microsoft.com/office/drawing/2014/main" id="{9F990D0F-3A28-4858-B939-D0DB6600268A}"/>
+              </a:ext>
+            </a:extLst>
+          </p:cNvPr>
+          <p:cNvSpPr>
+            <a:spLocks/>
+          </p:cNvSpPr>
+          <p:nvPr/>
+        </p:nvSpPr>
+        <p:spPr>
+          <a:xfrm>
+            <a:off x="4530058" y="-249582"/>
+            <a:ext cx="3131884" cy="783727"/>
+          </a:xfrm>
+          <a:prstGeom prst="rect">
+            <a:avLst/>
+          </a:prstGeom>
+          <a:solidFill>
+            <a:srgbClr val="D7D8D7"/>
+          </a:solidFill>
+          <a:ln>
+            <a:solidFill>
+              <a:srgbClr val="D7D8D7"/>
+            </a:solidFill>
+          </a:ln>
+        </p:spPr>
+        <p:style>
+          <a:lnRef idx="2">
+            <a:schemeClr val="accent1">
+              <a:shade val="50000"/>
+            </a:schemeClr>
+          </a:lnRef>
+          <a:fillRef idx="1">
+            <a:schemeClr val="accent1"/>
+          </a:fillRef>
+          <a:effectRef idx="0">
+            <a:schemeClr val="accent1"/>
+          </a:effectRef>
+          <a:fontRef idx="minor">
+            <a:schemeClr val="lt1"/>
+          </a:fontRef>
+        </p:style>
+        <p:txBody>
+          <a:bodyPr rtlCol="0" anchor="ctr"/>
+          <a:lstStyle/>
+          <a:p>
+            <a:pPr algn="ctr"/>
+            <a:endParaRPr lang="LID4096">
+              <a:uFillTx/>
+            </a:endParaRPr>
+          </a:p>
+        </p:txBody>
+      </p:sp>
+      <p:cxnSp>
+        <p:nvCxnSpPr>
+          <p:cNvPr id="74" name="Straight Connector 36">
+            <a:extLst>
+              <a:ext uri="{FF2B5EF4-FFF2-40B4-BE49-F238E27FC236}">
+                <a16:creationId xmlns:a16="http://schemas.microsoft.com/office/drawing/2014/main" id="{6AC8BA9A-5A95-442A-86B2-D6471C273567}"/>
+              </a:ext>
+            </a:extLst>
+          </p:cNvPr>
+          <p:cNvCxnSpPr/>
+          <p:nvPr/>
+        </p:nvCxnSpPr>
+        <p:spPr>
+          <a:xfrm>
+            <a:off x="4696733" y="190333"/>
+            <a:ext cx="0" cy="216000"/>
+          </a:xfrm>
+          <a:prstGeom prst="line">
+            <a:avLst/>
+          </a:prstGeom>
+          <a:ln>
+            <a:solidFill>
+              <a:schemeClr val="bg1">
+                <a:lumMod val="75000"/>
+              </a:schemeClr>
+            </a:solidFill>
+          </a:ln>
+        </p:spPr>
+        <p:style>
+          <a:lnRef idx="1">
+            <a:schemeClr val="accent1"/>
+          </a:lnRef>
+          <a:fillRef idx="0">
+            <a:schemeClr val="accent1"/>
+          </a:fillRef>
+          <a:effectRef idx="0">
+            <a:schemeClr val="accent1"/>
+          </a:effectRef>
+          <a:fontRef idx="minor">
+            <a:schemeClr val="tx1"/>
+          </a:fontRef>
+        </p:style>
+      </p:cxnSp>
+      <p:cxnSp>
+        <p:nvCxnSpPr>
+          <p:cNvPr id="75" name="Straight Connector 36">
+            <a:extLst>
+              <a:ext uri="{FF2B5EF4-FFF2-40B4-BE49-F238E27FC236}">
+                <a16:creationId xmlns:a16="http://schemas.microsoft.com/office/drawing/2014/main" id="{3F5750F7-3C85-48DA-BD57-0EB1C694D16F}"/>
+              </a:ext>
+            </a:extLst>
+          </p:cNvPr>
+          <p:cNvCxnSpPr/>
+          <p:nvPr/>
+        </p:nvCxnSpPr>
+        <p:spPr>
+          <a:xfrm>
+            <a:off x="2028856" y="197590"/>
+            <a:ext cx="0" cy="216000"/>
+          </a:xfrm>
+          <a:prstGeom prst="line">
+            <a:avLst/>
+          </a:prstGeom>
+          <a:ln>
+            <a:solidFill>
+              <a:schemeClr val="bg1">
+                <a:lumMod val="75000"/>
+              </a:schemeClr>
+            </a:solidFill>
+          </a:ln>
+        </p:spPr>
+        <p:style>
+          <a:lnRef idx="1">
+            <a:schemeClr val="accent1"/>
+          </a:lnRef>
+          <a:fillRef idx="0">
+            <a:schemeClr val="accent1"/>
+          </a:fillRef>
+          <a:effectRef idx="0">
+            <a:schemeClr val="accent1"/>
+          </a:effectRef>
+          <a:fontRef idx="minor">
+            <a:schemeClr val="tx1"/>
+          </a:fontRef>
+        </p:style>
+      </p:cxnSp>
+      <p:sp>
+        <p:nvSpPr>
+          <p:cNvPr id="79" name="TextBox 26">
+            <a:extLst>
+              <a:ext uri="{FF2B5EF4-FFF2-40B4-BE49-F238E27FC236}">
+                <a16:creationId xmlns:a16="http://schemas.microsoft.com/office/drawing/2014/main" id="{39F69F4E-3B4A-41B5-8C1D-64E9A4BC90EE}"/>
+              </a:ext>
+            </a:extLst>
+          </p:cNvPr>
+          <p:cNvSpPr txBox="1">
+            <a:spLocks/>
+          </p:cNvSpPr>
+          <p:nvPr/>
+        </p:nvSpPr>
+        <p:spPr>
+          <a:xfrm>
+            <a:off x="7287" y="142281"/>
+            <a:ext cx="2052000" cy="307777"/>
+          </a:xfrm>
+          <a:prstGeom prst="rect">
+            <a:avLst/>
+          </a:prstGeom>
+          <a:noFill/>
+          <a:ln>
+            <a:noFill/>
+          </a:ln>
+        </p:spPr>
+        <p:txBody>
+          <a:bodyPr wrap="square" rtlCol="0">
+            <a:spAutoFit/>
+          </a:bodyPr>
+          <a:lstStyle/>
+          <a:p>
+            <a:pPr algn="ctr"/>
+            <a:r>
+              <a:rPr lang="fr-FR" sz="1400" b="1" dirty="0">
+                <a:solidFill>
+                  <a:schemeClr val="accent3"/>
+                </a:solidFill>
+                <a:latin typeface="Trebuchet MS" panose="020B0603020202020204" pitchFamily="34" charset="0"/>
+              </a:rPr>
+              <a:t>CONTEXTE</a:t>
+            </a:r>
+          </a:p>
+        </p:txBody>
+      </p:sp>
+      <p:sp>
+        <p:nvSpPr>
+          <p:cNvPr id="81" name="TextBox 26">
+            <a:extLst>
+              <a:ext uri="{FF2B5EF4-FFF2-40B4-BE49-F238E27FC236}">
+                <a16:creationId xmlns:a16="http://schemas.microsoft.com/office/drawing/2014/main" id="{57D0B7C0-DC57-431F-8DD5-2F8B24747D09}"/>
+              </a:ext>
+            </a:extLst>
+          </p:cNvPr>
+          <p:cNvSpPr txBox="1">
+            <a:spLocks/>
+          </p:cNvSpPr>
+          <p:nvPr/>
+        </p:nvSpPr>
+        <p:spPr>
+          <a:xfrm>
+            <a:off x="2059287" y="146805"/>
+            <a:ext cx="2891751" cy="305940"/>
+          </a:xfrm>
+          <a:prstGeom prst="rect">
+            <a:avLst/>
+          </a:prstGeom>
+          <a:noFill/>
+          <a:ln>
+            <a:noFill/>
+          </a:ln>
+        </p:spPr>
+        <p:txBody>
+          <a:bodyPr wrap="square" rtlCol="0">
+            <a:spAutoFit/>
+          </a:bodyPr>
+          <a:lstStyle/>
+          <a:p>
+            <a:pPr algn="ctr"/>
+            <a:r>
+              <a:rPr lang="fr-FR" sz="1400" b="1" dirty="0">
+                <a:solidFill>
+                  <a:schemeClr val="accent3"/>
+                </a:solidFill>
+                <a:latin typeface="Trebuchet MS" panose="020B0603020202020204" pitchFamily="34" charset="0"/>
+              </a:rPr>
+              <a:t>MODÉLISATION</a:t>
+            </a:r>
+          </a:p>
+        </p:txBody>
+      </p:sp>
       <p:grpSp>
         <p:nvGrpSpPr>
           <p:cNvPr id="30" name="Groupe 29">
@@ -24680,6 +24119,722 @@
                   <a:defRPr/>
                 </a:pPr>
                 <a:t>22</a:t>
+              </a:fld>
+              <a:endParaRPr lang="fr-FR" sz="800" dirty="0">
+                <a:solidFill>
+                  <a:schemeClr val="bg1"/>
+                </a:solidFill>
+                <a:latin typeface="Baloo" panose="03080902040302020200" pitchFamily="66" charset="0"/>
+                <a:cs typeface="Baloo" panose="03080902040302020200" pitchFamily="66" charset="0"/>
+              </a:endParaRPr>
+            </a:p>
+          </p:txBody>
+        </p:sp>
+        <p:sp>
+          <p:nvSpPr>
+            <p:cNvPr id="33" name="Triangle rectangle 32">
+              <a:extLst>
+                <a:ext uri="{FF2B5EF4-FFF2-40B4-BE49-F238E27FC236}">
+                  <a16:creationId xmlns:a16="http://schemas.microsoft.com/office/drawing/2014/main" id="{BB222F89-35F0-4463-B2DD-04BCACC05AF5}"/>
+                </a:ext>
+              </a:extLst>
+            </p:cNvPr>
+            <p:cNvSpPr/>
+            <p:nvPr/>
+          </p:nvSpPr>
+          <p:spPr>
+            <a:xfrm rot="5400000">
+              <a:off x="11254545" y="6568737"/>
+              <a:ext cx="299720" cy="259186"/>
+            </a:xfrm>
+            <a:prstGeom prst="rtTriangle">
+              <a:avLst/>
+            </a:prstGeom>
+            <a:solidFill>
+              <a:schemeClr val="bg1"/>
+            </a:solidFill>
+            <a:ln>
+              <a:solidFill>
+                <a:schemeClr val="bg1"/>
+              </a:solidFill>
+            </a:ln>
+          </p:spPr>
+          <p:style>
+            <a:lnRef idx="2">
+              <a:schemeClr val="accent1">
+                <a:shade val="50000"/>
+              </a:schemeClr>
+            </a:lnRef>
+            <a:fillRef idx="1">
+              <a:schemeClr val="accent1"/>
+            </a:fillRef>
+            <a:effectRef idx="0">
+              <a:schemeClr val="accent1"/>
+            </a:effectRef>
+            <a:fontRef idx="minor">
+              <a:schemeClr val="lt1"/>
+            </a:fontRef>
+          </p:style>
+          <p:txBody>
+            <a:bodyPr rtlCol="0" anchor="ctr"/>
+            <a:lstStyle/>
+            <a:p>
+              <a:pPr algn="ctr"/>
+              <a:endParaRPr lang="fr-FR" dirty="0"/>
+            </a:p>
+          </p:txBody>
+        </p:sp>
+      </p:grpSp>
+      <p:pic>
+        <p:nvPicPr>
+          <p:cNvPr id="3" name="Image 2">
+            <a:extLst>
+              <a:ext uri="{FF2B5EF4-FFF2-40B4-BE49-F238E27FC236}">
+                <a16:creationId xmlns:a16="http://schemas.microsoft.com/office/drawing/2014/main" id="{7A389926-05FB-4C34-A31D-E1334EF99F46}"/>
+              </a:ext>
+            </a:extLst>
+          </p:cNvPr>
+          <p:cNvPicPr>
+            <a:picLocks noChangeAspect="1"/>
+          </p:cNvPicPr>
+          <p:nvPr/>
+        </p:nvPicPr>
+        <p:blipFill>
+          <a:blip r:embed="rId6"/>
+          <a:stretch>
+            <a:fillRect/>
+          </a:stretch>
+        </p:blipFill>
+        <p:spPr>
+          <a:xfrm>
+            <a:off x="4848447" y="0"/>
+            <a:ext cx="2524125" cy="495300"/>
+          </a:xfrm>
+          <a:prstGeom prst="rect">
+            <a:avLst/>
+          </a:prstGeom>
+        </p:spPr>
+      </p:pic>
+      <p:cxnSp>
+        <p:nvCxnSpPr>
+          <p:cNvPr id="71" name="Straight Connector 22">
+            <a:extLst>
+              <a:ext uri="{FF2B5EF4-FFF2-40B4-BE49-F238E27FC236}">
+                <a16:creationId xmlns:a16="http://schemas.microsoft.com/office/drawing/2014/main" id="{3E677F3D-C08E-49B3-BFF4-7E1553EE5144}"/>
+              </a:ext>
+            </a:extLst>
+          </p:cNvPr>
+          <p:cNvCxnSpPr>
+            <a:cxnSpLocks/>
+          </p:cNvCxnSpPr>
+          <p:nvPr/>
+        </p:nvCxnSpPr>
+        <p:spPr>
+          <a:xfrm>
+            <a:off x="-21590" y="548496"/>
+            <a:ext cx="5117779" cy="14365"/>
+          </a:xfrm>
+          <a:prstGeom prst="line">
+            <a:avLst/>
+          </a:prstGeom>
+          <a:ln w="12700">
+            <a:solidFill>
+              <a:schemeClr val="bg1"/>
+            </a:solidFill>
+          </a:ln>
+          <a:effectLst>
+            <a:outerShdw blurRad="50800" dist="38100" dir="2700000" algn="tl" rotWithShape="0">
+              <a:srgbClr val="000000">
+                <a:alpha val="40000"/>
+              </a:srgbClr>
+            </a:outerShdw>
+          </a:effectLst>
+        </p:spPr>
+        <p:style>
+          <a:lnRef idx="1">
+            <a:schemeClr val="accent1"/>
+          </a:lnRef>
+          <a:fillRef idx="0">
+            <a:schemeClr val="accent1"/>
+          </a:fillRef>
+          <a:effectRef idx="0">
+            <a:schemeClr val="accent1"/>
+          </a:effectRef>
+          <a:fontRef idx="minor">
+            <a:schemeClr val="tx1"/>
+          </a:fontRef>
+        </p:style>
+      </p:cxnSp>
+      <p:sp>
+        <p:nvSpPr>
+          <p:cNvPr id="22" name="Rectangle 21">
+            <a:extLst>
+              <a:ext uri="{FF2B5EF4-FFF2-40B4-BE49-F238E27FC236}">
+                <a16:creationId xmlns:a16="http://schemas.microsoft.com/office/drawing/2014/main" id="{B3E40F35-6F18-4795-94D0-0D751C6B0722}"/>
+              </a:ext>
+            </a:extLst>
+          </p:cNvPr>
+          <p:cNvSpPr/>
+          <p:nvPr/>
+        </p:nvSpPr>
+        <p:spPr>
+          <a:xfrm>
+            <a:off x="353226" y="892388"/>
+            <a:ext cx="11484000" cy="523220"/>
+          </a:xfrm>
+          <a:prstGeom prst="rect">
+            <a:avLst/>
+          </a:prstGeom>
+          <a:ln>
+            <a:noFill/>
+          </a:ln>
+        </p:spPr>
+        <p:txBody>
+          <a:bodyPr wrap="square">
+            <a:spAutoFit/>
+          </a:bodyPr>
+          <a:lstStyle/>
+          <a:p>
+            <a:r>
+              <a:rPr lang="fr-FR" sz="2800" b="1" dirty="0">
+                <a:solidFill>
+                  <a:srgbClr val="2A0068"/>
+                </a:solidFill>
+              </a:rPr>
+              <a:t>Points d’améliorations</a:t>
+            </a:r>
+          </a:p>
+        </p:txBody>
+      </p:sp>
+      <p:sp>
+        <p:nvSpPr>
+          <p:cNvPr id="40" name="TextBox 26">
+            <a:extLst>
+              <a:ext uri="{FF2B5EF4-FFF2-40B4-BE49-F238E27FC236}">
+                <a16:creationId xmlns:a16="http://schemas.microsoft.com/office/drawing/2014/main" id="{7F06B964-FE45-44D1-A532-BC3FA2FDC537}"/>
+              </a:ext>
+            </a:extLst>
+          </p:cNvPr>
+          <p:cNvSpPr txBox="1">
+            <a:spLocks/>
+          </p:cNvSpPr>
+          <p:nvPr/>
+        </p:nvSpPr>
+        <p:spPr>
+          <a:xfrm>
+            <a:off x="7424298" y="146062"/>
+            <a:ext cx="2664000" cy="307777"/>
+          </a:xfrm>
+          <a:prstGeom prst="rect">
+            <a:avLst/>
+          </a:prstGeom>
+          <a:noFill/>
+          <a:ln>
+            <a:noFill/>
+          </a:ln>
+        </p:spPr>
+        <p:txBody>
+          <a:bodyPr wrap="square" rtlCol="0">
+            <a:spAutoFit/>
+          </a:bodyPr>
+          <a:lstStyle/>
+          <a:p>
+            <a:pPr algn="ctr"/>
+            <a:r>
+              <a:rPr lang="fr-FR" sz="1400" b="1" dirty="0">
+                <a:solidFill>
+                  <a:srgbClr val="2A0068"/>
+                </a:solidFill>
+                <a:latin typeface="Trebuchet MS" panose="020B0603020202020204" pitchFamily="34" charset="0"/>
+              </a:rPr>
+              <a:t>DASHBOARD</a:t>
+            </a:r>
+          </a:p>
+        </p:txBody>
+      </p:sp>
+      <p:cxnSp>
+        <p:nvCxnSpPr>
+          <p:cNvPr id="41" name="Straight Connector 36">
+            <a:extLst>
+              <a:ext uri="{FF2B5EF4-FFF2-40B4-BE49-F238E27FC236}">
+                <a16:creationId xmlns:a16="http://schemas.microsoft.com/office/drawing/2014/main" id="{00C750FE-B05E-4CEA-853A-6B0B947ECC04}"/>
+              </a:ext>
+            </a:extLst>
+          </p:cNvPr>
+          <p:cNvCxnSpPr/>
+          <p:nvPr/>
+        </p:nvCxnSpPr>
+        <p:spPr>
+          <a:xfrm>
+            <a:off x="7536962" y="199069"/>
+            <a:ext cx="0" cy="216000"/>
+          </a:xfrm>
+          <a:prstGeom prst="line">
+            <a:avLst/>
+          </a:prstGeom>
+          <a:ln>
+            <a:solidFill>
+              <a:schemeClr val="bg1">
+                <a:lumMod val="75000"/>
+              </a:schemeClr>
+            </a:solidFill>
+          </a:ln>
+        </p:spPr>
+        <p:style>
+          <a:lnRef idx="1">
+            <a:schemeClr val="accent1"/>
+          </a:lnRef>
+          <a:fillRef idx="0">
+            <a:schemeClr val="accent1"/>
+          </a:fillRef>
+          <a:effectRef idx="0">
+            <a:schemeClr val="accent1"/>
+          </a:effectRef>
+          <a:fontRef idx="minor">
+            <a:schemeClr val="tx1"/>
+          </a:fontRef>
+        </p:style>
+      </p:cxnSp>
+      <p:sp>
+        <p:nvSpPr>
+          <p:cNvPr id="42" name="TextBox 26">
+            <a:extLst>
+              <a:ext uri="{FF2B5EF4-FFF2-40B4-BE49-F238E27FC236}">
+                <a16:creationId xmlns:a16="http://schemas.microsoft.com/office/drawing/2014/main" id="{FE588524-D155-4A00-A514-94869C5E5025}"/>
+              </a:ext>
+            </a:extLst>
+          </p:cNvPr>
+          <p:cNvSpPr txBox="1">
+            <a:spLocks/>
+          </p:cNvSpPr>
+          <p:nvPr/>
+        </p:nvSpPr>
+        <p:spPr>
+          <a:xfrm>
+            <a:off x="10103603" y="144968"/>
+            <a:ext cx="2052000" cy="307777"/>
+          </a:xfrm>
+          <a:prstGeom prst="rect">
+            <a:avLst/>
+          </a:prstGeom>
+          <a:noFill/>
+          <a:ln>
+            <a:noFill/>
+          </a:ln>
+        </p:spPr>
+        <p:txBody>
+          <a:bodyPr wrap="square" rtlCol="0">
+            <a:spAutoFit/>
+          </a:bodyPr>
+          <a:lstStyle/>
+          <a:p>
+            <a:pPr algn="ctr"/>
+            <a:r>
+              <a:rPr lang="fr-FR" sz="1400" b="1" dirty="0">
+                <a:solidFill>
+                  <a:schemeClr val="accent3"/>
+                </a:solidFill>
+                <a:latin typeface="Trebuchet MS" panose="020B0603020202020204" pitchFamily="34" charset="0"/>
+              </a:rPr>
+              <a:t>CONCLUSION / Q&amp;A</a:t>
+            </a:r>
+          </a:p>
+        </p:txBody>
+      </p:sp>
+      <p:cxnSp>
+        <p:nvCxnSpPr>
+          <p:cNvPr id="43" name="Straight Connector 36">
+            <a:extLst>
+              <a:ext uri="{FF2B5EF4-FFF2-40B4-BE49-F238E27FC236}">
+                <a16:creationId xmlns:a16="http://schemas.microsoft.com/office/drawing/2014/main" id="{7718A675-293C-49B9-8796-EB7B4B00B458}"/>
+              </a:ext>
+            </a:extLst>
+          </p:cNvPr>
+          <p:cNvCxnSpPr/>
+          <p:nvPr/>
+        </p:nvCxnSpPr>
+        <p:spPr>
+          <a:xfrm>
+            <a:off x="10081246" y="197450"/>
+            <a:ext cx="0" cy="216000"/>
+          </a:xfrm>
+          <a:prstGeom prst="line">
+            <a:avLst/>
+          </a:prstGeom>
+          <a:ln>
+            <a:solidFill>
+              <a:schemeClr val="bg1">
+                <a:lumMod val="75000"/>
+              </a:schemeClr>
+            </a:solidFill>
+          </a:ln>
+        </p:spPr>
+        <p:style>
+          <a:lnRef idx="1">
+            <a:schemeClr val="accent1"/>
+          </a:lnRef>
+          <a:fillRef idx="0">
+            <a:schemeClr val="accent1"/>
+          </a:fillRef>
+          <a:effectRef idx="0">
+            <a:schemeClr val="accent1"/>
+          </a:effectRef>
+          <a:fontRef idx="minor">
+            <a:schemeClr val="tx1"/>
+          </a:fontRef>
+        </p:style>
+      </p:cxnSp>
+      <p:cxnSp>
+        <p:nvCxnSpPr>
+          <p:cNvPr id="44" name="Straight Connector 23">
+            <a:extLst>
+              <a:ext uri="{FF2B5EF4-FFF2-40B4-BE49-F238E27FC236}">
+                <a16:creationId xmlns:a16="http://schemas.microsoft.com/office/drawing/2014/main" id="{BF677A9E-33AD-4749-AA81-4DFE76D51288}"/>
+              </a:ext>
+            </a:extLst>
+          </p:cNvPr>
+          <p:cNvCxnSpPr>
+            <a:cxnSpLocks/>
+          </p:cNvCxnSpPr>
+          <p:nvPr/>
+        </p:nvCxnSpPr>
+        <p:spPr>
+          <a:xfrm flipV="1">
+            <a:off x="7103948" y="540993"/>
+            <a:ext cx="5118532" cy="11708"/>
+          </a:xfrm>
+          <a:prstGeom prst="line">
+            <a:avLst/>
+          </a:prstGeom>
+          <a:ln w="12700">
+            <a:solidFill>
+              <a:schemeClr val="bg1"/>
+            </a:solidFill>
+          </a:ln>
+          <a:effectLst>
+            <a:outerShdw blurRad="50800" dist="38100" dir="2700000" algn="tl" rotWithShape="0">
+              <a:srgbClr val="000000">
+                <a:alpha val="40000"/>
+              </a:srgbClr>
+            </a:outerShdw>
+          </a:effectLst>
+        </p:spPr>
+        <p:style>
+          <a:lnRef idx="1">
+            <a:schemeClr val="accent1"/>
+          </a:lnRef>
+          <a:fillRef idx="0">
+            <a:schemeClr val="accent1"/>
+          </a:fillRef>
+          <a:effectRef idx="0">
+            <a:schemeClr val="accent1"/>
+          </a:effectRef>
+          <a:fontRef idx="minor">
+            <a:schemeClr val="tx1"/>
+          </a:fontRef>
+        </p:style>
+      </p:cxnSp>
+      <p:sp>
+        <p:nvSpPr>
+          <p:cNvPr id="2" name="Rectangle 1">
+            <a:extLst>
+              <a:ext uri="{FF2B5EF4-FFF2-40B4-BE49-F238E27FC236}">
+                <a16:creationId xmlns:a16="http://schemas.microsoft.com/office/drawing/2014/main" id="{517199F0-F3C8-4796-B1FA-70219AD8A46C}"/>
+              </a:ext>
+            </a:extLst>
+          </p:cNvPr>
+          <p:cNvSpPr/>
+          <p:nvPr/>
+        </p:nvSpPr>
+        <p:spPr>
+          <a:xfrm>
+            <a:off x="1177457" y="2507451"/>
+            <a:ext cx="4917769" cy="2293937"/>
+          </a:xfrm>
+          <a:prstGeom prst="rect">
+            <a:avLst/>
+          </a:prstGeom>
+        </p:spPr>
+        <p:style>
+          <a:lnRef idx="2">
+            <a:schemeClr val="accent1">
+              <a:shade val="50000"/>
+            </a:schemeClr>
+          </a:lnRef>
+          <a:fillRef idx="1">
+            <a:schemeClr val="accent1"/>
+          </a:fillRef>
+          <a:effectRef idx="0">
+            <a:schemeClr val="accent1"/>
+          </a:effectRef>
+          <a:fontRef idx="minor">
+            <a:schemeClr val="lt1"/>
+          </a:fontRef>
+        </p:style>
+        <p:txBody>
+          <a:bodyPr rtlCol="0" anchor="ctr"/>
+          <a:lstStyle/>
+          <a:p>
+            <a:pPr algn="ctr"/>
+            <a:r>
+              <a:rPr lang="fr-FR" dirty="0"/>
+              <a:t>A faire à partir de la note méthodo</a:t>
+            </a:r>
+          </a:p>
+        </p:txBody>
+      </p:sp>
+    </p:spTree>
+    <p:extLst>
+      <p:ext uri="{BB962C8B-B14F-4D97-AF65-F5344CB8AC3E}">
+        <p14:creationId xmlns:p14="http://schemas.microsoft.com/office/powerpoint/2010/main" val="216155630"/>
+      </p:ext>
+    </p:extLst>
+  </p:cSld>
+  <p:clrMapOvr>
+    <a:masterClrMapping/>
+  </p:clrMapOvr>
+</p:sld>
+</file>
+
+<file path=ppt/slides/slide23.xml><?xml version="1.0" encoding="utf-8"?>
+<p:sld xmlns:a="http://schemas.openxmlformats.org/drawingml/2006/main" xmlns:r="http://schemas.openxmlformats.org/officeDocument/2006/relationships" xmlns:p="http://schemas.openxmlformats.org/presentationml/2006/main">
+  <p:cSld>
+    <p:spTree>
+      <p:nvGrpSpPr>
+        <p:cNvPr id="1" name=""/>
+        <p:cNvGrpSpPr/>
+        <p:nvPr/>
+      </p:nvGrpSpPr>
+      <p:grpSpPr>
+        <a:xfrm>
+          <a:off x="0" y="0"/>
+          <a:ext cx="0" cy="0"/>
+          <a:chOff x="0" y="0"/>
+          <a:chExt cx="0" cy="0"/>
+        </a:xfrm>
+      </p:grpSpPr>
+      <p:grpSp>
+        <p:nvGrpSpPr>
+          <p:cNvPr id="30" name="Groupe 29">
+            <a:extLst>
+              <a:ext uri="{FF2B5EF4-FFF2-40B4-BE49-F238E27FC236}">
+                <a16:creationId xmlns:a16="http://schemas.microsoft.com/office/drawing/2014/main" id="{59BC9850-3059-4197-89D4-2CFAB90549F4}"/>
+              </a:ext>
+            </a:extLst>
+          </p:cNvPr>
+          <p:cNvGrpSpPr/>
+          <p:nvPr/>
+        </p:nvGrpSpPr>
+        <p:grpSpPr>
+          <a:xfrm>
+            <a:off x="11274812" y="6548470"/>
+            <a:ext cx="912993" cy="305335"/>
+            <a:chOff x="11274812" y="6548470"/>
+            <a:chExt cx="912993" cy="305335"/>
+          </a:xfrm>
+        </p:grpSpPr>
+        <p:sp>
+          <p:nvSpPr>
+            <p:cNvPr id="31" name="Rectangle 30">
+              <a:extLst>
+                <a:ext uri="{FF2B5EF4-FFF2-40B4-BE49-F238E27FC236}">
+                  <a16:creationId xmlns:a16="http://schemas.microsoft.com/office/drawing/2014/main" id="{AEF1AEA9-D638-41F3-AA23-74E14CCF2900}"/>
+                </a:ext>
+              </a:extLst>
+            </p:cNvPr>
+            <p:cNvSpPr/>
+            <p:nvPr/>
+          </p:nvSpPr>
+          <p:spPr>
+            <a:xfrm>
+              <a:off x="11278998" y="6597836"/>
+              <a:ext cx="908807" cy="255969"/>
+            </a:xfrm>
+            <a:prstGeom prst="rect">
+              <a:avLst/>
+            </a:prstGeom>
+            <a:solidFill>
+              <a:srgbClr val="2A0068"/>
+            </a:solidFill>
+            <a:ln>
+              <a:solidFill>
+                <a:srgbClr val="2A0068"/>
+              </a:solidFill>
+            </a:ln>
+          </p:spPr>
+          <p:style>
+            <a:lnRef idx="2">
+              <a:schemeClr val="accent1">
+                <a:shade val="50000"/>
+              </a:schemeClr>
+            </a:lnRef>
+            <a:fillRef idx="1">
+              <a:schemeClr val="accent1"/>
+            </a:fillRef>
+            <a:effectRef idx="0">
+              <a:schemeClr val="accent1"/>
+            </a:effectRef>
+            <a:fontRef idx="minor">
+              <a:schemeClr val="lt1"/>
+            </a:fontRef>
+          </p:style>
+          <p:txBody>
+            <a:bodyPr rtlCol="0" anchor="ctr"/>
+            <a:lstStyle/>
+            <a:p>
+              <a:pPr algn="ctr"/>
+              <a:endParaRPr lang="fr-FR" dirty="0"/>
+            </a:p>
+          </p:txBody>
+        </p:sp>
+        <p:sp>
+          <p:nvSpPr>
+            <p:cNvPr id="32" name="Espace réservé du numéro de diapositive 3">
+              <a:extLst>
+                <a:ext uri="{FF2B5EF4-FFF2-40B4-BE49-F238E27FC236}">
+                  <a16:creationId xmlns:a16="http://schemas.microsoft.com/office/drawing/2014/main" id="{62A0FAC1-C455-41C2-9D82-004C66A15279}"/>
+                </a:ext>
+              </a:extLst>
+            </p:cNvPr>
+            <p:cNvSpPr txBox="1">
+              <a:spLocks/>
+            </p:cNvSpPr>
+            <p:nvPr/>
+          </p:nvSpPr>
+          <p:spPr>
+            <a:xfrm>
+              <a:off x="11341920" y="6642995"/>
+              <a:ext cx="778777" cy="179917"/>
+            </a:xfrm>
+            <a:prstGeom prst="rect">
+              <a:avLst/>
+            </a:prstGeom>
+          </p:spPr>
+          <p:txBody>
+            <a:bodyPr vert="horz" lIns="91440" tIns="45720" rIns="91440" bIns="45720" rtlCol="0" anchor="ctr"/>
+            <a:lstStyle>
+              <a:defPPr>
+                <a:defRPr lang="fr-FR"/>
+              </a:defPPr>
+              <a:lvl1pPr marL="0" algn="r" defTabSz="914400" rtl="0" eaLnBrk="1" latinLnBrk="0" hangingPunct="1">
+                <a:defRPr sz="1200" kern="1200">
+                  <a:solidFill>
+                    <a:schemeClr val="tx1">
+                      <a:tint val="75000"/>
+                    </a:schemeClr>
+                  </a:solidFill>
+                  <a:latin typeface="+mn-lt"/>
+                  <a:ea typeface="+mn-ea"/>
+                  <a:cs typeface="+mn-cs"/>
+                </a:defRPr>
+              </a:lvl1pPr>
+              <a:lvl2pPr marL="457200" algn="l" defTabSz="914400" rtl="0" eaLnBrk="1" latinLnBrk="0" hangingPunct="1">
+                <a:defRPr sz="1800" kern="1200">
+                  <a:solidFill>
+                    <a:schemeClr val="tx1"/>
+                  </a:solidFill>
+                  <a:latin typeface="+mn-lt"/>
+                  <a:ea typeface="+mn-ea"/>
+                  <a:cs typeface="+mn-cs"/>
+                </a:defRPr>
+              </a:lvl2pPr>
+              <a:lvl3pPr marL="914400" algn="l" defTabSz="914400" rtl="0" eaLnBrk="1" latinLnBrk="0" hangingPunct="1">
+                <a:defRPr sz="1800" kern="1200">
+                  <a:solidFill>
+                    <a:schemeClr val="tx1"/>
+                  </a:solidFill>
+                  <a:latin typeface="+mn-lt"/>
+                  <a:ea typeface="+mn-ea"/>
+                  <a:cs typeface="+mn-cs"/>
+                </a:defRPr>
+              </a:lvl3pPr>
+              <a:lvl4pPr marL="1371600" algn="l" defTabSz="914400" rtl="0" eaLnBrk="1" latinLnBrk="0" hangingPunct="1">
+                <a:defRPr sz="1800" kern="1200">
+                  <a:solidFill>
+                    <a:schemeClr val="tx1"/>
+                  </a:solidFill>
+                  <a:latin typeface="+mn-lt"/>
+                  <a:ea typeface="+mn-ea"/>
+                  <a:cs typeface="+mn-cs"/>
+                </a:defRPr>
+              </a:lvl4pPr>
+              <a:lvl5pPr marL="1828800" algn="l" defTabSz="914400" rtl="0" eaLnBrk="1" latinLnBrk="0" hangingPunct="1">
+                <a:defRPr sz="1800" kern="1200">
+                  <a:solidFill>
+                    <a:schemeClr val="tx1"/>
+                  </a:solidFill>
+                  <a:latin typeface="+mn-lt"/>
+                  <a:ea typeface="+mn-ea"/>
+                  <a:cs typeface="+mn-cs"/>
+                </a:defRPr>
+              </a:lvl5pPr>
+              <a:lvl6pPr marL="2286000" algn="l" defTabSz="914400" rtl="0" eaLnBrk="1" latinLnBrk="0" hangingPunct="1">
+                <a:defRPr sz="1800" kern="1200">
+                  <a:solidFill>
+                    <a:schemeClr val="tx1"/>
+                  </a:solidFill>
+                  <a:latin typeface="+mn-lt"/>
+                  <a:ea typeface="+mn-ea"/>
+                  <a:cs typeface="+mn-cs"/>
+                </a:defRPr>
+              </a:lvl6pPr>
+              <a:lvl7pPr marL="2743200" algn="l" defTabSz="914400" rtl="0" eaLnBrk="1" latinLnBrk="0" hangingPunct="1">
+                <a:defRPr sz="1800" kern="1200">
+                  <a:solidFill>
+                    <a:schemeClr val="tx1"/>
+                  </a:solidFill>
+                  <a:latin typeface="+mn-lt"/>
+                  <a:ea typeface="+mn-ea"/>
+                  <a:cs typeface="+mn-cs"/>
+                </a:defRPr>
+              </a:lvl7pPr>
+              <a:lvl8pPr marL="3200400" algn="l" defTabSz="914400" rtl="0" eaLnBrk="1" latinLnBrk="0" hangingPunct="1">
+                <a:defRPr sz="1800" kern="1200">
+                  <a:solidFill>
+                    <a:schemeClr val="tx1"/>
+                  </a:solidFill>
+                  <a:latin typeface="+mn-lt"/>
+                  <a:ea typeface="+mn-ea"/>
+                  <a:cs typeface="+mn-cs"/>
+                </a:defRPr>
+              </a:lvl8pPr>
+              <a:lvl9pPr marL="3657600" algn="l" defTabSz="914400" rtl="0" eaLnBrk="1" latinLnBrk="0" hangingPunct="1">
+                <a:defRPr sz="1800" kern="1200">
+                  <a:solidFill>
+                    <a:schemeClr val="tx1"/>
+                  </a:solidFill>
+                  <a:latin typeface="+mn-lt"/>
+                  <a:ea typeface="+mn-ea"/>
+                  <a:cs typeface="+mn-cs"/>
+                </a:defRPr>
+              </a:lvl9pPr>
+            </a:lstStyle>
+            <a:p>
+              <a:pPr>
+                <a:defRPr/>
+              </a:pPr>
+              <a:r>
+                <a:rPr lang="fr-FR" sz="800" dirty="0">
+                  <a:solidFill>
+                    <a:schemeClr val="bg1"/>
+                  </a:solidFill>
+                  <a:latin typeface="Baloo" panose="03080902040302020200" pitchFamily="66" charset="0"/>
+                  <a:cs typeface="Baloo" panose="03080902040302020200" pitchFamily="66" charset="0"/>
+                </a:rPr>
+                <a:t>PAGE </a:t>
+              </a:r>
+              <a:fld id="{111E0755-5AAA-45F3-A07E-A05D57A9C10E}" type="slidenum">
+                <a:rPr lang="fr-FR" sz="800" smtClean="0">
+                  <a:solidFill>
+                    <a:schemeClr val="bg1"/>
+                  </a:solidFill>
+                  <a:latin typeface="Baloo" panose="03080902040302020200" pitchFamily="66" charset="0"/>
+                  <a:cs typeface="Baloo" panose="03080902040302020200" pitchFamily="66" charset="0"/>
+                </a:rPr>
+                <a:pPr>
+                  <a:defRPr/>
+                </a:pPr>
+                <a:t>23</a:t>
               </a:fld>
               <a:endParaRPr lang="fr-FR" sz="800" dirty="0">
                 <a:solidFill>
@@ -25971,7 +26126,7 @@
           <a:graphicData uri="http://schemas.openxmlformats.org/presentationml/2006/ole">
             <mc:AlternateContent xmlns:mc="http://schemas.openxmlformats.org/markup-compatibility/2006">
               <mc:Choice xmlns:v="urn:schemas-microsoft-com:vml" Requires="v">
-                <p:oleObj spid="_x0000_s2095" name="Diapositive think-cell" r:id="rId4" imgW="415" imgH="416" progId="TCLayout.ActiveDocument.1">
+                <p:oleObj spid="_x0000_s2100" name="Diapositive think-cell" r:id="rId4" imgW="415" imgH="416" progId="TCLayout.ActiveDocument.1">
                   <p:embed/>
                 </p:oleObj>
               </mc:Choice>
@@ -28067,7 +28222,7 @@
           <a:graphicData uri="http://schemas.openxmlformats.org/presentationml/2006/ole">
             <mc:AlternateContent xmlns:mc="http://schemas.openxmlformats.org/markup-compatibility/2006">
               <mc:Choice xmlns:v="urn:schemas-microsoft-com:vml" Requires="v">
-                <p:oleObj spid="_x0000_s29729" name="Diapositive think-cell" r:id="rId4" imgW="415" imgH="416" progId="TCLayout.ActiveDocument.1">
+                <p:oleObj spid="_x0000_s29734" name="Diapositive think-cell" r:id="rId4" imgW="415" imgH="416" progId="TCLayout.ActiveDocument.1">
                   <p:embed/>
                 </p:oleObj>
               </mc:Choice>
@@ -29345,7 +29500,7 @@
           <a:graphicData uri="http://schemas.openxmlformats.org/presentationml/2006/ole">
             <mc:AlternateContent xmlns:mc="http://schemas.openxmlformats.org/markup-compatibility/2006">
               <mc:Choice xmlns:v="urn:schemas-microsoft-com:vml" Requires="v">
-                <p:oleObj spid="_x0000_s30752" name="Diapositive think-cell" r:id="rId4" imgW="415" imgH="416" progId="TCLayout.ActiveDocument.1">
+                <p:oleObj spid="_x0000_s30758" name="Diapositive think-cell" r:id="rId4" imgW="415" imgH="416" progId="TCLayout.ActiveDocument.1">
                   <p:embed/>
                 </p:oleObj>
               </mc:Choice>
@@ -30352,7 +30507,7 @@
                   <a:srgbClr val="2A0068"/>
                 </a:solidFill>
               </a:rPr>
-              <a:t>Traitement des colonnes avec un </a:t>
+              <a:t>Suppression des colonnes avec un </a:t>
             </a:r>
             <a:r>
               <a:rPr lang="fr-FR" sz="2000" b="1" dirty="0">
@@ -31598,7 +31753,7 @@
           <a:graphicData uri="http://schemas.openxmlformats.org/presentationml/2006/ole">
             <mc:AlternateContent xmlns:mc="http://schemas.openxmlformats.org/markup-compatibility/2006">
               <mc:Choice xmlns:v="urn:schemas-microsoft-com:vml" Requires="v">
-                <p:oleObj spid="_x0000_s31776" name="Diapositive think-cell" r:id="rId4" imgW="415" imgH="416" progId="TCLayout.ActiveDocument.1">
+                <p:oleObj spid="_x0000_s31781" name="Diapositive think-cell" r:id="rId4" imgW="415" imgH="416" progId="TCLayout.ActiveDocument.1">
                   <p:embed/>
                 </p:oleObj>
               </mc:Choice>
@@ -33444,7 +33599,7 @@
           <a:graphicData uri="http://schemas.openxmlformats.org/presentationml/2006/ole">
             <mc:AlternateContent xmlns:mc="http://schemas.openxmlformats.org/markup-compatibility/2006">
               <mc:Choice xmlns:v="urn:schemas-microsoft-com:vml" Requires="v">
-                <p:oleObj spid="_x0000_s32804" name="Diapositive think-cell" r:id="rId4" imgW="415" imgH="416" progId="TCLayout.ActiveDocument.1">
+                <p:oleObj spid="_x0000_s32810" name="Diapositive think-cell" r:id="rId4" imgW="415" imgH="416" progId="TCLayout.ActiveDocument.1">
                   <p:embed/>
                 </p:oleObj>
               </mc:Choice>
@@ -35018,32 +35173,13 @@
                   <a:srgbClr val="2A0068"/>
                 </a:solidFill>
               </a:rPr>
-              <a:t>Dupliquer des individus sous-représentés </a:t>
-            </a:r>
-            <a:r>
-              <a:rPr lang="fr-FR" sz="1800" dirty="0">
-                <a:solidFill>
-                  <a:srgbClr val="2A0068"/>
-                </a:solidFill>
-              </a:rPr>
-              <a:t>(ici </a:t>
-            </a:r>
-            <a:r>
-              <a:rPr lang="fr-FR" dirty="0">
-                <a:solidFill>
-                  <a:srgbClr val="2A0068"/>
-                </a:solidFill>
-              </a:rPr>
-              <a:t>dans la </a:t>
-            </a:r>
-            <a:r>
-              <a:rPr lang="fr-FR" sz="1800" dirty="0">
-                <a:solidFill>
-                  <a:srgbClr val="2A0068"/>
-                </a:solidFill>
-              </a:rPr>
-              <a:t>classe minoritaire)</a:t>
-            </a:r>
+              <a:t>Dupliquer les individus sous-représentés</a:t>
+            </a:r>
+            <a:endParaRPr lang="fr-FR" sz="1800" dirty="0">
+              <a:solidFill>
+                <a:srgbClr val="2A0068"/>
+              </a:solidFill>
+            </a:endParaRPr>
           </a:p>
         </p:txBody>
       </p:sp>
@@ -35185,12 +35321,20 @@
               <a:buChar char="•"/>
             </a:pPr>
             <a:r>
+              <a:rPr lang="fr-FR" sz="1800" b="1" dirty="0">
+                <a:solidFill>
+                  <a:srgbClr val="2A0068"/>
+                </a:solidFill>
+              </a:rPr>
+              <a:t>Choisir </a:t>
+            </a:r>
+            <a:r>
               <a:rPr lang="fr-FR" sz="1800" dirty="0">
                 <a:solidFill>
                   <a:srgbClr val="2A0068"/>
                 </a:solidFill>
               </a:rPr>
-              <a:t>Choisir une </a:t>
+              <a:t>une </a:t>
             </a:r>
             <a:r>
               <a:rPr lang="fr-FR" sz="1800" b="1" dirty="0">
@@ -35199,6 +35343,20 @@
                 </a:solidFill>
               </a:rPr>
               <a:t>métrique de performance adaptée</a:t>
+            </a:r>
+          </a:p>
+          <a:p>
+            <a:pPr marL="185738" indent="-185738">
+              <a:buFont typeface="Arial" panose="020B0604020202020204" pitchFamily="34" charset="0"/>
+              <a:buChar char="•"/>
+            </a:pPr>
+            <a:r>
+              <a:rPr lang="fr-FR" sz="1600" i="1" dirty="0">
+                <a:solidFill>
+                  <a:srgbClr val="2A0068"/>
+                </a:solidFill>
+              </a:rPr>
+              <a:t>(expliqué plus loin dans la présentation) </a:t>
             </a:r>
           </a:p>
         </p:txBody>
@@ -35268,7 +35426,23 @@
                   <a:srgbClr val="2A0068"/>
                 </a:solidFill>
               </a:rPr>
-              <a:t>Pondération des observations</a:t>
+              <a:t>Pondérer </a:t>
+            </a:r>
+            <a:r>
+              <a:rPr lang="fr-FR" b="1" dirty="0">
+                <a:solidFill>
+                  <a:srgbClr val="2A0068"/>
+                </a:solidFill>
+              </a:rPr>
+              <a:t>les</a:t>
+            </a:r>
+            <a:r>
+              <a:rPr lang="fr-FR" sz="1800" b="1" dirty="0">
+                <a:solidFill>
+                  <a:srgbClr val="2A0068"/>
+                </a:solidFill>
+              </a:rPr>
+              <a:t> observations</a:t>
             </a:r>
             <a:r>
               <a:rPr lang="fr-FR" sz="1800" dirty="0">
@@ -35276,7 +35450,21 @@
                   <a:srgbClr val="2A0068"/>
                 </a:solidFill>
               </a:rPr>
-              <a:t> dans le training</a:t>
+              <a:t> dans le training </a:t>
+            </a:r>
+          </a:p>
+          <a:p>
+            <a:pPr marL="185738" indent="-185738">
+              <a:buFont typeface="Arial" panose="020B0604020202020204" pitchFamily="34" charset="0"/>
+              <a:buChar char="•"/>
+            </a:pPr>
+            <a:r>
+              <a:rPr lang="fr-FR" sz="1600" i="1" dirty="0">
+                <a:solidFill>
+                  <a:srgbClr val="2A0068"/>
+                </a:solidFill>
+              </a:rPr>
+              <a:t>(dans les hyperparamètres de nos algorithmes de ML)</a:t>
             </a:r>
           </a:p>
         </p:txBody>
@@ -35346,7 +35534,21 @@
                   <a:srgbClr val="2A0068"/>
                 </a:solidFill>
               </a:rPr>
-              <a:t>Création d’individus « synthétiques »</a:t>
+              <a:t>Créer des individus « synthétiques » </a:t>
+            </a:r>
+          </a:p>
+          <a:p>
+            <a:pPr marL="185738" indent="-185738">
+              <a:buFont typeface="Arial" panose="020B0604020202020204" pitchFamily="34" charset="0"/>
+              <a:buChar char="•"/>
+            </a:pPr>
+            <a:r>
+              <a:rPr lang="fr-FR" sz="1600" i="1" dirty="0">
+                <a:solidFill>
+                  <a:srgbClr val="2A0068"/>
+                </a:solidFill>
+              </a:rPr>
+              <a:t>(suréchantillonnage de minorité synthétique SMOTE)</a:t>
             </a:r>
           </a:p>
         </p:txBody>
@@ -35859,7 +36061,7 @@
         </p:nvSpPr>
         <p:spPr>
           <a:xfrm>
-            <a:off x="6301043" y="5091968"/>
+            <a:off x="6301043" y="5061488"/>
             <a:ext cx="324000" cy="324000"/>
           </a:xfrm>
           <a:prstGeom prst="ellipse">
@@ -35916,7 +36118,7 @@
         </p:nvSpPr>
         <p:spPr>
           <a:xfrm>
-            <a:off x="6297353" y="5658721"/>
+            <a:off x="6297353" y="5628241"/>
             <a:ext cx="324000" cy="324000"/>
           </a:xfrm>
           <a:prstGeom prst="ellipse">
@@ -36061,6 +36263,12 @@
 </file>
 
 <file path=ppt/tags/tag16.xml><?xml version="1.0" encoding="utf-8"?>
+<p:tagLst xmlns:a="http://schemas.openxmlformats.org/drawingml/2006/main" xmlns:r="http://schemas.openxmlformats.org/officeDocument/2006/relationships" xmlns:p="http://schemas.openxmlformats.org/presentationml/2006/main">
+  <p:tag name="THINKCELLSHAPEDONOTDELETE" val="thinkcellActiveDocDoNotDelete"/>
+</p:tagLst>
+</file>
+
+<file path=ppt/tags/tag17.xml><?xml version="1.0" encoding="utf-8"?>
 <p:tagLst xmlns:a="http://schemas.openxmlformats.org/drawingml/2006/main" xmlns:r="http://schemas.openxmlformats.org/officeDocument/2006/relationships" xmlns:p="http://schemas.openxmlformats.org/presentationml/2006/main">
   <p:tag name="THINKCELLSHAPEDONOTDELETE" val="thinkcellActiveDocDoNotDelete"/>
 </p:tagLst>
@@ -36410,12 +36618,6 @@
 </file>
 
 <file path=customXml/item1.xml><?xml version="1.0" encoding="utf-8"?>
-<p:properties xmlns:p="http://schemas.microsoft.com/office/2006/metadata/properties" xmlns:xsi="http://www.w3.org/2001/XMLSchema-instance" xmlns:pc="http://schemas.microsoft.com/office/infopath/2007/PartnerControls">
-  <documentManagement/>
-</p:properties>
-</file>
-
-<file path=customXml/item2.xml><?xml version="1.0" encoding="utf-8"?>
 <ct:contentTypeSchema xmlns:ct="http://schemas.microsoft.com/office/2006/metadata/contentType" xmlns:ma="http://schemas.microsoft.com/office/2006/metadata/properties/metaAttributes" ct:_="" ma:_="" ma:contentTypeName="Document" ma:contentTypeID="0x010100E08B85ABE125AF409A86B73326EFFAE5" ma:contentTypeVersion="13" ma:contentTypeDescription="Crée un document." ma:contentTypeScope="" ma:versionID="cfa2b84814ad0d4dc5902a099d18eada">
   <xsd:schema xmlns:xsd="http://www.w3.org/2001/XMLSchema" xmlns:xs="http://www.w3.org/2001/XMLSchema" xmlns:p="http://schemas.microsoft.com/office/2006/metadata/properties" xmlns:ns3="21c16e65-816f-4847-be88-731645291b21" xmlns:ns4="67c7d727-27e8-4526-a2a7-f89ba01a3409" targetNamespace="http://schemas.microsoft.com/office/2006/metadata/properties" ma:root="true" ma:fieldsID="1941e2dd5eb9c4a46146aa2eaafc37a7" ns3:_="" ns4:_="">
     <xsd:import namespace="21c16e65-816f-4847-be88-731645291b21"/>
@@ -36638,6 +36840,12 @@
 </ct:contentTypeSchema>
 </file>
 
+<file path=customXml/item2.xml><?xml version="1.0" encoding="utf-8"?>
+<p:properties xmlns:p="http://schemas.microsoft.com/office/2006/metadata/properties" xmlns:xsi="http://www.w3.org/2001/XMLSchema-instance" xmlns:pc="http://schemas.microsoft.com/office/infopath/2007/PartnerControls">
+  <documentManagement/>
+</p:properties>
+</file>
+
 <file path=customXml/item3.xml><?xml version="1.0" encoding="utf-8"?>
 <?mso-contentType ?>
 <FormTemplates xmlns="http://schemas.microsoft.com/sharepoint/v3/contenttype/forms">
@@ -36648,23 +36856,6 @@
 </file>
 
 <file path=customXml/itemProps1.xml><?xml version="1.0" encoding="utf-8"?>
-<ds:datastoreItem xmlns:ds="http://schemas.openxmlformats.org/officeDocument/2006/customXml" ds:itemID="{6DCF7537-AB6C-4566-9821-DCC4778AF944}">
-  <ds:schemaRefs>
-    <ds:schemaRef ds:uri="http://schemas.microsoft.com/office/2006/documentManagement/types"/>
-    <ds:schemaRef ds:uri="http://www.w3.org/XML/1998/namespace"/>
-    <ds:schemaRef ds:uri="http://purl.org/dc/dcmitype/"/>
-    <ds:schemaRef ds:uri="http://purl.org/dc/terms/"/>
-    <ds:schemaRef ds:uri="21c16e65-816f-4847-be88-731645291b21"/>
-    <ds:schemaRef ds:uri="http://purl.org/dc/elements/1.1/"/>
-    <ds:schemaRef ds:uri="http://schemas.microsoft.com/office/infopath/2007/PartnerControls"/>
-    <ds:schemaRef ds:uri="http://schemas.openxmlformats.org/package/2006/metadata/core-properties"/>
-    <ds:schemaRef ds:uri="67c7d727-27e8-4526-a2a7-f89ba01a3409"/>
-    <ds:schemaRef ds:uri="http://schemas.microsoft.com/office/2006/metadata/properties"/>
-  </ds:schemaRefs>
-</ds:datastoreItem>
-</file>
-
-<file path=customXml/itemProps2.xml><?xml version="1.0" encoding="utf-8"?>
 <ds:datastoreItem xmlns:ds="http://schemas.openxmlformats.org/officeDocument/2006/customXml" ds:itemID="{F4E0BA49-AB2A-4044-9F15-987E41C6A1BE}">
   <ds:schemaRefs>
     <ds:schemaRef ds:uri="http://schemas.microsoft.com/office/2006/metadata/contentType"/>
@@ -36683,6 +36874,23 @@
 </ds:datastoreItem>
 </file>
 
+<file path=customXml/itemProps2.xml><?xml version="1.0" encoding="utf-8"?>
+<ds:datastoreItem xmlns:ds="http://schemas.openxmlformats.org/officeDocument/2006/customXml" ds:itemID="{6DCF7537-AB6C-4566-9821-DCC4778AF944}">
+  <ds:schemaRefs>
+    <ds:schemaRef ds:uri="http://schemas.microsoft.com/office/2006/documentManagement/types"/>
+    <ds:schemaRef ds:uri="http://www.w3.org/XML/1998/namespace"/>
+    <ds:schemaRef ds:uri="http://purl.org/dc/dcmitype/"/>
+    <ds:schemaRef ds:uri="http://purl.org/dc/terms/"/>
+    <ds:schemaRef ds:uri="21c16e65-816f-4847-be88-731645291b21"/>
+    <ds:schemaRef ds:uri="http://purl.org/dc/elements/1.1/"/>
+    <ds:schemaRef ds:uri="http://schemas.microsoft.com/office/infopath/2007/PartnerControls"/>
+    <ds:schemaRef ds:uri="http://schemas.openxmlformats.org/package/2006/metadata/core-properties"/>
+    <ds:schemaRef ds:uri="67c7d727-27e8-4526-a2a7-f89ba01a3409"/>
+    <ds:schemaRef ds:uri="http://schemas.microsoft.com/office/2006/metadata/properties"/>
+  </ds:schemaRefs>
+</ds:datastoreItem>
+</file>
+
 <file path=customXml/itemProps3.xml><?xml version="1.0" encoding="utf-8"?>
 <ds:datastoreItem xmlns:ds="http://schemas.openxmlformats.org/officeDocument/2006/customXml" ds:itemID="{F8B2D13A-B571-47A0-B384-30EF6393E3B0}">
   <ds:schemaRefs>
